--- a/powerpoints/lubridate.pptx
+++ b/powerpoints/lubridate.pptx
@@ -11410,7 +11410,7 @@
       </p:sp>
       <p:sp>
         <p:nvSpPr>
-          <p:cNvPr id="296" name="Identify the order of the year (y), month (m), day (d), hour (h), minute (m) and second (s) elements in your data…"/>
+          <p:cNvPr id="296" name="Identify the order of the year (y), month (m), day (d), hour (h), minute (m) and second (s) elements in your data.…"/>
           <p:cNvSpPr txBox="1"/>
           <p:nvPr/>
         </p:nvSpPr>
@@ -11495,7 +11495,7 @@
               <a:t>s</a:t>
             </a:r>
             <a:r>
-              <a:t>) elements in your data</a:t>
+              <a:t>) elements in your data.</a:t>
             </a:r>
           </a:p>
           <a:p>
@@ -11605,7 +11605,7 @@
       </p:sp>
       <p:sp>
         <p:nvSpPr>
-          <p:cNvPr id="299" name="date_decimal(decimal, tz = &quot;UTC&quot;) Q for quarter. date_decimal(2017.5)…"/>
+          <p:cNvPr id="299" name="date_decimal(decimal, tz = &quot;UTC&quot;) date_decimal(2017.5)…"/>
           <p:cNvSpPr txBox="1"/>
           <p:nvPr/>
         </p:nvSpPr>
@@ -11650,7 +11650,7 @@
               <a:t>date_decimal</a:t>
             </a:r>
             <a:r>
-              <a:t>(decimal, tz = "UTC") Q for quarter. </a:t>
+              <a:t>(decimal, tz = "UTC") </a:t>
             </a:r>
             <a:r>
               <a:rPr i="1"/>
@@ -27535,7 +27535,7 @@
               <a:t>nanoseconds</a:t>
             </a:r>
             <a:r>
-              <a:t>(x = 1) x milliseconds.</a:t>
+              <a:t>(x = 1) x nanoseconds.</a:t>
             </a:r>
             <a:endParaRPr i="1"/>
           </a:p>
@@ -30161,7 +30161,7 @@
             </a:pPr>
             <a:r>
               <a:rPr i="1"/>
-              <a:t>v &lt;-c(dt, dt + 100, dt + 1000)); int_diff(v)</a:t>
+              <a:t>v &lt;-c(dt, dt + 100, dt + 1000); int_diff(v)</a:t>
             </a:r>
             <a:endParaRPr i="1"/>
           </a:p>
@@ -34664,7 +34664,7 @@
                 </a:defRPr>
               </a:pPr>
               <a:r>
-                <a:t>normal + dminutes(90)</a:t>
+                <a:t>nor + dminutes(90)</a:t>
               </a:r>
             </a:p>
             <a:p>
@@ -38656,7 +38656,7 @@
                 </a:defRPr>
               </a:pPr>
               <a:r>
-                <a:t>normal + minutes(90)</a:t>
+                <a:t>nor + minutes(90)</a:t>
               </a:r>
             </a:p>
             <a:p>
@@ -41310,7 +41310,7 @@
                 </a:defRPr>
               </a:pPr>
               <a:r>
-                <a:t>interval(normal, normal + minutes(90))</a:t>
+                <a:t>interval(nor, nor + minutes(90))</a:t>
               </a:r>
             </a:p>
             <a:p>

--- a/powerpoints/lubridate.pptx
+++ b/powerpoints/lubridate.pptx
@@ -11724,38 +11724,9 @@
           </a:p>
         </p:txBody>
       </p:sp>
-      <p:pic>
-        <p:nvPicPr>
-          <p:cNvPr id="305" name="lubridate.png" descr="lubridate.png"/>
-          <p:cNvPicPr>
-            <a:picLocks noChangeAspect="1"/>
-          </p:cNvPicPr>
-          <p:nvPr/>
-        </p:nvPicPr>
-        <p:blipFill>
-          <a:blip r:embed="rId2">
-            <a:extLst/>
-          </a:blip>
-          <a:stretch>
-            <a:fillRect/>
-          </a:stretch>
-        </p:blipFill>
-        <p:spPr>
-          <a:xfrm>
-            <a:off x="12313158" y="217974"/>
-            <a:ext cx="1358901" cy="1575118"/>
-          </a:xfrm>
-          <a:prstGeom prst="rect">
-            <a:avLst/>
-          </a:prstGeom>
-          <a:ln w="12700">
-            <a:miter lim="400000"/>
-          </a:ln>
-        </p:spPr>
-      </p:pic>
       <p:sp>
         <p:nvSpPr>
-          <p:cNvPr id="306" name="RStudio® is a trademark of RStudio, Inc.  •  CC BY SA RStudio •  info@rstudio.com  •  844-448-1212 • rstudio.com •  Learn more at lubridate.tidyverse.org •  lubridate  1.6.0  •   Updated: 2017-12"/>
+          <p:cNvPr id="305" name="RStudio® is a trademark of RStudio, Inc.  •  CC BY SA RStudio •  info@rstudio.com  •  844-448-1212 • rstudio.com •  Learn more at lubridate.tidyverse.org •  lubridate  1.6.0  •   Updated: 2017-12"/>
           <p:cNvSpPr txBox="1"/>
           <p:nvPr/>
         </p:nvSpPr>
@@ -11800,34 +11771,34 @@
             </a:r>
             <a:r>
               <a:rPr>
+                <a:hlinkClick r:id="rId2" invalidUrl="" action="" tgtFrame="" tooltip="" history="1" highlightClick="0" endSnd="0"/>
+              </a:rPr>
+              <a:t>CC BY SA</a:t>
+            </a:r>
+            <a:r>
+              <a:t> RStudio •  </a:t>
+            </a:r>
+            <a:r>
+              <a:rPr>
                 <a:hlinkClick r:id="rId3" invalidUrl="" action="" tgtFrame="" tooltip="" history="1" highlightClick="0" endSnd="0"/>
               </a:rPr>
-              <a:t>CC BY SA</a:t>
-            </a:r>
-            <a:r>
-              <a:t> RStudio •  </a:t>
+              <a:t>info@rstudio.com</a:t>
+            </a:r>
+            <a:r>
+              <a:t>  •  844-448-1212 • </a:t>
             </a:r>
             <a:r>
               <a:rPr>
                 <a:hlinkClick r:id="rId4" invalidUrl="" action="" tgtFrame="" tooltip="" history="1" highlightClick="0" endSnd="0"/>
               </a:rPr>
-              <a:t>info@rstudio.com</a:t>
-            </a:r>
-            <a:r>
-              <a:t>  •  844-448-1212 • </a:t>
-            </a:r>
-            <a:r>
-              <a:rPr>
+              <a:t>rstudio.com</a:t>
+            </a:r>
+            <a:r>
+              <a:t> •  Learn more at </a:t>
+            </a:r>
+            <a:r>
+              <a:rPr b="1" u="sng">
                 <a:hlinkClick r:id="rId5" invalidUrl="" action="" tgtFrame="" tooltip="" history="1" highlightClick="0" endSnd="0"/>
-              </a:rPr>
-              <a:t>rstudio.com</a:t>
-            </a:r>
-            <a:r>
-              <a:t> •  Learn more at </a:t>
-            </a:r>
-            <a:r>
-              <a:rPr b="1" u="sng">
-                <a:hlinkClick r:id="rId6" invalidUrl="" action="" tgtFrame="" tooltip="" history="1" highlightClick="0" endSnd="0"/>
               </a:rPr>
               <a:t>lubridate.tidyverse.org</a:t>
             </a:r>
@@ -11837,38 +11808,9 @@
           </a:p>
         </p:txBody>
       </p:sp>
-      <p:pic>
-        <p:nvPicPr>
-          <p:cNvPr id="307" name="Image" descr="Image"/>
-          <p:cNvPicPr>
-            <a:picLocks noChangeAspect="1"/>
-          </p:cNvPicPr>
-          <p:nvPr/>
-        </p:nvPicPr>
-        <p:blipFill>
-          <a:blip r:embed="rId7">
-            <a:extLst/>
-          </a:blip>
-          <a:stretch>
-            <a:fillRect/>
-          </a:stretch>
-        </p:blipFill>
-        <p:spPr>
-          <a:xfrm>
-            <a:off x="238823" y="9978474"/>
-            <a:ext cx="1754521" cy="616478"/>
-          </a:xfrm>
-          <a:prstGeom prst="rect">
-            <a:avLst/>
-          </a:prstGeom>
-          <a:ln w="12700">
-            <a:miter lim="400000"/>
-          </a:ln>
-        </p:spPr>
-      </p:pic>
       <p:sp>
         <p:nvSpPr>
-          <p:cNvPr id="308" name="Line"/>
+          <p:cNvPr id="306" name="Line"/>
           <p:cNvSpPr/>
           <p:nvPr/>
         </p:nvSpPr>
@@ -11909,7 +11851,7 @@
       </p:sp>
       <p:sp>
         <p:nvSpPr>
-          <p:cNvPr id="309" name="Dates and times with lubridate : : CHEAT SHEET"/>
+          <p:cNvPr id="307" name="Dates and times with lubridate : : CHEAT SHEET"/>
           <p:cNvSpPr txBox="1"/>
           <p:nvPr>
             <p:ph type="title"/>
@@ -11961,7 +11903,7 @@
       </p:sp>
       <p:sp>
         <p:nvSpPr>
-          <p:cNvPr id="310" name="Date-times"/>
+          <p:cNvPr id="308" name="Date-times"/>
           <p:cNvSpPr txBox="1"/>
           <p:nvPr/>
         </p:nvSpPr>
@@ -12012,7 +11954,7 @@
       </p:sp>
       <p:sp>
         <p:nvSpPr>
-          <p:cNvPr id="311" name="Line"/>
+          <p:cNvPr id="309" name="Line"/>
           <p:cNvSpPr/>
           <p:nvPr/>
         </p:nvSpPr>
@@ -12053,7 +11995,7 @@
       </p:sp>
       <p:sp>
         <p:nvSpPr>
-          <p:cNvPr id="312" name="2017-11-28 12:00:00…"/>
+          <p:cNvPr id="310" name="2017-11-28 12:00:00…"/>
           <p:cNvSpPr txBox="1"/>
           <p:nvPr/>
         </p:nvSpPr>
@@ -12191,7 +12133,7 @@
       </p:sp>
       <p:sp>
         <p:nvSpPr>
-          <p:cNvPr id="313" name="Identify the order of the year (y), month (m), day (d), hour (h), minute (m) and second (s) elements in your data.…"/>
+          <p:cNvPr id="311" name="Identify the order of the year (y), month (m), day (d), hour (h), minute (m) and second (s) elements in your data.…"/>
           <p:cNvSpPr txBox="1"/>
           <p:nvPr/>
         </p:nvSpPr>
@@ -12303,7 +12245,7 @@
       </p:sp>
       <p:sp>
         <p:nvSpPr>
-          <p:cNvPr id="314" name="PARSE DATE-TIMES (Convert strings or numbers to date-times)"/>
+          <p:cNvPr id="312" name="PARSE DATE-TIMES (Convert strings or numbers to date-times)"/>
           <p:cNvSpPr txBox="1"/>
           <p:nvPr/>
         </p:nvSpPr>
@@ -12343,7 +12285,7 @@
       </p:sp>
       <p:sp>
         <p:nvSpPr>
-          <p:cNvPr id="315" name="Line"/>
+          <p:cNvPr id="313" name="Line"/>
           <p:cNvSpPr/>
           <p:nvPr/>
         </p:nvSpPr>
@@ -12386,7 +12328,7 @@
       </p:sp>
       <p:sp>
         <p:nvSpPr>
-          <p:cNvPr id="316" name="date_decimal(decimal, tz = &quot;UTC&quot;) date_decimal(2017.5)…"/>
+          <p:cNvPr id="314" name="date_decimal(decimal, tz = &quot;UTC&quot;) date_decimal(2017.5)…"/>
           <p:cNvSpPr txBox="1"/>
           <p:nvPr/>
         </p:nvSpPr>
@@ -12550,7 +12492,7 @@
       </p:sp>
       <p:sp>
         <p:nvSpPr>
-          <p:cNvPr id="317" name="ymd_hms(), ymd_hm(), ymd_h(). ymd_hms(&quot;2017-11-28T14:02:00&quot;)…"/>
+          <p:cNvPr id="315" name="ymd_hms(), ymd_hm(), ymd_h(). ymd_hms(&quot;2017-11-28T14:02:00&quot;)…"/>
           <p:cNvSpPr txBox="1"/>
           <p:nvPr/>
         </p:nvSpPr>
@@ -12922,7 +12864,7 @@
       </p:sp>
       <p:sp>
         <p:nvSpPr>
-          <p:cNvPr id="318" name="Line"/>
+          <p:cNvPr id="316" name="Line"/>
           <p:cNvSpPr/>
           <p:nvPr/>
         </p:nvSpPr>
@@ -12965,7 +12907,7 @@
       </p:sp>
       <p:sp>
         <p:nvSpPr>
-          <p:cNvPr id="319" name="2017-11-28T14:02:00"/>
+          <p:cNvPr id="317" name="2017-11-28T14:02:00"/>
           <p:cNvSpPr txBox="1"/>
           <p:nvPr/>
         </p:nvSpPr>
@@ -13066,7 +13008,7 @@
       </p:sp>
       <p:sp>
         <p:nvSpPr>
-          <p:cNvPr id="320" name="2017-22-12 10:00:00"/>
+          <p:cNvPr id="318" name="2017-22-12 10:00:00"/>
           <p:cNvSpPr txBox="1"/>
           <p:nvPr/>
         </p:nvSpPr>
@@ -13149,7 +13091,7 @@
       </p:sp>
       <p:sp>
         <p:nvSpPr>
-          <p:cNvPr id="321" name="11/28/2017 1:02:03"/>
+          <p:cNvPr id="319" name="11/28/2017 1:02:03"/>
           <p:cNvSpPr txBox="1"/>
           <p:nvPr/>
         </p:nvSpPr>
@@ -13232,7 +13174,7 @@
       </p:sp>
       <p:sp>
         <p:nvSpPr>
-          <p:cNvPr id="322" name="1 Jan 2017 23:59:59"/>
+          <p:cNvPr id="320" name="1 Jan 2017 23:59:59"/>
           <p:cNvSpPr txBox="1"/>
           <p:nvPr/>
         </p:nvSpPr>
@@ -13315,7 +13257,7 @@
       </p:sp>
       <p:sp>
         <p:nvSpPr>
-          <p:cNvPr id="323" name="20170131"/>
+          <p:cNvPr id="321" name="20170131"/>
           <p:cNvSpPr txBox="1"/>
           <p:nvPr/>
         </p:nvSpPr>
@@ -13389,7 +13331,7 @@
       </p:sp>
       <p:sp>
         <p:nvSpPr>
-          <p:cNvPr id="324" name="July 4th, 2000"/>
+          <p:cNvPr id="322" name="July 4th, 2000"/>
           <p:cNvSpPr txBox="1"/>
           <p:nvPr/>
         </p:nvSpPr>
@@ -13469,7 +13411,7 @@
       </p:sp>
       <p:sp>
         <p:nvSpPr>
-          <p:cNvPr id="325" name="4th of July '99"/>
+          <p:cNvPr id="323" name="4th of July '99"/>
           <p:cNvSpPr txBox="1"/>
           <p:nvPr/>
         </p:nvSpPr>
@@ -13549,7 +13491,7 @@
       </p:sp>
       <p:sp>
         <p:nvSpPr>
-          <p:cNvPr id="326" name="2001: Q3"/>
+          <p:cNvPr id="324" name="2001: Q3"/>
           <p:cNvSpPr txBox="1"/>
           <p:nvPr/>
         </p:nvSpPr>
@@ -13615,7 +13557,7 @@
       </p:sp>
       <p:sp>
         <p:nvSpPr>
-          <p:cNvPr id="327" name="2:01"/>
+          <p:cNvPr id="325" name="2:01"/>
           <p:cNvSpPr txBox="1"/>
           <p:nvPr/>
         </p:nvSpPr>
@@ -13684,7 +13626,7 @@
       </p:sp>
       <p:sp>
         <p:nvSpPr>
-          <p:cNvPr id="328" name="2017.5"/>
+          <p:cNvPr id="326" name="2017.5"/>
           <p:cNvSpPr txBox="1"/>
           <p:nvPr/>
         </p:nvSpPr>
@@ -13732,7 +13674,7 @@
       </p:sp>
       <p:grpSp>
         <p:nvGrpSpPr>
-          <p:cNvPr id="334" name="Group"/>
+          <p:cNvPr id="332" name="Group"/>
           <p:cNvGrpSpPr/>
           <p:nvPr/>
         </p:nvGrpSpPr>
@@ -13746,7 +13688,7 @@
         </p:grpSpPr>
         <p:sp>
           <p:nvSpPr>
-            <p:cNvPr id="329" name="Shape"/>
+            <p:cNvPr id="327" name="Shape"/>
             <p:cNvSpPr/>
             <p:nvPr/>
           </p:nvSpPr>
@@ -13844,7 +13786,7 @@
         </p:sp>
         <p:sp>
           <p:nvSpPr>
-            <p:cNvPr id="330" name="Circle"/>
+            <p:cNvPr id="328" name="Circle"/>
             <p:cNvSpPr/>
             <p:nvPr/>
           </p:nvSpPr>
@@ -13895,7 +13837,7 @@
         </p:sp>
         <p:sp>
           <p:nvSpPr>
-            <p:cNvPr id="331" name="Circle"/>
+            <p:cNvPr id="329" name="Circle"/>
             <p:cNvSpPr/>
             <p:nvPr/>
           </p:nvSpPr>
@@ -13946,7 +13888,7 @@
         </p:sp>
         <p:sp>
           <p:nvSpPr>
-            <p:cNvPr id="332" name="Triangle"/>
+            <p:cNvPr id="330" name="Triangle"/>
             <p:cNvSpPr/>
             <p:nvPr/>
           </p:nvSpPr>
@@ -14025,7 +13967,7 @@
         </p:sp>
         <p:sp>
           <p:nvSpPr>
-            <p:cNvPr id="333" name="Triangle"/>
+            <p:cNvPr id="331" name="Triangle"/>
             <p:cNvSpPr/>
             <p:nvPr/>
           </p:nvSpPr>
@@ -14105,7 +14047,7 @@
       </p:grpSp>
       <p:grpSp>
         <p:nvGrpSpPr>
-          <p:cNvPr id="347" name="Group"/>
+          <p:cNvPr id="345" name="Group"/>
           <p:cNvGrpSpPr/>
           <p:nvPr/>
         </p:nvGrpSpPr>
@@ -14119,7 +14061,7 @@
         </p:grpSpPr>
         <p:sp>
           <p:nvSpPr>
-            <p:cNvPr id="335" name="Line"/>
+            <p:cNvPr id="333" name="Line"/>
             <p:cNvSpPr/>
             <p:nvPr/>
           </p:nvSpPr>
@@ -14166,7 +14108,7 @@
         </p:sp>
         <p:sp>
           <p:nvSpPr>
-            <p:cNvPr id="336" name="Line"/>
+            <p:cNvPr id="334" name="Line"/>
             <p:cNvSpPr/>
             <p:nvPr/>
           </p:nvSpPr>
@@ -14212,7 +14154,7 @@
         </p:sp>
         <p:sp>
           <p:nvSpPr>
-            <p:cNvPr id="337" name="Line"/>
+            <p:cNvPr id="335" name="Line"/>
             <p:cNvSpPr/>
             <p:nvPr/>
           </p:nvSpPr>
@@ -14258,7 +14200,7 @@
         </p:sp>
         <p:sp>
           <p:nvSpPr>
-            <p:cNvPr id="338" name="Line"/>
+            <p:cNvPr id="336" name="Line"/>
             <p:cNvSpPr/>
             <p:nvPr/>
           </p:nvSpPr>
@@ -14304,7 +14246,7 @@
         </p:sp>
         <p:sp>
           <p:nvSpPr>
-            <p:cNvPr id="339" name="Line"/>
+            <p:cNvPr id="337" name="Line"/>
             <p:cNvSpPr/>
             <p:nvPr/>
           </p:nvSpPr>
@@ -14350,7 +14292,7 @@
         </p:sp>
         <p:sp>
           <p:nvSpPr>
-            <p:cNvPr id="340" name="Line"/>
+            <p:cNvPr id="338" name="Line"/>
             <p:cNvSpPr/>
             <p:nvPr/>
           </p:nvSpPr>
@@ -14396,7 +14338,7 @@
         </p:sp>
         <p:sp>
           <p:nvSpPr>
-            <p:cNvPr id="341" name="2016"/>
+            <p:cNvPr id="339" name="2016"/>
             <p:cNvSpPr txBox="1"/>
             <p:nvPr/>
           </p:nvSpPr>
@@ -14443,7 +14385,7 @@
         </p:sp>
         <p:sp>
           <p:nvSpPr>
-            <p:cNvPr id="342" name="2017"/>
+            <p:cNvPr id="340" name="2017"/>
             <p:cNvSpPr txBox="1"/>
             <p:nvPr/>
           </p:nvSpPr>
@@ -14490,7 +14432,7 @@
         </p:sp>
         <p:sp>
           <p:nvSpPr>
-            <p:cNvPr id="343" name="2018"/>
+            <p:cNvPr id="341" name="2018"/>
             <p:cNvSpPr txBox="1"/>
             <p:nvPr/>
           </p:nvSpPr>
@@ -14537,7 +14479,7 @@
         </p:sp>
         <p:sp>
           <p:nvSpPr>
-            <p:cNvPr id="344" name="2019"/>
+            <p:cNvPr id="342" name="2019"/>
             <p:cNvSpPr txBox="1"/>
             <p:nvPr/>
           </p:nvSpPr>
@@ -14584,7 +14526,7 @@
         </p:sp>
         <p:sp>
           <p:nvSpPr>
-            <p:cNvPr id="345" name="2020"/>
+            <p:cNvPr id="343" name="2020"/>
             <p:cNvSpPr txBox="1"/>
             <p:nvPr/>
           </p:nvSpPr>
@@ -14631,7 +14573,7 @@
         </p:sp>
         <p:sp>
           <p:nvSpPr>
-            <p:cNvPr id="346" name="Line"/>
+            <p:cNvPr id="344" name="Line"/>
             <p:cNvSpPr/>
             <p:nvPr/>
           </p:nvSpPr>
@@ -14682,7 +14624,7 @@
       </p:grpSp>
       <p:sp>
         <p:nvSpPr>
-          <p:cNvPr id="348" name="Line"/>
+          <p:cNvPr id="346" name="Line"/>
           <p:cNvSpPr/>
           <p:nvPr/>
         </p:nvSpPr>
@@ -14725,7 +14667,7 @@
       </p:sp>
       <p:grpSp>
         <p:nvGrpSpPr>
-          <p:cNvPr id="416" name="Group"/>
+          <p:cNvPr id="414" name="Group"/>
           <p:cNvGrpSpPr/>
           <p:nvPr/>
         </p:nvGrpSpPr>
@@ -14739,7 +14681,7 @@
         </p:grpSpPr>
         <p:sp>
           <p:nvSpPr>
-            <p:cNvPr id="349" name="Rectangle"/>
+            <p:cNvPr id="347" name="Rectangle"/>
             <p:cNvSpPr/>
             <p:nvPr/>
           </p:nvSpPr>
@@ -14787,7 +14729,7 @@
         </p:sp>
         <p:grpSp>
           <p:nvGrpSpPr>
-            <p:cNvPr id="414" name="Group"/>
+            <p:cNvPr id="412" name="Group"/>
             <p:cNvGrpSpPr/>
             <p:nvPr/>
           </p:nvGrpSpPr>
@@ -14801,7 +14743,7 @@
           </p:grpSpPr>
           <p:sp>
             <p:nvSpPr>
-              <p:cNvPr id="350" name="J"/>
+              <p:cNvPr id="348" name="J"/>
               <p:cNvSpPr txBox="1"/>
               <p:nvPr/>
             </p:nvSpPr>
@@ -14855,7 +14797,7 @@
           </p:sp>
           <p:sp>
             <p:nvSpPr>
-              <p:cNvPr id="351" name="F"/>
+              <p:cNvPr id="349" name="F"/>
               <p:cNvSpPr txBox="1"/>
               <p:nvPr/>
             </p:nvSpPr>
@@ -14909,7 +14851,7 @@
           </p:sp>
           <p:sp>
             <p:nvSpPr>
-              <p:cNvPr id="352" name="M"/>
+              <p:cNvPr id="350" name="M"/>
               <p:cNvSpPr txBox="1"/>
               <p:nvPr/>
             </p:nvSpPr>
@@ -14963,7 +14905,7 @@
           </p:sp>
           <p:sp>
             <p:nvSpPr>
-              <p:cNvPr id="353" name="A"/>
+              <p:cNvPr id="351" name="A"/>
               <p:cNvSpPr txBox="1"/>
               <p:nvPr/>
             </p:nvSpPr>
@@ -15017,7 +14959,7 @@
           </p:sp>
           <p:sp>
             <p:nvSpPr>
-              <p:cNvPr id="354" name="M"/>
+              <p:cNvPr id="352" name="M"/>
               <p:cNvSpPr txBox="1"/>
               <p:nvPr/>
             </p:nvSpPr>
@@ -15071,7 +15013,7 @@
           </p:sp>
           <p:sp>
             <p:nvSpPr>
-              <p:cNvPr id="355" name="J"/>
+              <p:cNvPr id="353" name="J"/>
               <p:cNvSpPr txBox="1"/>
               <p:nvPr/>
             </p:nvSpPr>
@@ -15125,7 +15067,7 @@
           </p:sp>
           <p:sp>
             <p:nvSpPr>
-              <p:cNvPr id="356" name="A"/>
+              <p:cNvPr id="354" name="A"/>
               <p:cNvSpPr txBox="1"/>
               <p:nvPr/>
             </p:nvSpPr>
@@ -15179,7 +15121,7 @@
           </p:sp>
           <p:sp>
             <p:nvSpPr>
-              <p:cNvPr id="357" name="S"/>
+              <p:cNvPr id="355" name="S"/>
               <p:cNvSpPr txBox="1"/>
               <p:nvPr/>
             </p:nvSpPr>
@@ -15233,7 +15175,7 @@
           </p:sp>
           <p:sp>
             <p:nvSpPr>
-              <p:cNvPr id="358" name="O"/>
+              <p:cNvPr id="356" name="O"/>
               <p:cNvSpPr txBox="1"/>
               <p:nvPr/>
             </p:nvSpPr>
@@ -15287,7 +15229,7 @@
           </p:sp>
           <p:sp>
             <p:nvSpPr>
-              <p:cNvPr id="359" name="N"/>
+              <p:cNvPr id="357" name="N"/>
               <p:cNvSpPr txBox="1"/>
               <p:nvPr/>
             </p:nvSpPr>
@@ -15341,7 +15283,7 @@
           </p:sp>
           <p:sp>
             <p:nvSpPr>
-              <p:cNvPr id="360" name="J"/>
+              <p:cNvPr id="358" name="J"/>
               <p:cNvSpPr txBox="1"/>
               <p:nvPr/>
             </p:nvSpPr>
@@ -15395,7 +15337,7 @@
           </p:sp>
           <p:sp>
             <p:nvSpPr>
-              <p:cNvPr id="361" name="D"/>
+              <p:cNvPr id="359" name="D"/>
               <p:cNvSpPr txBox="1"/>
               <p:nvPr/>
             </p:nvSpPr>
@@ -15449,13 +15391,111 @@
           </p:sp>
           <p:sp>
             <p:nvSpPr>
+              <p:cNvPr id="360" name="Line"/>
+              <p:cNvSpPr/>
+              <p:nvPr/>
+            </p:nvSpPr>
+            <p:spPr>
+              <a:xfrm flipV="1">
+                <a:off x="32755" y="72874"/>
+                <a:ext cx="1" cy="332698"/>
+              </a:xfrm>
+              <a:prstGeom prst="line">
+                <a:avLst/>
+              </a:prstGeom>
+              <a:noFill/>
+              <a:ln w="3175" cap="flat">
+                <a:solidFill>
+                  <a:schemeClr val="accent4">
+                    <a:satOff val="8634"/>
+                    <a:lumOff val="-20316"/>
+                  </a:schemeClr>
+                </a:solidFill>
+                <a:prstDash val="solid"/>
+                <a:miter lim="400000"/>
+              </a:ln>
+              <a:effectLst/>
+            </p:spPr>
+            <p:txBody>
+              <a:bodyPr wrap="square" lIns="54570" tIns="54570" rIns="54570" bIns="54570" numCol="1" anchor="ctr">
+                <a:noAutofit/>
+              </a:bodyPr>
+              <a:lstStyle/>
+              <a:p>
+                <a:pPr>
+                  <a:lnSpc>
+                    <a:spcPct val="80000"/>
+                  </a:lnSpc>
+                  <a:spcBef>
+                    <a:spcPts val="600"/>
+                  </a:spcBef>
+                  <a:defRPr b="0">
+                    <a:solidFill>
+                      <a:srgbClr val="000000"/>
+                    </a:solidFill>
+                  </a:defRPr>
+                </a:pPr>
+              </a:p>
+            </p:txBody>
+          </p:sp>
+          <p:sp>
+            <p:nvSpPr>
+              <p:cNvPr id="361" name="Line"/>
+              <p:cNvSpPr/>
+              <p:nvPr/>
+            </p:nvSpPr>
+            <p:spPr>
+              <a:xfrm flipV="1">
+                <a:off x="65510" y="72874"/>
+                <a:ext cx="1" cy="332698"/>
+              </a:xfrm>
+              <a:prstGeom prst="line">
+                <a:avLst/>
+              </a:prstGeom>
+              <a:noFill/>
+              <a:ln w="3175" cap="flat">
+                <a:solidFill>
+                  <a:schemeClr val="accent4">
+                    <a:satOff val="8634"/>
+                    <a:lumOff val="-20316"/>
+                  </a:schemeClr>
+                </a:solidFill>
+                <a:prstDash val="solid"/>
+                <a:miter lim="400000"/>
+              </a:ln>
+              <a:effectLst/>
+            </p:spPr>
+            <p:txBody>
+              <a:bodyPr wrap="square" lIns="54570" tIns="54570" rIns="54570" bIns="54570" numCol="1" anchor="ctr">
+                <a:noAutofit/>
+              </a:bodyPr>
+              <a:lstStyle/>
+              <a:p>
+                <a:pPr>
+                  <a:lnSpc>
+                    <a:spcPct val="80000"/>
+                  </a:lnSpc>
+                  <a:spcBef>
+                    <a:spcPts val="600"/>
+                  </a:spcBef>
+                  <a:defRPr b="0">
+                    <a:solidFill>
+                      <a:srgbClr val="000000"/>
+                    </a:solidFill>
+                  </a:defRPr>
+                </a:pPr>
+              </a:p>
+            </p:txBody>
+          </p:sp>
+          <p:sp>
+            <p:nvSpPr>
               <p:cNvPr id="362" name="Line"/>
               <p:cNvSpPr/>
               <p:nvPr/>
             </p:nvSpPr>
             <p:spPr>
               <a:xfrm flipV="1">
-                <a:off x="32755" y="72874"/>
+                <a:off x="98266" y="72874"/>
                 <a:ext cx="1" cy="332698"/>
               </a:xfrm>
               <a:prstGeom prst="line">
@@ -15504,7 +15544,7 @@
             </p:nvSpPr>
             <p:spPr>
               <a:xfrm flipV="1">
-                <a:off x="65510" y="72874"/>
+                <a:off x="131021" y="72874"/>
                 <a:ext cx="1" cy="332698"/>
               </a:xfrm>
               <a:prstGeom prst="line">
@@ -15553,7 +15593,7 @@
             </p:nvSpPr>
             <p:spPr>
               <a:xfrm flipV="1">
-                <a:off x="98266" y="72874"/>
+                <a:off x="196532" y="72874"/>
                 <a:ext cx="1" cy="332698"/>
               </a:xfrm>
               <a:prstGeom prst="line">
@@ -15602,7 +15642,7 @@
             </p:nvSpPr>
             <p:spPr>
               <a:xfrm flipV="1">
-                <a:off x="131021" y="72874"/>
+                <a:off x="262043" y="72874"/>
                 <a:ext cx="1" cy="332698"/>
               </a:xfrm>
               <a:prstGeom prst="line">
@@ -15651,7 +15691,7 @@
             </p:nvSpPr>
             <p:spPr>
               <a:xfrm flipV="1">
-                <a:off x="196532" y="72874"/>
+                <a:off x="327554" y="72874"/>
                 <a:ext cx="1" cy="332698"/>
               </a:xfrm>
               <a:prstGeom prst="line">
@@ -15700,7 +15740,7 @@
             </p:nvSpPr>
             <p:spPr>
               <a:xfrm flipV="1">
-                <a:off x="262043" y="72874"/>
+                <a:off x="163777" y="72874"/>
                 <a:ext cx="1" cy="332698"/>
               </a:xfrm>
               <a:prstGeom prst="line">
@@ -15749,7 +15789,7 @@
             </p:nvSpPr>
             <p:spPr>
               <a:xfrm flipV="1">
-                <a:off x="327554" y="72874"/>
+                <a:off x="294798" y="72874"/>
                 <a:ext cx="1" cy="332698"/>
               </a:xfrm>
               <a:prstGeom prst="line">
@@ -15798,7 +15838,7 @@
             </p:nvSpPr>
             <p:spPr>
               <a:xfrm flipV="1">
-                <a:off x="163777" y="72874"/>
+                <a:off x="360309" y="72874"/>
                 <a:ext cx="1" cy="332698"/>
               </a:xfrm>
               <a:prstGeom prst="line">
@@ -15847,7 +15887,7 @@
             </p:nvSpPr>
             <p:spPr>
               <a:xfrm flipV="1">
-                <a:off x="294798" y="72874"/>
+                <a:off x="425820" y="72874"/>
                 <a:ext cx="1" cy="332698"/>
               </a:xfrm>
               <a:prstGeom prst="line">
@@ -15896,7 +15936,7 @@
             </p:nvSpPr>
             <p:spPr>
               <a:xfrm flipV="1">
-                <a:off x="360309" y="72874"/>
+                <a:off x="491331" y="72874"/>
                 <a:ext cx="1" cy="332698"/>
               </a:xfrm>
               <a:prstGeom prst="line">
@@ -15945,7 +15985,7 @@
             </p:nvSpPr>
             <p:spPr>
               <a:xfrm flipV="1">
-                <a:off x="425820" y="72874"/>
+                <a:off x="556842" y="72874"/>
                 <a:ext cx="1" cy="332698"/>
               </a:xfrm>
               <a:prstGeom prst="line">
@@ -15994,7 +16034,7 @@
             </p:nvSpPr>
             <p:spPr>
               <a:xfrm flipV="1">
-                <a:off x="491331" y="72874"/>
+                <a:off x="393065" y="72874"/>
                 <a:ext cx="1" cy="332698"/>
               </a:xfrm>
               <a:prstGeom prst="line">
@@ -16043,7 +16083,7 @@
             </p:nvSpPr>
             <p:spPr>
               <a:xfrm flipV="1">
-                <a:off x="556842" y="72874"/>
+                <a:off x="524087" y="72874"/>
                 <a:ext cx="1" cy="332698"/>
               </a:xfrm>
               <a:prstGeom prst="line">
@@ -16092,7 +16132,7 @@
             </p:nvSpPr>
             <p:spPr>
               <a:xfrm flipV="1">
-                <a:off x="393065" y="72874"/>
+                <a:off x="589597" y="72874"/>
                 <a:ext cx="1" cy="332698"/>
               </a:xfrm>
               <a:prstGeom prst="line">
@@ -16141,7 +16181,7 @@
             </p:nvSpPr>
             <p:spPr>
               <a:xfrm flipV="1">
-                <a:off x="524087" y="72874"/>
+                <a:off x="622353" y="72874"/>
                 <a:ext cx="1" cy="332698"/>
               </a:xfrm>
               <a:prstGeom prst="line">
@@ -16190,7 +16230,7 @@
             </p:nvSpPr>
             <p:spPr>
               <a:xfrm flipV="1">
-                <a:off x="589597" y="72874"/>
+                <a:off x="655108" y="72874"/>
                 <a:ext cx="1" cy="332698"/>
               </a:xfrm>
               <a:prstGeom prst="line">
@@ -16239,7 +16279,7 @@
             </p:nvSpPr>
             <p:spPr>
               <a:xfrm flipV="1">
-                <a:off x="622353" y="72874"/>
+                <a:off x="720619" y="72874"/>
                 <a:ext cx="1" cy="332698"/>
               </a:xfrm>
               <a:prstGeom prst="line">
@@ -16288,7 +16328,7 @@
             </p:nvSpPr>
             <p:spPr>
               <a:xfrm flipV="1">
-                <a:off x="655108" y="72874"/>
+                <a:off x="753374" y="72874"/>
                 <a:ext cx="1" cy="332698"/>
               </a:xfrm>
               <a:prstGeom prst="line">
@@ -16337,7 +16377,7 @@
             </p:nvSpPr>
             <p:spPr>
               <a:xfrm flipV="1">
-                <a:off x="720619" y="72874"/>
+                <a:off x="786130" y="72874"/>
                 <a:ext cx="1" cy="332698"/>
               </a:xfrm>
               <a:prstGeom prst="line">
@@ -16386,7 +16426,7 @@
             </p:nvSpPr>
             <p:spPr>
               <a:xfrm flipV="1">
-                <a:off x="753374" y="72874"/>
+                <a:off x="818885" y="72874"/>
                 <a:ext cx="1" cy="332698"/>
               </a:xfrm>
               <a:prstGeom prst="line">
@@ -16435,7 +16475,7 @@
             </p:nvSpPr>
             <p:spPr>
               <a:xfrm flipV="1">
-                <a:off x="786130" y="72874"/>
+                <a:off x="884396" y="72874"/>
                 <a:ext cx="1" cy="332698"/>
               </a:xfrm>
               <a:prstGeom prst="line">
@@ -16484,7 +16524,7 @@
             </p:nvSpPr>
             <p:spPr>
               <a:xfrm flipV="1">
-                <a:off x="818885" y="72874"/>
+                <a:off x="949907" y="72874"/>
                 <a:ext cx="1" cy="332698"/>
               </a:xfrm>
               <a:prstGeom prst="line">
@@ -16533,7 +16573,7 @@
             </p:nvSpPr>
             <p:spPr>
               <a:xfrm flipV="1">
-                <a:off x="884396" y="72874"/>
+                <a:off x="1015418" y="72874"/>
                 <a:ext cx="1" cy="332698"/>
               </a:xfrm>
               <a:prstGeom prst="line">
@@ -16582,7 +16622,7 @@
             </p:nvSpPr>
             <p:spPr>
               <a:xfrm flipV="1">
-                <a:off x="949907" y="72874"/>
+                <a:off x="851641" y="72874"/>
                 <a:ext cx="1" cy="332698"/>
               </a:xfrm>
               <a:prstGeom prst="line">
@@ -16631,7 +16671,7 @@
             </p:nvSpPr>
             <p:spPr>
               <a:xfrm flipV="1">
-                <a:off x="1015418" y="72874"/>
+                <a:off x="982662" y="72874"/>
                 <a:ext cx="1" cy="332698"/>
               </a:xfrm>
               <a:prstGeom prst="line">
@@ -16680,7 +16720,7 @@
             </p:nvSpPr>
             <p:spPr>
               <a:xfrm flipV="1">
-                <a:off x="851641" y="72874"/>
+                <a:off x="1048173" y="72874"/>
                 <a:ext cx="1" cy="332698"/>
               </a:xfrm>
               <a:prstGeom prst="line">
@@ -16729,7 +16769,7 @@
             </p:nvSpPr>
             <p:spPr>
               <a:xfrm flipV="1">
-                <a:off x="982662" y="72874"/>
+                <a:off x="1113684" y="72874"/>
                 <a:ext cx="1" cy="332698"/>
               </a:xfrm>
               <a:prstGeom prst="line">
@@ -16778,7 +16818,7 @@
             </p:nvSpPr>
             <p:spPr>
               <a:xfrm flipV="1">
-                <a:off x="1048173" y="72874"/>
+                <a:off x="1179195" y="72874"/>
                 <a:ext cx="1" cy="332698"/>
               </a:xfrm>
               <a:prstGeom prst="line">
@@ -16827,7 +16867,7 @@
             </p:nvSpPr>
             <p:spPr>
               <a:xfrm flipV="1">
-                <a:off x="1113684" y="72874"/>
+                <a:off x="1244706" y="72874"/>
                 <a:ext cx="1" cy="332698"/>
               </a:xfrm>
               <a:prstGeom prst="line">
@@ -16876,7 +16916,7 @@
             </p:nvSpPr>
             <p:spPr>
               <a:xfrm flipV="1">
-                <a:off x="1179195" y="72874"/>
+                <a:off x="1080929" y="72874"/>
                 <a:ext cx="1" cy="332698"/>
               </a:xfrm>
               <a:prstGeom prst="line">
@@ -16925,7 +16965,7 @@
             </p:nvSpPr>
             <p:spPr>
               <a:xfrm flipV="1">
-                <a:off x="1244706" y="72874"/>
+                <a:off x="1211950" y="72874"/>
                 <a:ext cx="1" cy="332698"/>
               </a:xfrm>
               <a:prstGeom prst="line">
@@ -16974,7 +17014,7 @@
             </p:nvSpPr>
             <p:spPr>
               <a:xfrm flipV="1">
-                <a:off x="1080929" y="72874"/>
+                <a:off x="1277461" y="72874"/>
                 <a:ext cx="1" cy="332698"/>
               </a:xfrm>
               <a:prstGeom prst="line">
@@ -17023,7 +17063,7 @@
             </p:nvSpPr>
             <p:spPr>
               <a:xfrm flipV="1">
-                <a:off x="1211950" y="72874"/>
+                <a:off x="1310217" y="72874"/>
                 <a:ext cx="1" cy="332698"/>
               </a:xfrm>
               <a:prstGeom prst="line">
@@ -17072,7 +17112,7 @@
             </p:nvSpPr>
             <p:spPr>
               <a:xfrm flipV="1">
-                <a:off x="1277461" y="72874"/>
+                <a:off x="1342972" y="72874"/>
                 <a:ext cx="1" cy="332698"/>
               </a:xfrm>
               <a:prstGeom prst="line">
@@ -17115,105 +17155,7 @@
           </p:sp>
           <p:sp>
             <p:nvSpPr>
-              <p:cNvPr id="396" name="Line"/>
-              <p:cNvSpPr/>
-              <p:nvPr/>
-            </p:nvSpPr>
-            <p:spPr>
-              <a:xfrm flipV="1">
-                <a:off x="1310217" y="72874"/>
-                <a:ext cx="1" cy="332698"/>
-              </a:xfrm>
-              <a:prstGeom prst="line">
-                <a:avLst/>
-              </a:prstGeom>
-              <a:noFill/>
-              <a:ln w="3175" cap="flat">
-                <a:solidFill>
-                  <a:schemeClr val="accent4">
-                    <a:satOff val="8634"/>
-                    <a:lumOff val="-20316"/>
-                  </a:schemeClr>
-                </a:solidFill>
-                <a:prstDash val="solid"/>
-                <a:miter lim="400000"/>
-              </a:ln>
-              <a:effectLst/>
-            </p:spPr>
-            <p:txBody>
-              <a:bodyPr wrap="square" lIns="54570" tIns="54570" rIns="54570" bIns="54570" numCol="1" anchor="ctr">
-                <a:noAutofit/>
-              </a:bodyPr>
-              <a:lstStyle/>
-              <a:p>
-                <a:pPr>
-                  <a:lnSpc>
-                    <a:spcPct val="80000"/>
-                  </a:lnSpc>
-                  <a:spcBef>
-                    <a:spcPts val="600"/>
-                  </a:spcBef>
-                  <a:defRPr b="0">
-                    <a:solidFill>
-                      <a:srgbClr val="000000"/>
-                    </a:solidFill>
-                  </a:defRPr>
-                </a:pPr>
-              </a:p>
-            </p:txBody>
-          </p:sp>
-          <p:sp>
-            <p:nvSpPr>
-              <p:cNvPr id="397" name="Line"/>
-              <p:cNvSpPr/>
-              <p:nvPr/>
-            </p:nvSpPr>
-            <p:spPr>
-              <a:xfrm flipV="1">
-                <a:off x="1342972" y="72874"/>
-                <a:ext cx="1" cy="332698"/>
-              </a:xfrm>
-              <a:prstGeom prst="line">
-                <a:avLst/>
-              </a:prstGeom>
-              <a:noFill/>
-              <a:ln w="3175" cap="flat">
-                <a:solidFill>
-                  <a:schemeClr val="accent4">
-                    <a:satOff val="8634"/>
-                    <a:lumOff val="-20316"/>
-                  </a:schemeClr>
-                </a:solidFill>
-                <a:prstDash val="solid"/>
-                <a:miter lim="400000"/>
-              </a:ln>
-              <a:effectLst/>
-            </p:spPr>
-            <p:txBody>
-              <a:bodyPr wrap="square" lIns="54570" tIns="54570" rIns="54570" bIns="54570" numCol="1" anchor="ctr">
-                <a:noAutofit/>
-              </a:bodyPr>
-              <a:lstStyle/>
-              <a:p>
-                <a:pPr>
-                  <a:lnSpc>
-                    <a:spcPct val="80000"/>
-                  </a:lnSpc>
-                  <a:spcBef>
-                    <a:spcPts val="600"/>
-                  </a:spcBef>
-                  <a:defRPr b="0">
-                    <a:solidFill>
-                      <a:srgbClr val="000000"/>
-                    </a:solidFill>
-                  </a:defRPr>
-                </a:pPr>
-              </a:p>
-            </p:txBody>
-          </p:sp>
-          <p:sp>
-            <p:nvSpPr>
-              <p:cNvPr id="398" name="Rectangle"/>
+              <p:cNvPr id="396" name="Rectangle"/>
               <p:cNvSpPr/>
               <p:nvPr/>
             </p:nvSpPr>
@@ -17258,7 +17200,7 @@
           </p:sp>
           <p:sp>
             <p:nvSpPr>
-              <p:cNvPr id="399" name="Line"/>
+              <p:cNvPr id="397" name="Line"/>
               <p:cNvSpPr/>
               <p:nvPr/>
             </p:nvSpPr>
@@ -17307,7 +17249,7 @@
           </p:sp>
           <p:sp>
             <p:nvSpPr>
-              <p:cNvPr id="400" name="Rectangle"/>
+              <p:cNvPr id="398" name="Rectangle"/>
               <p:cNvSpPr/>
               <p:nvPr/>
             </p:nvSpPr>
@@ -17356,13 +17298,111 @@
           </p:sp>
           <p:sp>
             <p:nvSpPr>
+              <p:cNvPr id="399" name="Line"/>
+              <p:cNvSpPr/>
+              <p:nvPr/>
+            </p:nvSpPr>
+            <p:spPr>
+              <a:xfrm flipV="1">
+                <a:off x="459084" y="34774"/>
+                <a:ext cx="1" cy="370798"/>
+              </a:xfrm>
+              <a:prstGeom prst="line">
+                <a:avLst/>
+              </a:prstGeom>
+              <a:noFill/>
+              <a:ln w="9525" cap="flat">
+                <a:solidFill>
+                  <a:schemeClr val="accent4">
+                    <a:satOff val="8634"/>
+                    <a:lumOff val="-20316"/>
+                  </a:schemeClr>
+                </a:solidFill>
+                <a:prstDash val="solid"/>
+                <a:miter lim="400000"/>
+              </a:ln>
+              <a:effectLst/>
+            </p:spPr>
+            <p:txBody>
+              <a:bodyPr wrap="square" lIns="54570" tIns="54570" rIns="54570" bIns="54570" numCol="1" anchor="ctr">
+                <a:noAutofit/>
+              </a:bodyPr>
+              <a:lstStyle/>
+              <a:p>
+                <a:pPr>
+                  <a:lnSpc>
+                    <a:spcPct val="80000"/>
+                  </a:lnSpc>
+                  <a:spcBef>
+                    <a:spcPts val="600"/>
+                  </a:spcBef>
+                  <a:defRPr b="0">
+                    <a:solidFill>
+                      <a:srgbClr val="000000"/>
+                    </a:solidFill>
+                  </a:defRPr>
+                </a:pPr>
+              </a:p>
+            </p:txBody>
+          </p:sp>
+          <p:sp>
+            <p:nvSpPr>
+              <p:cNvPr id="400" name="Line"/>
+              <p:cNvSpPr/>
+              <p:nvPr/>
+            </p:nvSpPr>
+            <p:spPr>
+              <a:xfrm flipV="1">
+                <a:off x="229542" y="34774"/>
+                <a:ext cx="1" cy="370798"/>
+              </a:xfrm>
+              <a:prstGeom prst="line">
+                <a:avLst/>
+              </a:prstGeom>
+              <a:noFill/>
+              <a:ln w="9525" cap="flat">
+                <a:solidFill>
+                  <a:schemeClr val="accent4">
+                    <a:satOff val="8634"/>
+                    <a:lumOff val="-20316"/>
+                  </a:schemeClr>
+                </a:solidFill>
+                <a:prstDash val="solid"/>
+                <a:miter lim="400000"/>
+              </a:ln>
+              <a:effectLst/>
+            </p:spPr>
+            <p:txBody>
+              <a:bodyPr wrap="square" lIns="54570" tIns="54570" rIns="54570" bIns="54570" numCol="1" anchor="ctr">
+                <a:noAutofit/>
+              </a:bodyPr>
+              <a:lstStyle/>
+              <a:p>
+                <a:pPr>
+                  <a:lnSpc>
+                    <a:spcPct val="80000"/>
+                  </a:lnSpc>
+                  <a:spcBef>
+                    <a:spcPts val="600"/>
+                  </a:spcBef>
+                  <a:defRPr b="0">
+                    <a:solidFill>
+                      <a:srgbClr val="000000"/>
+                    </a:solidFill>
+                  </a:defRPr>
+                </a:pPr>
+              </a:p>
+            </p:txBody>
+          </p:sp>
+          <p:sp>
+            <p:nvSpPr>
               <p:cNvPr id="401" name="Line"/>
               <p:cNvSpPr/>
               <p:nvPr/>
             </p:nvSpPr>
             <p:spPr>
               <a:xfrm flipV="1">
-                <a:off x="459084" y="34774"/>
+                <a:off x="918168" y="34774"/>
                 <a:ext cx="1" cy="370798"/>
               </a:xfrm>
               <a:prstGeom prst="line">
@@ -17411,7 +17451,7 @@
             </p:nvSpPr>
             <p:spPr>
               <a:xfrm flipV="1">
-                <a:off x="229542" y="34774"/>
+                <a:off x="1147710" y="34774"/>
                 <a:ext cx="1" cy="370798"/>
               </a:xfrm>
               <a:prstGeom prst="line">
@@ -17459,15 +17499,15 @@
               <p:nvPr/>
             </p:nvSpPr>
             <p:spPr>
-              <a:xfrm flipV="1">
-                <a:off x="918168" y="34774"/>
-                <a:ext cx="1" cy="370798"/>
+              <a:xfrm>
+                <a:off x="1373" y="112802"/>
+                <a:ext cx="1382369" cy="1"/>
               </a:xfrm>
               <a:prstGeom prst="line">
                 <a:avLst/>
               </a:prstGeom>
               <a:noFill/>
-              <a:ln w="9525" cap="flat">
+              <a:ln w="3175" cap="flat">
                 <a:solidFill>
                   <a:schemeClr val="accent4">
                     <a:satOff val="8634"/>
@@ -17508,15 +17548,15 @@
               <p:nvPr/>
             </p:nvSpPr>
             <p:spPr>
-              <a:xfrm flipV="1">
-                <a:off x="1147710" y="34774"/>
-                <a:ext cx="1" cy="370798"/>
+              <a:xfrm>
+                <a:off x="686" y="147967"/>
+                <a:ext cx="1383056" cy="1"/>
               </a:xfrm>
               <a:prstGeom prst="line">
                 <a:avLst/>
               </a:prstGeom>
               <a:noFill/>
-              <a:ln w="9525" cap="flat">
+              <a:ln w="3175" cap="flat">
                 <a:solidFill>
                   <a:schemeClr val="accent4">
                     <a:satOff val="8634"/>
@@ -17558,8 +17598,8 @@
             </p:nvSpPr>
             <p:spPr>
               <a:xfrm>
-                <a:off x="1373" y="112802"/>
-                <a:ext cx="1382369" cy="1"/>
+                <a:off x="0" y="183133"/>
+                <a:ext cx="1383742" cy="1"/>
               </a:xfrm>
               <a:prstGeom prst="line">
                 <a:avLst/>
@@ -17607,14 +17647,14 @@
             </p:nvSpPr>
             <p:spPr>
               <a:xfrm>
-                <a:off x="686" y="147967"/>
-                <a:ext cx="1383056" cy="1"/>
+                <a:off x="1029" y="218298"/>
+                <a:ext cx="1382713" cy="1"/>
               </a:xfrm>
               <a:prstGeom prst="line">
                 <a:avLst/>
               </a:prstGeom>
               <a:noFill/>
-              <a:ln w="3175" cap="flat">
+              <a:ln w="6350" cap="flat">
                 <a:solidFill>
                   <a:schemeClr val="accent4">
                     <a:satOff val="8634"/>
@@ -17656,8 +17696,8 @@
             </p:nvSpPr>
             <p:spPr>
               <a:xfrm>
-                <a:off x="0" y="183133"/>
-                <a:ext cx="1383742" cy="1"/>
+                <a:off x="1373" y="323794"/>
+                <a:ext cx="1382369" cy="1"/>
               </a:xfrm>
               <a:prstGeom prst="line">
                 <a:avLst/>
@@ -17705,14 +17745,14 @@
             </p:nvSpPr>
             <p:spPr>
               <a:xfrm>
-                <a:off x="1029" y="218298"/>
-                <a:ext cx="1382713" cy="1"/>
+                <a:off x="686" y="358960"/>
+                <a:ext cx="1383056" cy="1"/>
               </a:xfrm>
               <a:prstGeom prst="line">
                 <a:avLst/>
               </a:prstGeom>
               <a:noFill/>
-              <a:ln w="6350" cap="flat">
+              <a:ln w="3175" cap="flat">
                 <a:solidFill>
                   <a:schemeClr val="accent4">
                     <a:satOff val="8634"/>
@@ -17754,14 +17794,14 @@
             </p:nvSpPr>
             <p:spPr>
               <a:xfrm>
-                <a:off x="1373" y="323794"/>
+                <a:off x="1373" y="77636"/>
                 <a:ext cx="1382369" cy="1"/>
               </a:xfrm>
               <a:prstGeom prst="line">
                 <a:avLst/>
               </a:prstGeom>
               <a:noFill/>
-              <a:ln w="3175" cap="flat">
+              <a:ln w="6350" cap="flat">
                 <a:solidFill>
                   <a:schemeClr val="accent4">
                     <a:satOff val="8634"/>
@@ -17803,14 +17843,14 @@
             </p:nvSpPr>
             <p:spPr>
               <a:xfrm>
-                <a:off x="686" y="358960"/>
-                <a:ext cx="1383056" cy="1"/>
+                <a:off x="1373" y="253464"/>
+                <a:ext cx="1382369" cy="1"/>
               </a:xfrm>
               <a:prstGeom prst="line">
                 <a:avLst/>
               </a:prstGeom>
               <a:noFill/>
-              <a:ln w="3175" cap="flat">
+              <a:ln w="6350" cap="flat">
                 <a:solidFill>
                   <a:schemeClr val="accent4">
                     <a:satOff val="8634"/>
@@ -17852,104 +17892,6 @@
             </p:nvSpPr>
             <p:spPr>
               <a:xfrm>
-                <a:off x="1373" y="77636"/>
-                <a:ext cx="1382369" cy="1"/>
-              </a:xfrm>
-              <a:prstGeom prst="line">
-                <a:avLst/>
-              </a:prstGeom>
-              <a:noFill/>
-              <a:ln w="6350" cap="flat">
-                <a:solidFill>
-                  <a:schemeClr val="accent4">
-                    <a:satOff val="8634"/>
-                    <a:lumOff val="-20316"/>
-                  </a:schemeClr>
-                </a:solidFill>
-                <a:prstDash val="solid"/>
-                <a:miter lim="400000"/>
-              </a:ln>
-              <a:effectLst/>
-            </p:spPr>
-            <p:txBody>
-              <a:bodyPr wrap="square" lIns="54570" tIns="54570" rIns="54570" bIns="54570" numCol="1" anchor="ctr">
-                <a:noAutofit/>
-              </a:bodyPr>
-              <a:lstStyle/>
-              <a:p>
-                <a:pPr>
-                  <a:lnSpc>
-                    <a:spcPct val="80000"/>
-                  </a:lnSpc>
-                  <a:spcBef>
-                    <a:spcPts val="600"/>
-                  </a:spcBef>
-                  <a:defRPr b="0">
-                    <a:solidFill>
-                      <a:srgbClr val="000000"/>
-                    </a:solidFill>
-                  </a:defRPr>
-                </a:pPr>
-              </a:p>
-            </p:txBody>
-          </p:sp>
-          <p:sp>
-            <p:nvSpPr>
-              <p:cNvPr id="412" name="Line"/>
-              <p:cNvSpPr/>
-              <p:nvPr/>
-            </p:nvSpPr>
-            <p:spPr>
-              <a:xfrm>
-                <a:off x="1373" y="253464"/>
-                <a:ext cx="1382369" cy="1"/>
-              </a:xfrm>
-              <a:prstGeom prst="line">
-                <a:avLst/>
-              </a:prstGeom>
-              <a:noFill/>
-              <a:ln w="6350" cap="flat">
-                <a:solidFill>
-                  <a:schemeClr val="accent4">
-                    <a:satOff val="8634"/>
-                    <a:lumOff val="-20316"/>
-                  </a:schemeClr>
-                </a:solidFill>
-                <a:prstDash val="solid"/>
-                <a:miter lim="400000"/>
-              </a:ln>
-              <a:effectLst/>
-            </p:spPr>
-            <p:txBody>
-              <a:bodyPr wrap="square" lIns="54570" tIns="54570" rIns="54570" bIns="54570" numCol="1" anchor="ctr">
-                <a:noAutofit/>
-              </a:bodyPr>
-              <a:lstStyle/>
-              <a:p>
-                <a:pPr>
-                  <a:lnSpc>
-                    <a:spcPct val="80000"/>
-                  </a:lnSpc>
-                  <a:spcBef>
-                    <a:spcPts val="600"/>
-                  </a:spcBef>
-                  <a:defRPr b="0">
-                    <a:solidFill>
-                      <a:srgbClr val="000000"/>
-                    </a:solidFill>
-                  </a:defRPr>
-                </a:pPr>
-              </a:p>
-            </p:txBody>
-          </p:sp>
-          <p:sp>
-            <p:nvSpPr>
-              <p:cNvPr id="413" name="Line"/>
-              <p:cNvSpPr/>
-              <p:nvPr/>
-            </p:nvSpPr>
-            <p:spPr>
-              <a:xfrm>
                 <a:off x="1373" y="288629"/>
                 <a:ext cx="1382369" cy="1"/>
               </a:xfrm>
@@ -17994,7 +17936,7 @@
         </p:grpSp>
         <p:sp>
           <p:nvSpPr>
-            <p:cNvPr id="415" name="x"/>
+            <p:cNvPr id="413" name="x"/>
             <p:cNvSpPr txBox="1"/>
             <p:nvPr/>
           </p:nvSpPr>
@@ -18050,7 +17992,7 @@
       </p:grpSp>
       <p:sp>
         <p:nvSpPr>
-          <p:cNvPr id="417" name="2017-11-28…"/>
+          <p:cNvPr id="415" name="2017-11-28…"/>
           <p:cNvSpPr txBox="1"/>
           <p:nvPr/>
         </p:nvSpPr>
@@ -18188,7 +18130,7 @@
       </p:sp>
       <p:sp>
         <p:nvSpPr>
-          <p:cNvPr id="418" name="12:00:00…"/>
+          <p:cNvPr id="416" name="12:00:00…"/>
           <p:cNvSpPr txBox="1"/>
           <p:nvPr/>
         </p:nvSpPr>
@@ -18326,7 +18268,7 @@
       </p:sp>
       <p:sp>
         <p:nvSpPr>
-          <p:cNvPr id="419" name="GET AND SET COMPONENTS"/>
+          <p:cNvPr id="417" name="GET AND SET COMPONENTS"/>
           <p:cNvSpPr txBox="1"/>
           <p:nvPr/>
         </p:nvSpPr>
@@ -18362,7 +18304,7 @@
       </p:sp>
       <p:sp>
         <p:nvSpPr>
-          <p:cNvPr id="420" name="date(x) Date component. date(dt)…"/>
+          <p:cNvPr id="418" name="date(x) Date component. date(dt)…"/>
           <p:cNvSpPr txBox="1"/>
           <p:nvPr/>
         </p:nvSpPr>
@@ -18933,7 +18875,7 @@
       </p:sp>
       <p:sp>
         <p:nvSpPr>
-          <p:cNvPr id="421" name="Use an accessor function to get a component.…"/>
+          <p:cNvPr id="419" name="Use an accessor function to get a component.…"/>
           <p:cNvSpPr txBox="1"/>
           <p:nvPr/>
         </p:nvSpPr>
@@ -19015,7 +18957,7 @@
       </p:sp>
       <p:sp>
         <p:nvSpPr>
-          <p:cNvPr id="422" name="d ## &quot;2017-11-28&quot;…"/>
+          <p:cNvPr id="420" name="d ## &quot;2017-11-28&quot;…"/>
           <p:cNvSpPr txBox="1"/>
           <p:nvPr/>
         </p:nvSpPr>
@@ -19189,7 +19131,7 @@
       </p:sp>
       <p:grpSp>
         <p:nvGrpSpPr>
-          <p:cNvPr id="441" name="Group"/>
+          <p:cNvPr id="439" name="Group"/>
           <p:cNvGrpSpPr/>
           <p:nvPr/>
         </p:nvGrpSpPr>
@@ -19203,7 +19145,7 @@
         </p:grpSpPr>
         <p:grpSp>
           <p:nvGrpSpPr>
-            <p:cNvPr id="436" name="Group"/>
+            <p:cNvPr id="434" name="Group"/>
             <p:cNvGrpSpPr/>
             <p:nvPr/>
           </p:nvGrpSpPr>
@@ -19217,7 +19159,7 @@
           </p:grpSpPr>
           <p:sp>
             <p:nvSpPr>
-              <p:cNvPr id="423" name="Shape"/>
+              <p:cNvPr id="421" name="Shape"/>
               <p:cNvSpPr/>
               <p:nvPr/>
             </p:nvSpPr>
@@ -19337,7 +19279,7 @@
           </p:sp>
           <p:sp>
             <p:nvSpPr>
-              <p:cNvPr id="424" name="Shape"/>
+              <p:cNvPr id="422" name="Shape"/>
               <p:cNvSpPr/>
               <p:nvPr/>
             </p:nvSpPr>
@@ -19457,7 +19399,7 @@
           </p:sp>
           <p:sp>
             <p:nvSpPr>
-              <p:cNvPr id="425" name="Shape"/>
+              <p:cNvPr id="423" name="Shape"/>
               <p:cNvSpPr/>
               <p:nvPr/>
             </p:nvSpPr>
@@ -19577,7 +19519,7 @@
           </p:sp>
           <p:sp>
             <p:nvSpPr>
-              <p:cNvPr id="426" name="Shape"/>
+              <p:cNvPr id="424" name="Shape"/>
               <p:cNvSpPr/>
               <p:nvPr/>
             </p:nvSpPr>
@@ -19697,7 +19639,7 @@
           </p:sp>
           <p:sp>
             <p:nvSpPr>
-              <p:cNvPr id="427" name="Shape"/>
+              <p:cNvPr id="425" name="Shape"/>
               <p:cNvSpPr/>
               <p:nvPr/>
             </p:nvSpPr>
@@ -19817,7 +19759,7 @@
           </p:sp>
           <p:sp>
             <p:nvSpPr>
-              <p:cNvPr id="428" name="Shape"/>
+              <p:cNvPr id="426" name="Shape"/>
               <p:cNvSpPr/>
               <p:nvPr/>
             </p:nvSpPr>
@@ -19937,7 +19879,7 @@
           </p:sp>
           <p:sp>
             <p:nvSpPr>
-              <p:cNvPr id="429" name="Shape"/>
+              <p:cNvPr id="427" name="Shape"/>
               <p:cNvSpPr/>
               <p:nvPr/>
             </p:nvSpPr>
@@ -20057,7 +19999,7 @@
           </p:sp>
           <p:sp>
             <p:nvSpPr>
-              <p:cNvPr id="430" name="Shape"/>
+              <p:cNvPr id="428" name="Shape"/>
               <p:cNvSpPr/>
               <p:nvPr/>
             </p:nvSpPr>
@@ -20177,7 +20119,7 @@
           </p:sp>
           <p:sp>
             <p:nvSpPr>
-              <p:cNvPr id="431" name="Shape"/>
+              <p:cNvPr id="429" name="Shape"/>
               <p:cNvSpPr/>
               <p:nvPr/>
             </p:nvSpPr>
@@ -20297,7 +20239,7 @@
           </p:sp>
           <p:sp>
             <p:nvSpPr>
-              <p:cNvPr id="432" name="Shape"/>
+              <p:cNvPr id="430" name="Shape"/>
               <p:cNvSpPr/>
               <p:nvPr/>
             </p:nvSpPr>
@@ -20417,7 +20359,7 @@
           </p:sp>
           <p:sp>
             <p:nvSpPr>
-              <p:cNvPr id="433" name="Shape"/>
+              <p:cNvPr id="431" name="Shape"/>
               <p:cNvSpPr/>
               <p:nvPr/>
             </p:nvSpPr>
@@ -20537,7 +20479,7 @@
           </p:sp>
           <p:sp>
             <p:nvSpPr>
-              <p:cNvPr id="434" name="Shape"/>
+              <p:cNvPr id="432" name="Shape"/>
               <p:cNvSpPr/>
               <p:nvPr/>
             </p:nvSpPr>
@@ -20657,7 +20599,7 @@
           </p:sp>
           <p:sp>
             <p:nvSpPr>
-              <p:cNvPr id="435" name="Circle"/>
+              <p:cNvPr id="433" name="Circle"/>
               <p:cNvSpPr/>
               <p:nvPr/>
             </p:nvSpPr>
@@ -20720,7 +20662,7 @@
         </p:grpSp>
         <p:grpSp>
           <p:nvGrpSpPr>
-            <p:cNvPr id="439" name="Group"/>
+            <p:cNvPr id="437" name="Group"/>
             <p:cNvGrpSpPr/>
             <p:nvPr/>
           </p:nvGrpSpPr>
@@ -20734,7 +20676,7 @@
           </p:grpSpPr>
           <p:sp>
             <p:nvSpPr>
-              <p:cNvPr id="437" name="Circle"/>
+              <p:cNvPr id="435" name="Circle"/>
               <p:cNvSpPr/>
               <p:nvPr/>
             </p:nvSpPr>
@@ -20793,7 +20735,7 @@
           </p:sp>
           <p:sp>
             <p:nvSpPr>
-              <p:cNvPr id="438" name="Circle"/>
+              <p:cNvPr id="436" name="Circle"/>
               <p:cNvSpPr/>
               <p:nvPr/>
             </p:nvSpPr>
@@ -20854,7 +20796,7 @@
         </p:grpSp>
         <p:sp>
           <p:nvSpPr>
-            <p:cNvPr id="440" name="Line"/>
+            <p:cNvPr id="438" name="Line"/>
             <p:cNvSpPr/>
             <p:nvPr/>
           </p:nvSpPr>
@@ -20904,7 +20846,7 @@
       </p:grpSp>
       <p:grpSp>
         <p:nvGrpSpPr>
-          <p:cNvPr id="461" name="Group"/>
+          <p:cNvPr id="459" name="Group"/>
           <p:cNvGrpSpPr/>
           <p:nvPr/>
         </p:nvGrpSpPr>
@@ -20918,7 +20860,7 @@
         </p:grpSpPr>
         <p:grpSp>
           <p:nvGrpSpPr>
-            <p:cNvPr id="459" name="Group"/>
+            <p:cNvPr id="457" name="Group"/>
             <p:cNvGrpSpPr/>
             <p:nvPr/>
           </p:nvGrpSpPr>
@@ -20932,7 +20874,7 @@
           </p:grpSpPr>
           <p:sp>
             <p:nvSpPr>
-              <p:cNvPr id="442" name="Shape"/>
+              <p:cNvPr id="440" name="Shape"/>
               <p:cNvSpPr/>
               <p:nvPr/>
             </p:nvSpPr>
@@ -21030,7 +20972,7 @@
           </p:sp>
           <p:sp>
             <p:nvSpPr>
-              <p:cNvPr id="443" name="Shape"/>
+              <p:cNvPr id="441" name="Shape"/>
               <p:cNvSpPr/>
               <p:nvPr/>
             </p:nvSpPr>
@@ -21135,7 +21077,7 @@
           </p:sp>
           <p:sp>
             <p:nvSpPr>
-              <p:cNvPr id="444" name="Shape"/>
+              <p:cNvPr id="442" name="Shape"/>
               <p:cNvSpPr/>
               <p:nvPr/>
             </p:nvSpPr>
@@ -21247,7 +21189,7 @@
           </p:sp>
           <p:sp>
             <p:nvSpPr>
-              <p:cNvPr id="445" name="Rectangle"/>
+              <p:cNvPr id="443" name="Rectangle"/>
               <p:cNvSpPr/>
               <p:nvPr/>
             </p:nvSpPr>
@@ -21295,7 +21237,7 @@
           </p:sp>
           <p:sp>
             <p:nvSpPr>
-              <p:cNvPr id="446" name="Line"/>
+              <p:cNvPr id="444" name="Line"/>
               <p:cNvSpPr/>
               <p:nvPr/>
             </p:nvSpPr>
@@ -21378,7 +21320,7 @@
           </p:sp>
           <p:sp>
             <p:nvSpPr>
-              <p:cNvPr id="447" name="Line"/>
+              <p:cNvPr id="445" name="Line"/>
               <p:cNvSpPr/>
               <p:nvPr/>
             </p:nvSpPr>
@@ -21461,7 +21403,7 @@
           </p:sp>
           <p:sp>
             <p:nvSpPr>
-              <p:cNvPr id="448" name="Line"/>
+              <p:cNvPr id="446" name="Line"/>
               <p:cNvSpPr/>
               <p:nvPr/>
             </p:nvSpPr>
@@ -21544,7 +21486,7 @@
           </p:sp>
           <p:sp>
             <p:nvSpPr>
-              <p:cNvPr id="449" name="Line"/>
+              <p:cNvPr id="447" name="Line"/>
               <p:cNvSpPr/>
               <p:nvPr/>
             </p:nvSpPr>
@@ -21627,7 +21569,7 @@
           </p:sp>
           <p:sp>
             <p:nvSpPr>
-              <p:cNvPr id="450" name="Line"/>
+              <p:cNvPr id="448" name="Line"/>
               <p:cNvSpPr/>
               <p:nvPr/>
             </p:nvSpPr>
@@ -21710,7 +21652,7 @@
           </p:sp>
           <p:sp>
             <p:nvSpPr>
-              <p:cNvPr id="451" name="Line"/>
+              <p:cNvPr id="449" name="Line"/>
               <p:cNvSpPr/>
               <p:nvPr/>
             </p:nvSpPr>
@@ -21793,7 +21735,7 @@
           </p:sp>
           <p:sp>
             <p:nvSpPr>
-              <p:cNvPr id="452" name="Line"/>
+              <p:cNvPr id="450" name="Line"/>
               <p:cNvSpPr/>
               <p:nvPr/>
             </p:nvSpPr>
@@ -21876,7 +21818,7 @@
           </p:sp>
           <p:sp>
             <p:nvSpPr>
-              <p:cNvPr id="453" name="Line"/>
+              <p:cNvPr id="451" name="Line"/>
               <p:cNvSpPr/>
               <p:nvPr/>
             </p:nvSpPr>
@@ -21959,13 +21901,111 @@
           </p:sp>
           <p:sp>
             <p:nvSpPr>
+              <p:cNvPr id="452" name="Line"/>
+              <p:cNvSpPr/>
+              <p:nvPr/>
+            </p:nvSpPr>
+            <p:spPr>
+              <a:xfrm>
+                <a:off x="9997" y="139626"/>
+                <a:ext cx="467755" cy="1"/>
+              </a:xfrm>
+              <a:prstGeom prst="line">
+                <a:avLst/>
+              </a:prstGeom>
+              <a:noFill/>
+              <a:ln w="3175" cap="flat">
+                <a:solidFill>
+                  <a:schemeClr val="accent4">
+                    <a:satOff val="8634"/>
+                    <a:lumOff val="-20316"/>
+                  </a:schemeClr>
+                </a:solidFill>
+                <a:prstDash val="solid"/>
+                <a:miter lim="400000"/>
+              </a:ln>
+              <a:effectLst/>
+            </p:spPr>
+            <p:txBody>
+              <a:bodyPr wrap="square" lIns="54570" tIns="54570" rIns="54570" bIns="54570" numCol="1" anchor="ctr">
+                <a:noAutofit/>
+              </a:bodyPr>
+              <a:lstStyle/>
+              <a:p>
+                <a:pPr>
+                  <a:lnSpc>
+                    <a:spcPct val="80000"/>
+                  </a:lnSpc>
+                  <a:spcBef>
+                    <a:spcPts val="600"/>
+                  </a:spcBef>
+                  <a:defRPr b="0">
+                    <a:solidFill>
+                      <a:srgbClr val="000000"/>
+                    </a:solidFill>
+                  </a:defRPr>
+                </a:pPr>
+              </a:p>
+            </p:txBody>
+          </p:sp>
+          <p:sp>
+            <p:nvSpPr>
+              <p:cNvPr id="453" name="Line"/>
+              <p:cNvSpPr/>
+              <p:nvPr/>
+            </p:nvSpPr>
+            <p:spPr>
+              <a:xfrm>
+                <a:off x="18282" y="205906"/>
+                <a:ext cx="467755" cy="1"/>
+              </a:xfrm>
+              <a:prstGeom prst="line">
+                <a:avLst/>
+              </a:prstGeom>
+              <a:noFill/>
+              <a:ln w="3175" cap="flat">
+                <a:solidFill>
+                  <a:schemeClr val="accent4">
+                    <a:satOff val="8634"/>
+                    <a:lumOff val="-20316"/>
+                  </a:schemeClr>
+                </a:solidFill>
+                <a:prstDash val="solid"/>
+                <a:miter lim="400000"/>
+              </a:ln>
+              <a:effectLst/>
+            </p:spPr>
+            <p:txBody>
+              <a:bodyPr wrap="square" lIns="54570" tIns="54570" rIns="54570" bIns="54570" numCol="1" anchor="ctr">
+                <a:noAutofit/>
+              </a:bodyPr>
+              <a:lstStyle/>
+              <a:p>
+                <a:pPr>
+                  <a:lnSpc>
+                    <a:spcPct val="80000"/>
+                  </a:lnSpc>
+                  <a:spcBef>
+                    <a:spcPts val="600"/>
+                  </a:spcBef>
+                  <a:defRPr b="0">
+                    <a:solidFill>
+                      <a:srgbClr val="000000"/>
+                    </a:solidFill>
+                  </a:defRPr>
+                </a:pPr>
+              </a:p>
+            </p:txBody>
+          </p:sp>
+          <p:sp>
+            <p:nvSpPr>
               <p:cNvPr id="454" name="Line"/>
               <p:cNvSpPr/>
               <p:nvPr/>
             </p:nvSpPr>
             <p:spPr>
               <a:xfrm>
-                <a:off x="9997" y="139626"/>
+                <a:off x="26567" y="272186"/>
                 <a:ext cx="467755" cy="1"/>
               </a:xfrm>
               <a:prstGeom prst="line">
@@ -22014,14 +22054,14 @@
             </p:nvSpPr>
             <p:spPr>
               <a:xfrm>
-                <a:off x="18282" y="205906"/>
-                <a:ext cx="467755" cy="1"/>
+                <a:off x="59707" y="404745"/>
+                <a:ext cx="476040" cy="1"/>
               </a:xfrm>
               <a:prstGeom prst="line">
                 <a:avLst/>
               </a:prstGeom>
               <a:noFill/>
-              <a:ln w="3175" cap="flat">
+              <a:ln w="9525" cap="flat">
                 <a:solidFill>
                   <a:schemeClr val="accent4">
                     <a:satOff val="8634"/>
@@ -22063,104 +22103,6 @@
             </p:nvSpPr>
             <p:spPr>
               <a:xfrm>
-                <a:off x="26567" y="272186"/>
-                <a:ext cx="467755" cy="1"/>
-              </a:xfrm>
-              <a:prstGeom prst="line">
-                <a:avLst/>
-              </a:prstGeom>
-              <a:noFill/>
-              <a:ln w="3175" cap="flat">
-                <a:solidFill>
-                  <a:schemeClr val="accent4">
-                    <a:satOff val="8634"/>
-                    <a:lumOff val="-20316"/>
-                  </a:schemeClr>
-                </a:solidFill>
-                <a:prstDash val="solid"/>
-                <a:miter lim="400000"/>
-              </a:ln>
-              <a:effectLst/>
-            </p:spPr>
-            <p:txBody>
-              <a:bodyPr wrap="square" lIns="54570" tIns="54570" rIns="54570" bIns="54570" numCol="1" anchor="ctr">
-                <a:noAutofit/>
-              </a:bodyPr>
-              <a:lstStyle/>
-              <a:p>
-                <a:pPr>
-                  <a:lnSpc>
-                    <a:spcPct val="80000"/>
-                  </a:lnSpc>
-                  <a:spcBef>
-                    <a:spcPts val="600"/>
-                  </a:spcBef>
-                  <a:defRPr b="0">
-                    <a:solidFill>
-                      <a:srgbClr val="000000"/>
-                    </a:solidFill>
-                  </a:defRPr>
-                </a:pPr>
-              </a:p>
-            </p:txBody>
-          </p:sp>
-          <p:sp>
-            <p:nvSpPr>
-              <p:cNvPr id="457" name="Line"/>
-              <p:cNvSpPr/>
-              <p:nvPr/>
-            </p:nvSpPr>
-            <p:spPr>
-              <a:xfrm>
-                <a:off x="59707" y="404745"/>
-                <a:ext cx="476040" cy="1"/>
-              </a:xfrm>
-              <a:prstGeom prst="line">
-                <a:avLst/>
-              </a:prstGeom>
-              <a:noFill/>
-              <a:ln w="9525" cap="flat">
-                <a:solidFill>
-                  <a:schemeClr val="accent4">
-                    <a:satOff val="8634"/>
-                    <a:lumOff val="-20316"/>
-                  </a:schemeClr>
-                </a:solidFill>
-                <a:prstDash val="solid"/>
-                <a:miter lim="400000"/>
-              </a:ln>
-              <a:effectLst/>
-            </p:spPr>
-            <p:txBody>
-              <a:bodyPr wrap="square" lIns="54570" tIns="54570" rIns="54570" bIns="54570" numCol="1" anchor="ctr">
-                <a:noAutofit/>
-              </a:bodyPr>
-              <a:lstStyle/>
-              <a:p>
-                <a:pPr>
-                  <a:lnSpc>
-                    <a:spcPct val="80000"/>
-                  </a:lnSpc>
-                  <a:spcBef>
-                    <a:spcPts val="600"/>
-                  </a:spcBef>
-                  <a:defRPr b="0">
-                    <a:solidFill>
-                      <a:srgbClr val="000000"/>
-                    </a:solidFill>
-                  </a:defRPr>
-                </a:pPr>
-              </a:p>
-            </p:txBody>
-          </p:sp>
-          <p:sp>
-            <p:nvSpPr>
-              <p:cNvPr id="458" name="Line"/>
-              <p:cNvSpPr/>
-              <p:nvPr/>
-            </p:nvSpPr>
-            <p:spPr>
-              <a:xfrm>
                 <a:off x="43137" y="338466"/>
                 <a:ext cx="467755" cy="1"/>
               </a:xfrm>
@@ -22205,7 +22147,7 @@
         </p:grpSp>
         <p:sp>
           <p:nvSpPr>
-            <p:cNvPr id="460" name="January"/>
+            <p:cNvPr id="458" name="January"/>
             <p:cNvSpPr txBox="1"/>
             <p:nvPr/>
           </p:nvSpPr>
@@ -22253,7 +22195,7 @@
       </p:grpSp>
       <p:sp>
         <p:nvSpPr>
-          <p:cNvPr id="462" name="x"/>
+          <p:cNvPr id="460" name="x"/>
           <p:cNvSpPr txBox="1"/>
           <p:nvPr/>
         </p:nvSpPr>
@@ -22304,7 +22246,7 @@
       </p:sp>
       <p:sp>
         <p:nvSpPr>
-          <p:cNvPr id="463" name="x"/>
+          <p:cNvPr id="461" name="x"/>
           <p:cNvSpPr txBox="1"/>
           <p:nvPr/>
         </p:nvSpPr>
@@ -22355,7 +22297,7 @@
       </p:sp>
       <p:sp>
         <p:nvSpPr>
-          <p:cNvPr id="464" name="x"/>
+          <p:cNvPr id="462" name="x"/>
           <p:cNvSpPr txBox="1"/>
           <p:nvPr/>
         </p:nvSpPr>
@@ -22406,7 +22348,7 @@
       </p:sp>
       <p:sp>
         <p:nvSpPr>
-          <p:cNvPr id="465" name="x"/>
+          <p:cNvPr id="463" name="x"/>
           <p:cNvSpPr txBox="1"/>
           <p:nvPr/>
         </p:nvSpPr>
@@ -22457,7 +22399,7 @@
       </p:sp>
       <p:sp>
         <p:nvSpPr>
-          <p:cNvPr id="466" name="x"/>
+          <p:cNvPr id="464" name="x"/>
           <p:cNvSpPr txBox="1"/>
           <p:nvPr/>
         </p:nvSpPr>
@@ -22508,7 +22450,7 @@
       </p:sp>
       <p:sp>
         <p:nvSpPr>
-          <p:cNvPr id="467" name="x"/>
+          <p:cNvPr id="465" name="x"/>
           <p:cNvSpPr txBox="1"/>
           <p:nvPr/>
         </p:nvSpPr>
@@ -22559,7 +22501,7 @@
       </p:sp>
       <p:sp>
         <p:nvSpPr>
-          <p:cNvPr id="468" name="x"/>
+          <p:cNvPr id="466" name="x"/>
           <p:cNvSpPr txBox="1"/>
           <p:nvPr/>
         </p:nvSpPr>
@@ -22610,7 +22552,7 @@
       </p:sp>
       <p:sp>
         <p:nvSpPr>
-          <p:cNvPr id="469" name="x"/>
+          <p:cNvPr id="467" name="x"/>
           <p:cNvSpPr txBox="1"/>
           <p:nvPr/>
         </p:nvSpPr>
@@ -22661,7 +22603,7 @@
       </p:sp>
       <p:sp>
         <p:nvSpPr>
-          <p:cNvPr id="470" name="Line"/>
+          <p:cNvPr id="468" name="Line"/>
           <p:cNvSpPr/>
           <p:nvPr/>
         </p:nvSpPr>
@@ -22708,7 +22650,7 @@
       </p:sp>
       <p:sp>
         <p:nvSpPr>
-          <p:cNvPr id="471" name="Line"/>
+          <p:cNvPr id="469" name="Line"/>
           <p:cNvSpPr/>
           <p:nvPr/>
         </p:nvSpPr>
@@ -22749,7 +22691,7 @@
       </p:sp>
       <p:sp>
         <p:nvSpPr>
-          <p:cNvPr id="472" name="Time Zones"/>
+          <p:cNvPr id="470" name="Time Zones"/>
           <p:cNvSpPr txBox="1"/>
           <p:nvPr/>
         </p:nvSpPr>
@@ -22800,7 +22742,7 @@
       </p:sp>
       <p:sp>
         <p:nvSpPr>
-          <p:cNvPr id="473" name="R recognizes ~600 time zones. Each encodes the time zone, Daylight Savings Time, and historical calendar variations for an area. R assigns one time zone per vector.…"/>
+          <p:cNvPr id="471" name="R recognizes ~600 time zones. Each encodes the time zone, Daylight Savings Time, and historical calendar variations for an area. R assigns one time zone per vector.…"/>
           <p:cNvSpPr txBox="1"/>
           <p:nvPr/>
         </p:nvSpPr>
@@ -22906,7 +22848,7 @@
       </p:sp>
       <p:sp>
         <p:nvSpPr>
-          <p:cNvPr id="474" name="with_tz(time, tzone = &quot;&quot;) Get the same date-time in a new time zone (a new clock time). with_tz(dt, &quot;US/Pacific&quot;)…"/>
+          <p:cNvPr id="472" name="with_tz(time, tzone = &quot;&quot;) Get the same date-time in a new time zone (a new clock time). with_tz(dt, &quot;US/Pacific&quot;)…"/>
           <p:cNvSpPr txBox="1"/>
           <p:nvPr/>
         </p:nvSpPr>
@@ -23003,7 +22945,7 @@
       </p:sp>
       <p:grpSp>
         <p:nvGrpSpPr>
-          <p:cNvPr id="484" name="Group"/>
+          <p:cNvPr id="482" name="Group"/>
           <p:cNvGrpSpPr/>
           <p:nvPr/>
         </p:nvGrpSpPr>
@@ -23017,7 +22959,7 @@
         </p:grpSpPr>
         <p:grpSp>
           <p:nvGrpSpPr>
-            <p:cNvPr id="479" name="Group"/>
+            <p:cNvPr id="477" name="Group"/>
             <p:cNvGrpSpPr/>
             <p:nvPr/>
           </p:nvGrpSpPr>
@@ -23031,7 +22973,7 @@
           </p:grpSpPr>
           <p:sp>
             <p:nvSpPr>
-              <p:cNvPr id="475" name="Shape"/>
+              <p:cNvPr id="473" name="Shape"/>
               <p:cNvSpPr/>
               <p:nvPr/>
             </p:nvSpPr>
@@ -23394,7 +23336,7 @@
           </p:sp>
           <p:sp>
             <p:nvSpPr>
-              <p:cNvPr id="476" name="Shape"/>
+              <p:cNvPr id="474" name="Shape"/>
               <p:cNvSpPr/>
               <p:nvPr/>
             </p:nvSpPr>
@@ -23667,7 +23609,7 @@
           </p:sp>
           <p:sp>
             <p:nvSpPr>
-              <p:cNvPr id="477" name="Shape"/>
+              <p:cNvPr id="475" name="Shape"/>
               <p:cNvSpPr/>
               <p:nvPr/>
             </p:nvSpPr>
@@ -23801,7 +23743,7 @@
           </p:sp>
           <p:sp>
             <p:nvSpPr>
-              <p:cNvPr id="478" name="Shape"/>
+              <p:cNvPr id="476" name="Shape"/>
               <p:cNvSpPr/>
               <p:nvPr/>
             </p:nvSpPr>
@@ -23917,7 +23859,7 @@
         </p:grpSp>
         <p:sp>
           <p:nvSpPr>
-            <p:cNvPr id="480" name="PT"/>
+            <p:cNvPr id="478" name="PT"/>
             <p:cNvSpPr txBox="1"/>
             <p:nvPr/>
           </p:nvSpPr>
@@ -23964,7 +23906,7 @@
         </p:sp>
         <p:sp>
           <p:nvSpPr>
-            <p:cNvPr id="481" name="MT"/>
+            <p:cNvPr id="479" name="MT"/>
             <p:cNvSpPr txBox="1"/>
             <p:nvPr/>
           </p:nvSpPr>
@@ -24011,7 +23953,7 @@
         </p:sp>
         <p:sp>
           <p:nvSpPr>
-            <p:cNvPr id="482" name="CT"/>
+            <p:cNvPr id="480" name="CT"/>
             <p:cNvSpPr txBox="1"/>
             <p:nvPr/>
           </p:nvSpPr>
@@ -24058,7 +24000,7 @@
         </p:sp>
         <p:sp>
           <p:nvSpPr>
-            <p:cNvPr id="483" name="ET"/>
+            <p:cNvPr id="481" name="ET"/>
             <p:cNvSpPr txBox="1"/>
             <p:nvPr/>
           </p:nvSpPr>
@@ -24106,7 +24048,7 @@
       </p:grpSp>
       <p:sp>
         <p:nvSpPr>
-          <p:cNvPr id="485" name="7:00…"/>
+          <p:cNvPr id="483" name="7:00…"/>
           <p:cNvSpPr txBox="1"/>
           <p:nvPr/>
         </p:nvSpPr>
@@ -24178,7 +24120,7 @@
       </p:sp>
       <p:sp>
         <p:nvSpPr>
-          <p:cNvPr id="486" name="6:00…"/>
+          <p:cNvPr id="484" name="6:00…"/>
           <p:cNvSpPr txBox="1"/>
           <p:nvPr/>
         </p:nvSpPr>
@@ -24242,7 +24184,7 @@
       </p:sp>
       <p:sp>
         <p:nvSpPr>
-          <p:cNvPr id="487" name="5:00…"/>
+          <p:cNvPr id="485" name="5:00…"/>
           <p:cNvSpPr txBox="1"/>
           <p:nvPr/>
         </p:nvSpPr>
@@ -24312,7 +24254,7 @@
       </p:sp>
       <p:sp>
         <p:nvSpPr>
-          <p:cNvPr id="488" name="4:00…"/>
+          <p:cNvPr id="486" name="4:00…"/>
           <p:cNvSpPr txBox="1"/>
           <p:nvPr/>
         </p:nvSpPr>
@@ -24382,7 +24324,7 @@
       </p:sp>
       <p:sp>
         <p:nvSpPr>
-          <p:cNvPr id="489" name="7:00…"/>
+          <p:cNvPr id="487" name="7:00…"/>
           <p:cNvSpPr txBox="1"/>
           <p:nvPr/>
         </p:nvSpPr>
@@ -24454,7 +24396,7 @@
       </p:sp>
       <p:sp>
         <p:nvSpPr>
-          <p:cNvPr id="490" name="7:00…"/>
+          <p:cNvPr id="488" name="7:00…"/>
           <p:cNvSpPr txBox="1"/>
           <p:nvPr/>
         </p:nvSpPr>
@@ -24522,7 +24464,7 @@
       </p:sp>
       <p:sp>
         <p:nvSpPr>
-          <p:cNvPr id="491" name="7:00…"/>
+          <p:cNvPr id="489" name="7:00…"/>
           <p:cNvSpPr txBox="1"/>
           <p:nvPr/>
         </p:nvSpPr>
@@ -24593,7 +24535,7 @@
       </p:sp>
       <p:sp>
         <p:nvSpPr>
-          <p:cNvPr id="492" name="7:00…"/>
+          <p:cNvPr id="490" name="7:00…"/>
           <p:cNvSpPr txBox="1"/>
           <p:nvPr/>
         </p:nvSpPr>
@@ -24664,7 +24606,7 @@
       </p:sp>
       <p:sp>
         <p:nvSpPr>
-          <p:cNvPr id="493" name="stamp() Derive a template from an example string and return a new function that will apply the template to date-times. Also stamp_date() and stamp_time().…"/>
+          <p:cNvPr id="491" name="stamp() Derive a template from an example string and return a new function that will apply the template to date-times. Also stamp_date() and stamp_time().…"/>
           <p:cNvSpPr txBox="1"/>
           <p:nvPr/>
         </p:nvSpPr>
@@ -24849,7 +24791,7 @@
       </p:sp>
       <p:grpSp>
         <p:nvGrpSpPr>
-          <p:cNvPr id="496" name="Group"/>
+          <p:cNvPr id="494" name="Group"/>
           <p:cNvGrpSpPr/>
           <p:nvPr/>
         </p:nvGrpSpPr>
@@ -24863,7 +24805,7 @@
         </p:grpSpPr>
         <p:sp>
           <p:nvSpPr>
-            <p:cNvPr id="494" name="Rounded Rectangle"/>
+            <p:cNvPr id="492" name="Rounded Rectangle"/>
             <p:cNvSpPr/>
             <p:nvPr/>
           </p:nvSpPr>
@@ -24910,7 +24852,7 @@
         </p:sp>
         <p:sp>
           <p:nvSpPr>
-            <p:cNvPr id="495" name="Tip: use a…"/>
+            <p:cNvPr id="493" name="Tip: use a…"/>
             <p:cNvSpPr txBox="1"/>
             <p:nvPr/>
           </p:nvSpPr>
@@ -25025,7 +24967,7 @@
       </p:grpSp>
       <p:sp>
         <p:nvSpPr>
-          <p:cNvPr id="497" name="Line"/>
+          <p:cNvPr id="495" name="Line"/>
           <p:cNvSpPr/>
           <p:nvPr/>
         </p:nvSpPr>
@@ -25066,7 +25008,7 @@
       </p:sp>
       <p:sp>
         <p:nvSpPr>
-          <p:cNvPr id="498" name="Stamp Date-times"/>
+          <p:cNvPr id="496" name="Stamp Date-times"/>
           <p:cNvSpPr txBox="1"/>
           <p:nvPr/>
         </p:nvSpPr>
@@ -25117,7 +25059,7 @@
       </p:sp>
       <p:sp>
         <p:nvSpPr>
-          <p:cNvPr id="499" name="Line"/>
+          <p:cNvPr id="497" name="Line"/>
           <p:cNvSpPr/>
           <p:nvPr/>
         </p:nvSpPr>
@@ -25158,7 +25100,7 @@
       </p:sp>
       <p:sp>
         <p:nvSpPr>
-          <p:cNvPr id="500" name="Round Date-times"/>
+          <p:cNvPr id="498" name="Round Date-times"/>
           <p:cNvSpPr txBox="1"/>
           <p:nvPr/>
         </p:nvSpPr>
@@ -25209,7 +25151,7 @@
       </p:sp>
       <p:sp>
         <p:nvSpPr>
-          <p:cNvPr id="501" name="floor_date(x, unit = &quot;second&quot;) Round down to nearest unit. floor_date(dt, unit = &quot;month&quot;)…"/>
+          <p:cNvPr id="499" name="floor_date(x, unit = &quot;second&quot;) Round down to nearest unit. floor_date(dt, unit = &quot;month&quot;)…"/>
           <p:cNvSpPr txBox="1"/>
           <p:nvPr/>
         </p:nvSpPr>
@@ -25392,7 +25334,7 @@
       </p:sp>
       <p:grpSp>
         <p:nvGrpSpPr>
-          <p:cNvPr id="514" name="Group"/>
+          <p:cNvPr id="512" name="Group"/>
           <p:cNvGrpSpPr/>
           <p:nvPr/>
         </p:nvGrpSpPr>
@@ -25406,7 +25348,7 @@
         </p:grpSpPr>
         <p:sp>
           <p:nvSpPr>
-            <p:cNvPr id="502" name="Line"/>
+            <p:cNvPr id="500" name="Line"/>
             <p:cNvSpPr/>
             <p:nvPr/>
           </p:nvSpPr>
@@ -25452,7 +25394,7 @@
         </p:sp>
         <p:sp>
           <p:nvSpPr>
-            <p:cNvPr id="503" name="Jan"/>
+            <p:cNvPr id="501" name="Jan"/>
             <p:cNvSpPr txBox="1"/>
             <p:nvPr/>
           </p:nvSpPr>
@@ -25502,7 +25444,7 @@
         </p:sp>
         <p:sp>
           <p:nvSpPr>
-            <p:cNvPr id="504" name="Line"/>
+            <p:cNvPr id="502" name="Line"/>
             <p:cNvSpPr/>
             <p:nvPr/>
           </p:nvSpPr>
@@ -25548,7 +25490,7 @@
         </p:sp>
         <p:sp>
           <p:nvSpPr>
-            <p:cNvPr id="505" name="Feb"/>
+            <p:cNvPr id="503" name="Feb"/>
             <p:cNvSpPr txBox="1"/>
             <p:nvPr/>
           </p:nvSpPr>
@@ -25598,7 +25540,7 @@
         </p:sp>
         <p:sp>
           <p:nvSpPr>
-            <p:cNvPr id="506" name="Line"/>
+            <p:cNvPr id="504" name="Line"/>
             <p:cNvSpPr/>
             <p:nvPr/>
           </p:nvSpPr>
@@ -25644,7 +25586,7 @@
         </p:sp>
         <p:sp>
           <p:nvSpPr>
-            <p:cNvPr id="507" name="Mar"/>
+            <p:cNvPr id="505" name="Mar"/>
             <p:cNvSpPr txBox="1"/>
             <p:nvPr/>
           </p:nvSpPr>
@@ -25694,7 +25636,7 @@
         </p:sp>
         <p:sp>
           <p:nvSpPr>
-            <p:cNvPr id="508" name="Line"/>
+            <p:cNvPr id="506" name="Line"/>
             <p:cNvSpPr/>
             <p:nvPr/>
           </p:nvSpPr>
@@ -25740,7 +25682,7 @@
         </p:sp>
         <p:sp>
           <p:nvSpPr>
-            <p:cNvPr id="509" name="Apr"/>
+            <p:cNvPr id="507" name="Apr"/>
             <p:cNvSpPr txBox="1"/>
             <p:nvPr/>
           </p:nvSpPr>
@@ -25790,7 +25732,7 @@
         </p:sp>
         <p:sp>
           <p:nvSpPr>
-            <p:cNvPr id="510" name="Line"/>
+            <p:cNvPr id="508" name="Line"/>
             <p:cNvSpPr/>
             <p:nvPr/>
           </p:nvSpPr>
@@ -25840,7 +25782,7 @@
         </p:sp>
         <p:sp>
           <p:nvSpPr>
-            <p:cNvPr id="511" name="Line"/>
+            <p:cNvPr id="509" name="Line"/>
             <p:cNvSpPr/>
             <p:nvPr/>
           </p:nvSpPr>
@@ -25886,7 +25828,7 @@
         </p:sp>
         <p:sp>
           <p:nvSpPr>
-            <p:cNvPr id="512" name="Line"/>
+            <p:cNvPr id="510" name="Line"/>
             <p:cNvSpPr/>
             <p:nvPr/>
           </p:nvSpPr>
@@ -25933,7 +25875,7 @@
         </p:sp>
         <p:sp>
           <p:nvSpPr>
-            <p:cNvPr id="513" name="Line"/>
+            <p:cNvPr id="511" name="Line"/>
             <p:cNvSpPr/>
             <p:nvPr/>
           </p:nvSpPr>
@@ -25981,7 +25923,7 @@
       </p:grpSp>
       <p:grpSp>
         <p:nvGrpSpPr>
-          <p:cNvPr id="527" name="Group"/>
+          <p:cNvPr id="525" name="Group"/>
           <p:cNvGrpSpPr/>
           <p:nvPr/>
         </p:nvGrpSpPr>
@@ -25995,7 +25937,7 @@
         </p:grpSpPr>
         <p:sp>
           <p:nvSpPr>
-            <p:cNvPr id="515" name="Line"/>
+            <p:cNvPr id="513" name="Line"/>
             <p:cNvSpPr/>
             <p:nvPr/>
           </p:nvSpPr>
@@ -26041,7 +25983,7 @@
         </p:sp>
         <p:sp>
           <p:nvSpPr>
-            <p:cNvPr id="516" name="Jan"/>
+            <p:cNvPr id="514" name="Jan"/>
             <p:cNvSpPr txBox="1"/>
             <p:nvPr/>
           </p:nvSpPr>
@@ -26091,7 +26033,7 @@
         </p:sp>
         <p:sp>
           <p:nvSpPr>
-            <p:cNvPr id="517" name="Line"/>
+            <p:cNvPr id="515" name="Line"/>
             <p:cNvSpPr/>
             <p:nvPr/>
           </p:nvSpPr>
@@ -26137,7 +26079,7 @@
         </p:sp>
         <p:sp>
           <p:nvSpPr>
-            <p:cNvPr id="518" name="Feb"/>
+            <p:cNvPr id="516" name="Feb"/>
             <p:cNvSpPr txBox="1"/>
             <p:nvPr/>
           </p:nvSpPr>
@@ -26187,7 +26129,7 @@
         </p:sp>
         <p:sp>
           <p:nvSpPr>
-            <p:cNvPr id="519" name="Line"/>
+            <p:cNvPr id="517" name="Line"/>
             <p:cNvSpPr/>
             <p:nvPr/>
           </p:nvSpPr>
@@ -26233,7 +26175,7 @@
         </p:sp>
         <p:sp>
           <p:nvSpPr>
-            <p:cNvPr id="520" name="Mar"/>
+            <p:cNvPr id="518" name="Mar"/>
             <p:cNvSpPr txBox="1"/>
             <p:nvPr/>
           </p:nvSpPr>
@@ -26283,7 +26225,7 @@
         </p:sp>
         <p:sp>
           <p:nvSpPr>
-            <p:cNvPr id="521" name="Line"/>
+            <p:cNvPr id="519" name="Line"/>
             <p:cNvSpPr/>
             <p:nvPr/>
           </p:nvSpPr>
@@ -26329,7 +26271,7 @@
         </p:sp>
         <p:sp>
           <p:nvSpPr>
-            <p:cNvPr id="522" name="Apr"/>
+            <p:cNvPr id="520" name="Apr"/>
             <p:cNvSpPr txBox="1"/>
             <p:nvPr/>
           </p:nvSpPr>
@@ -26379,7 +26321,7 @@
         </p:sp>
         <p:sp>
           <p:nvSpPr>
-            <p:cNvPr id="523" name="Line"/>
+            <p:cNvPr id="521" name="Line"/>
             <p:cNvSpPr/>
             <p:nvPr/>
           </p:nvSpPr>
@@ -26429,7 +26371,7 @@
         </p:sp>
         <p:sp>
           <p:nvSpPr>
-            <p:cNvPr id="524" name="Line"/>
+            <p:cNvPr id="522" name="Line"/>
             <p:cNvSpPr/>
             <p:nvPr/>
           </p:nvSpPr>
@@ -26475,7 +26417,7 @@
         </p:sp>
         <p:sp>
           <p:nvSpPr>
-            <p:cNvPr id="525" name="Line"/>
+            <p:cNvPr id="523" name="Line"/>
             <p:cNvSpPr/>
             <p:nvPr/>
           </p:nvSpPr>
@@ -26522,7 +26464,7 @@
         </p:sp>
         <p:sp>
           <p:nvSpPr>
-            <p:cNvPr id="526" name="Line"/>
+            <p:cNvPr id="524" name="Line"/>
             <p:cNvSpPr/>
             <p:nvPr/>
           </p:nvSpPr>
@@ -26570,7 +26512,7 @@
       </p:grpSp>
       <p:grpSp>
         <p:nvGrpSpPr>
-          <p:cNvPr id="542" name="Group"/>
+          <p:cNvPr id="540" name="Group"/>
           <p:cNvGrpSpPr/>
           <p:nvPr/>
         </p:nvGrpSpPr>
@@ -26584,7 +26526,7 @@
         </p:grpSpPr>
         <p:sp>
           <p:nvSpPr>
-            <p:cNvPr id="528" name="Line"/>
+            <p:cNvPr id="526" name="Line"/>
             <p:cNvSpPr/>
             <p:nvPr/>
           </p:nvSpPr>
@@ -26630,7 +26572,7 @@
         </p:sp>
         <p:sp>
           <p:nvSpPr>
-            <p:cNvPr id="529" name="Jan"/>
+            <p:cNvPr id="527" name="Jan"/>
             <p:cNvSpPr txBox="1"/>
             <p:nvPr/>
           </p:nvSpPr>
@@ -26680,7 +26622,7 @@
         </p:sp>
         <p:sp>
           <p:nvSpPr>
-            <p:cNvPr id="530" name="Line"/>
+            <p:cNvPr id="528" name="Line"/>
             <p:cNvSpPr/>
             <p:nvPr/>
           </p:nvSpPr>
@@ -26726,7 +26668,7 @@
         </p:sp>
         <p:sp>
           <p:nvSpPr>
-            <p:cNvPr id="531" name="Feb"/>
+            <p:cNvPr id="529" name="Feb"/>
             <p:cNvSpPr txBox="1"/>
             <p:nvPr/>
           </p:nvSpPr>
@@ -26776,7 +26718,7 @@
         </p:sp>
         <p:sp>
           <p:nvSpPr>
-            <p:cNvPr id="532" name="Line"/>
+            <p:cNvPr id="530" name="Line"/>
             <p:cNvSpPr/>
             <p:nvPr/>
           </p:nvSpPr>
@@ -26822,7 +26764,7 @@
         </p:sp>
         <p:sp>
           <p:nvSpPr>
-            <p:cNvPr id="533" name="Mar"/>
+            <p:cNvPr id="531" name="Mar"/>
             <p:cNvSpPr txBox="1"/>
             <p:nvPr/>
           </p:nvSpPr>
@@ -26872,7 +26814,7 @@
         </p:sp>
         <p:sp>
           <p:nvSpPr>
-            <p:cNvPr id="534" name="Line"/>
+            <p:cNvPr id="532" name="Line"/>
             <p:cNvSpPr/>
             <p:nvPr/>
           </p:nvSpPr>
@@ -26918,7 +26860,7 @@
         </p:sp>
         <p:sp>
           <p:nvSpPr>
-            <p:cNvPr id="535" name="Apr"/>
+            <p:cNvPr id="533" name="Apr"/>
             <p:cNvSpPr txBox="1"/>
             <p:nvPr/>
           </p:nvSpPr>
@@ -26968,7 +26910,7 @@
         </p:sp>
         <p:sp>
           <p:nvSpPr>
-            <p:cNvPr id="536" name="Line"/>
+            <p:cNvPr id="534" name="Line"/>
             <p:cNvSpPr/>
             <p:nvPr/>
           </p:nvSpPr>
@@ -27018,7 +26960,7 @@
         </p:sp>
         <p:sp>
           <p:nvSpPr>
-            <p:cNvPr id="537" name="Line"/>
+            <p:cNvPr id="535" name="Line"/>
             <p:cNvSpPr/>
             <p:nvPr/>
           </p:nvSpPr>
@@ -27064,7 +27006,7 @@
         </p:sp>
         <p:sp>
           <p:nvSpPr>
-            <p:cNvPr id="538" name="Line"/>
+            <p:cNvPr id="536" name="Line"/>
             <p:cNvSpPr/>
             <p:nvPr/>
           </p:nvSpPr>
@@ -27111,7 +27053,7 @@
         </p:sp>
         <p:sp>
           <p:nvSpPr>
-            <p:cNvPr id="539" name="Line"/>
+            <p:cNvPr id="537" name="Line"/>
             <p:cNvSpPr/>
             <p:nvPr/>
           </p:nvSpPr>
@@ -27158,7 +27100,7 @@
         </p:sp>
         <p:sp>
           <p:nvSpPr>
-            <p:cNvPr id="540" name="Line"/>
+            <p:cNvPr id="538" name="Line"/>
             <p:cNvSpPr/>
             <p:nvPr/>
           </p:nvSpPr>
@@ -27204,7 +27146,7 @@
         </p:sp>
         <p:sp>
           <p:nvSpPr>
-            <p:cNvPr id="541" name="Line"/>
+            <p:cNvPr id="539" name="Line"/>
             <p:cNvSpPr/>
             <p:nvPr/>
           </p:nvSpPr>
@@ -27250,6 +27192,64 @@
           </p:txBody>
         </p:sp>
       </p:grpSp>
+      <p:pic>
+        <p:nvPicPr>
+          <p:cNvPr id="541" name="lubridate.png" descr="lubridate.png"/>
+          <p:cNvPicPr>
+            <a:picLocks noChangeAspect="1"/>
+          </p:cNvPicPr>
+          <p:nvPr/>
+        </p:nvPicPr>
+        <p:blipFill>
+          <a:blip r:embed="rId6">
+            <a:extLst/>
+          </a:blip>
+          <a:stretch>
+            <a:fillRect/>
+          </a:stretch>
+        </p:blipFill>
+        <p:spPr>
+          <a:xfrm>
+            <a:off x="12313158" y="217974"/>
+            <a:ext cx="1358901" cy="1575118"/>
+          </a:xfrm>
+          <a:prstGeom prst="rect">
+            <a:avLst/>
+          </a:prstGeom>
+          <a:ln w="12700">
+            <a:miter lim="400000"/>
+          </a:ln>
+        </p:spPr>
+      </p:pic>
+      <p:pic>
+        <p:nvPicPr>
+          <p:cNvPr id="542" name="Image" descr="Image"/>
+          <p:cNvPicPr>
+            <a:picLocks noChangeAspect="1"/>
+          </p:cNvPicPr>
+          <p:nvPr/>
+        </p:nvPicPr>
+        <p:blipFill>
+          <a:blip r:embed="rId7">
+            <a:extLst/>
+          </a:blip>
+          <a:stretch>
+            <a:fillRect/>
+          </a:stretch>
+        </p:blipFill>
+        <p:spPr>
+          <a:xfrm>
+            <a:off x="238823" y="9978474"/>
+            <a:ext cx="1754521" cy="616478"/>
+          </a:xfrm>
+          <a:prstGeom prst="rect">
+            <a:avLst/>
+          </a:prstGeom>
+          <a:ln w="12700">
+            <a:miter lim="400000"/>
+          </a:ln>
+        </p:spPr>
+      </p:pic>
     </p:spTree>
   </p:cSld>
   <p:clrMapOvr>
@@ -28534,38 +28534,9 @@
           </a:p>
         </p:txBody>
       </p:sp>
-      <p:pic>
-        <p:nvPicPr>
-          <p:cNvPr id="570" name="lubridate.png" descr="lubridate.png"/>
-          <p:cNvPicPr>
-            <a:picLocks noChangeAspect="1"/>
-          </p:cNvPicPr>
-          <p:nvPr/>
-        </p:nvPicPr>
-        <p:blipFill>
-          <a:blip r:embed="rId2">
-            <a:extLst/>
-          </a:blip>
-          <a:stretch>
-            <a:fillRect/>
-          </a:stretch>
-        </p:blipFill>
-        <p:spPr>
-          <a:xfrm>
-            <a:off x="12313158" y="217974"/>
-            <a:ext cx="1358901" cy="1575118"/>
-          </a:xfrm>
-          <a:prstGeom prst="rect">
-            <a:avLst/>
-          </a:prstGeom>
-          <a:ln w="12700">
-            <a:miter lim="400000"/>
-          </a:ln>
-        </p:spPr>
-      </p:pic>
       <p:sp>
         <p:nvSpPr>
-          <p:cNvPr id="571" name="RStudio® is a trademark of RStudio, Inc.  •  CC BY SA RStudio •  info@rstudio.com  •  844-448-1212 • rstudio.com •  Learn more at lubridate.tidyverse.org •  lubridate  1.6.0  •   Updated: 2017-12"/>
+          <p:cNvPr id="570" name="RStudio® is a trademark of RStudio, Inc.  •  CC BY SA RStudio •  info@rstudio.com  •  844-448-1212 • rstudio.com •  Learn more at lubridate.tidyverse.org •  lubridate  1.6.0  •   Updated: 2017-12"/>
           <p:cNvSpPr txBox="1"/>
           <p:nvPr/>
         </p:nvSpPr>
@@ -28610,34 +28581,34 @@
             </a:r>
             <a:r>
               <a:rPr>
+                <a:hlinkClick r:id="rId2" invalidUrl="" action="" tgtFrame="" tooltip="" history="1" highlightClick="0" endSnd="0"/>
+              </a:rPr>
+              <a:t>CC BY SA</a:t>
+            </a:r>
+            <a:r>
+              <a:t> RStudio •  </a:t>
+            </a:r>
+            <a:r>
+              <a:rPr>
                 <a:hlinkClick r:id="rId3" invalidUrl="" action="" tgtFrame="" tooltip="" history="1" highlightClick="0" endSnd="0"/>
               </a:rPr>
-              <a:t>CC BY SA</a:t>
-            </a:r>
-            <a:r>
-              <a:t> RStudio •  </a:t>
+              <a:t>info@rstudio.com</a:t>
+            </a:r>
+            <a:r>
+              <a:t>  •  844-448-1212 • </a:t>
             </a:r>
             <a:r>
               <a:rPr>
                 <a:hlinkClick r:id="rId4" invalidUrl="" action="" tgtFrame="" tooltip="" history="1" highlightClick="0" endSnd="0"/>
               </a:rPr>
-              <a:t>info@rstudio.com</a:t>
-            </a:r>
-            <a:r>
-              <a:t>  •  844-448-1212 • </a:t>
-            </a:r>
-            <a:r>
-              <a:rPr>
+              <a:t>rstudio.com</a:t>
+            </a:r>
+            <a:r>
+              <a:t> •  Learn more at </a:t>
+            </a:r>
+            <a:r>
+              <a:rPr b="1" u="sng">
                 <a:hlinkClick r:id="rId5" invalidUrl="" action="" tgtFrame="" tooltip="" history="1" highlightClick="0" endSnd="0"/>
-              </a:rPr>
-              <a:t>rstudio.com</a:t>
-            </a:r>
-            <a:r>
-              <a:t> •  Learn more at </a:t>
-            </a:r>
-            <a:r>
-              <a:rPr b="1" u="sng">
-                <a:hlinkClick r:id="rId6" invalidUrl="" action="" tgtFrame="" tooltip="" history="1" highlightClick="0" endSnd="0"/>
               </a:rPr>
               <a:t>lubridate.tidyverse.org</a:t>
             </a:r>
@@ -28647,38 +28618,9 @@
           </a:p>
         </p:txBody>
       </p:sp>
-      <p:pic>
-        <p:nvPicPr>
-          <p:cNvPr id="572" name="Image" descr="Image"/>
-          <p:cNvPicPr>
-            <a:picLocks noChangeAspect="1"/>
-          </p:cNvPicPr>
-          <p:nvPr/>
-        </p:nvPicPr>
-        <p:blipFill>
-          <a:blip r:embed="rId7">
-            <a:extLst/>
-          </a:blip>
-          <a:stretch>
-            <a:fillRect/>
-          </a:stretch>
-        </p:blipFill>
-        <p:spPr>
-          <a:xfrm>
-            <a:off x="238823" y="9978474"/>
-            <a:ext cx="1754521" cy="616478"/>
-          </a:xfrm>
-          <a:prstGeom prst="rect">
-            <a:avLst/>
-          </a:prstGeom>
-          <a:ln w="12700">
-            <a:miter lim="400000"/>
-          </a:ln>
-        </p:spPr>
-      </p:pic>
       <p:sp>
         <p:nvSpPr>
-          <p:cNvPr id="573" name="Line"/>
+          <p:cNvPr id="571" name="Line"/>
           <p:cNvSpPr/>
           <p:nvPr/>
         </p:nvSpPr>
@@ -28719,7 +28661,7 @@
       </p:sp>
       <p:sp>
         <p:nvSpPr>
-          <p:cNvPr id="574" name="Line"/>
+          <p:cNvPr id="572" name="Line"/>
           <p:cNvSpPr/>
           <p:nvPr/>
         </p:nvSpPr>
@@ -28760,7 +28702,7 @@
       </p:sp>
       <p:sp>
         <p:nvSpPr>
-          <p:cNvPr id="575" name="years(x = 1) x years.…"/>
+          <p:cNvPr id="573" name="years(x = 1) x years.…"/>
           <p:cNvSpPr txBox="1"/>
           <p:nvPr/>
         </p:nvSpPr>
@@ -29157,7 +29099,7 @@
       </p:sp>
       <p:sp>
         <p:nvSpPr>
-          <p:cNvPr id="576" name="Add or subtract periods to model events that happen at specific clock times, like the NYSE opening bell."/>
+          <p:cNvPr id="574" name="Add or subtract periods to model events that happen at specific clock times, like the NYSE opening bell."/>
           <p:cNvSpPr txBox="1"/>
           <p:nvPr/>
         </p:nvSpPr>
@@ -29207,7 +29149,7 @@
       </p:sp>
       <p:sp>
         <p:nvSpPr>
-          <p:cNvPr id="577" name="dyears(x = 1) 31536000x seconds.…"/>
+          <p:cNvPr id="575" name="dyears(x = 1) 31536000x seconds.…"/>
           <p:cNvSpPr txBox="1"/>
           <p:nvPr/>
         </p:nvSpPr>
@@ -29661,7 +29603,7 @@
       </p:sp>
       <p:sp>
         <p:nvSpPr>
-          <p:cNvPr id="578" name="Make a period with the name of a time unit pluralized, e.g.…"/>
+          <p:cNvPr id="576" name="Make a period with the name of a time unit pluralized, e.g.…"/>
           <p:cNvSpPr txBox="1"/>
           <p:nvPr/>
         </p:nvSpPr>
@@ -29792,7 +29734,7 @@
       </p:sp>
       <p:sp>
         <p:nvSpPr>
-          <p:cNvPr id="579" name="Make a duration with the name of a period prefixed with a d, e.g.…"/>
+          <p:cNvPr id="577" name="Make a duration with the name of a period prefixed with a d, e.g.…"/>
           <p:cNvSpPr txBox="1"/>
           <p:nvPr/>
         </p:nvSpPr>
@@ -29923,7 +29865,7 @@
       </p:sp>
       <p:sp>
         <p:nvSpPr>
-          <p:cNvPr id="580" name="Add or subtract durations to model physical processes, like battery life. Durations are stored as seconds, the only time unit with a consistent length. Difftimes are a class of durations found in base R."/>
+          <p:cNvPr id="578" name="Add or subtract durations to model physical processes, like battery life. Durations are stored as seconds, the only time unit with a consistent length. Difftimes are a class of durations found in base R."/>
           <p:cNvSpPr txBox="1"/>
           <p:nvPr/>
         </p:nvSpPr>
@@ -29978,7 +29920,7 @@
       </p:sp>
       <p:grpSp>
         <p:nvGrpSpPr>
-          <p:cNvPr id="585" name="Group"/>
+          <p:cNvPr id="583" name="Group"/>
           <p:cNvGrpSpPr/>
           <p:nvPr/>
         </p:nvGrpSpPr>
@@ -29992,7 +29934,7 @@
         </p:grpSpPr>
         <p:sp>
           <p:nvSpPr>
-            <p:cNvPr id="581" name="Triangle"/>
+            <p:cNvPr id="579" name="Triangle"/>
             <p:cNvSpPr/>
             <p:nvPr/>
           </p:nvSpPr>
@@ -30068,7 +30010,7 @@
         </p:sp>
         <p:grpSp>
           <p:nvGrpSpPr>
-            <p:cNvPr id="584" name="Group"/>
+            <p:cNvPr id="582" name="Group"/>
             <p:cNvGrpSpPr/>
             <p:nvPr/>
           </p:nvGrpSpPr>
@@ -30082,7 +30024,7 @@
           </p:grpSpPr>
           <p:sp>
             <p:nvSpPr>
-              <p:cNvPr id="582" name="Quote Bubble"/>
+              <p:cNvPr id="580" name="Quote Bubble"/>
               <p:cNvSpPr/>
               <p:nvPr/>
             </p:nvSpPr>
@@ -30184,7 +30126,7 @@
           </p:sp>
           <p:sp>
             <p:nvSpPr>
-              <p:cNvPr id="583" name="Number of days"/>
+              <p:cNvPr id="581" name="Number of days"/>
               <p:cNvSpPr txBox="1"/>
               <p:nvPr/>
             </p:nvSpPr>
@@ -30243,7 +30185,7 @@
       </p:grpSp>
       <p:grpSp>
         <p:nvGrpSpPr>
-          <p:cNvPr id="588" name="Group"/>
+          <p:cNvPr id="586" name="Group"/>
           <p:cNvGrpSpPr/>
           <p:nvPr/>
         </p:nvGrpSpPr>
@@ -30257,7 +30199,7 @@
         </p:grpSpPr>
         <p:sp>
           <p:nvSpPr>
-            <p:cNvPr id="586" name="Quote Bubble"/>
+            <p:cNvPr id="584" name="Quote Bubble"/>
             <p:cNvSpPr/>
             <p:nvPr/>
           </p:nvSpPr>
@@ -30359,7 +30301,7 @@
         </p:sp>
         <p:sp>
           <p:nvSpPr>
-            <p:cNvPr id="587" name="etc."/>
+            <p:cNvPr id="585" name="etc."/>
             <p:cNvSpPr txBox="1"/>
             <p:nvPr/>
           </p:nvSpPr>
@@ -30417,7 +30359,7 @@
       </p:grpSp>
       <p:grpSp>
         <p:nvGrpSpPr>
-          <p:cNvPr id="593" name="Group"/>
+          <p:cNvPr id="591" name="Group"/>
           <p:cNvGrpSpPr/>
           <p:nvPr/>
         </p:nvGrpSpPr>
@@ -30431,7 +30373,7 @@
         </p:grpSpPr>
         <p:sp>
           <p:nvSpPr>
-            <p:cNvPr id="589" name="Triangle"/>
+            <p:cNvPr id="587" name="Triangle"/>
             <p:cNvSpPr/>
             <p:nvPr/>
           </p:nvSpPr>
@@ -30507,7 +30449,7 @@
         </p:sp>
         <p:grpSp>
           <p:nvGrpSpPr>
-            <p:cNvPr id="592" name="Group"/>
+            <p:cNvPr id="590" name="Group"/>
             <p:cNvGrpSpPr/>
             <p:nvPr/>
           </p:nvGrpSpPr>
@@ -30521,7 +30463,7 @@
           </p:grpSpPr>
           <p:sp>
             <p:nvSpPr>
-              <p:cNvPr id="590" name="Quote Bubble"/>
+              <p:cNvPr id="588" name="Quote Bubble"/>
               <p:cNvSpPr/>
               <p:nvPr/>
             </p:nvSpPr>
@@ -30623,7 +30565,7 @@
           </p:sp>
           <p:sp>
             <p:nvSpPr>
-              <p:cNvPr id="591" name="Number of months"/>
+              <p:cNvPr id="589" name="Number of months"/>
               <p:cNvSpPr txBox="1"/>
               <p:nvPr/>
             </p:nvSpPr>
@@ -30682,7 +30624,7 @@
       </p:grpSp>
       <p:grpSp>
         <p:nvGrpSpPr>
-          <p:cNvPr id="598" name="Group"/>
+          <p:cNvPr id="596" name="Group"/>
           <p:cNvGrpSpPr/>
           <p:nvPr/>
         </p:nvGrpSpPr>
@@ -30696,7 +30638,7 @@
         </p:grpSpPr>
         <p:sp>
           <p:nvSpPr>
-            <p:cNvPr id="594" name="Triangle"/>
+            <p:cNvPr id="592" name="Triangle"/>
             <p:cNvSpPr/>
             <p:nvPr/>
           </p:nvSpPr>
@@ -30772,7 +30714,7 @@
         </p:sp>
         <p:grpSp>
           <p:nvGrpSpPr>
-            <p:cNvPr id="597" name="Group"/>
+            <p:cNvPr id="595" name="Group"/>
             <p:cNvGrpSpPr/>
             <p:nvPr/>
           </p:nvGrpSpPr>
@@ -30786,7 +30728,7 @@
           </p:grpSpPr>
           <p:sp>
             <p:nvSpPr>
-              <p:cNvPr id="595" name="Quote Bubble"/>
+              <p:cNvPr id="593" name="Quote Bubble"/>
               <p:cNvSpPr/>
               <p:nvPr/>
             </p:nvSpPr>
@@ -30888,7 +30830,7 @@
           </p:sp>
           <p:sp>
             <p:nvSpPr>
-              <p:cNvPr id="596" name="Exact length in seconds"/>
+              <p:cNvPr id="594" name="Exact length in seconds"/>
               <p:cNvSpPr txBox="1"/>
               <p:nvPr/>
             </p:nvSpPr>
@@ -30947,7 +30889,7 @@
       </p:grpSp>
       <p:grpSp>
         <p:nvGrpSpPr>
-          <p:cNvPr id="603" name="Group"/>
+          <p:cNvPr id="601" name="Group"/>
           <p:cNvGrpSpPr/>
           <p:nvPr/>
         </p:nvGrpSpPr>
@@ -30961,7 +30903,7 @@
         </p:grpSpPr>
         <p:sp>
           <p:nvSpPr>
-            <p:cNvPr id="599" name="Triangle"/>
+            <p:cNvPr id="597" name="Triangle"/>
             <p:cNvSpPr/>
             <p:nvPr/>
           </p:nvSpPr>
@@ -31037,7 +30979,7 @@
         </p:sp>
         <p:grpSp>
           <p:nvGrpSpPr>
-            <p:cNvPr id="602" name="Group"/>
+            <p:cNvPr id="600" name="Group"/>
             <p:cNvGrpSpPr/>
             <p:nvPr/>
           </p:nvGrpSpPr>
@@ -31051,7 +30993,7 @@
           </p:grpSpPr>
           <p:sp>
             <p:nvSpPr>
-              <p:cNvPr id="600" name="Quote Bubble"/>
+              <p:cNvPr id="598" name="Quote Bubble"/>
               <p:cNvSpPr/>
               <p:nvPr/>
             </p:nvSpPr>
@@ -31153,7 +31095,7 @@
           </p:sp>
           <p:sp>
             <p:nvSpPr>
-              <p:cNvPr id="601" name="Equivalent…"/>
+              <p:cNvPr id="599" name="Equivalent…"/>
               <p:cNvSpPr txBox="1"/>
               <p:nvPr/>
             </p:nvSpPr>
@@ -31232,7 +31174,7 @@
       </p:grpSp>
       <p:sp>
         <p:nvSpPr>
-          <p:cNvPr id="604" name="INTERVALS"/>
+          <p:cNvPr id="602" name="INTERVALS"/>
           <p:cNvSpPr txBox="1"/>
           <p:nvPr/>
         </p:nvSpPr>
@@ -31268,7 +31210,7 @@
       </p:sp>
       <p:sp>
         <p:nvSpPr>
-          <p:cNvPr id="605" name="Divide an interval by a duration to determine its physical length, divide an interval by a period to determine its implied length in clock time."/>
+          <p:cNvPr id="603" name="Divide an interval by a duration to determine its physical length, divide an interval by a period to determine its implied length in clock time."/>
           <p:cNvSpPr txBox="1"/>
           <p:nvPr/>
         </p:nvSpPr>
@@ -31318,7 +31260,7 @@
       </p:sp>
       <p:sp>
         <p:nvSpPr>
-          <p:cNvPr id="606" name="Math with  Date-times —   Lubridate provides three classes of timespans to facilitate math with dates and date-times"/>
+          <p:cNvPr id="604" name="Math with  Date-times —   Lubridate provides three classes of timespans to facilitate math with dates and date-times"/>
           <p:cNvSpPr txBox="1"/>
           <p:nvPr/>
         </p:nvSpPr>
@@ -31378,7 +31320,7 @@
       </p:sp>
       <p:sp>
         <p:nvSpPr>
-          <p:cNvPr id="607" name="a %within% b  Does interval or date-time a fall within interval b? now() %within% i…"/>
+          <p:cNvPr id="605" name="a %within% b  Does interval or date-time a fall within interval b? now() %within% i…"/>
           <p:cNvSpPr txBox="1"/>
           <p:nvPr/>
         </p:nvSpPr>
@@ -31807,7 +31749,7 @@
       </p:sp>
       <p:grpSp>
         <p:nvGrpSpPr>
-          <p:cNvPr id="611" name="Group"/>
+          <p:cNvPr id="609" name="Group"/>
           <p:cNvGrpSpPr/>
           <p:nvPr/>
         </p:nvGrpSpPr>
@@ -31821,7 +31763,7 @@
         </p:grpSpPr>
         <p:sp>
           <p:nvSpPr>
-            <p:cNvPr id="608" name="Line"/>
+            <p:cNvPr id="606" name="Line"/>
             <p:cNvSpPr/>
             <p:nvPr/>
           </p:nvSpPr>
@@ -31867,7 +31809,7 @@
         </p:sp>
         <p:sp>
           <p:nvSpPr>
-            <p:cNvPr id="609" name="Arrow"/>
+            <p:cNvPr id="607" name="Arrow"/>
             <p:cNvSpPr/>
             <p:nvPr/>
           </p:nvSpPr>
@@ -31915,7 +31857,7 @@
         </p:sp>
         <p:sp>
           <p:nvSpPr>
-            <p:cNvPr id="610" name="Line"/>
+            <p:cNvPr id="608" name="Line"/>
             <p:cNvSpPr/>
             <p:nvPr/>
           </p:nvSpPr>
@@ -31966,7 +31908,7 @@
       </p:grpSp>
       <p:grpSp>
         <p:nvGrpSpPr>
-          <p:cNvPr id="616" name="Group"/>
+          <p:cNvPr id="614" name="Group"/>
           <p:cNvGrpSpPr/>
           <p:nvPr/>
         </p:nvGrpSpPr>
@@ -31980,7 +31922,7 @@
         </p:grpSpPr>
         <p:sp>
           <p:nvSpPr>
-            <p:cNvPr id="612" name="Line"/>
+            <p:cNvPr id="610" name="Line"/>
             <p:cNvSpPr/>
             <p:nvPr/>
           </p:nvSpPr>
@@ -32026,7 +31968,7 @@
         </p:sp>
         <p:sp>
           <p:nvSpPr>
-            <p:cNvPr id="613" name="Arrow"/>
+            <p:cNvPr id="611" name="Arrow"/>
             <p:cNvSpPr/>
             <p:nvPr/>
           </p:nvSpPr>
@@ -32074,7 +32016,7 @@
         </p:sp>
         <p:sp>
           <p:nvSpPr>
-            <p:cNvPr id="614" name="Line"/>
+            <p:cNvPr id="612" name="Line"/>
             <p:cNvSpPr/>
             <p:nvPr/>
           </p:nvSpPr>
@@ -32120,7 +32062,7 @@
         </p:sp>
         <p:sp>
           <p:nvSpPr>
-            <p:cNvPr id="615" name="Line"/>
+            <p:cNvPr id="613" name="Line"/>
             <p:cNvSpPr/>
             <p:nvPr/>
           </p:nvSpPr>
@@ -32171,7 +32113,7 @@
       </p:grpSp>
       <p:grpSp>
         <p:nvGrpSpPr>
-          <p:cNvPr id="624" name="Group"/>
+          <p:cNvPr id="622" name="Group"/>
           <p:cNvGrpSpPr/>
           <p:nvPr/>
         </p:nvGrpSpPr>
@@ -32185,7 +32127,7 @@
         </p:grpSpPr>
         <p:sp>
           <p:nvSpPr>
-            <p:cNvPr id="617" name="Arrow"/>
+            <p:cNvPr id="615" name="Arrow"/>
             <p:cNvSpPr/>
             <p:nvPr/>
           </p:nvSpPr>
@@ -32233,7 +32175,7 @@
         </p:sp>
         <p:sp>
           <p:nvSpPr>
-            <p:cNvPr id="618" name="Arrow"/>
+            <p:cNvPr id="616" name="Arrow"/>
             <p:cNvSpPr/>
             <p:nvPr/>
           </p:nvSpPr>
@@ -32281,7 +32223,7 @@
         </p:sp>
         <p:sp>
           <p:nvSpPr>
-            <p:cNvPr id="619" name="Line"/>
+            <p:cNvPr id="617" name="Line"/>
             <p:cNvSpPr/>
             <p:nvPr/>
           </p:nvSpPr>
@@ -32331,7 +32273,7 @@
         </p:sp>
         <p:sp>
           <p:nvSpPr>
-            <p:cNvPr id="620" name="Arrow"/>
+            <p:cNvPr id="618" name="Arrow"/>
             <p:cNvSpPr/>
             <p:nvPr/>
           </p:nvSpPr>
@@ -32379,7 +32321,7 @@
         </p:sp>
         <p:sp>
           <p:nvSpPr>
-            <p:cNvPr id="621" name="Line"/>
+            <p:cNvPr id="619" name="Line"/>
             <p:cNvSpPr/>
             <p:nvPr/>
           </p:nvSpPr>
@@ -32429,7 +32371,7 @@
         </p:sp>
         <p:sp>
           <p:nvSpPr>
-            <p:cNvPr id="622" name="Line"/>
+            <p:cNvPr id="620" name="Line"/>
             <p:cNvSpPr/>
             <p:nvPr/>
           </p:nvSpPr>
@@ -32479,7 +32421,7 @@
         </p:sp>
         <p:sp>
           <p:nvSpPr>
-            <p:cNvPr id="623" name="Line"/>
+            <p:cNvPr id="621" name="Line"/>
             <p:cNvSpPr/>
             <p:nvPr/>
           </p:nvSpPr>
@@ -32530,7 +32472,7 @@
       </p:grpSp>
       <p:grpSp>
         <p:nvGrpSpPr>
-          <p:cNvPr id="630" name="Group"/>
+          <p:cNvPr id="628" name="Group"/>
           <p:cNvGrpSpPr/>
           <p:nvPr/>
         </p:nvGrpSpPr>
@@ -32544,7 +32486,7 @@
         </p:grpSpPr>
         <p:grpSp>
           <p:nvGrpSpPr>
-            <p:cNvPr id="628" name="Group"/>
+            <p:cNvPr id="626" name="Group"/>
             <p:cNvGrpSpPr/>
             <p:nvPr/>
           </p:nvGrpSpPr>
@@ -32558,7 +32500,7 @@
           </p:grpSpPr>
           <p:sp>
             <p:nvSpPr>
-              <p:cNvPr id="625" name="Arrow"/>
+              <p:cNvPr id="623" name="Arrow"/>
               <p:cNvSpPr/>
               <p:nvPr/>
             </p:nvSpPr>
@@ -32606,7 +32548,7 @@
           </p:sp>
           <p:sp>
             <p:nvSpPr>
-              <p:cNvPr id="626" name="Arrow"/>
+              <p:cNvPr id="624" name="Arrow"/>
               <p:cNvSpPr/>
               <p:nvPr/>
             </p:nvSpPr>
@@ -32654,7 +32596,7 @@
           </p:sp>
           <p:sp>
             <p:nvSpPr>
-              <p:cNvPr id="627" name="Arrow"/>
+              <p:cNvPr id="625" name="Arrow"/>
               <p:cNvSpPr/>
               <p:nvPr/>
             </p:nvSpPr>
@@ -32703,7 +32645,7 @@
         </p:grpSp>
         <p:sp>
           <p:nvSpPr>
-            <p:cNvPr id="629" name="Group"/>
+            <p:cNvPr id="627" name="Group"/>
             <p:cNvSpPr/>
             <p:nvPr/>
           </p:nvSpPr>
@@ -32754,7 +32696,7 @@
       </p:grpSp>
       <p:grpSp>
         <p:nvGrpSpPr>
-          <p:cNvPr id="634" name="Group"/>
+          <p:cNvPr id="632" name="Group"/>
           <p:cNvGrpSpPr/>
           <p:nvPr/>
         </p:nvGrpSpPr>
@@ -32768,7 +32710,7 @@
         </p:grpSpPr>
         <p:sp>
           <p:nvSpPr>
-            <p:cNvPr id="631" name="Arrow"/>
+            <p:cNvPr id="629" name="Arrow"/>
             <p:cNvSpPr/>
             <p:nvPr/>
           </p:nvSpPr>
@@ -32816,7 +32758,7 @@
         </p:sp>
         <p:sp>
           <p:nvSpPr>
-            <p:cNvPr id="632" name="Line"/>
+            <p:cNvPr id="630" name="Line"/>
             <p:cNvSpPr/>
             <p:nvPr/>
           </p:nvSpPr>
@@ -32862,7 +32804,7 @@
         </p:sp>
         <p:sp>
           <p:nvSpPr>
-            <p:cNvPr id="633" name="Line"/>
+            <p:cNvPr id="631" name="Line"/>
             <p:cNvSpPr/>
             <p:nvPr/>
           </p:nvSpPr>
@@ -32909,7 +32851,7 @@
       </p:grpSp>
       <p:grpSp>
         <p:nvGrpSpPr>
-          <p:cNvPr id="642" name="Group"/>
+          <p:cNvPr id="640" name="Group"/>
           <p:cNvGrpSpPr/>
           <p:nvPr/>
         </p:nvGrpSpPr>
@@ -32923,7 +32865,7 @@
         </p:grpSpPr>
         <p:sp>
           <p:nvSpPr>
-            <p:cNvPr id="635" name="Line"/>
+            <p:cNvPr id="633" name="Line"/>
             <p:cNvSpPr/>
             <p:nvPr/>
           </p:nvSpPr>
@@ -32969,7 +32911,7 @@
         </p:sp>
         <p:sp>
           <p:nvSpPr>
-            <p:cNvPr id="636" name="Arrow"/>
+            <p:cNvPr id="634" name="Arrow"/>
             <p:cNvSpPr/>
             <p:nvPr/>
           </p:nvSpPr>
@@ -33017,7 +32959,7 @@
         </p:sp>
         <p:sp>
           <p:nvSpPr>
-            <p:cNvPr id="637" name="Line"/>
+            <p:cNvPr id="635" name="Line"/>
             <p:cNvSpPr/>
             <p:nvPr/>
           </p:nvSpPr>
@@ -33063,7 +33005,7 @@
         </p:sp>
         <p:sp>
           <p:nvSpPr>
-            <p:cNvPr id="638" name="Line"/>
+            <p:cNvPr id="636" name="Line"/>
             <p:cNvSpPr/>
             <p:nvPr/>
           </p:nvSpPr>
@@ -33115,7 +33057,7 @@
         </p:sp>
         <p:sp>
           <p:nvSpPr>
-            <p:cNvPr id="639" name="Line"/>
+            <p:cNvPr id="637" name="Line"/>
             <p:cNvSpPr/>
             <p:nvPr/>
           </p:nvSpPr>
@@ -33165,7 +33107,7 @@
         </p:sp>
         <p:sp>
           <p:nvSpPr>
-            <p:cNvPr id="640" name="Line"/>
+            <p:cNvPr id="638" name="Line"/>
             <p:cNvSpPr/>
             <p:nvPr/>
           </p:nvSpPr>
@@ -33215,7 +33157,7 @@
         </p:sp>
         <p:sp>
           <p:nvSpPr>
-            <p:cNvPr id="641" name="l"/>
+            <p:cNvPr id="639" name="l"/>
             <p:cNvSpPr txBox="1"/>
             <p:nvPr/>
           </p:nvSpPr>
@@ -33271,7 +33213,7 @@
       </p:grpSp>
       <p:grpSp>
         <p:nvGrpSpPr>
-          <p:cNvPr id="646" name="Group"/>
+          <p:cNvPr id="644" name="Group"/>
           <p:cNvGrpSpPr/>
           <p:nvPr/>
         </p:nvGrpSpPr>
@@ -33285,7 +33227,7 @@
         </p:grpSpPr>
         <p:sp>
           <p:nvSpPr>
-            <p:cNvPr id="643" name="Line"/>
+            <p:cNvPr id="641" name="Line"/>
             <p:cNvSpPr/>
             <p:nvPr/>
           </p:nvSpPr>
@@ -33335,7 +33277,7 @@
         </p:sp>
         <p:sp>
           <p:nvSpPr>
-            <p:cNvPr id="644" name="Line"/>
+            <p:cNvPr id="642" name="Line"/>
             <p:cNvSpPr/>
             <p:nvPr/>
           </p:nvSpPr>
@@ -33385,7 +33327,7 @@
         </p:sp>
         <p:sp>
           <p:nvSpPr>
-            <p:cNvPr id="645" name="Arrow"/>
+            <p:cNvPr id="643" name="Arrow"/>
             <p:cNvSpPr/>
             <p:nvPr/>
           </p:nvSpPr>
@@ -33434,7 +33376,7 @@
       </p:grpSp>
       <p:grpSp>
         <p:nvGrpSpPr>
-          <p:cNvPr id="650" name="Group"/>
+          <p:cNvPr id="648" name="Group"/>
           <p:cNvGrpSpPr/>
           <p:nvPr/>
         </p:nvGrpSpPr>
@@ -33448,7 +33390,7 @@
         </p:grpSpPr>
         <p:sp>
           <p:nvSpPr>
-            <p:cNvPr id="647" name="Triangle"/>
+            <p:cNvPr id="645" name="Triangle"/>
             <p:cNvSpPr/>
             <p:nvPr/>
           </p:nvSpPr>
@@ -33524,7 +33466,7 @@
         </p:sp>
         <p:sp>
           <p:nvSpPr>
-            <p:cNvPr id="648" name="Quote Bubble"/>
+            <p:cNvPr id="646" name="Quote Bubble"/>
             <p:cNvSpPr/>
             <p:nvPr/>
           </p:nvSpPr>
@@ -33626,7 +33568,7 @@
         </p:sp>
         <p:sp>
           <p:nvSpPr>
-            <p:cNvPr id="649" name="Start Date"/>
+            <p:cNvPr id="647" name="Start Date"/>
             <p:cNvSpPr txBox="1"/>
             <p:nvPr/>
           </p:nvSpPr>
@@ -33684,7 +33626,7 @@
       </p:grpSp>
       <p:grpSp>
         <p:nvGrpSpPr>
-          <p:cNvPr id="653" name="Group"/>
+          <p:cNvPr id="651" name="Group"/>
           <p:cNvGrpSpPr/>
           <p:nvPr/>
         </p:nvGrpSpPr>
@@ -33698,7 +33640,7 @@
         </p:grpSpPr>
         <p:sp>
           <p:nvSpPr>
-            <p:cNvPr id="651" name="Quote Bubble"/>
+            <p:cNvPr id="649" name="Quote Bubble"/>
             <p:cNvSpPr/>
             <p:nvPr/>
           </p:nvSpPr>
@@ -33800,7 +33742,7 @@
         </p:sp>
         <p:sp>
           <p:nvSpPr>
-            <p:cNvPr id="652" name="End Date"/>
+            <p:cNvPr id="650" name="End Date"/>
             <p:cNvSpPr txBox="1"/>
             <p:nvPr/>
           </p:nvSpPr>
@@ -33858,7 +33800,7 @@
       </p:grpSp>
       <p:grpSp>
         <p:nvGrpSpPr>
-          <p:cNvPr id="695" name="Group"/>
+          <p:cNvPr id="693" name="Group"/>
           <p:cNvGrpSpPr/>
           <p:nvPr/>
         </p:nvGrpSpPr>
@@ -33872,7 +33814,7 @@
         </p:grpSpPr>
         <p:sp>
           <p:nvSpPr>
-            <p:cNvPr id="654" name="Math with date-times relies on the timeline, which behaves inconsistently.  Consider how the timeline behaves during:…"/>
+            <p:cNvPr id="652" name="Math with date-times relies on the timeline, which behaves inconsistently.  Consider how the timeline behaves during:…"/>
             <p:cNvSpPr txBox="1"/>
             <p:nvPr/>
           </p:nvSpPr>
@@ -34212,7 +34154,7 @@
         </p:sp>
         <p:grpSp>
           <p:nvGrpSpPr>
-            <p:cNvPr id="666" name="Group"/>
+            <p:cNvPr id="664" name="Group"/>
             <p:cNvGrpSpPr/>
             <p:nvPr/>
           </p:nvGrpSpPr>
@@ -34226,7 +34168,7 @@
           </p:grpSpPr>
           <p:sp>
             <p:nvSpPr>
-              <p:cNvPr id="655" name="Line"/>
+              <p:cNvPr id="653" name="Line"/>
               <p:cNvSpPr/>
               <p:nvPr/>
             </p:nvSpPr>
@@ -34272,7 +34214,7 @@
           </p:sp>
           <p:sp>
             <p:nvSpPr>
-              <p:cNvPr id="656" name="12:00"/>
+              <p:cNvPr id="654" name="12:00"/>
               <p:cNvSpPr txBox="1"/>
               <p:nvPr/>
             </p:nvSpPr>
@@ -34322,7 +34264,7 @@
           </p:sp>
           <p:sp>
             <p:nvSpPr>
-              <p:cNvPr id="657" name="Line"/>
+              <p:cNvPr id="655" name="Line"/>
               <p:cNvSpPr/>
               <p:nvPr/>
             </p:nvSpPr>
@@ -34368,7 +34310,7 @@
           </p:sp>
           <p:sp>
             <p:nvSpPr>
-              <p:cNvPr id="658" name="1:00"/>
+              <p:cNvPr id="656" name="1:00"/>
               <p:cNvSpPr txBox="1"/>
               <p:nvPr/>
             </p:nvSpPr>
@@ -34418,7 +34360,7 @@
           </p:sp>
           <p:sp>
             <p:nvSpPr>
-              <p:cNvPr id="659" name="2:00"/>
+              <p:cNvPr id="657" name="2:00"/>
               <p:cNvSpPr txBox="1"/>
               <p:nvPr/>
             </p:nvSpPr>
@@ -34468,7 +34410,7 @@
           </p:sp>
           <p:sp>
             <p:nvSpPr>
-              <p:cNvPr id="660" name="Line"/>
+              <p:cNvPr id="658" name="Line"/>
               <p:cNvSpPr/>
               <p:nvPr/>
             </p:nvSpPr>
@@ -34514,7 +34456,7 @@
           </p:sp>
           <p:sp>
             <p:nvSpPr>
-              <p:cNvPr id="661" name="3:00"/>
+              <p:cNvPr id="659" name="3:00"/>
               <p:cNvSpPr txBox="1"/>
               <p:nvPr/>
             </p:nvSpPr>
@@ -34564,7 +34506,7 @@
           </p:sp>
           <p:sp>
             <p:nvSpPr>
-              <p:cNvPr id="662" name="Line"/>
+              <p:cNvPr id="660" name="Line"/>
               <p:cNvSpPr/>
               <p:nvPr/>
             </p:nvSpPr>
@@ -34584,6 +34526,98 @@
                 <a:prstDash val="solid"/>
                 <a:miter lim="400000"/>
                 <a:tailEnd type="triangle" w="med" len="med"/>
+              </a:ln>
+              <a:effectLst/>
+            </p:spPr>
+            <p:txBody>
+              <a:bodyPr wrap="square" lIns="54570" tIns="54570" rIns="54570" bIns="54570" numCol="1" anchor="ctr">
+                <a:noAutofit/>
+              </a:bodyPr>
+              <a:lstStyle/>
+              <a:p>
+                <a:pPr>
+                  <a:lnSpc>
+                    <a:spcPct val="80000"/>
+                  </a:lnSpc>
+                  <a:spcBef>
+                    <a:spcPts val="600"/>
+                  </a:spcBef>
+                  <a:defRPr b="0">
+                    <a:solidFill>
+                      <a:srgbClr val="000000"/>
+                    </a:solidFill>
+                  </a:defRPr>
+                </a:pPr>
+              </a:p>
+            </p:txBody>
+          </p:sp>
+          <p:sp>
+            <p:nvSpPr>
+              <p:cNvPr id="661" name="Line"/>
+              <p:cNvSpPr/>
+              <p:nvPr/>
+            </p:nvSpPr>
+            <p:spPr>
+              <a:xfrm>
+                <a:off x="38951" y="51714"/>
+                <a:ext cx="1343388" cy="1"/>
+              </a:xfrm>
+              <a:prstGeom prst="line">
+                <a:avLst/>
+              </a:prstGeom>
+              <a:noFill/>
+              <a:ln w="25400" cap="flat">
+                <a:solidFill>
+                  <a:srgbClr val="53585F"/>
+                </a:solidFill>
+                <a:prstDash val="solid"/>
+                <a:miter lim="400000"/>
+              </a:ln>
+              <a:effectLst/>
+            </p:spPr>
+            <p:txBody>
+              <a:bodyPr wrap="square" lIns="54570" tIns="54570" rIns="54570" bIns="54570" numCol="1" anchor="ctr">
+                <a:noAutofit/>
+              </a:bodyPr>
+              <a:lstStyle/>
+              <a:p>
+                <a:pPr>
+                  <a:lnSpc>
+                    <a:spcPct val="80000"/>
+                  </a:lnSpc>
+                  <a:spcBef>
+                    <a:spcPts val="600"/>
+                  </a:spcBef>
+                  <a:defRPr b="0">
+                    <a:solidFill>
+                      <a:srgbClr val="000000"/>
+                    </a:solidFill>
+                  </a:defRPr>
+                </a:pPr>
+              </a:p>
+            </p:txBody>
+          </p:sp>
+          <p:sp>
+            <p:nvSpPr>
+              <p:cNvPr id="662" name="Line"/>
+              <p:cNvSpPr/>
+              <p:nvPr/>
+            </p:nvSpPr>
+            <p:spPr>
+              <a:xfrm flipV="1">
+                <a:off x="764377" y="-225425"/>
+                <a:ext cx="1" cy="103430"/>
+              </a:xfrm>
+              <a:prstGeom prst="line">
+                <a:avLst/>
+              </a:prstGeom>
+              <a:noFill/>
+              <a:ln w="25400" cap="flat">
+                <a:solidFill>
+                  <a:srgbClr val="53585F"/>
+                </a:solidFill>
+                <a:prstDash val="solid"/>
+                <a:miter lim="400000"/>
               </a:ln>
               <a:effectLst/>
             </p:spPr>
@@ -34616,98 +34650,6 @@
               <p:nvPr/>
             </p:nvSpPr>
             <p:spPr>
-              <a:xfrm>
-                <a:off x="38951" y="51714"/>
-                <a:ext cx="1343388" cy="1"/>
-              </a:xfrm>
-              <a:prstGeom prst="line">
-                <a:avLst/>
-              </a:prstGeom>
-              <a:noFill/>
-              <a:ln w="25400" cap="flat">
-                <a:solidFill>
-                  <a:srgbClr val="53585F"/>
-                </a:solidFill>
-                <a:prstDash val="solid"/>
-                <a:miter lim="400000"/>
-              </a:ln>
-              <a:effectLst/>
-            </p:spPr>
-            <p:txBody>
-              <a:bodyPr wrap="square" lIns="54570" tIns="54570" rIns="54570" bIns="54570" numCol="1" anchor="ctr">
-                <a:noAutofit/>
-              </a:bodyPr>
-              <a:lstStyle/>
-              <a:p>
-                <a:pPr>
-                  <a:lnSpc>
-                    <a:spcPct val="80000"/>
-                  </a:lnSpc>
-                  <a:spcBef>
-                    <a:spcPts val="600"/>
-                  </a:spcBef>
-                  <a:defRPr b="0">
-                    <a:solidFill>
-                      <a:srgbClr val="000000"/>
-                    </a:solidFill>
-                  </a:defRPr>
-                </a:pPr>
-              </a:p>
-            </p:txBody>
-          </p:sp>
-          <p:sp>
-            <p:nvSpPr>
-              <p:cNvPr id="664" name="Line"/>
-              <p:cNvSpPr/>
-              <p:nvPr/>
-            </p:nvSpPr>
-            <p:spPr>
-              <a:xfrm flipV="1">
-                <a:off x="764377" y="-225425"/>
-                <a:ext cx="1" cy="103430"/>
-              </a:xfrm>
-              <a:prstGeom prst="line">
-                <a:avLst/>
-              </a:prstGeom>
-              <a:noFill/>
-              <a:ln w="25400" cap="flat">
-                <a:solidFill>
-                  <a:srgbClr val="53585F"/>
-                </a:solidFill>
-                <a:prstDash val="solid"/>
-                <a:miter lim="400000"/>
-              </a:ln>
-              <a:effectLst/>
-            </p:spPr>
-            <p:txBody>
-              <a:bodyPr wrap="square" lIns="54570" tIns="54570" rIns="54570" bIns="54570" numCol="1" anchor="ctr">
-                <a:noAutofit/>
-              </a:bodyPr>
-              <a:lstStyle/>
-              <a:p>
-                <a:pPr>
-                  <a:lnSpc>
-                    <a:spcPct val="80000"/>
-                  </a:lnSpc>
-                  <a:spcBef>
-                    <a:spcPts val="600"/>
-                  </a:spcBef>
-                  <a:defRPr b="0">
-                    <a:solidFill>
-                      <a:srgbClr val="000000"/>
-                    </a:solidFill>
-                  </a:defRPr>
-                </a:pPr>
-              </a:p>
-            </p:txBody>
-          </p:sp>
-          <p:sp>
-            <p:nvSpPr>
-              <p:cNvPr id="665" name="Line"/>
-              <p:cNvSpPr/>
-              <p:nvPr/>
-            </p:nvSpPr>
-            <p:spPr>
               <a:xfrm flipV="1">
                 <a:off x="1367663" y="-225425"/>
                 <a:ext cx="1" cy="103430"/>
@@ -34750,7 +34692,7 @@
         </p:grpSp>
         <p:grpSp>
           <p:nvGrpSpPr>
-            <p:cNvPr id="674" name="Group"/>
+            <p:cNvPr id="672" name="Group"/>
             <p:cNvGrpSpPr/>
             <p:nvPr/>
           </p:nvGrpSpPr>
@@ -34764,7 +34706,7 @@
           </p:grpSpPr>
           <p:sp>
             <p:nvSpPr>
-              <p:cNvPr id="667" name="Line"/>
+              <p:cNvPr id="665" name="Line"/>
               <p:cNvSpPr/>
               <p:nvPr/>
             </p:nvSpPr>
@@ -34810,7 +34752,7 @@
           </p:sp>
           <p:sp>
             <p:nvSpPr>
-              <p:cNvPr id="668" name="2019"/>
+              <p:cNvPr id="666" name="2019"/>
               <p:cNvSpPr txBox="1"/>
               <p:nvPr/>
             </p:nvSpPr>
@@ -34860,7 +34802,7 @@
           </p:sp>
           <p:sp>
             <p:nvSpPr>
-              <p:cNvPr id="669" name="Line"/>
+              <p:cNvPr id="667" name="Line"/>
               <p:cNvSpPr/>
               <p:nvPr/>
             </p:nvSpPr>
@@ -34906,7 +34848,7 @@
           </p:sp>
           <p:sp>
             <p:nvSpPr>
-              <p:cNvPr id="670" name="2020"/>
+              <p:cNvPr id="668" name="2020"/>
               <p:cNvSpPr txBox="1"/>
               <p:nvPr/>
             </p:nvSpPr>
@@ -34956,7 +34898,7 @@
           </p:sp>
           <p:sp>
             <p:nvSpPr>
-              <p:cNvPr id="671" name="Line"/>
+              <p:cNvPr id="669" name="Line"/>
               <p:cNvSpPr/>
               <p:nvPr/>
             </p:nvSpPr>
@@ -35002,7 +34944,7 @@
           </p:sp>
           <p:sp>
             <p:nvSpPr>
-              <p:cNvPr id="672" name="2021"/>
+              <p:cNvPr id="670" name="2021"/>
               <p:cNvSpPr txBox="1"/>
               <p:nvPr/>
             </p:nvSpPr>
@@ -35052,7 +34994,7 @@
           </p:sp>
           <p:sp>
             <p:nvSpPr>
-              <p:cNvPr id="673" name="Line"/>
+              <p:cNvPr id="671" name="Line"/>
               <p:cNvSpPr/>
               <p:nvPr/>
             </p:nvSpPr>
@@ -35140,7 +35082,7 @@
         </p:grpSp>
         <p:grpSp>
           <p:nvGrpSpPr>
-            <p:cNvPr id="684" name="Group"/>
+            <p:cNvPr id="682" name="Group"/>
             <p:cNvGrpSpPr/>
             <p:nvPr/>
           </p:nvGrpSpPr>
@@ -35154,7 +35096,7 @@
           </p:grpSpPr>
           <p:sp>
             <p:nvSpPr>
-              <p:cNvPr id="675" name="Line"/>
+              <p:cNvPr id="673" name="Line"/>
               <p:cNvSpPr/>
               <p:nvPr/>
             </p:nvSpPr>
@@ -35200,7 +35142,7 @@
           </p:sp>
           <p:sp>
             <p:nvSpPr>
-              <p:cNvPr id="676" name="1:00"/>
+              <p:cNvPr id="674" name="1:00"/>
               <p:cNvSpPr txBox="1"/>
               <p:nvPr/>
             </p:nvSpPr>
@@ -35250,7 +35192,7 @@
           </p:sp>
           <p:sp>
             <p:nvSpPr>
-              <p:cNvPr id="677" name="2:00"/>
+              <p:cNvPr id="675" name="2:00"/>
               <p:cNvSpPr txBox="1"/>
               <p:nvPr/>
             </p:nvSpPr>
@@ -35300,7 +35242,7 @@
           </p:sp>
           <p:sp>
             <p:nvSpPr>
-              <p:cNvPr id="678" name="Line"/>
+              <p:cNvPr id="676" name="Line"/>
               <p:cNvSpPr/>
               <p:nvPr/>
             </p:nvSpPr>
@@ -35346,7 +35288,7 @@
           </p:sp>
           <p:sp>
             <p:nvSpPr>
-              <p:cNvPr id="679" name="3:00"/>
+              <p:cNvPr id="677" name="3:00"/>
               <p:cNvSpPr txBox="1"/>
               <p:nvPr/>
             </p:nvSpPr>
@@ -35396,7 +35338,7 @@
           </p:sp>
           <p:sp>
             <p:nvSpPr>
-              <p:cNvPr id="680" name="Line"/>
+              <p:cNvPr id="678" name="Line"/>
               <p:cNvSpPr/>
               <p:nvPr/>
             </p:nvSpPr>
@@ -35442,7 +35384,7 @@
           </p:sp>
           <p:sp>
             <p:nvSpPr>
-              <p:cNvPr id="681" name="4:00"/>
+              <p:cNvPr id="679" name="4:00"/>
               <p:cNvSpPr txBox="1"/>
               <p:nvPr/>
             </p:nvSpPr>
@@ -35492,7 +35434,7 @@
           </p:sp>
           <p:sp>
             <p:nvSpPr>
-              <p:cNvPr id="682" name="Line"/>
+              <p:cNvPr id="680" name="Line"/>
               <p:cNvSpPr/>
               <p:nvPr/>
             </p:nvSpPr>
@@ -35539,7 +35481,7 @@
           </p:sp>
           <p:sp>
             <p:nvSpPr>
-              <p:cNvPr id="683" name="Line"/>
+              <p:cNvPr id="681" name="Line"/>
               <p:cNvSpPr/>
               <p:nvPr/>
             </p:nvSpPr>
@@ -35586,7 +35528,7 @@
         </p:grpSp>
         <p:grpSp>
           <p:nvGrpSpPr>
-            <p:cNvPr id="694" name="Group"/>
+            <p:cNvPr id="692" name="Group"/>
             <p:cNvGrpSpPr/>
             <p:nvPr/>
           </p:nvGrpSpPr>
@@ -35600,7 +35542,7 @@
           </p:grpSpPr>
           <p:sp>
             <p:nvSpPr>
-              <p:cNvPr id="685" name="Line"/>
+              <p:cNvPr id="683" name="Line"/>
               <p:cNvSpPr/>
               <p:nvPr/>
             </p:nvSpPr>
@@ -35646,7 +35588,7 @@
           </p:sp>
           <p:sp>
             <p:nvSpPr>
-              <p:cNvPr id="686" name="1:00"/>
+              <p:cNvPr id="684" name="1:00"/>
               <p:cNvSpPr txBox="1"/>
               <p:nvPr/>
             </p:nvSpPr>
@@ -35696,7 +35638,7 @@
           </p:sp>
           <p:sp>
             <p:nvSpPr>
-              <p:cNvPr id="687" name="Line"/>
+              <p:cNvPr id="685" name="Line"/>
               <p:cNvSpPr/>
               <p:nvPr/>
             </p:nvSpPr>
@@ -35742,7 +35684,7 @@
           </p:sp>
           <p:sp>
             <p:nvSpPr>
-              <p:cNvPr id="688" name="2:00"/>
+              <p:cNvPr id="686" name="2:00"/>
               <p:cNvSpPr txBox="1"/>
               <p:nvPr/>
             </p:nvSpPr>
@@ -35792,7 +35734,7 @@
           </p:sp>
           <p:sp>
             <p:nvSpPr>
-              <p:cNvPr id="689" name="Line"/>
+              <p:cNvPr id="687" name="Line"/>
               <p:cNvSpPr/>
               <p:nvPr/>
             </p:nvSpPr>
@@ -35838,7 +35780,7 @@
           </p:sp>
           <p:sp>
             <p:nvSpPr>
-              <p:cNvPr id="690" name="3:00"/>
+              <p:cNvPr id="688" name="3:00"/>
               <p:cNvSpPr txBox="1"/>
               <p:nvPr/>
             </p:nvSpPr>
@@ -35888,7 +35830,7 @@
           </p:sp>
           <p:sp>
             <p:nvSpPr>
-              <p:cNvPr id="691" name="Line"/>
+              <p:cNvPr id="689" name="Line"/>
               <p:cNvSpPr/>
               <p:nvPr/>
             </p:nvSpPr>
@@ -35934,7 +35876,7 @@
           </p:sp>
           <p:sp>
             <p:nvSpPr>
-              <p:cNvPr id="692" name="4:00"/>
+              <p:cNvPr id="690" name="4:00"/>
               <p:cNvSpPr txBox="1"/>
               <p:nvPr/>
             </p:nvSpPr>
@@ -35984,7 +35926,7 @@
           </p:sp>
           <p:sp>
             <p:nvSpPr>
-              <p:cNvPr id="693" name="Line"/>
+              <p:cNvPr id="691" name="Line"/>
               <p:cNvSpPr/>
               <p:nvPr/>
             </p:nvSpPr>
@@ -36033,7 +35975,7 @@
       </p:grpSp>
       <p:grpSp>
         <p:nvGrpSpPr>
-          <p:cNvPr id="783" name="Group"/>
+          <p:cNvPr id="781" name="Group"/>
           <p:cNvGrpSpPr/>
           <p:nvPr/>
         </p:nvGrpSpPr>
@@ -36047,7 +35989,7 @@
         </p:grpSpPr>
         <p:sp>
           <p:nvSpPr>
-            <p:cNvPr id="696" name="Durations track the passage of physical time, which deviates from clock time when irregularities occur.…"/>
+            <p:cNvPr id="694" name="Durations track the passage of physical time, which deviates from clock time when irregularities occur.…"/>
             <p:cNvSpPr txBox="1"/>
             <p:nvPr/>
           </p:nvSpPr>
@@ -36399,7 +36341,7 @@
         </p:sp>
         <p:grpSp>
           <p:nvGrpSpPr>
-            <p:cNvPr id="719" name="Group"/>
+            <p:cNvPr id="717" name="Group"/>
             <p:cNvGrpSpPr/>
             <p:nvPr/>
           </p:nvGrpSpPr>
@@ -36413,7 +36355,7 @@
           </p:grpSpPr>
           <p:grpSp>
             <p:nvGrpSpPr>
-              <p:cNvPr id="705" name="Group"/>
+              <p:cNvPr id="703" name="Group"/>
               <p:cNvGrpSpPr/>
               <p:nvPr/>
             </p:nvGrpSpPr>
@@ -36427,7 +36369,7 @@
             </p:grpSpPr>
             <p:sp>
               <p:nvSpPr>
-                <p:cNvPr id="697" name="Circle"/>
+                <p:cNvPr id="695" name="Circle"/>
                 <p:cNvSpPr/>
                 <p:nvPr/>
               </p:nvSpPr>
@@ -36435,6 +36377,96 @@
                 <a:xfrm>
                   <a:off x="0" y="228600"/>
                   <a:ext cx="127000" cy="127000"/>
+                </a:xfrm>
+                <a:prstGeom prst="ellipse">
+                  <a:avLst/>
+                </a:prstGeom>
+                <a:solidFill>
+                  <a:schemeClr val="accent4"/>
+                </a:solidFill>
+                <a:ln w="12700" cap="flat">
+                  <a:noFill/>
+                  <a:miter lim="400000"/>
+                </a:ln>
+                <a:effectLst/>
+              </p:spPr>
+              <p:txBody>
+                <a:bodyPr wrap="square" lIns="54570" tIns="54570" rIns="54570" bIns="54570" numCol="1" anchor="ctr">
+                  <a:noAutofit/>
+                </a:bodyPr>
+                <a:lstStyle/>
+                <a:p>
+                  <a:pPr>
+                    <a:lnSpc>
+                      <a:spcPct val="80000"/>
+                    </a:lnSpc>
+                    <a:spcBef>
+                      <a:spcPts val="0"/>
+                    </a:spcBef>
+                    <a:defRPr b="0">
+                      <a:solidFill>
+                        <a:srgbClr val="000000"/>
+                      </a:solidFill>
+                    </a:defRPr>
+                  </a:pPr>
+                </a:p>
+              </p:txBody>
+            </p:sp>
+            <p:sp>
+              <p:nvSpPr>
+                <p:cNvPr id="696" name="Circle"/>
+                <p:cNvSpPr/>
+                <p:nvPr/>
+              </p:nvSpPr>
+              <p:spPr>
+                <a:xfrm>
+                  <a:off x="130628" y="228600"/>
+                  <a:ext cx="127001" cy="127000"/>
+                </a:xfrm>
+                <a:prstGeom prst="ellipse">
+                  <a:avLst/>
+                </a:prstGeom>
+                <a:solidFill>
+                  <a:schemeClr val="accent4"/>
+                </a:solidFill>
+                <a:ln w="12700" cap="flat">
+                  <a:noFill/>
+                  <a:miter lim="400000"/>
+                </a:ln>
+                <a:effectLst/>
+              </p:spPr>
+              <p:txBody>
+                <a:bodyPr wrap="square" lIns="54570" tIns="54570" rIns="54570" bIns="54570" numCol="1" anchor="ctr">
+                  <a:noAutofit/>
+                </a:bodyPr>
+                <a:lstStyle/>
+                <a:p>
+                  <a:pPr>
+                    <a:lnSpc>
+                      <a:spcPct val="80000"/>
+                    </a:lnSpc>
+                    <a:spcBef>
+                      <a:spcPts val="0"/>
+                    </a:spcBef>
+                    <a:defRPr b="0">
+                      <a:solidFill>
+                        <a:srgbClr val="000000"/>
+                      </a:solidFill>
+                    </a:defRPr>
+                  </a:pPr>
+                </a:p>
+              </p:txBody>
+            </p:sp>
+            <p:sp>
+              <p:nvSpPr>
+                <p:cNvPr id="697" name="Circle"/>
+                <p:cNvSpPr/>
+                <p:nvPr/>
+              </p:nvSpPr>
+              <p:spPr>
+                <a:xfrm>
+                  <a:off x="261256" y="228600"/>
+                  <a:ext cx="127001" cy="127000"/>
                 </a:xfrm>
                 <a:prstGeom prst="ellipse">
                   <a:avLst/>
@@ -36478,7 +36510,7 @@
               </p:nvSpPr>
               <p:spPr>
                 <a:xfrm>
-                  <a:off x="130628" y="228600"/>
+                  <a:off x="391885" y="228600"/>
                   <a:ext cx="127001" cy="127000"/>
                 </a:xfrm>
                 <a:prstGeom prst="ellipse">
@@ -36523,7 +36555,7 @@
               </p:nvSpPr>
               <p:spPr>
                 <a:xfrm>
-                  <a:off x="261256" y="228600"/>
+                  <a:off x="522513" y="228600"/>
                   <a:ext cx="127001" cy="127000"/>
                 </a:xfrm>
                 <a:prstGeom prst="ellipse">
@@ -36568,7 +36600,7 @@
               </p:nvSpPr>
               <p:spPr>
                 <a:xfrm>
-                  <a:off x="391885" y="228600"/>
+                  <a:off x="653142" y="228600"/>
                   <a:ext cx="127001" cy="127000"/>
                 </a:xfrm>
                 <a:prstGeom prst="ellipse">
@@ -36613,7 +36645,7 @@
               </p:nvSpPr>
               <p:spPr>
                 <a:xfrm>
-                  <a:off x="522513" y="228600"/>
+                  <a:off x="783770" y="228600"/>
                   <a:ext cx="127001" cy="127000"/>
                 </a:xfrm>
                 <a:prstGeom prst="ellipse">
@@ -36658,96 +36690,6 @@
               </p:nvSpPr>
               <p:spPr>
                 <a:xfrm>
-                  <a:off x="653142" y="228600"/>
-                  <a:ext cx="127001" cy="127000"/>
-                </a:xfrm>
-                <a:prstGeom prst="ellipse">
-                  <a:avLst/>
-                </a:prstGeom>
-                <a:solidFill>
-                  <a:schemeClr val="accent4"/>
-                </a:solidFill>
-                <a:ln w="12700" cap="flat">
-                  <a:noFill/>
-                  <a:miter lim="400000"/>
-                </a:ln>
-                <a:effectLst/>
-              </p:spPr>
-              <p:txBody>
-                <a:bodyPr wrap="square" lIns="54570" tIns="54570" rIns="54570" bIns="54570" numCol="1" anchor="ctr">
-                  <a:noAutofit/>
-                </a:bodyPr>
-                <a:lstStyle/>
-                <a:p>
-                  <a:pPr>
-                    <a:lnSpc>
-                      <a:spcPct val="80000"/>
-                    </a:lnSpc>
-                    <a:spcBef>
-                      <a:spcPts val="0"/>
-                    </a:spcBef>
-                    <a:defRPr b="0">
-                      <a:solidFill>
-                        <a:srgbClr val="000000"/>
-                      </a:solidFill>
-                    </a:defRPr>
-                  </a:pPr>
-                </a:p>
-              </p:txBody>
-            </p:sp>
-            <p:sp>
-              <p:nvSpPr>
-                <p:cNvPr id="703" name="Circle"/>
-                <p:cNvSpPr/>
-                <p:nvPr/>
-              </p:nvSpPr>
-              <p:spPr>
-                <a:xfrm>
-                  <a:off x="783770" y="228600"/>
-                  <a:ext cx="127001" cy="127000"/>
-                </a:xfrm>
-                <a:prstGeom prst="ellipse">
-                  <a:avLst/>
-                </a:prstGeom>
-                <a:solidFill>
-                  <a:schemeClr val="accent4"/>
-                </a:solidFill>
-                <a:ln w="12700" cap="flat">
-                  <a:noFill/>
-                  <a:miter lim="400000"/>
-                </a:ln>
-                <a:effectLst/>
-              </p:spPr>
-              <p:txBody>
-                <a:bodyPr wrap="square" lIns="54570" tIns="54570" rIns="54570" bIns="54570" numCol="1" anchor="ctr">
-                  <a:noAutofit/>
-                </a:bodyPr>
-                <a:lstStyle/>
-                <a:p>
-                  <a:pPr>
-                    <a:lnSpc>
-                      <a:spcPct val="80000"/>
-                    </a:lnSpc>
-                    <a:spcBef>
-                      <a:spcPts val="0"/>
-                    </a:spcBef>
-                    <a:defRPr b="0">
-                      <a:solidFill>
-                        <a:srgbClr val="000000"/>
-                      </a:solidFill>
-                    </a:defRPr>
-                  </a:pPr>
-                </a:p>
-              </p:txBody>
-            </p:sp>
-            <p:sp>
-              <p:nvSpPr>
-                <p:cNvPr id="704" name="Circle"/>
-                <p:cNvSpPr/>
-                <p:nvPr/>
-              </p:nvSpPr>
-              <p:spPr>
-                <a:xfrm>
                   <a:off x="304799" y="0"/>
                   <a:ext cx="127001" cy="127000"/>
                 </a:xfrm>
@@ -36788,7 +36730,7 @@
           </p:grpSp>
           <p:grpSp>
             <p:nvGrpSpPr>
-              <p:cNvPr id="717" name="Group"/>
+              <p:cNvPr id="715" name="Group"/>
               <p:cNvGrpSpPr/>
               <p:nvPr/>
             </p:nvGrpSpPr>
@@ -36802,7 +36744,7 @@
             </p:grpSpPr>
             <p:sp>
               <p:nvSpPr>
-                <p:cNvPr id="706" name="Line"/>
+                <p:cNvPr id="704" name="Line"/>
                 <p:cNvSpPr/>
                 <p:nvPr/>
               </p:nvSpPr>
@@ -36848,7 +36790,7 @@
             </p:sp>
             <p:sp>
               <p:nvSpPr>
-                <p:cNvPr id="707" name="12:00"/>
+                <p:cNvPr id="705" name="12:00"/>
                 <p:cNvSpPr txBox="1"/>
                 <p:nvPr/>
               </p:nvSpPr>
@@ -36898,7 +36840,7 @@
             </p:sp>
             <p:sp>
               <p:nvSpPr>
-                <p:cNvPr id="708" name="Line"/>
+                <p:cNvPr id="706" name="Line"/>
                 <p:cNvSpPr/>
                 <p:nvPr/>
               </p:nvSpPr>
@@ -36944,7 +36886,7 @@
             </p:sp>
             <p:sp>
               <p:nvSpPr>
-                <p:cNvPr id="709" name="1:00"/>
+                <p:cNvPr id="707" name="1:00"/>
                 <p:cNvSpPr txBox="1"/>
                 <p:nvPr/>
               </p:nvSpPr>
@@ -36994,7 +36936,7 @@
             </p:sp>
             <p:sp>
               <p:nvSpPr>
-                <p:cNvPr id="710" name="2:00"/>
+                <p:cNvPr id="708" name="2:00"/>
                 <p:cNvSpPr txBox="1"/>
                 <p:nvPr/>
               </p:nvSpPr>
@@ -37044,7 +36986,7 @@
             </p:sp>
             <p:sp>
               <p:nvSpPr>
-                <p:cNvPr id="711" name="Line"/>
+                <p:cNvPr id="709" name="Line"/>
                 <p:cNvSpPr/>
                 <p:nvPr/>
               </p:nvSpPr>
@@ -37090,7 +37032,7 @@
             </p:sp>
             <p:sp>
               <p:nvSpPr>
-                <p:cNvPr id="712" name="3:00"/>
+                <p:cNvPr id="710" name="3:00"/>
                 <p:cNvSpPr txBox="1"/>
                 <p:nvPr/>
               </p:nvSpPr>
@@ -37140,7 +37082,7 @@
             </p:sp>
             <p:sp>
               <p:nvSpPr>
-                <p:cNvPr id="713" name="Line"/>
+                <p:cNvPr id="711" name="Line"/>
                 <p:cNvSpPr/>
                 <p:nvPr/>
               </p:nvSpPr>
@@ -37187,7 +37129,7 @@
             </p:sp>
             <p:sp>
               <p:nvSpPr>
-                <p:cNvPr id="714" name="Line"/>
+                <p:cNvPr id="712" name="Line"/>
                 <p:cNvSpPr/>
                 <p:nvPr/>
               </p:nvSpPr>
@@ -37233,7 +37175,7 @@
             </p:sp>
             <p:sp>
               <p:nvSpPr>
-                <p:cNvPr id="715" name="Line"/>
+                <p:cNvPr id="713" name="Line"/>
                 <p:cNvSpPr/>
                 <p:nvPr/>
               </p:nvSpPr>
@@ -37279,7 +37221,7 @@
             </p:sp>
             <p:sp>
               <p:nvSpPr>
-                <p:cNvPr id="716" name="Line"/>
+                <p:cNvPr id="714" name="Line"/>
                 <p:cNvSpPr/>
                 <p:nvPr/>
               </p:nvSpPr>
@@ -37326,7 +37268,7 @@
           </p:grpSp>
           <p:sp>
             <p:nvSpPr>
-              <p:cNvPr id="718" name="Line"/>
+              <p:cNvPr id="716" name="Line"/>
               <p:cNvSpPr/>
               <p:nvPr/>
             </p:nvSpPr>
@@ -37377,7 +37319,7 @@
         </p:grpSp>
         <p:grpSp>
           <p:nvGrpSpPr>
-            <p:cNvPr id="738" name="Group"/>
+            <p:cNvPr id="736" name="Group"/>
             <p:cNvGrpSpPr/>
             <p:nvPr/>
           </p:nvGrpSpPr>
@@ -37391,7 +37333,7 @@
           </p:grpSpPr>
           <p:grpSp>
             <p:nvGrpSpPr>
-              <p:cNvPr id="728" name="Group"/>
+              <p:cNvPr id="726" name="Group"/>
               <p:cNvGrpSpPr/>
               <p:nvPr/>
             </p:nvGrpSpPr>
@@ -37405,7 +37347,7 @@
             </p:grpSpPr>
             <p:sp>
               <p:nvSpPr>
-                <p:cNvPr id="720" name="Circle"/>
+                <p:cNvPr id="718" name="Circle"/>
                 <p:cNvSpPr/>
                 <p:nvPr/>
               </p:nvSpPr>
@@ -37413,6 +37355,96 @@
                 <a:xfrm>
                   <a:off x="0" y="127000"/>
                   <a:ext cx="127000" cy="127000"/>
+                </a:xfrm>
+                <a:prstGeom prst="ellipse">
+                  <a:avLst/>
+                </a:prstGeom>
+                <a:solidFill>
+                  <a:schemeClr val="accent4"/>
+                </a:solidFill>
+                <a:ln w="12700" cap="flat">
+                  <a:noFill/>
+                  <a:miter lim="400000"/>
+                </a:ln>
+                <a:effectLst/>
+              </p:spPr>
+              <p:txBody>
+                <a:bodyPr wrap="square" lIns="54570" tIns="54570" rIns="54570" bIns="54570" numCol="1" anchor="ctr">
+                  <a:noAutofit/>
+                </a:bodyPr>
+                <a:lstStyle/>
+                <a:p>
+                  <a:pPr>
+                    <a:lnSpc>
+                      <a:spcPct val="80000"/>
+                    </a:lnSpc>
+                    <a:spcBef>
+                      <a:spcPts val="0"/>
+                    </a:spcBef>
+                    <a:defRPr b="0">
+                      <a:solidFill>
+                        <a:srgbClr val="000000"/>
+                      </a:solidFill>
+                    </a:defRPr>
+                  </a:pPr>
+                </a:p>
+              </p:txBody>
+            </p:sp>
+            <p:sp>
+              <p:nvSpPr>
+                <p:cNvPr id="719" name="Circle"/>
+                <p:cNvSpPr/>
+                <p:nvPr/>
+              </p:nvSpPr>
+              <p:spPr>
+                <a:xfrm>
+                  <a:off x="130628" y="127000"/>
+                  <a:ext cx="127001" cy="127000"/>
+                </a:xfrm>
+                <a:prstGeom prst="ellipse">
+                  <a:avLst/>
+                </a:prstGeom>
+                <a:solidFill>
+                  <a:schemeClr val="accent4"/>
+                </a:solidFill>
+                <a:ln w="12700" cap="flat">
+                  <a:noFill/>
+                  <a:miter lim="400000"/>
+                </a:ln>
+                <a:effectLst/>
+              </p:spPr>
+              <p:txBody>
+                <a:bodyPr wrap="square" lIns="54570" tIns="54570" rIns="54570" bIns="54570" numCol="1" anchor="ctr">
+                  <a:noAutofit/>
+                </a:bodyPr>
+                <a:lstStyle/>
+                <a:p>
+                  <a:pPr>
+                    <a:lnSpc>
+                      <a:spcPct val="80000"/>
+                    </a:lnSpc>
+                    <a:spcBef>
+                      <a:spcPts val="0"/>
+                    </a:spcBef>
+                    <a:defRPr b="0">
+                      <a:solidFill>
+                        <a:srgbClr val="000000"/>
+                      </a:solidFill>
+                    </a:defRPr>
+                  </a:pPr>
+                </a:p>
+              </p:txBody>
+            </p:sp>
+            <p:sp>
+              <p:nvSpPr>
+                <p:cNvPr id="720" name="Circle"/>
+                <p:cNvSpPr/>
+                <p:nvPr/>
+              </p:nvSpPr>
+              <p:spPr>
+                <a:xfrm>
+                  <a:off x="261256" y="127000"/>
+                  <a:ext cx="127001" cy="127000"/>
                 </a:xfrm>
                 <a:prstGeom prst="ellipse">
                   <a:avLst/>
@@ -37456,7 +37488,7 @@
               </p:nvSpPr>
               <p:spPr>
                 <a:xfrm>
-                  <a:off x="130628" y="127000"/>
+                  <a:off x="391885" y="127000"/>
                   <a:ext cx="127001" cy="127000"/>
                 </a:xfrm>
                 <a:prstGeom prst="ellipse">
@@ -37501,7 +37533,7 @@
               </p:nvSpPr>
               <p:spPr>
                 <a:xfrm>
-                  <a:off x="261256" y="127000"/>
+                  <a:off x="522513" y="127000"/>
                   <a:ext cx="127001" cy="127000"/>
                 </a:xfrm>
                 <a:prstGeom prst="ellipse">
@@ -37546,7 +37578,7 @@
               </p:nvSpPr>
               <p:spPr>
                 <a:xfrm>
-                  <a:off x="391885" y="127000"/>
+                  <a:off x="627742" y="50800"/>
                   <a:ext cx="127001" cy="127000"/>
                 </a:xfrm>
                 <a:prstGeom prst="ellipse">
@@ -37591,7 +37623,7 @@
               </p:nvSpPr>
               <p:spPr>
                 <a:xfrm>
-                  <a:off x="522513" y="127000"/>
+                  <a:off x="745670" y="-12700"/>
                   <a:ext cx="127001" cy="127000"/>
                 </a:xfrm>
                 <a:prstGeom prst="ellipse">
@@ -37636,96 +37668,6 @@
               </p:nvSpPr>
               <p:spPr>
                 <a:xfrm>
-                  <a:off x="627742" y="50800"/>
-                  <a:ext cx="127001" cy="127000"/>
-                </a:xfrm>
-                <a:prstGeom prst="ellipse">
-                  <a:avLst/>
-                </a:prstGeom>
-                <a:solidFill>
-                  <a:schemeClr val="accent4"/>
-                </a:solidFill>
-                <a:ln w="12700" cap="flat">
-                  <a:noFill/>
-                  <a:miter lim="400000"/>
-                </a:ln>
-                <a:effectLst/>
-              </p:spPr>
-              <p:txBody>
-                <a:bodyPr wrap="square" lIns="54570" tIns="54570" rIns="54570" bIns="54570" numCol="1" anchor="ctr">
-                  <a:noAutofit/>
-                </a:bodyPr>
-                <a:lstStyle/>
-                <a:p>
-                  <a:pPr>
-                    <a:lnSpc>
-                      <a:spcPct val="80000"/>
-                    </a:lnSpc>
-                    <a:spcBef>
-                      <a:spcPts val="0"/>
-                    </a:spcBef>
-                    <a:defRPr b="0">
-                      <a:solidFill>
-                        <a:srgbClr val="000000"/>
-                      </a:solidFill>
-                    </a:defRPr>
-                  </a:pPr>
-                </a:p>
-              </p:txBody>
-            </p:sp>
-            <p:sp>
-              <p:nvSpPr>
-                <p:cNvPr id="726" name="Circle"/>
-                <p:cNvSpPr/>
-                <p:nvPr/>
-              </p:nvSpPr>
-              <p:spPr>
-                <a:xfrm>
-                  <a:off x="745670" y="-12700"/>
-                  <a:ext cx="127001" cy="127000"/>
-                </a:xfrm>
-                <a:prstGeom prst="ellipse">
-                  <a:avLst/>
-                </a:prstGeom>
-                <a:solidFill>
-                  <a:schemeClr val="accent4"/>
-                </a:solidFill>
-                <a:ln w="12700" cap="flat">
-                  <a:noFill/>
-                  <a:miter lim="400000"/>
-                </a:ln>
-                <a:effectLst/>
-              </p:spPr>
-              <p:txBody>
-                <a:bodyPr wrap="square" lIns="54570" tIns="54570" rIns="54570" bIns="54570" numCol="1" anchor="ctr">
-                  <a:noAutofit/>
-                </a:bodyPr>
-                <a:lstStyle/>
-                <a:p>
-                  <a:pPr>
-                    <a:lnSpc>
-                      <a:spcPct val="80000"/>
-                    </a:lnSpc>
-                    <a:spcBef>
-                      <a:spcPts val="0"/>
-                    </a:spcBef>
-                    <a:defRPr b="0">
-                      <a:solidFill>
-                        <a:srgbClr val="000000"/>
-                      </a:solidFill>
-                    </a:defRPr>
-                  </a:pPr>
-                </a:p>
-              </p:txBody>
-            </p:sp>
-            <p:sp>
-              <p:nvSpPr>
-                <p:cNvPr id="727" name="Circle"/>
-                <p:cNvSpPr/>
-                <p:nvPr/>
-              </p:nvSpPr>
-              <p:spPr>
-                <a:xfrm>
                   <a:off x="872670" y="25399"/>
                   <a:ext cx="127001" cy="127001"/>
                 </a:xfrm>
@@ -37766,7 +37708,7 @@
           </p:grpSp>
           <p:grpSp>
             <p:nvGrpSpPr>
-              <p:cNvPr id="736" name="Group"/>
+              <p:cNvPr id="734" name="Group"/>
               <p:cNvGrpSpPr/>
               <p:nvPr/>
             </p:nvGrpSpPr>
@@ -37780,7 +37722,7 @@
             </p:grpSpPr>
             <p:sp>
               <p:nvSpPr>
-                <p:cNvPr id="729" name="Line"/>
+                <p:cNvPr id="727" name="Line"/>
                 <p:cNvSpPr/>
                 <p:nvPr/>
               </p:nvSpPr>
@@ -37826,7 +37768,7 @@
             </p:sp>
             <p:sp>
               <p:nvSpPr>
-                <p:cNvPr id="730" name="2019"/>
+                <p:cNvPr id="728" name="2019"/>
                 <p:cNvSpPr txBox="1"/>
                 <p:nvPr/>
               </p:nvSpPr>
@@ -37876,7 +37818,7 @@
             </p:sp>
             <p:sp>
               <p:nvSpPr>
-                <p:cNvPr id="731" name="Line"/>
+                <p:cNvPr id="729" name="Line"/>
                 <p:cNvSpPr/>
                 <p:nvPr/>
               </p:nvSpPr>
@@ -37922,7 +37864,7 @@
             </p:sp>
             <p:sp>
               <p:nvSpPr>
-                <p:cNvPr id="732" name="2020"/>
+                <p:cNvPr id="730" name="2020"/>
                 <p:cNvSpPr txBox="1"/>
                 <p:nvPr/>
               </p:nvSpPr>
@@ -37972,7 +37914,7 @@
             </p:sp>
             <p:sp>
               <p:nvSpPr>
-                <p:cNvPr id="733" name="Line"/>
+                <p:cNvPr id="731" name="Line"/>
                 <p:cNvSpPr/>
                 <p:nvPr/>
               </p:nvSpPr>
@@ -38018,7 +37960,7 @@
             </p:sp>
             <p:sp>
               <p:nvSpPr>
-                <p:cNvPr id="734" name="2021"/>
+                <p:cNvPr id="732" name="2021"/>
                 <p:cNvSpPr txBox="1"/>
                 <p:nvPr/>
               </p:nvSpPr>
@@ -38068,7 +38010,7 @@
             </p:sp>
             <p:sp>
               <p:nvSpPr>
-                <p:cNvPr id="735" name="Line"/>
+                <p:cNvPr id="733" name="Line"/>
                 <p:cNvSpPr/>
                 <p:nvPr/>
               </p:nvSpPr>
@@ -38156,7 +38098,7 @@
           </p:grpSp>
           <p:sp>
             <p:nvSpPr>
-              <p:cNvPr id="737" name="Line"/>
+              <p:cNvPr id="735" name="Line"/>
               <p:cNvSpPr/>
               <p:nvPr/>
             </p:nvSpPr>
@@ -38207,7 +38149,7 @@
         </p:grpSp>
         <p:grpSp>
           <p:nvGrpSpPr>
-            <p:cNvPr id="760" name="Group"/>
+            <p:cNvPr id="758" name="Group"/>
             <p:cNvGrpSpPr/>
             <p:nvPr/>
           </p:nvGrpSpPr>
@@ -38221,7 +38163,7 @@
           </p:grpSpPr>
           <p:grpSp>
             <p:nvGrpSpPr>
-              <p:cNvPr id="758" name="Group"/>
+              <p:cNvPr id="756" name="Group"/>
               <p:cNvGrpSpPr/>
               <p:nvPr/>
             </p:nvGrpSpPr>
@@ -38235,7 +38177,7 @@
             </p:grpSpPr>
             <p:grpSp>
               <p:nvGrpSpPr>
-                <p:cNvPr id="747" name="Group"/>
+                <p:cNvPr id="745" name="Group"/>
                 <p:cNvGrpSpPr/>
                 <p:nvPr/>
               </p:nvGrpSpPr>
@@ -38249,7 +38191,7 @@
               </p:grpSpPr>
               <p:sp>
                 <p:nvSpPr>
-                  <p:cNvPr id="739" name="Circle"/>
+                  <p:cNvPr id="737" name="Circle"/>
                   <p:cNvSpPr/>
                   <p:nvPr/>
                 </p:nvSpPr>
@@ -38294,7 +38236,7 @@
               </p:sp>
               <p:sp>
                 <p:nvSpPr>
-                  <p:cNvPr id="740" name="Circle"/>
+                  <p:cNvPr id="738" name="Circle"/>
                   <p:cNvSpPr/>
                   <p:nvPr/>
                 </p:nvSpPr>
@@ -38339,7 +38281,7 @@
               </p:sp>
               <p:sp>
                 <p:nvSpPr>
-                  <p:cNvPr id="741" name="Circle"/>
+                  <p:cNvPr id="739" name="Circle"/>
                   <p:cNvSpPr/>
                   <p:nvPr/>
                 </p:nvSpPr>
@@ -38384,7 +38326,7 @@
               </p:sp>
               <p:sp>
                 <p:nvSpPr>
-                  <p:cNvPr id="742" name="Circle"/>
+                  <p:cNvPr id="740" name="Circle"/>
                   <p:cNvSpPr/>
                   <p:nvPr/>
                 </p:nvSpPr>
@@ -38429,7 +38371,7 @@
               </p:sp>
               <p:sp>
                 <p:nvSpPr>
-                  <p:cNvPr id="743" name="Circle"/>
+                  <p:cNvPr id="741" name="Circle"/>
                   <p:cNvSpPr/>
                   <p:nvPr/>
                 </p:nvSpPr>
@@ -38474,7 +38416,7 @@
               </p:sp>
               <p:sp>
                 <p:nvSpPr>
-                  <p:cNvPr id="744" name="Circle"/>
+                  <p:cNvPr id="742" name="Circle"/>
                   <p:cNvSpPr/>
                   <p:nvPr/>
                 </p:nvSpPr>
@@ -38519,7 +38461,7 @@
               </p:sp>
               <p:sp>
                 <p:nvSpPr>
-                  <p:cNvPr id="745" name="Circle"/>
+                  <p:cNvPr id="743" name="Circle"/>
                   <p:cNvSpPr/>
                   <p:nvPr/>
                 </p:nvSpPr>
@@ -38564,7 +38506,7 @@
               </p:sp>
               <p:sp>
                 <p:nvSpPr>
-                  <p:cNvPr id="746" name="Circle"/>
+                  <p:cNvPr id="744" name="Circle"/>
                   <p:cNvSpPr/>
                   <p:nvPr/>
                 </p:nvSpPr>
@@ -38610,7 +38552,7 @@
             </p:grpSp>
             <p:grpSp>
               <p:nvGrpSpPr>
-                <p:cNvPr id="757" name="Group"/>
+                <p:cNvPr id="755" name="Group"/>
                 <p:cNvGrpSpPr/>
                 <p:nvPr/>
               </p:nvGrpSpPr>
@@ -38624,7 +38566,7 @@
               </p:grpSpPr>
               <p:sp>
                 <p:nvSpPr>
-                  <p:cNvPr id="748" name="Line"/>
+                  <p:cNvPr id="746" name="Line"/>
                   <p:cNvSpPr/>
                   <p:nvPr/>
                 </p:nvSpPr>
@@ -38670,7 +38612,7 @@
               </p:sp>
               <p:sp>
                 <p:nvSpPr>
-                  <p:cNvPr id="749" name="1:00"/>
+                  <p:cNvPr id="747" name="1:00"/>
                   <p:cNvSpPr txBox="1"/>
                   <p:nvPr/>
                 </p:nvSpPr>
@@ -38720,7 +38662,7 @@
               </p:sp>
               <p:sp>
                 <p:nvSpPr>
-                  <p:cNvPr id="750" name="2:00"/>
+                  <p:cNvPr id="748" name="2:00"/>
                   <p:cNvSpPr txBox="1"/>
                   <p:nvPr/>
                 </p:nvSpPr>
@@ -38770,7 +38712,7 @@
               </p:sp>
               <p:sp>
                 <p:nvSpPr>
-                  <p:cNvPr id="751" name="Line"/>
+                  <p:cNvPr id="749" name="Line"/>
                   <p:cNvSpPr/>
                   <p:nvPr/>
                 </p:nvSpPr>
@@ -38816,7 +38758,7 @@
               </p:sp>
               <p:sp>
                 <p:nvSpPr>
-                  <p:cNvPr id="752" name="3:00"/>
+                  <p:cNvPr id="750" name="3:00"/>
                   <p:cNvSpPr txBox="1"/>
                   <p:nvPr/>
                 </p:nvSpPr>
@@ -38866,7 +38808,7 @@
               </p:sp>
               <p:sp>
                 <p:nvSpPr>
-                  <p:cNvPr id="753" name="Line"/>
+                  <p:cNvPr id="751" name="Line"/>
                   <p:cNvSpPr/>
                   <p:nvPr/>
                 </p:nvSpPr>
@@ -38912,7 +38854,7 @@
               </p:sp>
               <p:sp>
                 <p:nvSpPr>
-                  <p:cNvPr id="754" name="4:00"/>
+                  <p:cNvPr id="752" name="4:00"/>
                   <p:cNvSpPr txBox="1"/>
                   <p:nvPr/>
                 </p:nvSpPr>
@@ -38962,7 +38904,7 @@
               </p:sp>
               <p:sp>
                 <p:nvSpPr>
-                  <p:cNvPr id="755" name="Line"/>
+                  <p:cNvPr id="753" name="Line"/>
                   <p:cNvSpPr/>
                   <p:nvPr/>
                 </p:nvSpPr>
@@ -39009,7 +38951,7 @@
               </p:sp>
               <p:sp>
                 <p:nvSpPr>
-                  <p:cNvPr id="756" name="Line"/>
+                  <p:cNvPr id="754" name="Line"/>
                   <p:cNvSpPr/>
                   <p:nvPr/>
                 </p:nvSpPr>
@@ -39057,7 +38999,7 @@
           </p:grpSp>
           <p:sp>
             <p:nvSpPr>
-              <p:cNvPr id="759" name="Line"/>
+              <p:cNvPr id="757" name="Line"/>
               <p:cNvSpPr/>
               <p:nvPr/>
             </p:nvSpPr>
@@ -39108,7 +39050,7 @@
         </p:grpSp>
         <p:grpSp>
           <p:nvGrpSpPr>
-            <p:cNvPr id="782" name="Group"/>
+            <p:cNvPr id="780" name="Group"/>
             <p:cNvGrpSpPr/>
             <p:nvPr/>
           </p:nvGrpSpPr>
@@ -39122,7 +39064,7 @@
           </p:grpSpPr>
           <p:grpSp>
             <p:nvGrpSpPr>
-              <p:cNvPr id="780" name="Group"/>
+              <p:cNvPr id="778" name="Group"/>
               <p:cNvGrpSpPr/>
               <p:nvPr/>
             </p:nvGrpSpPr>
@@ -39136,7 +39078,7 @@
             </p:grpSpPr>
             <p:grpSp>
               <p:nvGrpSpPr>
-                <p:cNvPr id="769" name="Group"/>
+                <p:cNvPr id="767" name="Group"/>
                 <p:cNvGrpSpPr/>
                 <p:nvPr/>
               </p:nvGrpSpPr>
@@ -39150,7 +39092,7 @@
               </p:grpSpPr>
               <p:sp>
                 <p:nvSpPr>
-                  <p:cNvPr id="761" name="Circle"/>
+                  <p:cNvPr id="759" name="Circle"/>
                   <p:cNvSpPr/>
                   <p:nvPr/>
                 </p:nvSpPr>
@@ -39195,7 +39137,7 @@
               </p:sp>
               <p:sp>
                 <p:nvSpPr>
-                  <p:cNvPr id="762" name="Circle"/>
+                  <p:cNvPr id="760" name="Circle"/>
                   <p:cNvSpPr/>
                   <p:nvPr/>
                 </p:nvSpPr>
@@ -39240,7 +39182,7 @@
               </p:sp>
               <p:sp>
                 <p:nvSpPr>
-                  <p:cNvPr id="763" name="Circle"/>
+                  <p:cNvPr id="761" name="Circle"/>
                   <p:cNvSpPr/>
                   <p:nvPr/>
                 </p:nvSpPr>
@@ -39285,7 +39227,7 @@
               </p:sp>
               <p:sp>
                 <p:nvSpPr>
-                  <p:cNvPr id="764" name="Circle"/>
+                  <p:cNvPr id="762" name="Circle"/>
                   <p:cNvSpPr/>
                   <p:nvPr/>
                 </p:nvSpPr>
@@ -39330,7 +39272,7 @@
               </p:sp>
               <p:sp>
                 <p:nvSpPr>
-                  <p:cNvPr id="765" name="Circle"/>
+                  <p:cNvPr id="763" name="Circle"/>
                   <p:cNvSpPr/>
                   <p:nvPr/>
                 </p:nvSpPr>
@@ -39375,7 +39317,7 @@
               </p:sp>
               <p:sp>
                 <p:nvSpPr>
-                  <p:cNvPr id="766" name="Circle"/>
+                  <p:cNvPr id="764" name="Circle"/>
                   <p:cNvSpPr/>
                   <p:nvPr/>
                 </p:nvSpPr>
@@ -39420,7 +39362,7 @@
               </p:sp>
               <p:sp>
                 <p:nvSpPr>
-                  <p:cNvPr id="767" name="Circle"/>
+                  <p:cNvPr id="765" name="Circle"/>
                   <p:cNvSpPr/>
                   <p:nvPr/>
                 </p:nvSpPr>
@@ -39465,7 +39407,7 @@
               </p:sp>
               <p:sp>
                 <p:nvSpPr>
-                  <p:cNvPr id="768" name="Circle"/>
+                  <p:cNvPr id="766" name="Circle"/>
                   <p:cNvSpPr/>
                   <p:nvPr/>
                 </p:nvSpPr>
@@ -39511,7 +39453,7 @@
             </p:grpSp>
             <p:grpSp>
               <p:nvGrpSpPr>
-                <p:cNvPr id="779" name="Group"/>
+                <p:cNvPr id="777" name="Group"/>
                 <p:cNvGrpSpPr/>
                 <p:nvPr/>
               </p:nvGrpSpPr>
@@ -39525,7 +39467,7 @@
               </p:grpSpPr>
               <p:sp>
                 <p:nvSpPr>
-                  <p:cNvPr id="770" name="Line"/>
+                  <p:cNvPr id="768" name="Line"/>
                   <p:cNvSpPr/>
                   <p:nvPr/>
                 </p:nvSpPr>
@@ -39571,7 +39513,7 @@
               </p:sp>
               <p:sp>
                 <p:nvSpPr>
-                  <p:cNvPr id="771" name="1:00"/>
+                  <p:cNvPr id="769" name="1:00"/>
                   <p:cNvSpPr txBox="1"/>
                   <p:nvPr/>
                 </p:nvSpPr>
@@ -39621,7 +39563,7 @@
               </p:sp>
               <p:sp>
                 <p:nvSpPr>
-                  <p:cNvPr id="772" name="Line"/>
+                  <p:cNvPr id="770" name="Line"/>
                   <p:cNvSpPr/>
                   <p:nvPr/>
                 </p:nvSpPr>
@@ -39667,7 +39609,7 @@
               </p:sp>
               <p:sp>
                 <p:nvSpPr>
-                  <p:cNvPr id="773" name="2:00"/>
+                  <p:cNvPr id="771" name="2:00"/>
                   <p:cNvSpPr txBox="1"/>
                   <p:nvPr/>
                 </p:nvSpPr>
@@ -39717,7 +39659,7 @@
               </p:sp>
               <p:sp>
                 <p:nvSpPr>
-                  <p:cNvPr id="774" name="Line"/>
+                  <p:cNvPr id="772" name="Line"/>
                   <p:cNvSpPr/>
                   <p:nvPr/>
                 </p:nvSpPr>
@@ -39763,7 +39705,7 @@
               </p:sp>
               <p:sp>
                 <p:nvSpPr>
-                  <p:cNvPr id="775" name="3:00"/>
+                  <p:cNvPr id="773" name="3:00"/>
                   <p:cNvSpPr txBox="1"/>
                   <p:nvPr/>
                 </p:nvSpPr>
@@ -39813,7 +39755,7 @@
               </p:sp>
               <p:sp>
                 <p:nvSpPr>
-                  <p:cNvPr id="776" name="Line"/>
+                  <p:cNvPr id="774" name="Line"/>
                   <p:cNvSpPr/>
                   <p:nvPr/>
                 </p:nvSpPr>
@@ -39859,7 +39801,7 @@
               </p:sp>
               <p:sp>
                 <p:nvSpPr>
-                  <p:cNvPr id="777" name="4:00"/>
+                  <p:cNvPr id="775" name="4:00"/>
                   <p:cNvSpPr txBox="1"/>
                   <p:nvPr/>
                 </p:nvSpPr>
@@ -39909,7 +39851,7 @@
               </p:sp>
               <p:sp>
                 <p:nvSpPr>
-                  <p:cNvPr id="778" name="Line"/>
+                  <p:cNvPr id="776" name="Line"/>
                   <p:cNvSpPr/>
                   <p:nvPr/>
                 </p:nvSpPr>
@@ -39958,7 +39900,7 @@
           </p:grpSp>
           <p:sp>
             <p:nvSpPr>
-              <p:cNvPr id="781" name="Line"/>
+              <p:cNvPr id="779" name="Line"/>
               <p:cNvSpPr/>
               <p:nvPr/>
             </p:nvSpPr>
@@ -40010,7 +39952,7 @@
       </p:grpSp>
       <p:grpSp>
         <p:nvGrpSpPr>
-          <p:cNvPr id="838" name="Group"/>
+          <p:cNvPr id="836" name="Group"/>
           <p:cNvGrpSpPr/>
           <p:nvPr/>
         </p:nvGrpSpPr>
@@ -40024,7 +39966,7 @@
         </p:grpSpPr>
         <p:sp>
           <p:nvSpPr>
-            <p:cNvPr id="784" name="Periods track changes in clock times, which ignore time line irregularities.…"/>
+            <p:cNvPr id="782" name="Periods track changes in clock times, which ignore time line irregularities.…"/>
             <p:cNvSpPr txBox="1"/>
             <p:nvPr/>
           </p:nvSpPr>
@@ -40391,7 +40333,7 @@
         </p:sp>
         <p:grpSp>
           <p:nvGrpSpPr>
-            <p:cNvPr id="799" name="Group"/>
+            <p:cNvPr id="797" name="Group"/>
             <p:cNvGrpSpPr/>
             <p:nvPr/>
           </p:nvGrpSpPr>
@@ -40405,7 +40347,7 @@
           </p:grpSpPr>
           <p:sp>
             <p:nvSpPr>
-              <p:cNvPr id="785" name="Rectangle"/>
+              <p:cNvPr id="783" name="Rectangle"/>
               <p:cNvSpPr/>
               <p:nvPr/>
             </p:nvSpPr>
@@ -40453,7 +40395,7 @@
           </p:sp>
           <p:grpSp>
             <p:nvGrpSpPr>
-              <p:cNvPr id="797" name="Group"/>
+              <p:cNvPr id="795" name="Group"/>
               <p:cNvGrpSpPr/>
               <p:nvPr/>
             </p:nvGrpSpPr>
@@ -40467,7 +40409,7 @@
             </p:grpSpPr>
             <p:sp>
               <p:nvSpPr>
-                <p:cNvPr id="786" name="Line"/>
+                <p:cNvPr id="784" name="Line"/>
                 <p:cNvSpPr/>
                 <p:nvPr/>
               </p:nvSpPr>
@@ -40513,7 +40455,7 @@
             </p:sp>
             <p:sp>
               <p:nvSpPr>
-                <p:cNvPr id="787" name="12:00"/>
+                <p:cNvPr id="785" name="12:00"/>
                 <p:cNvSpPr txBox="1"/>
                 <p:nvPr/>
               </p:nvSpPr>
@@ -40563,7 +40505,7 @@
             </p:sp>
             <p:sp>
               <p:nvSpPr>
-                <p:cNvPr id="788" name="Line"/>
+                <p:cNvPr id="786" name="Line"/>
                 <p:cNvSpPr/>
                 <p:nvPr/>
               </p:nvSpPr>
@@ -40609,7 +40551,7 @@
             </p:sp>
             <p:sp>
               <p:nvSpPr>
-                <p:cNvPr id="789" name="1:00"/>
+                <p:cNvPr id="787" name="1:00"/>
                 <p:cNvSpPr txBox="1"/>
                 <p:nvPr/>
               </p:nvSpPr>
@@ -40659,7 +40601,7 @@
             </p:sp>
             <p:sp>
               <p:nvSpPr>
-                <p:cNvPr id="790" name="2:00"/>
+                <p:cNvPr id="788" name="2:00"/>
                 <p:cNvSpPr txBox="1"/>
                 <p:nvPr/>
               </p:nvSpPr>
@@ -40709,7 +40651,7 @@
             </p:sp>
             <p:sp>
               <p:nvSpPr>
-                <p:cNvPr id="791" name="Line"/>
+                <p:cNvPr id="789" name="Line"/>
                 <p:cNvSpPr/>
                 <p:nvPr/>
               </p:nvSpPr>
@@ -40755,7 +40697,7 @@
             </p:sp>
             <p:sp>
               <p:nvSpPr>
-                <p:cNvPr id="792" name="3:00"/>
+                <p:cNvPr id="790" name="3:00"/>
                 <p:cNvSpPr txBox="1"/>
                 <p:nvPr/>
               </p:nvSpPr>
@@ -40805,7 +40747,7 @@
             </p:sp>
             <p:sp>
               <p:nvSpPr>
-                <p:cNvPr id="793" name="Line"/>
+                <p:cNvPr id="791" name="Line"/>
                 <p:cNvSpPr/>
                 <p:nvPr/>
               </p:nvSpPr>
@@ -40852,7 +40794,7 @@
             </p:sp>
             <p:sp>
               <p:nvSpPr>
-                <p:cNvPr id="794" name="Line"/>
+                <p:cNvPr id="792" name="Line"/>
                 <p:cNvSpPr/>
                 <p:nvPr/>
               </p:nvSpPr>
@@ -40898,7 +40840,7 @@
             </p:sp>
             <p:sp>
               <p:nvSpPr>
-                <p:cNvPr id="795" name="Line"/>
+                <p:cNvPr id="793" name="Line"/>
                 <p:cNvSpPr/>
                 <p:nvPr/>
               </p:nvSpPr>
@@ -40944,7 +40886,7 @@
             </p:sp>
             <p:sp>
               <p:nvSpPr>
-                <p:cNvPr id="796" name="Line"/>
+                <p:cNvPr id="794" name="Line"/>
                 <p:cNvSpPr/>
                 <p:nvPr/>
               </p:nvSpPr>
@@ -40991,7 +40933,7 @@
           </p:grpSp>
           <p:sp>
             <p:nvSpPr>
-              <p:cNvPr id="798" name="Line"/>
+              <p:cNvPr id="796" name="Line"/>
               <p:cNvSpPr/>
               <p:nvPr/>
             </p:nvSpPr>
@@ -41042,7 +40984,7 @@
         </p:grpSp>
         <p:grpSp>
           <p:nvGrpSpPr>
-            <p:cNvPr id="812" name="Group"/>
+            <p:cNvPr id="810" name="Group"/>
             <p:cNvGrpSpPr/>
             <p:nvPr/>
           </p:nvGrpSpPr>
@@ -41056,7 +40998,7 @@
           </p:grpSpPr>
           <p:sp>
             <p:nvSpPr>
-              <p:cNvPr id="800" name="Rectangle"/>
+              <p:cNvPr id="798" name="Rectangle"/>
               <p:cNvSpPr/>
               <p:nvPr/>
             </p:nvSpPr>
@@ -41104,7 +41046,7 @@
           </p:sp>
           <p:grpSp>
             <p:nvGrpSpPr>
-              <p:cNvPr id="810" name="Group"/>
+              <p:cNvPr id="808" name="Group"/>
               <p:cNvGrpSpPr/>
               <p:nvPr/>
             </p:nvGrpSpPr>
@@ -41118,7 +41060,7 @@
             </p:grpSpPr>
             <p:sp>
               <p:nvSpPr>
-                <p:cNvPr id="801" name="Line"/>
+                <p:cNvPr id="799" name="Line"/>
                 <p:cNvSpPr/>
                 <p:nvPr/>
               </p:nvSpPr>
@@ -41164,7 +41106,7 @@
             </p:sp>
             <p:sp>
               <p:nvSpPr>
-                <p:cNvPr id="802" name="1:00"/>
+                <p:cNvPr id="800" name="1:00"/>
                 <p:cNvSpPr txBox="1"/>
                 <p:nvPr/>
               </p:nvSpPr>
@@ -41214,7 +41156,7 @@
             </p:sp>
             <p:sp>
               <p:nvSpPr>
-                <p:cNvPr id="803" name="2:00"/>
+                <p:cNvPr id="801" name="2:00"/>
                 <p:cNvSpPr txBox="1"/>
                 <p:nvPr/>
               </p:nvSpPr>
@@ -41264,7 +41206,7 @@
             </p:sp>
             <p:sp>
               <p:nvSpPr>
-                <p:cNvPr id="804" name="Line"/>
+                <p:cNvPr id="802" name="Line"/>
                 <p:cNvSpPr/>
                 <p:nvPr/>
               </p:nvSpPr>
@@ -41310,7 +41252,7 @@
             </p:sp>
             <p:sp>
               <p:nvSpPr>
-                <p:cNvPr id="805" name="3:00"/>
+                <p:cNvPr id="803" name="3:00"/>
                 <p:cNvSpPr txBox="1"/>
                 <p:nvPr/>
               </p:nvSpPr>
@@ -41360,7 +41302,7 @@
             </p:sp>
             <p:sp>
               <p:nvSpPr>
-                <p:cNvPr id="806" name="Line"/>
+                <p:cNvPr id="804" name="Line"/>
                 <p:cNvSpPr/>
                 <p:nvPr/>
               </p:nvSpPr>
@@ -41406,7 +41348,7 @@
             </p:sp>
             <p:sp>
               <p:nvSpPr>
-                <p:cNvPr id="807" name="4:00"/>
+                <p:cNvPr id="805" name="4:00"/>
                 <p:cNvSpPr txBox="1"/>
                 <p:nvPr/>
               </p:nvSpPr>
@@ -41456,7 +41398,7 @@
             </p:sp>
             <p:sp>
               <p:nvSpPr>
-                <p:cNvPr id="808" name="Line"/>
+                <p:cNvPr id="806" name="Line"/>
                 <p:cNvSpPr/>
                 <p:nvPr/>
               </p:nvSpPr>
@@ -41503,7 +41445,7 @@
             </p:sp>
             <p:sp>
               <p:nvSpPr>
-                <p:cNvPr id="809" name="Line"/>
+                <p:cNvPr id="807" name="Line"/>
                 <p:cNvSpPr/>
                 <p:nvPr/>
               </p:nvSpPr>
@@ -41550,7 +41492,7 @@
           </p:grpSp>
           <p:sp>
             <p:nvSpPr>
-              <p:cNvPr id="811" name="Line"/>
+              <p:cNvPr id="809" name="Line"/>
               <p:cNvSpPr/>
               <p:nvPr/>
             </p:nvSpPr>
@@ -41601,7 +41543,7 @@
         </p:grpSp>
         <p:grpSp>
           <p:nvGrpSpPr>
-            <p:cNvPr id="825" name="Group"/>
+            <p:cNvPr id="823" name="Group"/>
             <p:cNvGrpSpPr/>
             <p:nvPr/>
           </p:nvGrpSpPr>
@@ -41615,7 +41557,7 @@
           </p:grpSpPr>
           <p:sp>
             <p:nvSpPr>
-              <p:cNvPr id="813" name="Rectangle"/>
+              <p:cNvPr id="811" name="Rectangle"/>
               <p:cNvSpPr/>
               <p:nvPr/>
             </p:nvSpPr>
@@ -41663,7 +41605,7 @@
           </p:sp>
           <p:grpSp>
             <p:nvGrpSpPr>
-              <p:cNvPr id="823" name="Group"/>
+              <p:cNvPr id="821" name="Group"/>
               <p:cNvGrpSpPr/>
               <p:nvPr/>
             </p:nvGrpSpPr>
@@ -41677,7 +41619,7 @@
             </p:grpSpPr>
             <p:sp>
               <p:nvSpPr>
-                <p:cNvPr id="814" name="Line"/>
+                <p:cNvPr id="812" name="Line"/>
                 <p:cNvSpPr/>
                 <p:nvPr/>
               </p:nvSpPr>
@@ -41723,7 +41665,7 @@
             </p:sp>
             <p:sp>
               <p:nvSpPr>
-                <p:cNvPr id="815" name="1:00"/>
+                <p:cNvPr id="813" name="1:00"/>
                 <p:cNvSpPr txBox="1"/>
                 <p:nvPr/>
               </p:nvSpPr>
@@ -41773,7 +41715,7 @@
             </p:sp>
             <p:sp>
               <p:nvSpPr>
-                <p:cNvPr id="816" name="Line"/>
+                <p:cNvPr id="814" name="Line"/>
                 <p:cNvSpPr/>
                 <p:nvPr/>
               </p:nvSpPr>
@@ -41819,7 +41761,7 @@
             </p:sp>
             <p:sp>
               <p:nvSpPr>
-                <p:cNvPr id="817" name="2:00"/>
+                <p:cNvPr id="815" name="2:00"/>
                 <p:cNvSpPr txBox="1"/>
                 <p:nvPr/>
               </p:nvSpPr>
@@ -41869,7 +41811,7 @@
             </p:sp>
             <p:sp>
               <p:nvSpPr>
-                <p:cNvPr id="818" name="Line"/>
+                <p:cNvPr id="816" name="Line"/>
                 <p:cNvSpPr/>
                 <p:nvPr/>
               </p:nvSpPr>
@@ -41915,7 +41857,7 @@
             </p:sp>
             <p:sp>
               <p:nvSpPr>
-                <p:cNvPr id="819" name="3:00"/>
+                <p:cNvPr id="817" name="3:00"/>
                 <p:cNvSpPr txBox="1"/>
                 <p:nvPr/>
               </p:nvSpPr>
@@ -41965,7 +41907,7 @@
             </p:sp>
             <p:sp>
               <p:nvSpPr>
-                <p:cNvPr id="820" name="Line"/>
+                <p:cNvPr id="818" name="Line"/>
                 <p:cNvSpPr/>
                 <p:nvPr/>
               </p:nvSpPr>
@@ -42011,7 +41953,7 @@
             </p:sp>
             <p:sp>
               <p:nvSpPr>
-                <p:cNvPr id="821" name="4:00"/>
+                <p:cNvPr id="819" name="4:00"/>
                 <p:cNvSpPr txBox="1"/>
                 <p:nvPr/>
               </p:nvSpPr>
@@ -42061,7 +42003,7 @@
             </p:sp>
             <p:sp>
               <p:nvSpPr>
-                <p:cNvPr id="822" name="Line"/>
+                <p:cNvPr id="820" name="Line"/>
                 <p:cNvSpPr/>
                 <p:nvPr/>
               </p:nvSpPr>
@@ -42109,7 +42051,7 @@
           </p:grpSp>
           <p:sp>
             <p:nvSpPr>
-              <p:cNvPr id="824" name="Line"/>
+              <p:cNvPr id="822" name="Line"/>
               <p:cNvSpPr/>
               <p:nvPr/>
             </p:nvSpPr>
@@ -42160,7 +42102,7 @@
         </p:grpSp>
         <p:grpSp>
           <p:nvGrpSpPr>
-            <p:cNvPr id="837" name="Group"/>
+            <p:cNvPr id="835" name="Group"/>
             <p:cNvGrpSpPr/>
             <p:nvPr/>
           </p:nvGrpSpPr>
@@ -42174,7 +42116,7 @@
           </p:grpSpPr>
           <p:grpSp>
             <p:nvGrpSpPr>
-              <p:cNvPr id="828" name="Group"/>
+              <p:cNvPr id="826" name="Group"/>
               <p:cNvGrpSpPr/>
               <p:nvPr/>
             </p:nvGrpSpPr>
@@ -42188,7 +42130,7 @@
             </p:grpSpPr>
             <p:sp>
               <p:nvSpPr>
-                <p:cNvPr id="826" name="Rectangle"/>
+                <p:cNvPr id="824" name="Rectangle"/>
                 <p:cNvSpPr/>
                 <p:nvPr/>
               </p:nvSpPr>
@@ -42236,7 +42178,7 @@
             </p:sp>
             <p:sp>
               <p:nvSpPr>
-                <p:cNvPr id="827" name="Line"/>
+                <p:cNvPr id="825" name="Line"/>
                 <p:cNvSpPr/>
                 <p:nvPr/>
               </p:nvSpPr>
@@ -42287,7 +42229,7 @@
           </p:grpSp>
           <p:grpSp>
             <p:nvGrpSpPr>
-              <p:cNvPr id="836" name="Group"/>
+              <p:cNvPr id="834" name="Group"/>
               <p:cNvGrpSpPr/>
               <p:nvPr/>
             </p:nvGrpSpPr>
@@ -42301,7 +42243,7 @@
             </p:grpSpPr>
             <p:sp>
               <p:nvSpPr>
-                <p:cNvPr id="829" name="Line"/>
+                <p:cNvPr id="827" name="Line"/>
                 <p:cNvSpPr/>
                 <p:nvPr/>
               </p:nvSpPr>
@@ -42347,7 +42289,7 @@
             </p:sp>
             <p:sp>
               <p:nvSpPr>
-                <p:cNvPr id="830" name="2019"/>
+                <p:cNvPr id="828" name="2019"/>
                 <p:cNvSpPr txBox="1"/>
                 <p:nvPr/>
               </p:nvSpPr>
@@ -42397,7 +42339,7 @@
             </p:sp>
             <p:sp>
               <p:nvSpPr>
-                <p:cNvPr id="831" name="Line"/>
+                <p:cNvPr id="829" name="Line"/>
                 <p:cNvSpPr/>
                 <p:nvPr/>
               </p:nvSpPr>
@@ -42443,7 +42385,7 @@
             </p:sp>
             <p:sp>
               <p:nvSpPr>
-                <p:cNvPr id="832" name="2020"/>
+                <p:cNvPr id="830" name="2020"/>
                 <p:cNvSpPr txBox="1"/>
                 <p:nvPr/>
               </p:nvSpPr>
@@ -42493,7 +42435,7 @@
             </p:sp>
             <p:sp>
               <p:nvSpPr>
-                <p:cNvPr id="833" name="Line"/>
+                <p:cNvPr id="831" name="Line"/>
                 <p:cNvSpPr/>
                 <p:nvPr/>
               </p:nvSpPr>
@@ -42539,7 +42481,7 @@
             </p:sp>
             <p:sp>
               <p:nvSpPr>
-                <p:cNvPr id="834" name="2021"/>
+                <p:cNvPr id="832" name="2021"/>
                 <p:cNvSpPr txBox="1"/>
                 <p:nvPr/>
               </p:nvSpPr>
@@ -42589,7 +42531,7 @@
             </p:sp>
             <p:sp>
               <p:nvSpPr>
-                <p:cNvPr id="835" name="Line"/>
+                <p:cNvPr id="833" name="Line"/>
                 <p:cNvSpPr/>
                 <p:nvPr/>
               </p:nvSpPr>
@@ -42679,7 +42621,7 @@
       </p:grpSp>
       <p:grpSp>
         <p:nvGrpSpPr>
-          <p:cNvPr id="896" name="Group"/>
+          <p:cNvPr id="894" name="Group"/>
           <p:cNvGrpSpPr/>
           <p:nvPr/>
         </p:nvGrpSpPr>
@@ -42693,7 +42635,7 @@
         </p:grpSpPr>
         <p:sp>
           <p:nvSpPr>
-            <p:cNvPr id="839" name="Intervals represent specific intervals of the timeline, bounded by start and end date-times.…"/>
+            <p:cNvPr id="837" name="Intervals represent specific intervals of the timeline, bounded by start and end date-times.…"/>
             <p:cNvSpPr txBox="1"/>
             <p:nvPr/>
           </p:nvSpPr>
@@ -43045,7 +42987,7 @@
         </p:sp>
         <p:grpSp>
           <p:nvGrpSpPr>
-            <p:cNvPr id="855" name="Group"/>
+            <p:cNvPr id="853" name="Group"/>
             <p:cNvGrpSpPr/>
             <p:nvPr/>
           </p:nvGrpSpPr>
@@ -43059,7 +43001,7 @@
           </p:grpSpPr>
           <p:sp>
             <p:nvSpPr>
-              <p:cNvPr id="840" name="Arrow"/>
+              <p:cNvPr id="838" name="Arrow"/>
               <p:cNvSpPr/>
               <p:nvPr/>
             </p:nvSpPr>
@@ -43107,7 +43049,7 @@
           </p:sp>
           <p:grpSp>
             <p:nvGrpSpPr>
-              <p:cNvPr id="852" name="Group"/>
+              <p:cNvPr id="850" name="Group"/>
               <p:cNvGrpSpPr/>
               <p:nvPr/>
             </p:nvGrpSpPr>
@@ -43121,7 +43063,7 @@
             </p:grpSpPr>
             <p:sp>
               <p:nvSpPr>
-                <p:cNvPr id="841" name="Line"/>
+                <p:cNvPr id="839" name="Line"/>
                 <p:cNvSpPr/>
                 <p:nvPr/>
               </p:nvSpPr>
@@ -43167,7 +43109,7 @@
             </p:sp>
             <p:sp>
               <p:nvSpPr>
-                <p:cNvPr id="842" name="Line"/>
+                <p:cNvPr id="840" name="Line"/>
                 <p:cNvSpPr/>
                 <p:nvPr/>
               </p:nvSpPr>
@@ -43213,7 +43155,7 @@
             </p:sp>
             <p:sp>
               <p:nvSpPr>
-                <p:cNvPr id="843" name="12:00"/>
+                <p:cNvPr id="841" name="12:00"/>
                 <p:cNvSpPr txBox="1"/>
                 <p:nvPr/>
               </p:nvSpPr>
@@ -43263,7 +43205,7 @@
             </p:sp>
             <p:sp>
               <p:nvSpPr>
-                <p:cNvPr id="844" name="Line"/>
+                <p:cNvPr id="842" name="Line"/>
                 <p:cNvSpPr/>
                 <p:nvPr/>
               </p:nvSpPr>
@@ -43309,7 +43251,7 @@
             </p:sp>
             <p:sp>
               <p:nvSpPr>
-                <p:cNvPr id="845" name="1:00"/>
+                <p:cNvPr id="843" name="1:00"/>
                 <p:cNvSpPr txBox="1"/>
                 <p:nvPr/>
               </p:nvSpPr>
@@ -43359,7 +43301,7 @@
             </p:sp>
             <p:sp>
               <p:nvSpPr>
-                <p:cNvPr id="846" name="2:00"/>
+                <p:cNvPr id="844" name="2:00"/>
                 <p:cNvSpPr txBox="1"/>
                 <p:nvPr/>
               </p:nvSpPr>
@@ -43409,7 +43351,7 @@
             </p:sp>
             <p:sp>
               <p:nvSpPr>
-                <p:cNvPr id="847" name="Line"/>
+                <p:cNvPr id="845" name="Line"/>
                 <p:cNvSpPr/>
                 <p:nvPr/>
               </p:nvSpPr>
@@ -43455,7 +43397,7 @@
             </p:sp>
             <p:sp>
               <p:nvSpPr>
-                <p:cNvPr id="848" name="3:00"/>
+                <p:cNvPr id="846" name="3:00"/>
                 <p:cNvSpPr txBox="1"/>
                 <p:nvPr/>
               </p:nvSpPr>
@@ -43505,7 +43447,7 @@
             </p:sp>
             <p:sp>
               <p:nvSpPr>
-                <p:cNvPr id="849" name="Line"/>
+                <p:cNvPr id="847" name="Line"/>
                 <p:cNvSpPr/>
                 <p:nvPr/>
               </p:nvSpPr>
@@ -43552,7 +43494,7 @@
             </p:sp>
             <p:sp>
               <p:nvSpPr>
-                <p:cNvPr id="850" name="Line"/>
+                <p:cNvPr id="848" name="Line"/>
                 <p:cNvSpPr/>
                 <p:nvPr/>
               </p:nvSpPr>
@@ -43598,7 +43540,7 @@
             </p:sp>
             <p:sp>
               <p:nvSpPr>
-                <p:cNvPr id="851" name="Line"/>
+                <p:cNvPr id="849" name="Line"/>
                 <p:cNvSpPr/>
                 <p:nvPr/>
               </p:nvSpPr>
@@ -43645,7 +43587,7 @@
           </p:grpSp>
           <p:sp>
             <p:nvSpPr>
-              <p:cNvPr id="853" name="Line"/>
+              <p:cNvPr id="851" name="Line"/>
               <p:cNvSpPr/>
               <p:nvPr/>
             </p:nvSpPr>
@@ -43695,7 +43637,7 @@
           </p:sp>
           <p:sp>
             <p:nvSpPr>
-              <p:cNvPr id="854" name="Line"/>
+              <p:cNvPr id="852" name="Line"/>
               <p:cNvSpPr/>
               <p:nvPr/>
             </p:nvSpPr>
@@ -43746,7 +43688,7 @@
         </p:grpSp>
         <p:grpSp>
           <p:nvGrpSpPr>
-            <p:cNvPr id="869" name="Group"/>
+            <p:cNvPr id="867" name="Group"/>
             <p:cNvGrpSpPr/>
             <p:nvPr/>
           </p:nvGrpSpPr>
@@ -43760,7 +43702,7 @@
           </p:grpSpPr>
           <p:sp>
             <p:nvSpPr>
-              <p:cNvPr id="856" name="Arrow"/>
+              <p:cNvPr id="854" name="Arrow"/>
               <p:cNvSpPr/>
               <p:nvPr/>
             </p:nvSpPr>
@@ -43808,7 +43750,7 @@
           </p:sp>
           <p:sp>
             <p:nvSpPr>
-              <p:cNvPr id="857" name="Line"/>
+              <p:cNvPr id="855" name="Line"/>
               <p:cNvSpPr/>
               <p:nvPr/>
             </p:nvSpPr>
@@ -43858,7 +43800,7 @@
           </p:sp>
           <p:grpSp>
             <p:nvGrpSpPr>
-              <p:cNvPr id="867" name="Group"/>
+              <p:cNvPr id="865" name="Group"/>
               <p:cNvGrpSpPr/>
               <p:nvPr/>
             </p:nvGrpSpPr>
@@ -43872,7 +43814,7 @@
             </p:grpSpPr>
             <p:sp>
               <p:nvSpPr>
-                <p:cNvPr id="858" name="Line"/>
+                <p:cNvPr id="856" name="Line"/>
                 <p:cNvSpPr/>
                 <p:nvPr/>
               </p:nvSpPr>
@@ -43918,7 +43860,7 @@
             </p:sp>
             <p:sp>
               <p:nvSpPr>
-                <p:cNvPr id="859" name="1:00"/>
+                <p:cNvPr id="857" name="1:00"/>
                 <p:cNvSpPr txBox="1"/>
                 <p:nvPr/>
               </p:nvSpPr>
@@ -43968,7 +43910,7 @@
             </p:sp>
             <p:sp>
               <p:nvSpPr>
-                <p:cNvPr id="860" name="2:00"/>
+                <p:cNvPr id="858" name="2:00"/>
                 <p:cNvSpPr txBox="1"/>
                 <p:nvPr/>
               </p:nvSpPr>
@@ -44018,7 +43960,7 @@
             </p:sp>
             <p:sp>
               <p:nvSpPr>
-                <p:cNvPr id="861" name="Line"/>
+                <p:cNvPr id="859" name="Line"/>
                 <p:cNvSpPr/>
                 <p:nvPr/>
               </p:nvSpPr>
@@ -44064,7 +44006,7 @@
             </p:sp>
             <p:sp>
               <p:nvSpPr>
-                <p:cNvPr id="862" name="3:00"/>
+                <p:cNvPr id="860" name="3:00"/>
                 <p:cNvSpPr txBox="1"/>
                 <p:nvPr/>
               </p:nvSpPr>
@@ -44114,7 +44056,7 @@
             </p:sp>
             <p:sp>
               <p:nvSpPr>
-                <p:cNvPr id="863" name="Line"/>
+                <p:cNvPr id="861" name="Line"/>
                 <p:cNvSpPr/>
                 <p:nvPr/>
               </p:nvSpPr>
@@ -44160,7 +44102,7 @@
             </p:sp>
             <p:sp>
               <p:nvSpPr>
-                <p:cNvPr id="864" name="4:00"/>
+                <p:cNvPr id="862" name="4:00"/>
                 <p:cNvSpPr txBox="1"/>
                 <p:nvPr/>
               </p:nvSpPr>
@@ -44210,7 +44152,7 @@
             </p:sp>
             <p:sp>
               <p:nvSpPr>
-                <p:cNvPr id="865" name="Line"/>
+                <p:cNvPr id="863" name="Line"/>
                 <p:cNvSpPr/>
                 <p:nvPr/>
               </p:nvSpPr>
@@ -44257,7 +44199,7 @@
             </p:sp>
             <p:sp>
               <p:nvSpPr>
-                <p:cNvPr id="866" name="Line"/>
+                <p:cNvPr id="864" name="Line"/>
                 <p:cNvSpPr/>
                 <p:nvPr/>
               </p:nvSpPr>
@@ -44304,7 +44246,7 @@
           </p:grpSp>
           <p:sp>
             <p:nvSpPr>
-              <p:cNvPr id="868" name="Line"/>
+              <p:cNvPr id="866" name="Line"/>
               <p:cNvSpPr/>
               <p:nvPr/>
             </p:nvSpPr>
@@ -44355,7 +44297,7 @@
         </p:grpSp>
         <p:grpSp>
           <p:nvGrpSpPr>
-            <p:cNvPr id="883" name="Group"/>
+            <p:cNvPr id="881" name="Group"/>
             <p:cNvGrpSpPr/>
             <p:nvPr/>
           </p:nvGrpSpPr>
@@ -44369,7 +44311,7 @@
           </p:grpSpPr>
           <p:sp>
             <p:nvSpPr>
-              <p:cNvPr id="870" name="Arrow"/>
+              <p:cNvPr id="868" name="Arrow"/>
               <p:cNvSpPr/>
               <p:nvPr/>
             </p:nvSpPr>
@@ -44417,7 +44359,7 @@
           </p:sp>
           <p:sp>
             <p:nvSpPr>
-              <p:cNvPr id="871" name="Line"/>
+              <p:cNvPr id="869" name="Line"/>
               <p:cNvSpPr/>
               <p:nvPr/>
             </p:nvSpPr>
@@ -44467,7 +44409,7 @@
           </p:sp>
           <p:grpSp>
             <p:nvGrpSpPr>
-              <p:cNvPr id="881" name="Group"/>
+              <p:cNvPr id="879" name="Group"/>
               <p:cNvGrpSpPr/>
               <p:nvPr/>
             </p:nvGrpSpPr>
@@ -44481,7 +44423,7 @@
             </p:grpSpPr>
             <p:sp>
               <p:nvSpPr>
-                <p:cNvPr id="872" name="Line"/>
+                <p:cNvPr id="870" name="Line"/>
                 <p:cNvSpPr/>
                 <p:nvPr/>
               </p:nvSpPr>
@@ -44527,7 +44469,7 @@
             </p:sp>
             <p:sp>
               <p:nvSpPr>
-                <p:cNvPr id="873" name="1:00"/>
+                <p:cNvPr id="871" name="1:00"/>
                 <p:cNvSpPr txBox="1"/>
                 <p:nvPr/>
               </p:nvSpPr>
@@ -44577,7 +44519,7 @@
             </p:sp>
             <p:sp>
               <p:nvSpPr>
-                <p:cNvPr id="874" name="2:00"/>
+                <p:cNvPr id="872" name="2:00"/>
                 <p:cNvSpPr txBox="1"/>
                 <p:nvPr/>
               </p:nvSpPr>
@@ -44627,7 +44569,7 @@
             </p:sp>
             <p:sp>
               <p:nvSpPr>
-                <p:cNvPr id="875" name="Line"/>
+                <p:cNvPr id="873" name="Line"/>
                 <p:cNvSpPr/>
                 <p:nvPr/>
               </p:nvSpPr>
@@ -44673,7 +44615,7 @@
             </p:sp>
             <p:sp>
               <p:nvSpPr>
-                <p:cNvPr id="876" name="3:00"/>
+                <p:cNvPr id="874" name="3:00"/>
                 <p:cNvSpPr txBox="1"/>
                 <p:nvPr/>
               </p:nvSpPr>
@@ -44723,7 +44665,7 @@
             </p:sp>
             <p:sp>
               <p:nvSpPr>
-                <p:cNvPr id="877" name="Line"/>
+                <p:cNvPr id="875" name="Line"/>
                 <p:cNvSpPr/>
                 <p:nvPr/>
               </p:nvSpPr>
@@ -44769,7 +44711,7 @@
             </p:sp>
             <p:sp>
               <p:nvSpPr>
-                <p:cNvPr id="878" name="4:00"/>
+                <p:cNvPr id="876" name="4:00"/>
                 <p:cNvSpPr txBox="1"/>
                 <p:nvPr/>
               </p:nvSpPr>
@@ -44819,7 +44761,7 @@
             </p:sp>
             <p:sp>
               <p:nvSpPr>
-                <p:cNvPr id="879" name="Line"/>
+                <p:cNvPr id="877" name="Line"/>
                 <p:cNvSpPr/>
                 <p:nvPr/>
               </p:nvSpPr>
@@ -44866,7 +44808,7 @@
             </p:sp>
             <p:sp>
               <p:nvSpPr>
-                <p:cNvPr id="880" name="Line"/>
+                <p:cNvPr id="878" name="Line"/>
                 <p:cNvSpPr/>
                 <p:nvPr/>
               </p:nvSpPr>
@@ -44913,7 +44855,7 @@
           </p:grpSp>
           <p:sp>
             <p:nvSpPr>
-              <p:cNvPr id="882" name="Line"/>
+              <p:cNvPr id="880" name="Line"/>
               <p:cNvSpPr/>
               <p:nvPr/>
             </p:nvSpPr>
@@ -44964,7 +44906,7 @@
         </p:grpSp>
         <p:grpSp>
           <p:nvGrpSpPr>
-            <p:cNvPr id="895" name="Group"/>
+            <p:cNvPr id="893" name="Group"/>
             <p:cNvGrpSpPr/>
             <p:nvPr/>
           </p:nvGrpSpPr>
@@ -44978,7 +44920,7 @@
           </p:grpSpPr>
           <p:sp>
             <p:nvSpPr>
-              <p:cNvPr id="884" name="Arrow"/>
+              <p:cNvPr id="882" name="Arrow"/>
               <p:cNvSpPr/>
               <p:nvPr/>
             </p:nvSpPr>
@@ -45026,7 +44968,7 @@
           </p:sp>
           <p:sp>
             <p:nvSpPr>
-              <p:cNvPr id="885" name="Line"/>
+              <p:cNvPr id="883" name="Line"/>
               <p:cNvSpPr/>
               <p:nvPr/>
             </p:nvSpPr>
@@ -45076,7 +45018,7 @@
           </p:sp>
           <p:sp>
             <p:nvSpPr>
-              <p:cNvPr id="886" name="Line"/>
+              <p:cNvPr id="884" name="Line"/>
               <p:cNvSpPr/>
               <p:nvPr/>
             </p:nvSpPr>
@@ -45126,7 +45068,7 @@
           </p:sp>
           <p:grpSp>
             <p:nvGrpSpPr>
-              <p:cNvPr id="894" name="Group"/>
+              <p:cNvPr id="892" name="Group"/>
               <p:cNvGrpSpPr/>
               <p:nvPr/>
             </p:nvGrpSpPr>
@@ -45140,7 +45082,7 @@
             </p:grpSpPr>
             <p:sp>
               <p:nvSpPr>
-                <p:cNvPr id="887" name="Line"/>
+                <p:cNvPr id="885" name="Line"/>
                 <p:cNvSpPr/>
                 <p:nvPr/>
               </p:nvSpPr>
@@ -45186,7 +45128,7 @@
             </p:sp>
             <p:sp>
               <p:nvSpPr>
-                <p:cNvPr id="888" name="2019"/>
+                <p:cNvPr id="886" name="2019"/>
                 <p:cNvSpPr txBox="1"/>
                 <p:nvPr/>
               </p:nvSpPr>
@@ -45236,7 +45178,7 @@
             </p:sp>
             <p:sp>
               <p:nvSpPr>
-                <p:cNvPr id="889" name="Line"/>
+                <p:cNvPr id="887" name="Line"/>
                 <p:cNvSpPr/>
                 <p:nvPr/>
               </p:nvSpPr>
@@ -45282,7 +45224,7 @@
             </p:sp>
             <p:sp>
               <p:nvSpPr>
-                <p:cNvPr id="890" name="2020"/>
+                <p:cNvPr id="888" name="2020"/>
                 <p:cNvSpPr txBox="1"/>
                 <p:nvPr/>
               </p:nvSpPr>
@@ -45332,7 +45274,7 @@
             </p:sp>
             <p:sp>
               <p:nvSpPr>
-                <p:cNvPr id="891" name="Line"/>
+                <p:cNvPr id="889" name="Line"/>
                 <p:cNvSpPr/>
                 <p:nvPr/>
               </p:nvSpPr>
@@ -45378,7 +45320,7 @@
             </p:sp>
             <p:sp>
               <p:nvSpPr>
-                <p:cNvPr id="892" name="2021"/>
+                <p:cNvPr id="890" name="2021"/>
                 <p:cNvSpPr txBox="1"/>
                 <p:nvPr/>
               </p:nvSpPr>
@@ -45428,7 +45370,7 @@
             </p:sp>
             <p:sp>
               <p:nvSpPr>
-                <p:cNvPr id="893" name="Line"/>
+                <p:cNvPr id="891" name="Line"/>
                 <p:cNvSpPr/>
                 <p:nvPr/>
               </p:nvSpPr>
@@ -45518,7 +45460,7 @@
       </p:grpSp>
       <p:sp>
         <p:nvSpPr>
-          <p:cNvPr id="897" name="Not all years…"/>
+          <p:cNvPr id="895" name="Not all years…"/>
           <p:cNvSpPr txBox="1"/>
           <p:nvPr/>
         </p:nvSpPr>
@@ -45924,6 +45866,64 @@
           </a:p>
         </p:txBody>
       </p:sp>
+      <p:pic>
+        <p:nvPicPr>
+          <p:cNvPr id="896" name="lubridate.png" descr="lubridate.png"/>
+          <p:cNvPicPr>
+            <a:picLocks noChangeAspect="1"/>
+          </p:cNvPicPr>
+          <p:nvPr/>
+        </p:nvPicPr>
+        <p:blipFill>
+          <a:blip r:embed="rId6">
+            <a:extLst/>
+          </a:blip>
+          <a:stretch>
+            <a:fillRect/>
+          </a:stretch>
+        </p:blipFill>
+        <p:spPr>
+          <a:xfrm>
+            <a:off x="12313158" y="217974"/>
+            <a:ext cx="1358901" cy="1575118"/>
+          </a:xfrm>
+          <a:prstGeom prst="rect">
+            <a:avLst/>
+          </a:prstGeom>
+          <a:ln w="12700">
+            <a:miter lim="400000"/>
+          </a:ln>
+        </p:spPr>
+      </p:pic>
+      <p:pic>
+        <p:nvPicPr>
+          <p:cNvPr id="897" name="Image" descr="Image"/>
+          <p:cNvPicPr>
+            <a:picLocks noChangeAspect="1"/>
+          </p:cNvPicPr>
+          <p:nvPr/>
+        </p:nvPicPr>
+        <p:blipFill>
+          <a:blip r:embed="rId7">
+            <a:extLst/>
+          </a:blip>
+          <a:stretch>
+            <a:fillRect/>
+          </a:stretch>
+        </p:blipFill>
+        <p:spPr>
+          <a:xfrm>
+            <a:off x="238823" y="9978474"/>
+            <a:ext cx="1754521" cy="616478"/>
+          </a:xfrm>
+          <a:prstGeom prst="rect">
+            <a:avLst/>
+          </a:prstGeom>
+          <a:ln w="12700">
+            <a:miter lim="400000"/>
+          </a:ln>
+        </p:spPr>
+      </p:pic>
     </p:spTree>
   </p:cSld>
   <p:clrMapOvr>

--- a/powerpoints/lubridate.pptx
+++ b/powerpoints/lubridate.pptx
@@ -688,7 +688,7 @@
           <p:cNvPr id="93" name="–Johnny Appleseed"/>
           <p:cNvSpPr/>
           <p:nvPr>
-            <p:ph type="body" sz="quarter" idx="13"/>
+            <p:ph type="body" sz="quarter" idx="21"/>
           </p:nvPr>
         </p:nvSpPr>
         <p:spPr>
@@ -727,7 +727,7 @@
           <p:cNvPr id="94" name="“Type a quote here.”"/>
           <p:cNvSpPr/>
           <p:nvPr>
-            <p:ph type="body" sz="quarter" idx="14"/>
+            <p:ph type="body" sz="quarter" idx="22"/>
           </p:nvPr>
         </p:nvSpPr>
         <p:spPr>
@@ -810,13 +810,13 @@
           <p:cNvPr id="102" name="Image"/>
           <p:cNvSpPr/>
           <p:nvPr>
-            <p:ph type="pic" idx="13"/>
+            <p:ph type="pic" idx="21"/>
           </p:nvPr>
         </p:nvSpPr>
         <p:spPr>
           <a:xfrm>
-            <a:off x="0" y="158750"/>
-            <a:ext cx="13964218" cy="10477500"/>
+            <a:off x="-873125" y="158750"/>
+            <a:ext cx="15708068" cy="10477500"/>
           </a:xfrm>
           <a:prstGeom prst="rect">
             <a:avLst/>
@@ -1069,13 +1069,13 @@
           <p:cNvPr id="20" name="Image"/>
           <p:cNvSpPr/>
           <p:nvPr>
-            <p:ph type="pic" idx="13"/>
+            <p:ph type="pic" idx="21"/>
           </p:nvPr>
         </p:nvSpPr>
         <p:spPr>
           <a:xfrm>
             <a:off x="1725786" y="840878"/>
-            <a:ext cx="10504786" cy="6357443"/>
+            <a:ext cx="10504786" cy="7006839"/>
           </a:xfrm>
           <a:prstGeom prst="rect">
             <a:avLst/>
@@ -1350,13 +1350,13 @@
           <p:cNvPr id="38" name="Image"/>
           <p:cNvSpPr/>
           <p:nvPr>
-            <p:ph type="pic" sz="half" idx="13"/>
+            <p:ph type="pic" idx="21"/>
           </p:nvPr>
         </p:nvSpPr>
         <p:spPr>
           <a:xfrm>
-            <a:off x="7216923" y="840878"/>
-            <a:ext cx="5729884" cy="8840392"/>
+            <a:off x="2919511" y="840878"/>
+            <a:ext cx="13274230" cy="8849488"/>
           </a:xfrm>
           <a:prstGeom prst="rect">
             <a:avLst/>
@@ -1752,13 +1752,13 @@
           <p:cNvPr id="65" name="Image"/>
           <p:cNvSpPr/>
           <p:nvPr>
-            <p:ph type="pic" sz="half" idx="13"/>
+            <p:ph type="pic" idx="21"/>
           </p:nvPr>
         </p:nvSpPr>
         <p:spPr>
           <a:xfrm>
-            <a:off x="7216923" y="2955478"/>
-            <a:ext cx="5729884" cy="6753077"/>
+            <a:off x="4870400" y="2955478"/>
+            <a:ext cx="10129615" cy="6753077"/>
           </a:xfrm>
           <a:prstGeom prst="rect">
             <a:avLst/>
@@ -2019,13 +2019,13 @@
           <p:cNvPr id="83" name="Image"/>
           <p:cNvSpPr/>
           <p:nvPr>
-            <p:ph type="pic" sz="half" idx="13"/>
+            <p:ph type="pic" idx="21"/>
           </p:nvPr>
         </p:nvSpPr>
         <p:spPr>
           <a:xfrm>
-            <a:off x="1023193" y="1113730"/>
-            <a:ext cx="5729884" cy="8567540"/>
+            <a:off x="-2551163" y="1113730"/>
+            <a:ext cx="12864953" cy="8576636"/>
           </a:xfrm>
           <a:prstGeom prst="rect">
             <a:avLst/>
@@ -2046,13 +2046,13 @@
           <p:cNvPr id="84" name="Image"/>
           <p:cNvSpPr/>
           <p:nvPr>
-            <p:ph type="pic" sz="quarter" idx="14"/>
+            <p:ph type="pic" sz="quarter" idx="22"/>
           </p:nvPr>
         </p:nvSpPr>
         <p:spPr>
           <a:xfrm>
-            <a:off x="7216923" y="5629423"/>
-            <a:ext cx="5729884" cy="4051847"/>
+            <a:off x="7175996" y="5558791"/>
+            <a:ext cx="6507511" cy="4340601"/>
           </a:xfrm>
           <a:prstGeom prst="rect">
             <a:avLst/>
@@ -2073,13 +2073,13 @@
           <p:cNvPr id="85" name="Image"/>
           <p:cNvSpPr/>
           <p:nvPr>
-            <p:ph type="pic" sz="quarter" idx="15"/>
+            <p:ph type="pic" sz="quarter" idx="23"/>
           </p:nvPr>
         </p:nvSpPr>
         <p:spPr>
           <a:xfrm>
-            <a:off x="7223603" y="1113730"/>
-            <a:ext cx="5729884" cy="4051847"/>
+            <a:off x="6985000" y="1111310"/>
+            <a:ext cx="6302872" cy="4201915"/>
           </a:xfrm>
           <a:prstGeom prst="rect">
             <a:avLst/>
@@ -2333,9 +2333,6 @@
         <a:buNone/>
         <a:tabLst/>
         <a:defRPr b="0" baseline="0" cap="none" i="0" spc="0" strike="noStrike" sz="4800" u="none">
-          <a:ln>
-            <a:noFill/>
-          </a:ln>
           <a:solidFill>
             <a:srgbClr val="585858"/>
           </a:solidFill>
@@ -2362,9 +2359,6 @@
         <a:buNone/>
         <a:tabLst/>
         <a:defRPr b="0" baseline="0" cap="none" i="0" spc="0" strike="noStrike" sz="4800" u="none">
-          <a:ln>
-            <a:noFill/>
-          </a:ln>
           <a:solidFill>
             <a:srgbClr val="585858"/>
           </a:solidFill>
@@ -2391,9 +2385,6 @@
         <a:buNone/>
         <a:tabLst/>
         <a:defRPr b="0" baseline="0" cap="none" i="0" spc="0" strike="noStrike" sz="4800" u="none">
-          <a:ln>
-            <a:noFill/>
-          </a:ln>
           <a:solidFill>
             <a:srgbClr val="585858"/>
           </a:solidFill>
@@ -2420,9 +2411,6 @@
         <a:buNone/>
         <a:tabLst/>
         <a:defRPr b="0" baseline="0" cap="none" i="0" spc="0" strike="noStrike" sz="4800" u="none">
-          <a:ln>
-            <a:noFill/>
-          </a:ln>
           <a:solidFill>
             <a:srgbClr val="585858"/>
           </a:solidFill>
@@ -2449,9 +2437,6 @@
         <a:buNone/>
         <a:tabLst/>
         <a:defRPr b="0" baseline="0" cap="none" i="0" spc="0" strike="noStrike" sz="4800" u="none">
-          <a:ln>
-            <a:noFill/>
-          </a:ln>
           <a:solidFill>
             <a:srgbClr val="585858"/>
           </a:solidFill>
@@ -2478,9 +2463,6 @@
         <a:buNone/>
         <a:tabLst/>
         <a:defRPr b="0" baseline="0" cap="none" i="0" spc="0" strike="noStrike" sz="4800" u="none">
-          <a:ln>
-            <a:noFill/>
-          </a:ln>
           <a:solidFill>
             <a:srgbClr val="585858"/>
           </a:solidFill>
@@ -2507,9 +2489,6 @@
         <a:buNone/>
         <a:tabLst/>
         <a:defRPr b="0" baseline="0" cap="none" i="0" spc="0" strike="noStrike" sz="4800" u="none">
-          <a:ln>
-            <a:noFill/>
-          </a:ln>
           <a:solidFill>
             <a:srgbClr val="585858"/>
           </a:solidFill>
@@ -2536,9 +2515,6 @@
         <a:buNone/>
         <a:tabLst/>
         <a:defRPr b="0" baseline="0" cap="none" i="0" spc="0" strike="noStrike" sz="4800" u="none">
-          <a:ln>
-            <a:noFill/>
-          </a:ln>
           <a:solidFill>
             <a:srgbClr val="585858"/>
           </a:solidFill>
@@ -2565,9 +2541,6 @@
         <a:buNone/>
         <a:tabLst/>
         <a:defRPr b="0" baseline="0" cap="none" i="0" spc="0" strike="noStrike" sz="4800" u="none">
-          <a:ln>
-            <a:noFill/>
-          </a:ln>
           <a:solidFill>
             <a:srgbClr val="585858"/>
           </a:solidFill>
@@ -2596,9 +2569,6 @@
         <a:buChar char="•"/>
         <a:tabLst/>
         <a:defRPr b="0" baseline="0" cap="none" i="0" spc="0" strike="noStrike" sz="1200" u="none">
-          <a:ln>
-            <a:noFill/>
-          </a:ln>
           <a:solidFill>
             <a:srgbClr val="000000"/>
           </a:solidFill>
@@ -2625,9 +2595,6 @@
         <a:buChar char="•"/>
         <a:tabLst/>
         <a:defRPr b="0" baseline="0" cap="none" i="0" spc="0" strike="noStrike" sz="1200" u="none">
-          <a:ln>
-            <a:noFill/>
-          </a:ln>
           <a:solidFill>
             <a:srgbClr val="000000"/>
           </a:solidFill>
@@ -2654,9 +2621,6 @@
         <a:buChar char="•"/>
         <a:tabLst/>
         <a:defRPr b="0" baseline="0" cap="none" i="0" spc="0" strike="noStrike" sz="1200" u="none">
-          <a:ln>
-            <a:noFill/>
-          </a:ln>
           <a:solidFill>
             <a:srgbClr val="000000"/>
           </a:solidFill>
@@ -2683,9 +2647,6 @@
         <a:buChar char="•"/>
         <a:tabLst/>
         <a:defRPr b="0" baseline="0" cap="none" i="0" spc="0" strike="noStrike" sz="1200" u="none">
-          <a:ln>
-            <a:noFill/>
-          </a:ln>
           <a:solidFill>
             <a:srgbClr val="000000"/>
           </a:solidFill>
@@ -2712,9 +2673,6 @@
         <a:buChar char="•"/>
         <a:tabLst/>
         <a:defRPr b="0" baseline="0" cap="none" i="0" spc="0" strike="noStrike" sz="1200" u="none">
-          <a:ln>
-            <a:noFill/>
-          </a:ln>
           <a:solidFill>
             <a:srgbClr val="000000"/>
           </a:solidFill>
@@ -2741,9 +2699,6 @@
         <a:buChar char="•"/>
         <a:tabLst/>
         <a:defRPr b="0" baseline="0" cap="none" i="0" spc="0" strike="noStrike" sz="1200" u="none">
-          <a:ln>
-            <a:noFill/>
-          </a:ln>
           <a:solidFill>
             <a:srgbClr val="000000"/>
           </a:solidFill>
@@ -2770,9 +2725,6 @@
         <a:buChar char="•"/>
         <a:tabLst/>
         <a:defRPr b="0" baseline="0" cap="none" i="0" spc="0" strike="noStrike" sz="1200" u="none">
-          <a:ln>
-            <a:noFill/>
-          </a:ln>
           <a:solidFill>
             <a:srgbClr val="000000"/>
           </a:solidFill>
@@ -2799,9 +2751,6 @@
         <a:buChar char="•"/>
         <a:tabLst/>
         <a:defRPr b="0" baseline="0" cap="none" i="0" spc="0" strike="noStrike" sz="1200" u="none">
-          <a:ln>
-            <a:noFill/>
-          </a:ln>
           <a:solidFill>
             <a:srgbClr val="000000"/>
           </a:solidFill>
@@ -2828,9 +2777,6 @@
         <a:buChar char="•"/>
         <a:tabLst/>
         <a:defRPr b="0" baseline="0" cap="none" i="0" spc="0" strike="noStrike" sz="1200" u="none">
-          <a:ln>
-            <a:noFill/>
-          </a:ln>
           <a:solidFill>
             <a:srgbClr val="000000"/>
           </a:solidFill>
@@ -2859,9 +2805,6 @@
         <a:buNone/>
         <a:tabLst/>
         <a:defRPr b="0" baseline="0" cap="none" i="0" spc="0" strike="noStrike" sz="1800" u="none">
-          <a:ln>
-            <a:noFill/>
-          </a:ln>
           <a:solidFill>
             <a:schemeClr val="tx1"/>
           </a:solidFill>
@@ -2888,9 +2831,6 @@
         <a:buNone/>
         <a:tabLst/>
         <a:defRPr b="0" baseline="0" cap="none" i="0" spc="0" strike="noStrike" sz="1800" u="none">
-          <a:ln>
-            <a:noFill/>
-          </a:ln>
           <a:solidFill>
             <a:schemeClr val="tx1"/>
           </a:solidFill>
@@ -2917,9 +2857,6 @@
         <a:buNone/>
         <a:tabLst/>
         <a:defRPr b="0" baseline="0" cap="none" i="0" spc="0" strike="noStrike" sz="1800" u="none">
-          <a:ln>
-            <a:noFill/>
-          </a:ln>
           <a:solidFill>
             <a:schemeClr val="tx1"/>
           </a:solidFill>
@@ -2946,9 +2883,6 @@
         <a:buNone/>
         <a:tabLst/>
         <a:defRPr b="0" baseline="0" cap="none" i="0" spc="0" strike="noStrike" sz="1800" u="none">
-          <a:ln>
-            <a:noFill/>
-          </a:ln>
           <a:solidFill>
             <a:schemeClr val="tx1"/>
           </a:solidFill>
@@ -2975,9 +2909,6 @@
         <a:buNone/>
         <a:tabLst/>
         <a:defRPr b="0" baseline="0" cap="none" i="0" spc="0" strike="noStrike" sz="1800" u="none">
-          <a:ln>
-            <a:noFill/>
-          </a:ln>
           <a:solidFill>
             <a:schemeClr val="tx1"/>
           </a:solidFill>
@@ -3004,9 +2935,6 @@
         <a:buNone/>
         <a:tabLst/>
         <a:defRPr b="0" baseline="0" cap="none" i="0" spc="0" strike="noStrike" sz="1800" u="none">
-          <a:ln>
-            <a:noFill/>
-          </a:ln>
           <a:solidFill>
             <a:schemeClr val="tx1"/>
           </a:solidFill>
@@ -3033,9 +2961,6 @@
         <a:buNone/>
         <a:tabLst/>
         <a:defRPr b="0" baseline="0" cap="none" i="0" spc="0" strike="noStrike" sz="1800" u="none">
-          <a:ln>
-            <a:noFill/>
-          </a:ln>
           <a:solidFill>
             <a:schemeClr val="tx1"/>
           </a:solidFill>
@@ -3062,9 +2987,6 @@
         <a:buNone/>
         <a:tabLst/>
         <a:defRPr b="0" baseline="0" cap="none" i="0" spc="0" strike="noStrike" sz="1800" u="none">
-          <a:ln>
-            <a:noFill/>
-          </a:ln>
           <a:solidFill>
             <a:schemeClr val="tx1"/>
           </a:solidFill>
@@ -3091,9 +3013,6 @@
         <a:buNone/>
         <a:tabLst/>
         <a:defRPr b="0" baseline="0" cap="none" i="0" spc="0" strike="noStrike" sz="1800" u="none">
-          <a:ln>
-            <a:noFill/>
-          </a:ln>
           <a:solidFill>
             <a:schemeClr val="tx1"/>
           </a:solidFill>
@@ -14054,7 +13973,7 @@
         <p:grpSpPr>
           <a:xfrm>
             <a:off x="309466" y="1970139"/>
-            <a:ext cx="1814989" cy="561921"/>
+            <a:ext cx="1814988" cy="561921"/>
             <a:chOff x="0" y="3194"/>
             <a:chExt cx="1814987" cy="561920"/>
           </a:xfrm>
@@ -19151,8 +19070,8 @@
           </p:nvGrpSpPr>
           <p:grpSpPr>
             <a:xfrm>
-              <a:off x="0" y="0"/>
-              <a:ext cx="324866" cy="324673"/>
+              <a:off x="0" y="-1"/>
+              <a:ext cx="324866" cy="324674"/>
               <a:chOff x="0" y="0"/>
               <a:chExt cx="324865" cy="324672"/>
             </a:xfrm>
@@ -20852,10 +20771,10 @@
         </p:nvGrpSpPr>
         <p:grpSpPr>
           <a:xfrm>
-            <a:off x="315970" y="8906315"/>
-            <a:ext cx="541117" cy="485615"/>
-            <a:chOff x="46306" y="10353"/>
-            <a:chExt cx="541115" cy="485613"/>
+            <a:off x="315970" y="8965478"/>
+            <a:ext cx="1356804" cy="1303509"/>
+            <a:chOff x="0" y="59162"/>
+            <a:chExt cx="1356803" cy="1303508"/>
           </a:xfrm>
         </p:grpSpPr>
         <p:grpSp>
@@ -20866,8 +20785,8 @@
           </p:nvGrpSpPr>
           <p:grpSpPr>
             <a:xfrm>
-              <a:off x="46306" y="69515"/>
-              <a:ext cx="541116" cy="426453"/>
+              <a:off x="0" y="59162"/>
+              <a:ext cx="541116" cy="426452"/>
               <a:chOff x="0" y="0"/>
               <a:chExt cx="541115" cy="426451"/>
             </a:xfrm>
@@ -22148,15 +22067,15 @@
         <p:sp>
           <p:nvSpPr>
             <p:cNvPr id="458" name="January"/>
-            <p:cNvSpPr txBox="1"/>
+            <p:cNvSpPr/>
             <p:nvPr/>
           </p:nvSpPr>
           <p:spPr>
             <a:xfrm>
-              <a:off x="133109" y="10353"/>
-              <a:ext cx="338884" cy="185342"/>
+              <a:off x="86803" y="92670"/>
+              <a:ext cx="1270001" cy="1270001"/>
             </a:xfrm>
-            <a:prstGeom prst="rect">
+            <a:prstGeom prst="line">
               <a:avLst/>
             </a:prstGeom>
             <a:noFill/>
@@ -24260,8 +24179,8 @@
         </p:nvSpPr>
         <p:spPr>
           <a:xfrm>
-            <a:off x="9361061" y="8465441"/>
-            <a:ext cx="559992" cy="427911"/>
+            <a:off x="9367196" y="8465441"/>
+            <a:ext cx="547723" cy="427911"/>
           </a:xfrm>
           <a:prstGeom prst="rect">
             <a:avLst/>
@@ -24541,8 +24460,8 @@
         </p:nvSpPr>
         <p:spPr>
           <a:xfrm>
-            <a:off x="9361061" y="9555471"/>
-            <a:ext cx="559992" cy="427912"/>
+            <a:off x="9367196" y="9555471"/>
+            <a:ext cx="547723" cy="427912"/>
           </a:xfrm>
           <a:prstGeom prst="rect">
             <a:avLst/>
@@ -24797,10 +24716,10 @@
         </p:nvGrpSpPr>
         <p:grpSpPr>
           <a:xfrm>
-            <a:off x="12910774" y="5604729"/>
-            <a:ext cx="752587" cy="571421"/>
-            <a:chOff x="-3282" y="0"/>
-            <a:chExt cx="752586" cy="571420"/>
+            <a:off x="12938444" y="5636617"/>
+            <a:ext cx="1618624" cy="1523823"/>
+            <a:chOff x="13700" y="31888"/>
+            <a:chExt cx="1618622" cy="1523821"/>
           </a:xfrm>
         </p:grpSpPr>
         <p:sp>
@@ -24811,7 +24730,7 @@
           </p:nvSpPr>
           <p:spPr>
             <a:xfrm>
-              <a:off x="24387" y="31888"/>
+              <a:off x="13700" y="31888"/>
               <a:ext cx="697248" cy="507645"/>
             </a:xfrm>
             <a:prstGeom prst="roundRect">
@@ -24853,15 +24772,15 @@
         <p:sp>
           <p:nvSpPr>
             <p:cNvPr id="493" name="Tip: use a…"/>
-            <p:cNvSpPr txBox="1"/>
+            <p:cNvSpPr/>
             <p:nvPr/>
           </p:nvSpPr>
           <p:spPr>
             <a:xfrm>
-              <a:off x="-3283" y="-1"/>
-              <a:ext cx="752587" cy="571422"/>
+              <a:off x="362323" y="285710"/>
+              <a:ext cx="1270001" cy="1270001"/>
             </a:xfrm>
-            <a:prstGeom prst="rect">
+            <a:prstGeom prst="line">
               <a:avLst/>
             </a:prstGeom>
             <a:noFill/>
@@ -29149,461 +29068,7 @@
       </p:sp>
       <p:sp>
         <p:nvSpPr>
-          <p:cNvPr id="575" name="dyears(x = 1) 31536000x seconds.…"/>
-          <p:cNvSpPr txBox="1"/>
-          <p:nvPr/>
-        </p:nvSpPr>
-        <p:spPr>
-          <a:xfrm>
-            <a:off x="6674881" y="6126496"/>
-            <a:ext cx="2491260" cy="3769065"/>
-          </a:xfrm>
-          <a:prstGeom prst="rect">
-            <a:avLst/>
-          </a:prstGeom>
-          <a:ln w="12700">
-            <a:miter lim="400000"/>
-          </a:ln>
-          <a:extLst>
-            <a:ext uri="{C572A759-6A51-4108-AA02-DFA0A04FC94B}">
-              <ma14:wrappingTextBoxFlag xmlns:ma14="http://schemas.microsoft.com/office/mac/drawingml/2011/main" val="1"/>
-            </a:ext>
-          </a:extLst>
-        </p:spPr>
-        <p:txBody>
-          <a:bodyPr lIns="0" tIns="0" rIns="0" bIns="0">
-            <a:normAutofit fontScale="100000" lnSpcReduction="0"/>
-          </a:bodyPr>
-          <a:lstStyle/>
-          <a:p>
-            <a:pPr>
-              <a:lnSpc>
-                <a:spcPct val="80000"/>
-              </a:lnSpc>
-              <a:defRPr b="0" sz="1100">
-                <a:solidFill>
-                  <a:srgbClr val="000000"/>
-                </a:solidFill>
-              </a:defRPr>
-            </a:pPr>
-            <a:r>
-              <a:rPr b="1"/>
-              <a:t>dyears</a:t>
-            </a:r>
-            <a:r>
-              <a:t>(x = 1) 31536000x seconds.</a:t>
-            </a:r>
-          </a:p>
-          <a:p>
-            <a:pPr>
-              <a:lnSpc>
-                <a:spcPct val="80000"/>
-              </a:lnSpc>
-              <a:defRPr b="0" sz="1100">
-                <a:solidFill>
-                  <a:srgbClr val="000000"/>
-                </a:solidFill>
-              </a:defRPr>
-            </a:pPr>
-            <a:r>
-              <a:rPr b="1"/>
-              <a:t>dweeks</a:t>
-            </a:r>
-            <a:r>
-              <a:t>(x = 1) 604800x seconds.</a:t>
-            </a:r>
-            <a:endParaRPr i="1"/>
-          </a:p>
-          <a:p>
-            <a:pPr>
-              <a:lnSpc>
-                <a:spcPct val="80000"/>
-              </a:lnSpc>
-              <a:defRPr b="0" sz="1100">
-                <a:solidFill>
-                  <a:srgbClr val="000000"/>
-                </a:solidFill>
-              </a:defRPr>
-            </a:pPr>
-            <a:r>
-              <a:rPr b="1"/>
-              <a:t>ddays</a:t>
-            </a:r>
-            <a:r>
-              <a:t>(x = 1) 86400x seconds.</a:t>
-            </a:r>
-            <a:endParaRPr i="1"/>
-          </a:p>
-          <a:p>
-            <a:pPr>
-              <a:lnSpc>
-                <a:spcPct val="80000"/>
-              </a:lnSpc>
-              <a:defRPr b="0" sz="1100">
-                <a:solidFill>
-                  <a:srgbClr val="000000"/>
-                </a:solidFill>
-              </a:defRPr>
-            </a:pPr>
-            <a:r>
-              <a:rPr b="1"/>
-              <a:t>dhours</a:t>
-            </a:r>
-            <a:r>
-              <a:t>(x = 1) 3600x seconds.</a:t>
-            </a:r>
-            <a:endParaRPr i="1"/>
-          </a:p>
-          <a:p>
-            <a:pPr>
-              <a:lnSpc>
-                <a:spcPct val="80000"/>
-              </a:lnSpc>
-              <a:defRPr b="0" sz="1100">
-                <a:solidFill>
-                  <a:srgbClr val="000000"/>
-                </a:solidFill>
-              </a:defRPr>
-            </a:pPr>
-            <a:r>
-              <a:rPr b="1"/>
-              <a:t>dminutes</a:t>
-            </a:r>
-            <a:r>
-              <a:t>(x = 1) 60x seconds.</a:t>
-            </a:r>
-            <a:endParaRPr i="1"/>
-          </a:p>
-          <a:p>
-            <a:pPr>
-              <a:lnSpc>
-                <a:spcPct val="80000"/>
-              </a:lnSpc>
-              <a:defRPr b="0" sz="1100">
-                <a:solidFill>
-                  <a:srgbClr val="000000"/>
-                </a:solidFill>
-              </a:defRPr>
-            </a:pPr>
-            <a:r>
-              <a:rPr b="1"/>
-              <a:t>dseconds</a:t>
-            </a:r>
-            <a:r>
-              <a:t>(x = 1) x  seconds.</a:t>
-            </a:r>
-            <a:endParaRPr i="1"/>
-          </a:p>
-          <a:p>
-            <a:pPr>
-              <a:lnSpc>
-                <a:spcPct val="80000"/>
-              </a:lnSpc>
-              <a:defRPr b="0" sz="1100">
-                <a:solidFill>
-                  <a:srgbClr val="000000"/>
-                </a:solidFill>
-              </a:defRPr>
-            </a:pPr>
-            <a:r>
-              <a:rPr b="1"/>
-              <a:t>dmilliseconds</a:t>
-            </a:r>
-            <a:r>
-              <a:t>(x = 1) x </a:t>
-            </a:r>
-            <a:r>
-              <a:rPr baseline="9090">
-                <a:latin typeface="Source Sans Pro ExtraLight"/>
-                <a:ea typeface="Source Sans Pro ExtraLight"/>
-                <a:cs typeface="Source Sans Pro ExtraLight"/>
-                <a:sym typeface="Source Sans Pro ExtraLight"/>
-              </a:rPr>
-              <a:t>x</a:t>
-            </a:r>
-            <a:r>
-              <a:t> 10</a:t>
-            </a:r>
-            <a:r>
-              <a:rPr baseline="31999"/>
-              <a:t>-3</a:t>
-            </a:r>
-            <a:r>
-              <a:t> seconds.</a:t>
-            </a:r>
-            <a:endParaRPr i="1"/>
-          </a:p>
-          <a:p>
-            <a:pPr>
-              <a:lnSpc>
-                <a:spcPct val="80000"/>
-              </a:lnSpc>
-              <a:defRPr b="0" sz="1100">
-                <a:solidFill>
-                  <a:srgbClr val="000000"/>
-                </a:solidFill>
-              </a:defRPr>
-            </a:pPr>
-            <a:r>
-              <a:rPr b="1"/>
-              <a:t>dmicroseconds</a:t>
-            </a:r>
-            <a:r>
-              <a:t>(x = 1) x </a:t>
-            </a:r>
-            <a:r>
-              <a:rPr baseline="9090">
-                <a:latin typeface="Source Sans Pro ExtraLight"/>
-                <a:ea typeface="Source Sans Pro ExtraLight"/>
-                <a:cs typeface="Source Sans Pro ExtraLight"/>
-                <a:sym typeface="Source Sans Pro ExtraLight"/>
-              </a:rPr>
-              <a:t>x</a:t>
-            </a:r>
-            <a:r>
-              <a:t> 10</a:t>
-            </a:r>
-            <a:r>
-              <a:rPr baseline="31999"/>
-              <a:t>-6</a:t>
-            </a:r>
-            <a:r>
-              <a:t> seconds.</a:t>
-            </a:r>
-            <a:endParaRPr i="1"/>
-          </a:p>
-          <a:p>
-            <a:pPr>
-              <a:lnSpc>
-                <a:spcPct val="80000"/>
-              </a:lnSpc>
-              <a:defRPr b="0" sz="1100">
-                <a:solidFill>
-                  <a:srgbClr val="000000"/>
-                </a:solidFill>
-              </a:defRPr>
-            </a:pPr>
-            <a:r>
-              <a:rPr b="1"/>
-              <a:t>dnanoseconds</a:t>
-            </a:r>
-            <a:r>
-              <a:t>(x = 1) x </a:t>
-            </a:r>
-            <a:r>
-              <a:rPr baseline="9090">
-                <a:latin typeface="Source Sans Pro ExtraLight"/>
-                <a:ea typeface="Source Sans Pro ExtraLight"/>
-                <a:cs typeface="Source Sans Pro ExtraLight"/>
-                <a:sym typeface="Source Sans Pro ExtraLight"/>
-              </a:rPr>
-              <a:t>x</a:t>
-            </a:r>
-            <a:r>
-              <a:t> 10</a:t>
-            </a:r>
-            <a:r>
-              <a:rPr baseline="31999"/>
-              <a:t>-9</a:t>
-            </a:r>
-            <a:r>
-              <a:t> seconds.</a:t>
-            </a:r>
-            <a:endParaRPr i="1"/>
-          </a:p>
-          <a:p>
-            <a:pPr>
-              <a:lnSpc>
-                <a:spcPct val="80000"/>
-              </a:lnSpc>
-              <a:defRPr b="0" sz="1100">
-                <a:solidFill>
-                  <a:srgbClr val="000000"/>
-                </a:solidFill>
-              </a:defRPr>
-            </a:pPr>
-            <a:r>
-              <a:rPr b="1"/>
-              <a:t>dpicoseconds</a:t>
-            </a:r>
-            <a:r>
-              <a:t>(x = 1) x </a:t>
-            </a:r>
-            <a:r>
-              <a:rPr baseline="9090">
-                <a:latin typeface="Source Sans Pro ExtraLight"/>
-                <a:ea typeface="Source Sans Pro ExtraLight"/>
-                <a:cs typeface="Source Sans Pro ExtraLight"/>
-                <a:sym typeface="Source Sans Pro ExtraLight"/>
-              </a:rPr>
-              <a:t>x</a:t>
-            </a:r>
-            <a:r>
-              <a:t> 10</a:t>
-            </a:r>
-            <a:r>
-              <a:rPr baseline="31999"/>
-              <a:t>-12</a:t>
-            </a:r>
-            <a:r>
-              <a:t> seconds.</a:t>
-            </a:r>
-          </a:p>
-          <a:p>
-            <a:pPr>
-              <a:lnSpc>
-                <a:spcPct val="80000"/>
-              </a:lnSpc>
-              <a:spcBef>
-                <a:spcPts val="100"/>
-              </a:spcBef>
-              <a:defRPr b="0" sz="1100">
-                <a:solidFill>
-                  <a:srgbClr val="000000"/>
-                </a:solidFill>
-              </a:defRPr>
-            </a:pPr>
-            <a:endParaRPr i="1"/>
-          </a:p>
-          <a:p>
-            <a:pPr>
-              <a:lnSpc>
-                <a:spcPct val="80000"/>
-              </a:lnSpc>
-              <a:spcBef>
-                <a:spcPts val="100"/>
-              </a:spcBef>
-              <a:defRPr b="0" sz="1100">
-                <a:solidFill>
-                  <a:srgbClr val="000000"/>
-                </a:solidFill>
-              </a:defRPr>
-            </a:pPr>
-            <a:r>
-              <a:rPr b="1"/>
-              <a:t>duration</a:t>
-            </a:r>
-            <a:r>
-              <a:t>(num = NULL, units = "second", ...) An automation friendly duration constructor. </a:t>
-            </a:r>
-            <a:r>
-              <a:rPr i="1"/>
-              <a:t>duration(5, unit = "years")</a:t>
-            </a:r>
-            <a:endParaRPr i="1"/>
-          </a:p>
-          <a:p>
-            <a:pPr>
-              <a:lnSpc>
-                <a:spcPct val="80000"/>
-              </a:lnSpc>
-              <a:spcBef>
-                <a:spcPts val="100"/>
-              </a:spcBef>
-              <a:defRPr b="0" sz="1100">
-                <a:solidFill>
-                  <a:srgbClr val="000000"/>
-                </a:solidFill>
-              </a:defRPr>
-            </a:pPr>
-            <a:endParaRPr i="1"/>
-          </a:p>
-          <a:p>
-            <a:pPr>
-              <a:lnSpc>
-                <a:spcPct val="80000"/>
-              </a:lnSpc>
-              <a:spcBef>
-                <a:spcPts val="0"/>
-              </a:spcBef>
-              <a:defRPr b="0" sz="1100">
-                <a:solidFill>
-                  <a:srgbClr val="000000"/>
-                </a:solidFill>
-              </a:defRPr>
-            </a:pPr>
-            <a:r>
-              <a:rPr b="1"/>
-              <a:t>as</a:t>
-            </a:r>
-            <a:r>
-              <a:rPr b="1" i="1"/>
-              <a:t>.</a:t>
-            </a:r>
-            <a:r>
-              <a:rPr b="1"/>
-              <a:t>duration</a:t>
-            </a:r>
-            <a:r>
-              <a:t>(x, …) Coerce a timespan to a duration. Also </a:t>
-            </a:r>
-            <a:r>
-              <a:rPr b="1"/>
-              <a:t>is.duration</a:t>
-            </a:r>
-            <a:r>
-              <a:t>(), </a:t>
-            </a:r>
-            <a:r>
-              <a:rPr b="1"/>
-              <a:t>is.difftime</a:t>
-            </a:r>
-            <a:r>
-              <a:t>(). </a:t>
-            </a:r>
-            <a:r>
-              <a:rPr i="1"/>
-              <a:t>as.duration(i)</a:t>
-            </a:r>
-            <a:endParaRPr i="1"/>
-          </a:p>
-          <a:p>
-            <a:pPr>
-              <a:lnSpc>
-                <a:spcPct val="80000"/>
-              </a:lnSpc>
-              <a:spcBef>
-                <a:spcPts val="0"/>
-              </a:spcBef>
-              <a:defRPr sz="1100">
-                <a:solidFill>
-                  <a:srgbClr val="000000"/>
-                </a:solidFill>
-              </a:defRPr>
-            </a:pPr>
-            <a:endParaRPr b="0" i="1"/>
-          </a:p>
-          <a:p>
-            <a:pPr>
-              <a:lnSpc>
-                <a:spcPct val="80000"/>
-              </a:lnSpc>
-              <a:spcBef>
-                <a:spcPts val="0"/>
-              </a:spcBef>
-              <a:defRPr sz="1100">
-                <a:solidFill>
-                  <a:srgbClr val="000000"/>
-                </a:solidFill>
-              </a:defRPr>
-            </a:pPr>
-            <a:r>
-              <a:t>make_difftime</a:t>
-            </a:r>
-            <a:r>
-              <a:rPr b="0"/>
-              <a:t>(x) Make difftime with the specified number of units. </a:t>
-            </a:r>
-            <a:r>
-              <a:rPr b="0" i="1"/>
-              <a:t>make_difftime(99999)</a:t>
-            </a:r>
-          </a:p>
-        </p:txBody>
-      </p:sp>
-      <p:sp>
-        <p:nvSpPr>
-          <p:cNvPr id="576" name="Make a period with the name of a time unit pluralized, e.g.…"/>
+          <p:cNvPr id="575" name="Make a period with the name of a time unit pluralized, e.g.…"/>
           <p:cNvSpPr txBox="1"/>
           <p:nvPr/>
         </p:nvSpPr>
@@ -29734,7 +29199,7 @@
       </p:sp>
       <p:sp>
         <p:nvSpPr>
-          <p:cNvPr id="577" name="Make a duration with the name of a period prefixed with a d, e.g.…"/>
+          <p:cNvPr id="576" name="Make a duration with the name of a period prefixed with a d, e.g.…"/>
           <p:cNvSpPr txBox="1"/>
           <p:nvPr/>
         </p:nvSpPr>
@@ -29865,7 +29330,7 @@
       </p:sp>
       <p:sp>
         <p:nvSpPr>
-          <p:cNvPr id="578" name="Add or subtract durations to model physical processes, like battery life. Durations are stored as seconds, the only time unit with a consistent length. Difftimes are a class of durations found in base R."/>
+          <p:cNvPr id="577" name="Add or subtract durations to model physical processes, like battery life. Durations are stored as seconds, the only time unit with a consistent length. Difftimes are a class of durations found in base R."/>
           <p:cNvSpPr txBox="1"/>
           <p:nvPr/>
         </p:nvSpPr>
@@ -29920,27 +29385,27 @@
       </p:sp>
       <p:grpSp>
         <p:nvGrpSpPr>
-          <p:cNvPr id="583" name="Group"/>
+          <p:cNvPr id="582" name="Group"/>
           <p:cNvGrpSpPr/>
           <p:nvPr/>
         </p:nvGrpSpPr>
         <p:grpSpPr>
           <a:xfrm>
             <a:off x="793938" y="6539657"/>
-            <a:ext cx="730619" cy="521573"/>
-            <a:chOff x="0" y="12699"/>
-            <a:chExt cx="730617" cy="521571"/>
+            <a:ext cx="730619" cy="489120"/>
+            <a:chOff x="0" y="0"/>
+            <a:chExt cx="730617" cy="489119"/>
           </a:xfrm>
         </p:grpSpPr>
         <p:sp>
           <p:nvSpPr>
-            <p:cNvPr id="579" name="Triangle"/>
+            <p:cNvPr id="578" name="Triangle"/>
             <p:cNvSpPr/>
             <p:nvPr/>
           </p:nvSpPr>
           <p:spPr>
             <a:xfrm rot="18082280">
-              <a:off x="115878" y="-16931"/>
+              <a:off x="115878" y="-29631"/>
               <a:ext cx="121225" cy="339505"/>
             </a:xfrm>
             <a:custGeom>
@@ -30010,27 +29475,27 @@
         </p:sp>
         <p:grpSp>
           <p:nvGrpSpPr>
-            <p:cNvPr id="582" name="Group"/>
+            <p:cNvPr id="581" name="Group"/>
             <p:cNvGrpSpPr/>
             <p:nvPr/>
           </p:nvGrpSpPr>
           <p:grpSpPr>
             <a:xfrm>
-              <a:off x="167181" y="127951"/>
-              <a:ext cx="563437" cy="406321"/>
-              <a:chOff x="-11874" y="37216"/>
-              <a:chExt cx="563436" cy="406320"/>
+              <a:off x="167181" y="147704"/>
+              <a:ext cx="563437" cy="341416"/>
+              <a:chOff x="0" y="32452"/>
+              <a:chExt cx="563436" cy="341414"/>
             </a:xfrm>
           </p:grpSpPr>
           <p:sp>
             <p:nvSpPr>
-              <p:cNvPr id="580" name="Quote Bubble"/>
+              <p:cNvPr id="579" name="Quote Bubble"/>
               <p:cNvSpPr/>
               <p:nvPr/>
             </p:nvSpPr>
             <p:spPr>
               <a:xfrm>
-                <a:off x="19018" y="69669"/>
+                <a:off x="30892" y="32452"/>
                 <a:ext cx="509653" cy="341416"/>
               </a:xfrm>
               <a:custGeom>
@@ -30126,18 +29591,52 @@
           </p:sp>
           <p:sp>
             <p:nvSpPr>
-              <p:cNvPr id="581" name="Number of days"/>
-              <p:cNvSpPr txBox="1"/>
+              <p:cNvPr id="580" name="Number of days"/>
+              <p:cNvSpPr/>
               <p:nvPr/>
             </p:nvSpPr>
             <p:spPr>
               <a:xfrm>
-                <a:off x="-11875" y="37216"/>
-                <a:ext cx="563438" cy="406322"/>
+                <a:off x="0" y="203160"/>
+                <a:ext cx="563437" cy="1"/>
               </a:xfrm>
-              <a:prstGeom prst="rect">
+              <a:custGeom>
                 <a:avLst/>
-              </a:prstGeom>
+                <a:gdLst/>
+                <a:ahLst/>
+                <a:cxnLst>
+                  <a:cxn ang="0">
+                    <a:pos x="wd2" y="hd2"/>
+                  </a:cxn>
+                  <a:cxn ang="5400000">
+                    <a:pos x="wd2" y="hd2"/>
+                  </a:cxn>
+                  <a:cxn ang="10800000">
+                    <a:pos x="wd2" y="hd2"/>
+                  </a:cxn>
+                  <a:cxn ang="16200000">
+                    <a:pos x="wd2" y="hd2"/>
+                  </a:cxn>
+                </a:cxnLst>
+                <a:rect l="0" t="0" r="r" b="b"/>
+                <a:pathLst>
+                  <a:path w="21600" h="0" fill="norm" stroke="1" extrusionOk="0">
+                    <a:moveTo>
+                      <a:pt x="0" y="0"/>
+                    </a:moveTo>
+                    <a:lnTo>
+                      <a:pt x="21600" y="0"/>
+                    </a:lnTo>
+                    <a:lnTo>
+                      <a:pt x="21600" y="0"/>
+                    </a:lnTo>
+                    <a:lnTo>
+                      <a:pt x="0" y="0"/>
+                    </a:lnTo>
+                    <a:close/>
+                  </a:path>
+                </a:pathLst>
+              </a:custGeom>
               <a:noFill/>
               <a:ln w="12700" cap="flat">
                 <a:noFill/>
@@ -30185,7 +29684,7 @@
       </p:grpSp>
       <p:grpSp>
         <p:nvGrpSpPr>
-          <p:cNvPr id="586" name="Group"/>
+          <p:cNvPr id="585" name="Group"/>
           <p:cNvGrpSpPr/>
           <p:nvPr/>
         </p:nvGrpSpPr>
@@ -30193,20 +29692,20 @@
           <a:xfrm>
             <a:off x="1502707" y="6687361"/>
             <a:ext cx="321893" cy="341416"/>
-            <a:chOff x="-11874" y="69669"/>
+            <a:chOff x="0" y="0"/>
             <a:chExt cx="321892" cy="341414"/>
           </a:xfrm>
         </p:grpSpPr>
         <p:sp>
           <p:nvSpPr>
-            <p:cNvPr id="584" name="Quote Bubble"/>
+            <p:cNvPr id="583" name="Quote Bubble"/>
             <p:cNvSpPr/>
             <p:nvPr/>
           </p:nvSpPr>
           <p:spPr>
             <a:xfrm>
-              <a:off x="19018" y="69669"/>
-              <a:ext cx="255653" cy="341416"/>
+              <a:off x="30892" y="0"/>
+              <a:ext cx="255653" cy="341415"/>
             </a:xfrm>
             <a:custGeom>
               <a:avLst/>
@@ -30301,18 +29800,52 @@
         </p:sp>
         <p:sp>
           <p:nvSpPr>
-            <p:cNvPr id="585" name="etc."/>
-            <p:cNvSpPr txBox="1"/>
+            <p:cNvPr id="584" name="etc."/>
+            <p:cNvSpPr/>
             <p:nvPr/>
           </p:nvSpPr>
           <p:spPr>
             <a:xfrm>
-              <a:off x="-11875" y="103256"/>
-              <a:ext cx="321894" cy="274242"/>
+              <a:off x="0" y="170707"/>
+              <a:ext cx="321893" cy="1"/>
             </a:xfrm>
-            <a:prstGeom prst="rect">
+            <a:custGeom>
               <a:avLst/>
-            </a:prstGeom>
+              <a:gdLst/>
+              <a:ahLst/>
+              <a:cxnLst>
+                <a:cxn ang="0">
+                  <a:pos x="wd2" y="hd2"/>
+                </a:cxn>
+                <a:cxn ang="5400000">
+                  <a:pos x="wd2" y="hd2"/>
+                </a:cxn>
+                <a:cxn ang="10800000">
+                  <a:pos x="wd2" y="hd2"/>
+                </a:cxn>
+                <a:cxn ang="16200000">
+                  <a:pos x="wd2" y="hd2"/>
+                </a:cxn>
+              </a:cxnLst>
+              <a:rect l="0" t="0" r="r" b="b"/>
+              <a:pathLst>
+                <a:path w="21600" h="0" fill="norm" stroke="1" extrusionOk="0">
+                  <a:moveTo>
+                    <a:pt x="0" y="0"/>
+                  </a:moveTo>
+                  <a:lnTo>
+                    <a:pt x="21600" y="0"/>
+                  </a:lnTo>
+                  <a:lnTo>
+                    <a:pt x="21600" y="0"/>
+                  </a:lnTo>
+                  <a:lnTo>
+                    <a:pt x="0" y="0"/>
+                  </a:lnTo>
+                  <a:close/>
+                </a:path>
+              </a:pathLst>
+            </a:custGeom>
             <a:noFill/>
             <a:ln w="12700" cap="flat">
               <a:noFill/>
@@ -30359,21 +29892,21 @@
       </p:grpSp>
       <p:grpSp>
         <p:nvGrpSpPr>
-          <p:cNvPr id="591" name="Group"/>
+          <p:cNvPr id="590" name="Group"/>
           <p:cNvGrpSpPr/>
           <p:nvPr/>
         </p:nvGrpSpPr>
         <p:grpSpPr>
           <a:xfrm>
             <a:off x="307703" y="6578709"/>
-            <a:ext cx="673039" cy="482521"/>
+            <a:ext cx="673039" cy="450068"/>
             <a:chOff x="0" y="0"/>
-            <a:chExt cx="673037" cy="482520"/>
+            <a:chExt cx="673037" cy="450067"/>
           </a:xfrm>
         </p:grpSpPr>
         <p:sp>
           <p:nvSpPr>
-            <p:cNvPr id="587" name="Triangle"/>
+            <p:cNvPr id="586" name="Triangle"/>
             <p:cNvSpPr/>
             <p:nvPr/>
           </p:nvSpPr>
@@ -30449,27 +29982,27 @@
         </p:sp>
         <p:grpSp>
           <p:nvGrpSpPr>
-            <p:cNvPr id="590" name="Group"/>
+            <p:cNvPr id="589" name="Group"/>
             <p:cNvGrpSpPr/>
             <p:nvPr/>
           </p:nvGrpSpPr>
           <p:grpSpPr>
             <a:xfrm>
-              <a:off x="0" y="76199"/>
-              <a:ext cx="673038" cy="406322"/>
-              <a:chOff x="-11874" y="37216"/>
-              <a:chExt cx="673037" cy="406320"/>
+              <a:off x="0" y="108652"/>
+              <a:ext cx="673038" cy="341416"/>
+              <a:chOff x="0" y="32452"/>
+              <a:chExt cx="673037" cy="341414"/>
             </a:xfrm>
           </p:grpSpPr>
           <p:sp>
             <p:nvSpPr>
-              <p:cNvPr id="588" name="Quote Bubble"/>
+              <p:cNvPr id="587" name="Quote Bubble"/>
               <p:cNvSpPr/>
               <p:nvPr/>
             </p:nvSpPr>
             <p:spPr>
               <a:xfrm>
-                <a:off x="19018" y="69669"/>
+                <a:off x="30892" y="32452"/>
                 <a:ext cx="623953" cy="341416"/>
               </a:xfrm>
               <a:custGeom>
@@ -30565,18 +30098,52 @@
           </p:sp>
           <p:sp>
             <p:nvSpPr>
-              <p:cNvPr id="589" name="Number of months"/>
-              <p:cNvSpPr txBox="1"/>
+              <p:cNvPr id="588" name="Number of months"/>
+              <p:cNvSpPr/>
               <p:nvPr/>
             </p:nvSpPr>
             <p:spPr>
               <a:xfrm>
-                <a:off x="-11875" y="37216"/>
-                <a:ext cx="673039" cy="406322"/>
+                <a:off x="0" y="203160"/>
+                <a:ext cx="673038" cy="1"/>
               </a:xfrm>
-              <a:prstGeom prst="rect">
+              <a:custGeom>
                 <a:avLst/>
-              </a:prstGeom>
+                <a:gdLst/>
+                <a:ahLst/>
+                <a:cxnLst>
+                  <a:cxn ang="0">
+                    <a:pos x="wd2" y="hd2"/>
+                  </a:cxn>
+                  <a:cxn ang="5400000">
+                    <a:pos x="wd2" y="hd2"/>
+                  </a:cxn>
+                  <a:cxn ang="10800000">
+                    <a:pos x="wd2" y="hd2"/>
+                  </a:cxn>
+                  <a:cxn ang="16200000">
+                    <a:pos x="wd2" y="hd2"/>
+                  </a:cxn>
+                </a:cxnLst>
+                <a:rect l="0" t="0" r="r" b="b"/>
+                <a:pathLst>
+                  <a:path w="21600" h="0" fill="norm" stroke="1" extrusionOk="0">
+                    <a:moveTo>
+                      <a:pt x="0" y="0"/>
+                    </a:moveTo>
+                    <a:lnTo>
+                      <a:pt x="21600" y="0"/>
+                    </a:lnTo>
+                    <a:lnTo>
+                      <a:pt x="21600" y="0"/>
+                    </a:lnTo>
+                    <a:lnTo>
+                      <a:pt x="0" y="0"/>
+                    </a:lnTo>
+                    <a:close/>
+                  </a:path>
+                </a:pathLst>
+              </a:custGeom>
               <a:noFill/>
               <a:ln w="12700" cap="flat">
                 <a:noFill/>
@@ -30624,28 +30191,28 @@
       </p:grpSp>
       <p:grpSp>
         <p:nvGrpSpPr>
-          <p:cNvPr id="596" name="Group"/>
+          <p:cNvPr id="595" name="Group"/>
           <p:cNvGrpSpPr/>
           <p:nvPr/>
         </p:nvGrpSpPr>
         <p:grpSpPr>
           <a:xfrm>
             <a:off x="4782405" y="6586711"/>
-            <a:ext cx="595462" cy="561262"/>
-            <a:chOff x="4818" y="38099"/>
-            <a:chExt cx="595460" cy="561260"/>
+            <a:ext cx="595462" cy="500869"/>
+            <a:chOff x="0" y="0"/>
+            <a:chExt cx="595460" cy="500867"/>
           </a:xfrm>
         </p:grpSpPr>
         <p:sp>
           <p:nvSpPr>
-            <p:cNvPr id="592" name="Triangle"/>
+            <p:cNvPr id="591" name="Triangle"/>
             <p:cNvSpPr/>
             <p:nvPr/>
           </p:nvSpPr>
           <p:spPr>
             <a:xfrm>
-              <a:off x="217409" y="38100"/>
-              <a:ext cx="173811" cy="173810"/>
+              <a:off x="212591" y="0"/>
+              <a:ext cx="173810" cy="173810"/>
             </a:xfrm>
             <a:custGeom>
               <a:avLst/>
@@ -30714,27 +30281,27 @@
         </p:sp>
         <p:grpSp>
           <p:nvGrpSpPr>
-            <p:cNvPr id="595" name="Group"/>
+            <p:cNvPr id="594" name="Group"/>
             <p:cNvGrpSpPr/>
             <p:nvPr/>
           </p:nvGrpSpPr>
           <p:grpSpPr>
             <a:xfrm>
-              <a:off x="4818" y="60959"/>
-              <a:ext cx="595461" cy="538402"/>
-              <a:chOff x="-7055" y="9276"/>
-              <a:chExt cx="595460" cy="538400"/>
+              <a:off x="0" y="83252"/>
+              <a:ext cx="595461" cy="417616"/>
+              <a:chOff x="0" y="60392"/>
+              <a:chExt cx="595460" cy="417614"/>
             </a:xfrm>
           </p:grpSpPr>
           <p:sp>
             <p:nvSpPr>
-              <p:cNvPr id="593" name="Quote Bubble"/>
+              <p:cNvPr id="592" name="Quote Bubble"/>
               <p:cNvSpPr/>
               <p:nvPr/>
             </p:nvSpPr>
             <p:spPr>
               <a:xfrm>
-                <a:off x="19018" y="69669"/>
+                <a:off x="26074" y="60392"/>
                 <a:ext cx="543313" cy="417616"/>
               </a:xfrm>
               <a:custGeom>
@@ -30830,18 +30397,52 @@
           </p:sp>
           <p:sp>
             <p:nvSpPr>
-              <p:cNvPr id="594" name="Exact length in seconds"/>
-              <p:cNvSpPr txBox="1"/>
+              <p:cNvPr id="593" name="Exact length in seconds"/>
+              <p:cNvSpPr/>
               <p:nvPr/>
             </p:nvSpPr>
             <p:spPr>
               <a:xfrm>
-                <a:off x="-7056" y="9276"/>
-                <a:ext cx="595461" cy="538402"/>
+                <a:off x="0" y="269200"/>
+                <a:ext cx="595461" cy="1"/>
               </a:xfrm>
-              <a:prstGeom prst="rect">
+              <a:custGeom>
                 <a:avLst/>
-              </a:prstGeom>
+                <a:gdLst/>
+                <a:ahLst/>
+                <a:cxnLst>
+                  <a:cxn ang="0">
+                    <a:pos x="wd2" y="hd2"/>
+                  </a:cxn>
+                  <a:cxn ang="5400000">
+                    <a:pos x="wd2" y="hd2"/>
+                  </a:cxn>
+                  <a:cxn ang="10800000">
+                    <a:pos x="wd2" y="hd2"/>
+                  </a:cxn>
+                  <a:cxn ang="16200000">
+                    <a:pos x="wd2" y="hd2"/>
+                  </a:cxn>
+                </a:cxnLst>
+                <a:rect l="0" t="0" r="r" b="b"/>
+                <a:pathLst>
+                  <a:path w="21600" h="0" fill="norm" stroke="1" extrusionOk="0">
+                    <a:moveTo>
+                      <a:pt x="0" y="0"/>
+                    </a:moveTo>
+                    <a:lnTo>
+                      <a:pt x="21600" y="0"/>
+                    </a:lnTo>
+                    <a:lnTo>
+                      <a:pt x="21600" y="0"/>
+                    </a:lnTo>
+                    <a:lnTo>
+                      <a:pt x="0" y="0"/>
+                    </a:lnTo>
+                    <a:close/>
+                  </a:path>
+                </a:pathLst>
+              </a:custGeom>
               <a:noFill/>
               <a:ln w="12700" cap="flat">
                 <a:noFill/>
@@ -30889,28 +30490,28 @@
       </p:grpSp>
       <p:grpSp>
         <p:nvGrpSpPr>
-          <p:cNvPr id="601" name="Group"/>
+          <p:cNvPr id="600" name="Group"/>
           <p:cNvGrpSpPr/>
           <p:nvPr/>
         </p:nvGrpSpPr>
         <p:grpSpPr>
           <a:xfrm>
             <a:off x="5367100" y="6586711"/>
-            <a:ext cx="722995" cy="561262"/>
-            <a:chOff x="4619" y="38099"/>
-            <a:chExt cx="722993" cy="561260"/>
+            <a:ext cx="722995" cy="500869"/>
+            <a:chOff x="0" y="0"/>
+            <a:chExt cx="722993" cy="500867"/>
           </a:xfrm>
         </p:grpSpPr>
         <p:sp>
           <p:nvSpPr>
-            <p:cNvPr id="597" name="Triangle"/>
+            <p:cNvPr id="596" name="Triangle"/>
             <p:cNvSpPr/>
             <p:nvPr/>
           </p:nvSpPr>
           <p:spPr>
             <a:xfrm>
-              <a:off x="255509" y="38100"/>
-              <a:ext cx="173811" cy="173810"/>
+              <a:off x="250890" y="0"/>
+              <a:ext cx="173810" cy="173810"/>
             </a:xfrm>
             <a:custGeom>
               <a:avLst/>
@@ -30979,28 +30580,28 @@
         </p:sp>
         <p:grpSp>
           <p:nvGrpSpPr>
-            <p:cNvPr id="600" name="Group"/>
+            <p:cNvPr id="599" name="Group"/>
             <p:cNvGrpSpPr/>
             <p:nvPr/>
           </p:nvGrpSpPr>
           <p:grpSpPr>
             <a:xfrm>
-              <a:off x="4619" y="60959"/>
-              <a:ext cx="722995" cy="538402"/>
-              <a:chOff x="-7254" y="9276"/>
-              <a:chExt cx="722993" cy="538400"/>
+              <a:off x="0" y="83252"/>
+              <a:ext cx="722994" cy="417616"/>
+              <a:chOff x="0" y="60392"/>
+              <a:chExt cx="722993" cy="417614"/>
             </a:xfrm>
           </p:grpSpPr>
           <p:sp>
             <p:nvSpPr>
-              <p:cNvPr id="598" name="Quote Bubble"/>
+              <p:cNvPr id="597" name="Quote Bubble"/>
               <p:cNvSpPr/>
               <p:nvPr/>
             </p:nvSpPr>
             <p:spPr>
               <a:xfrm>
-                <a:off x="19018" y="69669"/>
-                <a:ext cx="670449" cy="417616"/>
+                <a:off x="26272" y="60392"/>
+                <a:ext cx="670450" cy="417616"/>
               </a:xfrm>
               <a:custGeom>
                 <a:avLst/>
@@ -31095,18 +30696,52 @@
           </p:sp>
           <p:sp>
             <p:nvSpPr>
-              <p:cNvPr id="599" name="Equivalent…"/>
-              <p:cNvSpPr txBox="1"/>
+              <p:cNvPr id="598" name="Equivalent…"/>
+              <p:cNvSpPr/>
               <p:nvPr/>
             </p:nvSpPr>
             <p:spPr>
               <a:xfrm>
-                <a:off x="-7255" y="9276"/>
-                <a:ext cx="722995" cy="538402"/>
+                <a:off x="0" y="269200"/>
+                <a:ext cx="722994" cy="1"/>
               </a:xfrm>
-              <a:prstGeom prst="rect">
+              <a:custGeom>
                 <a:avLst/>
-              </a:prstGeom>
+                <a:gdLst/>
+                <a:ahLst/>
+                <a:cxnLst>
+                  <a:cxn ang="0">
+                    <a:pos x="wd2" y="hd2"/>
+                  </a:cxn>
+                  <a:cxn ang="5400000">
+                    <a:pos x="wd2" y="hd2"/>
+                  </a:cxn>
+                  <a:cxn ang="10800000">
+                    <a:pos x="wd2" y="hd2"/>
+                  </a:cxn>
+                  <a:cxn ang="16200000">
+                    <a:pos x="wd2" y="hd2"/>
+                  </a:cxn>
+                </a:cxnLst>
+                <a:rect l="0" t="0" r="r" b="b"/>
+                <a:pathLst>
+                  <a:path w="21600" h="0" fill="norm" stroke="1" extrusionOk="0">
+                    <a:moveTo>
+                      <a:pt x="0" y="0"/>
+                    </a:moveTo>
+                    <a:lnTo>
+                      <a:pt x="21600" y="0"/>
+                    </a:lnTo>
+                    <a:lnTo>
+                      <a:pt x="21600" y="0"/>
+                    </a:lnTo>
+                    <a:lnTo>
+                      <a:pt x="0" y="0"/>
+                    </a:lnTo>
+                    <a:close/>
+                  </a:path>
+                </a:pathLst>
+              </a:custGeom>
               <a:noFill/>
               <a:ln w="12700" cap="flat">
                 <a:noFill/>
@@ -31174,7 +30809,7 @@
       </p:grpSp>
       <p:sp>
         <p:nvSpPr>
-          <p:cNvPr id="602" name="INTERVALS"/>
+          <p:cNvPr id="601" name="INTERVALS"/>
           <p:cNvSpPr txBox="1"/>
           <p:nvPr/>
         </p:nvSpPr>
@@ -31210,7 +30845,7 @@
       </p:sp>
       <p:sp>
         <p:nvSpPr>
-          <p:cNvPr id="603" name="Divide an interval by a duration to determine its physical length, divide an interval by a period to determine its implied length in clock time."/>
+          <p:cNvPr id="602" name="Divide an interval by a duration to determine its physical length, divide an interval by a period to determine its implied length in clock time."/>
           <p:cNvSpPr txBox="1"/>
           <p:nvPr/>
         </p:nvSpPr>
@@ -31260,7 +30895,7 @@
       </p:sp>
       <p:sp>
         <p:nvSpPr>
-          <p:cNvPr id="604" name="Math with  Date-times —   Lubridate provides three classes of timespans to facilitate math with dates and date-times"/>
+          <p:cNvPr id="603" name="Math with  Date-times —   Lubridate provides three classes of timespans to facilitate math with dates and date-times"/>
           <p:cNvSpPr txBox="1"/>
           <p:nvPr/>
         </p:nvSpPr>
@@ -31320,7 +30955,7 @@
       </p:sp>
       <p:sp>
         <p:nvSpPr>
-          <p:cNvPr id="605" name="a %within% b  Does interval or date-time a fall within interval b? now() %within% i…"/>
+          <p:cNvPr id="604" name="a %within% b  Does interval or date-time a fall within interval b? now() %within% i…"/>
           <p:cNvSpPr txBox="1"/>
           <p:nvPr/>
         </p:nvSpPr>
@@ -31749,7 +31384,7 @@
       </p:sp>
       <p:grpSp>
         <p:nvGrpSpPr>
-          <p:cNvPr id="609" name="Group"/>
+          <p:cNvPr id="608" name="Group"/>
           <p:cNvGrpSpPr/>
           <p:nvPr/>
         </p:nvGrpSpPr>
@@ -31763,7 +31398,7 @@
         </p:grpSpPr>
         <p:sp>
           <p:nvSpPr>
-            <p:cNvPr id="606" name="Line"/>
+            <p:cNvPr id="605" name="Line"/>
             <p:cNvSpPr/>
             <p:nvPr/>
           </p:nvSpPr>
@@ -31809,7 +31444,7 @@
         </p:sp>
         <p:sp>
           <p:nvSpPr>
-            <p:cNvPr id="607" name="Arrow"/>
+            <p:cNvPr id="606" name="Arrow"/>
             <p:cNvSpPr/>
             <p:nvPr/>
           </p:nvSpPr>
@@ -31857,7 +31492,7 @@
         </p:sp>
         <p:sp>
           <p:nvSpPr>
-            <p:cNvPr id="608" name="Line"/>
+            <p:cNvPr id="607" name="Line"/>
             <p:cNvSpPr/>
             <p:nvPr/>
           </p:nvSpPr>
@@ -31908,7 +31543,7 @@
       </p:grpSp>
       <p:grpSp>
         <p:nvGrpSpPr>
-          <p:cNvPr id="614" name="Group"/>
+          <p:cNvPr id="613" name="Group"/>
           <p:cNvGrpSpPr/>
           <p:nvPr/>
         </p:nvGrpSpPr>
@@ -31922,7 +31557,7 @@
         </p:grpSpPr>
         <p:sp>
           <p:nvSpPr>
-            <p:cNvPr id="610" name="Line"/>
+            <p:cNvPr id="609" name="Line"/>
             <p:cNvSpPr/>
             <p:nvPr/>
           </p:nvSpPr>
@@ -31968,7 +31603,7 @@
         </p:sp>
         <p:sp>
           <p:nvSpPr>
-            <p:cNvPr id="611" name="Arrow"/>
+            <p:cNvPr id="610" name="Arrow"/>
             <p:cNvSpPr/>
             <p:nvPr/>
           </p:nvSpPr>
@@ -32016,7 +31651,7 @@
         </p:sp>
         <p:sp>
           <p:nvSpPr>
-            <p:cNvPr id="612" name="Line"/>
+            <p:cNvPr id="611" name="Line"/>
             <p:cNvSpPr/>
             <p:nvPr/>
           </p:nvSpPr>
@@ -32062,7 +31697,7 @@
         </p:sp>
         <p:sp>
           <p:nvSpPr>
-            <p:cNvPr id="613" name="Line"/>
+            <p:cNvPr id="612" name="Line"/>
             <p:cNvSpPr/>
             <p:nvPr/>
           </p:nvSpPr>
@@ -32113,7 +31748,7 @@
       </p:grpSp>
       <p:grpSp>
         <p:nvGrpSpPr>
-          <p:cNvPr id="622" name="Group"/>
+          <p:cNvPr id="621" name="Group"/>
           <p:cNvGrpSpPr/>
           <p:nvPr/>
         </p:nvGrpSpPr>
@@ -32127,7 +31762,7 @@
         </p:grpSpPr>
         <p:sp>
           <p:nvSpPr>
-            <p:cNvPr id="615" name="Arrow"/>
+            <p:cNvPr id="614" name="Arrow"/>
             <p:cNvSpPr/>
             <p:nvPr/>
           </p:nvSpPr>
@@ -32175,7 +31810,7 @@
         </p:sp>
         <p:sp>
           <p:nvSpPr>
-            <p:cNvPr id="616" name="Arrow"/>
+            <p:cNvPr id="615" name="Arrow"/>
             <p:cNvSpPr/>
             <p:nvPr/>
           </p:nvSpPr>
@@ -32223,7 +31858,7 @@
         </p:sp>
         <p:sp>
           <p:nvSpPr>
-            <p:cNvPr id="617" name="Line"/>
+            <p:cNvPr id="616" name="Line"/>
             <p:cNvSpPr/>
             <p:nvPr/>
           </p:nvSpPr>
@@ -32273,7 +31908,7 @@
         </p:sp>
         <p:sp>
           <p:nvSpPr>
-            <p:cNvPr id="618" name="Arrow"/>
+            <p:cNvPr id="617" name="Arrow"/>
             <p:cNvSpPr/>
             <p:nvPr/>
           </p:nvSpPr>
@@ -32321,7 +31956,7 @@
         </p:sp>
         <p:sp>
           <p:nvSpPr>
-            <p:cNvPr id="619" name="Line"/>
+            <p:cNvPr id="618" name="Line"/>
             <p:cNvSpPr/>
             <p:nvPr/>
           </p:nvSpPr>
@@ -32371,7 +32006,7 @@
         </p:sp>
         <p:sp>
           <p:nvSpPr>
-            <p:cNvPr id="620" name="Line"/>
+            <p:cNvPr id="619" name="Line"/>
             <p:cNvSpPr/>
             <p:nvPr/>
           </p:nvSpPr>
@@ -32421,7 +32056,7 @@
         </p:sp>
         <p:sp>
           <p:nvSpPr>
-            <p:cNvPr id="621" name="Line"/>
+            <p:cNvPr id="620" name="Line"/>
             <p:cNvSpPr/>
             <p:nvPr/>
           </p:nvSpPr>
@@ -32472,7 +32107,7 @@
       </p:grpSp>
       <p:grpSp>
         <p:nvGrpSpPr>
-          <p:cNvPr id="628" name="Group"/>
+          <p:cNvPr id="627" name="Group"/>
           <p:cNvGrpSpPr/>
           <p:nvPr/>
         </p:nvGrpSpPr>
@@ -32486,21 +32121,21 @@
         </p:grpSpPr>
         <p:grpSp>
           <p:nvGrpSpPr>
-            <p:cNvPr id="626" name="Group"/>
+            <p:cNvPr id="625" name="Group"/>
             <p:cNvGrpSpPr/>
             <p:nvPr/>
           </p:nvGrpSpPr>
           <p:grpSpPr>
             <a:xfrm>
-              <a:off x="0" y="0"/>
-              <a:ext cx="830659" cy="335720"/>
+              <a:off x="0" y="-1"/>
+              <a:ext cx="830659" cy="335721"/>
               <a:chOff x="0" y="0"/>
               <a:chExt cx="830658" cy="335719"/>
             </a:xfrm>
           </p:grpSpPr>
           <p:sp>
             <p:nvSpPr>
-              <p:cNvPr id="623" name="Arrow"/>
+              <p:cNvPr id="622" name="Arrow"/>
               <p:cNvSpPr/>
               <p:nvPr/>
             </p:nvSpPr>
@@ -32548,7 +32183,7 @@
           </p:sp>
           <p:sp>
             <p:nvSpPr>
-              <p:cNvPr id="624" name="Arrow"/>
+              <p:cNvPr id="623" name="Arrow"/>
               <p:cNvSpPr/>
               <p:nvPr/>
             </p:nvSpPr>
@@ -32596,7 +32231,7 @@
           </p:sp>
           <p:sp>
             <p:nvSpPr>
-              <p:cNvPr id="625" name="Arrow"/>
+              <p:cNvPr id="624" name="Arrow"/>
               <p:cNvSpPr/>
               <p:nvPr/>
             </p:nvSpPr>
@@ -32645,7 +32280,7 @@
         </p:grpSp>
         <p:sp>
           <p:nvSpPr>
-            <p:cNvPr id="627" name="Group"/>
+            <p:cNvPr id="626" name="Group"/>
             <p:cNvSpPr/>
             <p:nvPr/>
           </p:nvSpPr>
@@ -32696,7 +32331,7 @@
       </p:grpSp>
       <p:grpSp>
         <p:nvGrpSpPr>
-          <p:cNvPr id="632" name="Group"/>
+          <p:cNvPr id="631" name="Group"/>
           <p:cNvGrpSpPr/>
           <p:nvPr/>
         </p:nvGrpSpPr>
@@ -32710,7 +32345,7 @@
         </p:grpSpPr>
         <p:sp>
           <p:nvSpPr>
-            <p:cNvPr id="629" name="Arrow"/>
+            <p:cNvPr id="628" name="Arrow"/>
             <p:cNvSpPr/>
             <p:nvPr/>
           </p:nvSpPr>
@@ -32758,7 +32393,7 @@
         </p:sp>
         <p:sp>
           <p:nvSpPr>
-            <p:cNvPr id="630" name="Line"/>
+            <p:cNvPr id="629" name="Line"/>
             <p:cNvSpPr/>
             <p:nvPr/>
           </p:nvSpPr>
@@ -32804,7 +32439,7 @@
         </p:sp>
         <p:sp>
           <p:nvSpPr>
-            <p:cNvPr id="631" name="Line"/>
+            <p:cNvPr id="630" name="Line"/>
             <p:cNvSpPr/>
             <p:nvPr/>
           </p:nvSpPr>
@@ -32851,7 +32486,7 @@
       </p:grpSp>
       <p:grpSp>
         <p:nvGrpSpPr>
-          <p:cNvPr id="640" name="Group"/>
+          <p:cNvPr id="639" name="Group"/>
           <p:cNvGrpSpPr/>
           <p:nvPr/>
         </p:nvGrpSpPr>
@@ -32865,7 +32500,7 @@
         </p:grpSpPr>
         <p:sp>
           <p:nvSpPr>
-            <p:cNvPr id="633" name="Line"/>
+            <p:cNvPr id="632" name="Line"/>
             <p:cNvSpPr/>
             <p:nvPr/>
           </p:nvSpPr>
@@ -32911,7 +32546,7 @@
         </p:sp>
         <p:sp>
           <p:nvSpPr>
-            <p:cNvPr id="634" name="Arrow"/>
+            <p:cNvPr id="633" name="Arrow"/>
             <p:cNvSpPr/>
             <p:nvPr/>
           </p:nvSpPr>
@@ -32959,7 +32594,7 @@
         </p:sp>
         <p:sp>
           <p:nvSpPr>
-            <p:cNvPr id="635" name="Line"/>
+            <p:cNvPr id="634" name="Line"/>
             <p:cNvSpPr/>
             <p:nvPr/>
           </p:nvSpPr>
@@ -33005,7 +32640,7 @@
         </p:sp>
         <p:sp>
           <p:nvSpPr>
-            <p:cNvPr id="636" name="Line"/>
+            <p:cNvPr id="635" name="Line"/>
             <p:cNvSpPr/>
             <p:nvPr/>
           </p:nvSpPr>
@@ -33057,7 +32692,7 @@
         </p:sp>
         <p:sp>
           <p:nvSpPr>
-            <p:cNvPr id="637" name="Line"/>
+            <p:cNvPr id="636" name="Line"/>
             <p:cNvSpPr/>
             <p:nvPr/>
           </p:nvSpPr>
@@ -33107,7 +32742,7 @@
         </p:sp>
         <p:sp>
           <p:nvSpPr>
-            <p:cNvPr id="638" name="Line"/>
+            <p:cNvPr id="637" name="Line"/>
             <p:cNvSpPr/>
             <p:nvPr/>
           </p:nvSpPr>
@@ -33157,7 +32792,7 @@
         </p:sp>
         <p:sp>
           <p:nvSpPr>
-            <p:cNvPr id="639" name="l"/>
+            <p:cNvPr id="638" name="l"/>
             <p:cNvSpPr txBox="1"/>
             <p:nvPr/>
           </p:nvSpPr>
@@ -33213,7 +32848,7 @@
       </p:grpSp>
       <p:grpSp>
         <p:nvGrpSpPr>
-          <p:cNvPr id="644" name="Group"/>
+          <p:cNvPr id="643" name="Group"/>
           <p:cNvGrpSpPr/>
           <p:nvPr/>
         </p:nvGrpSpPr>
@@ -33221,10 +32856,60 @@
           <a:xfrm>
             <a:off x="9720929" y="9415185"/>
             <a:ext cx="578098" cy="335721"/>
-            <a:chOff x="11261" y="0"/>
+            <a:chOff x="0" y="0"/>
             <a:chExt cx="578096" cy="335719"/>
           </a:xfrm>
         </p:grpSpPr>
+        <p:sp>
+          <p:nvSpPr>
+            <p:cNvPr id="640" name="Line"/>
+            <p:cNvSpPr/>
+            <p:nvPr/>
+          </p:nvSpPr>
+          <p:spPr>
+            <a:xfrm flipV="1">
+              <a:off x="-1" y="30498"/>
+              <a:ext cx="2" cy="274723"/>
+            </a:xfrm>
+            <a:prstGeom prst="line">
+              <a:avLst/>
+            </a:prstGeom>
+            <a:noFill/>
+            <a:ln w="25400" cap="flat">
+              <a:solidFill>
+                <a:schemeClr val="accent4">
+                  <a:hueOff val="-116170"/>
+                  <a:satOff val="78638"/>
+                  <a:lumOff val="-43589"/>
+                </a:schemeClr>
+              </a:solidFill>
+              <a:prstDash val="solid"/>
+              <a:miter lim="400000"/>
+            </a:ln>
+            <a:effectLst/>
+          </p:spPr>
+          <p:txBody>
+            <a:bodyPr wrap="square" lIns="54570" tIns="54570" rIns="54570" bIns="54570" numCol="1" anchor="ctr">
+              <a:noAutofit/>
+            </a:bodyPr>
+            <a:lstStyle/>
+            <a:p>
+              <a:pPr>
+                <a:lnSpc>
+                  <a:spcPct val="80000"/>
+                </a:lnSpc>
+                <a:spcBef>
+                  <a:spcPts val="600"/>
+                </a:spcBef>
+                <a:defRPr b="0">
+                  <a:solidFill>
+                    <a:srgbClr val="000000"/>
+                  </a:solidFill>
+                </a:defRPr>
+              </a:pPr>
+            </a:p>
+          </p:txBody>
+        </p:sp>
         <p:sp>
           <p:nvSpPr>
             <p:cNvPr id="641" name="Line"/>
@@ -33233,7 +32918,7 @@
           </p:nvSpPr>
           <p:spPr>
             <a:xfrm flipV="1">
-              <a:off x="11261" y="30498"/>
+              <a:off x="460091" y="30498"/>
               <a:ext cx="1" cy="274723"/>
             </a:xfrm>
             <a:prstGeom prst="line">
@@ -33277,63 +32962,13 @@
         </p:sp>
         <p:sp>
           <p:nvSpPr>
-            <p:cNvPr id="642" name="Line"/>
-            <p:cNvSpPr/>
-            <p:nvPr/>
-          </p:nvSpPr>
-          <p:spPr>
-            <a:xfrm flipV="1">
-              <a:off x="471353" y="30498"/>
-              <a:ext cx="1" cy="274723"/>
-            </a:xfrm>
-            <a:prstGeom prst="line">
-              <a:avLst/>
-            </a:prstGeom>
-            <a:noFill/>
-            <a:ln w="25400" cap="flat">
-              <a:solidFill>
-                <a:schemeClr val="accent4">
-                  <a:hueOff val="-116170"/>
-                  <a:satOff val="78638"/>
-                  <a:lumOff val="-43589"/>
-                </a:schemeClr>
-              </a:solidFill>
-              <a:prstDash val="solid"/>
-              <a:miter lim="400000"/>
-            </a:ln>
-            <a:effectLst/>
-          </p:spPr>
-          <p:txBody>
-            <a:bodyPr wrap="square" lIns="54570" tIns="54570" rIns="54570" bIns="54570" numCol="1" anchor="ctr">
-              <a:noAutofit/>
-            </a:bodyPr>
-            <a:lstStyle/>
-            <a:p>
-              <a:pPr>
-                <a:lnSpc>
-                  <a:spcPct val="80000"/>
-                </a:lnSpc>
-                <a:spcBef>
-                  <a:spcPts val="600"/>
-                </a:spcBef>
-                <a:defRPr b="0">
-                  <a:solidFill>
-                    <a:srgbClr val="000000"/>
-                  </a:solidFill>
-                </a:defRPr>
-              </a:pPr>
-            </a:p>
-          </p:txBody>
-        </p:sp>
-        <p:sp>
-          <p:nvSpPr>
-            <p:cNvPr id="643" name="Arrow"/>
+            <p:cNvPr id="642" name="Arrow"/>
             <p:cNvSpPr/>
             <p:nvPr/>
           </p:nvSpPr>
           <p:spPr>
             <a:xfrm>
-              <a:off x="139700" y="0"/>
+              <a:off x="128438" y="0"/>
               <a:ext cx="449659" cy="335720"/>
             </a:xfrm>
             <a:prstGeom prst="rightArrow">
@@ -33376,27 +33011,27 @@
       </p:grpSp>
       <p:grpSp>
         <p:nvGrpSpPr>
-          <p:cNvPr id="648" name="Group"/>
+          <p:cNvPr id="647" name="Group"/>
           <p:cNvGrpSpPr/>
           <p:nvPr/>
         </p:nvGrpSpPr>
         <p:grpSpPr>
           <a:xfrm>
-            <a:off x="12620464" y="5694719"/>
-            <a:ext cx="637611" cy="463901"/>
-            <a:chOff x="-254740" y="0"/>
-            <a:chExt cx="637609" cy="463899"/>
+            <a:off x="12620464" y="5752572"/>
+            <a:ext cx="637611" cy="406048"/>
+            <a:chOff x="0" y="57852"/>
+            <a:chExt cx="637609" cy="406046"/>
           </a:xfrm>
         </p:grpSpPr>
         <p:sp>
           <p:nvSpPr>
-            <p:cNvPr id="645" name="Triangle"/>
+            <p:cNvPr id="644" name="Triangle"/>
             <p:cNvSpPr/>
             <p:nvPr/>
           </p:nvSpPr>
           <p:spPr>
             <a:xfrm rot="14522501">
-              <a:off x="-111435" y="135910"/>
+              <a:off x="143306" y="135910"/>
               <a:ext cx="101535" cy="385543"/>
             </a:xfrm>
             <a:custGeom>
@@ -33466,7 +33101,215 @@
         </p:sp>
         <p:sp>
           <p:nvSpPr>
-            <p:cNvPr id="646" name="Quote Bubble"/>
+            <p:cNvPr id="645" name="Quote Bubble"/>
+            <p:cNvSpPr/>
+            <p:nvPr/>
+          </p:nvSpPr>
+          <p:spPr>
+            <a:xfrm>
+              <a:off x="268115" y="57852"/>
+              <a:ext cx="368821" cy="303316"/>
+            </a:xfrm>
+            <a:custGeom>
+              <a:avLst/>
+              <a:gdLst/>
+              <a:ahLst/>
+              <a:cxnLst>
+                <a:cxn ang="0">
+                  <a:pos x="wd2" y="hd2"/>
+                </a:cxn>
+                <a:cxn ang="5400000">
+                  <a:pos x="wd2" y="hd2"/>
+                </a:cxn>
+                <a:cxn ang="10800000">
+                  <a:pos x="wd2" y="hd2"/>
+                </a:cxn>
+                <a:cxn ang="16200000">
+                  <a:pos x="wd2" y="hd2"/>
+                </a:cxn>
+              </a:cxnLst>
+              <a:rect l="0" t="0" r="r" b="b"/>
+              <a:pathLst>
+                <a:path w="21600" h="21600" fill="norm" stroke="1" extrusionOk="0">
+                  <a:moveTo>
+                    <a:pt x="0" y="18343"/>
+                  </a:moveTo>
+                  <a:lnTo>
+                    <a:pt x="0" y="3257"/>
+                  </a:lnTo>
+                  <a:cubicBezTo>
+                    <a:pt x="0" y="1458"/>
+                    <a:pt x="1199" y="0"/>
+                    <a:pt x="2678" y="0"/>
+                  </a:cubicBezTo>
+                  <a:lnTo>
+                    <a:pt x="18922" y="0"/>
+                  </a:lnTo>
+                  <a:cubicBezTo>
+                    <a:pt x="20401" y="0"/>
+                    <a:pt x="21600" y="1458"/>
+                    <a:pt x="21600" y="3257"/>
+                  </a:cubicBezTo>
+                  <a:lnTo>
+                    <a:pt x="21600" y="18343"/>
+                  </a:lnTo>
+                  <a:cubicBezTo>
+                    <a:pt x="21600" y="20142"/>
+                    <a:pt x="20401" y="21600"/>
+                    <a:pt x="18922" y="21600"/>
+                  </a:cubicBezTo>
+                  <a:lnTo>
+                    <a:pt x="2678" y="21600"/>
+                  </a:lnTo>
+                  <a:cubicBezTo>
+                    <a:pt x="1199" y="21600"/>
+                    <a:pt x="0" y="20142"/>
+                    <a:pt x="0" y="18343"/>
+                  </a:cubicBezTo>
+                  <a:close/>
+                </a:path>
+              </a:pathLst>
+            </a:custGeom>
+            <a:solidFill>
+              <a:schemeClr val="accent4"/>
+            </a:solidFill>
+            <a:ln w="12700" cap="flat">
+              <a:noFill/>
+              <a:miter lim="400000"/>
+            </a:ln>
+            <a:effectLst/>
+          </p:spPr>
+          <p:txBody>
+            <a:bodyPr wrap="square" lIns="54570" tIns="54570" rIns="54570" bIns="54570" numCol="1" anchor="ctr">
+              <a:noAutofit/>
+            </a:bodyPr>
+            <a:lstStyle/>
+            <a:p>
+              <a:pPr>
+                <a:lnSpc>
+                  <a:spcPct val="80000"/>
+                </a:lnSpc>
+                <a:spcBef>
+                  <a:spcPts val="0"/>
+                </a:spcBef>
+                <a:defRPr b="0">
+                  <a:solidFill>
+                    <a:srgbClr val="000000"/>
+                  </a:solidFill>
+                </a:defRPr>
+              </a:pPr>
+            </a:p>
+          </p:txBody>
+        </p:sp>
+        <p:sp>
+          <p:nvSpPr>
+            <p:cNvPr id="646" name="Start Date"/>
+            <p:cNvSpPr/>
+            <p:nvPr/>
+          </p:nvSpPr>
+          <p:spPr>
+            <a:xfrm>
+              <a:off x="254740" y="203160"/>
+              <a:ext cx="382870" cy="1"/>
+            </a:xfrm>
+            <a:custGeom>
+              <a:avLst/>
+              <a:gdLst/>
+              <a:ahLst/>
+              <a:cxnLst>
+                <a:cxn ang="0">
+                  <a:pos x="wd2" y="hd2"/>
+                </a:cxn>
+                <a:cxn ang="5400000">
+                  <a:pos x="wd2" y="hd2"/>
+                </a:cxn>
+                <a:cxn ang="10800000">
+                  <a:pos x="wd2" y="hd2"/>
+                </a:cxn>
+                <a:cxn ang="16200000">
+                  <a:pos x="wd2" y="hd2"/>
+                </a:cxn>
+              </a:cxnLst>
+              <a:rect l="0" t="0" r="r" b="b"/>
+              <a:pathLst>
+                <a:path w="21600" h="0" fill="norm" stroke="1" extrusionOk="0">
+                  <a:moveTo>
+                    <a:pt x="0" y="0"/>
+                  </a:moveTo>
+                  <a:lnTo>
+                    <a:pt x="21600" y="0"/>
+                  </a:lnTo>
+                  <a:lnTo>
+                    <a:pt x="21600" y="0"/>
+                  </a:lnTo>
+                  <a:lnTo>
+                    <a:pt x="0" y="0"/>
+                  </a:lnTo>
+                  <a:close/>
+                </a:path>
+              </a:pathLst>
+            </a:custGeom>
+            <a:noFill/>
+            <a:ln w="12700" cap="flat">
+              <a:noFill/>
+              <a:miter lim="400000"/>
+            </a:ln>
+            <a:effectLst/>
+            <a:extLst>
+              <a:ext uri="{C572A759-6A51-4108-AA02-DFA0A04FC94B}">
+                <ma14:wrappingTextBoxFlag xmlns:ma14="http://schemas.microsoft.com/office/mac/drawingml/2011/main" val="1"/>
+              </a:ext>
+            </a:extLst>
+          </p:spPr>
+          <p:txBody>
+            <a:bodyPr wrap="square" lIns="54570" tIns="54570" rIns="54570" bIns="54570" numCol="1" anchor="ctr">
+              <a:spAutoFit/>
+            </a:bodyPr>
+            <a:lstStyle>
+              <a:lvl1pPr algn="ctr">
+                <a:lnSpc>
+                  <a:spcPct val="80000"/>
+                </a:lnSpc>
+                <a:spcBef>
+                  <a:spcPts val="0"/>
+                </a:spcBef>
+                <a:defRPr b="0" sz="1000">
+                  <a:solidFill>
+                    <a:srgbClr val="FFFFFF"/>
+                  </a:solidFill>
+                  <a:latin typeface="Source Sans Pro Semibold"/>
+                  <a:ea typeface="Source Sans Pro Semibold"/>
+                  <a:cs typeface="Source Sans Pro Semibold"/>
+                  <a:sym typeface="Source Sans Pro Semibold"/>
+                </a:defRPr>
+              </a:lvl1pPr>
+            </a:lstStyle>
+            <a:p>
+              <a:pPr/>
+              <a:r>
+                <a:t>Start Date</a:t>
+              </a:r>
+            </a:p>
+          </p:txBody>
+        </p:sp>
+      </p:grpSp>
+      <p:grpSp>
+        <p:nvGrpSpPr>
+          <p:cNvPr id="650" name="Group"/>
+          <p:cNvGrpSpPr/>
+          <p:nvPr/>
+        </p:nvGrpSpPr>
+        <p:grpSpPr>
+          <a:xfrm>
+            <a:off x="13272079" y="5752572"/>
+            <a:ext cx="382870" cy="303316"/>
+            <a:chOff x="0" y="57852"/>
+            <a:chExt cx="382868" cy="303314"/>
+          </a:xfrm>
+        </p:grpSpPr>
+        <p:sp>
+          <p:nvSpPr>
+            <p:cNvPr id="648" name="Quote Bubble"/>
             <p:cNvSpPr/>
             <p:nvPr/>
           </p:nvSpPr>
@@ -33568,86 +33411,14 @@
         </p:sp>
         <p:sp>
           <p:nvSpPr>
-            <p:cNvPr id="647" name="Start Date"/>
-            <p:cNvSpPr txBox="1"/>
-            <p:nvPr/>
-          </p:nvSpPr>
-          <p:spPr>
-            <a:xfrm>
-              <a:off x="0" y="-1"/>
-              <a:ext cx="382869" cy="406322"/>
-            </a:xfrm>
-            <a:prstGeom prst="rect">
-              <a:avLst/>
-            </a:prstGeom>
-            <a:noFill/>
-            <a:ln w="12700" cap="flat">
-              <a:noFill/>
-              <a:miter lim="400000"/>
-            </a:ln>
-            <a:effectLst/>
-            <a:extLst>
-              <a:ext uri="{C572A759-6A51-4108-AA02-DFA0A04FC94B}">
-                <ma14:wrappingTextBoxFlag xmlns:ma14="http://schemas.microsoft.com/office/mac/drawingml/2011/main" val="1"/>
-              </a:ext>
-            </a:extLst>
-          </p:spPr>
-          <p:txBody>
-            <a:bodyPr wrap="square" lIns="54570" tIns="54570" rIns="54570" bIns="54570" numCol="1" anchor="ctr">
-              <a:spAutoFit/>
-            </a:bodyPr>
-            <a:lstStyle>
-              <a:lvl1pPr algn="ctr">
-                <a:lnSpc>
-                  <a:spcPct val="80000"/>
-                </a:lnSpc>
-                <a:spcBef>
-                  <a:spcPts val="0"/>
-                </a:spcBef>
-                <a:defRPr b="0" sz="1000">
-                  <a:solidFill>
-                    <a:srgbClr val="FFFFFF"/>
-                  </a:solidFill>
-                  <a:latin typeface="Source Sans Pro Semibold"/>
-                  <a:ea typeface="Source Sans Pro Semibold"/>
-                  <a:cs typeface="Source Sans Pro Semibold"/>
-                  <a:sym typeface="Source Sans Pro Semibold"/>
-                </a:defRPr>
-              </a:lvl1pPr>
-            </a:lstStyle>
-            <a:p>
-              <a:pPr/>
-              <a:r>
-                <a:t>Start Date</a:t>
-              </a:r>
-            </a:p>
-          </p:txBody>
-        </p:sp>
-      </p:grpSp>
-      <p:grpSp>
-        <p:nvGrpSpPr>
-          <p:cNvPr id="651" name="Group"/>
-          <p:cNvGrpSpPr/>
-          <p:nvPr/>
-        </p:nvGrpSpPr>
-        <p:grpSpPr>
-          <a:xfrm>
-            <a:off x="13272079" y="5694719"/>
-            <a:ext cx="382870" cy="406322"/>
-            <a:chOff x="0" y="0"/>
-            <a:chExt cx="382868" cy="406320"/>
-          </a:xfrm>
-        </p:grpSpPr>
-        <p:sp>
-          <p:nvSpPr>
-            <p:cNvPr id="649" name="Quote Bubble"/>
+            <p:cNvPr id="649" name="End Date"/>
             <p:cNvSpPr/>
             <p:nvPr/>
           </p:nvSpPr>
           <p:spPr>
             <a:xfrm>
-              <a:off x="13374" y="57852"/>
-              <a:ext cx="368821" cy="303316"/>
+              <a:off x="0" y="203160"/>
+              <a:ext cx="382869" cy="1"/>
             </a:xfrm>
             <a:custGeom>
               <a:avLst/>
@@ -33669,91 +33440,23 @@
               </a:cxnLst>
               <a:rect l="0" t="0" r="r" b="b"/>
               <a:pathLst>
-                <a:path w="21600" h="21600" fill="norm" stroke="1" extrusionOk="0">
+                <a:path w="21600" h="0" fill="norm" stroke="1" extrusionOk="0">
                   <a:moveTo>
-                    <a:pt x="0" y="18343"/>
+                    <a:pt x="0" y="0"/>
                   </a:moveTo>
                   <a:lnTo>
-                    <a:pt x="0" y="3257"/>
+                    <a:pt x="21600" y="0"/>
                   </a:lnTo>
-                  <a:cubicBezTo>
-                    <a:pt x="0" y="1458"/>
-                    <a:pt x="1199" y="0"/>
-                    <a:pt x="2678" y="0"/>
-                  </a:cubicBezTo>
                   <a:lnTo>
-                    <a:pt x="18922" y="0"/>
+                    <a:pt x="21600" y="0"/>
                   </a:lnTo>
-                  <a:cubicBezTo>
-                    <a:pt x="20401" y="0"/>
-                    <a:pt x="21600" y="1458"/>
-                    <a:pt x="21600" y="3257"/>
-                  </a:cubicBezTo>
                   <a:lnTo>
-                    <a:pt x="21600" y="18343"/>
+                    <a:pt x="0" y="0"/>
                   </a:lnTo>
-                  <a:cubicBezTo>
-                    <a:pt x="21600" y="20142"/>
-                    <a:pt x="20401" y="21600"/>
-                    <a:pt x="18922" y="21600"/>
-                  </a:cubicBezTo>
-                  <a:lnTo>
-                    <a:pt x="2678" y="21600"/>
-                  </a:lnTo>
-                  <a:cubicBezTo>
-                    <a:pt x="1199" y="21600"/>
-                    <a:pt x="0" y="20142"/>
-                    <a:pt x="0" y="18343"/>
-                  </a:cubicBezTo>
                   <a:close/>
                 </a:path>
               </a:pathLst>
             </a:custGeom>
-            <a:solidFill>
-              <a:schemeClr val="accent4"/>
-            </a:solidFill>
-            <a:ln w="12700" cap="flat">
-              <a:noFill/>
-              <a:miter lim="400000"/>
-            </a:ln>
-            <a:effectLst/>
-          </p:spPr>
-          <p:txBody>
-            <a:bodyPr wrap="square" lIns="54570" tIns="54570" rIns="54570" bIns="54570" numCol="1" anchor="ctr">
-              <a:noAutofit/>
-            </a:bodyPr>
-            <a:lstStyle/>
-            <a:p>
-              <a:pPr>
-                <a:lnSpc>
-                  <a:spcPct val="80000"/>
-                </a:lnSpc>
-                <a:spcBef>
-                  <a:spcPts val="0"/>
-                </a:spcBef>
-                <a:defRPr b="0">
-                  <a:solidFill>
-                    <a:srgbClr val="000000"/>
-                  </a:solidFill>
-                </a:defRPr>
-              </a:pPr>
-            </a:p>
-          </p:txBody>
-        </p:sp>
-        <p:sp>
-          <p:nvSpPr>
-            <p:cNvPr id="650" name="End Date"/>
-            <p:cNvSpPr txBox="1"/>
-            <p:nvPr/>
-          </p:nvSpPr>
-          <p:spPr>
-            <a:xfrm>
-              <a:off x="0" y="-1"/>
-              <a:ext cx="382869" cy="406322"/>
-            </a:xfrm>
-            <a:prstGeom prst="rect">
-              <a:avLst/>
-            </a:prstGeom>
             <a:noFill/>
             <a:ln w="12700" cap="flat">
               <a:noFill/>
@@ -33800,7 +33503,7 @@
       </p:grpSp>
       <p:grpSp>
         <p:nvGrpSpPr>
-          <p:cNvPr id="693" name="Group"/>
+          <p:cNvPr id="692" name="Group"/>
           <p:cNvGrpSpPr/>
           <p:nvPr/>
         </p:nvGrpSpPr>
@@ -33814,7 +33517,7 @@
         </p:grpSpPr>
         <p:sp>
           <p:nvSpPr>
-            <p:cNvPr id="652" name="Math with date-times relies on the timeline, which behaves inconsistently.  Consider how the timeline behaves during:…"/>
+            <p:cNvPr id="651" name="Math with date-times relies on the timeline, which behaves inconsistently.  Consider how the timeline behaves during:…"/>
             <p:cNvSpPr txBox="1"/>
             <p:nvPr/>
           </p:nvSpPr>
@@ -34154,7 +33857,7 @@
         </p:sp>
         <p:grpSp>
           <p:nvGrpSpPr>
-            <p:cNvPr id="664" name="Group"/>
+            <p:cNvPr id="663" name="Group"/>
             <p:cNvGrpSpPr/>
             <p:nvPr/>
           </p:nvGrpSpPr>
@@ -34162,20 +33865,20 @@
             <a:xfrm>
               <a:off x="6167" y="2574391"/>
               <a:ext cx="2183288" cy="483128"/>
-              <a:chOff x="0" y="-228599"/>
+              <a:chOff x="0" y="0"/>
               <a:chExt cx="2183286" cy="483126"/>
             </a:xfrm>
           </p:grpSpPr>
           <p:sp>
             <p:nvSpPr>
-              <p:cNvPr id="653" name="Line"/>
+              <p:cNvPr id="652" name="Line"/>
               <p:cNvSpPr/>
               <p:nvPr/>
             </p:nvSpPr>
             <p:spPr>
               <a:xfrm flipV="1">
-                <a:off x="161091" y="0"/>
-                <a:ext cx="1" cy="103430"/>
+                <a:off x="161091" y="228599"/>
+                <a:ext cx="1" cy="103431"/>
               </a:xfrm>
               <a:prstGeom prst="line">
                 <a:avLst/>
@@ -34214,13 +33917,13 @@
           </p:sp>
           <p:sp>
             <p:nvSpPr>
-              <p:cNvPr id="654" name="12:00"/>
+              <p:cNvPr id="653" name="12:00"/>
               <p:cNvSpPr txBox="1"/>
               <p:nvPr/>
             </p:nvSpPr>
             <p:spPr>
               <a:xfrm>
-                <a:off x="0" y="38212"/>
+                <a:off x="0" y="266812"/>
                 <a:ext cx="334885" cy="216315"/>
               </a:xfrm>
               <a:prstGeom prst="rect">
@@ -34264,14 +33967,14 @@
           </p:sp>
           <p:sp>
             <p:nvSpPr>
-              <p:cNvPr id="655" name="Line"/>
+              <p:cNvPr id="654" name="Line"/>
               <p:cNvSpPr/>
               <p:nvPr/>
             </p:nvSpPr>
             <p:spPr>
               <a:xfrm flipV="1">
-                <a:off x="764377" y="0"/>
-                <a:ext cx="1" cy="103430"/>
+                <a:off x="764377" y="228599"/>
+                <a:ext cx="1" cy="103431"/>
               </a:xfrm>
               <a:prstGeom prst="line">
                 <a:avLst/>
@@ -34310,13 +34013,13 @@
           </p:sp>
           <p:sp>
             <p:nvSpPr>
-              <p:cNvPr id="656" name="1:00"/>
+              <p:cNvPr id="655" name="1:00"/>
               <p:cNvSpPr txBox="1"/>
               <p:nvPr/>
             </p:nvSpPr>
             <p:spPr>
               <a:xfrm>
-                <a:off x="603285" y="38212"/>
+                <a:off x="603285" y="266812"/>
                 <a:ext cx="322186" cy="216315"/>
               </a:xfrm>
               <a:prstGeom prst="rect">
@@ -34360,13 +34063,13 @@
           </p:sp>
           <p:sp>
             <p:nvSpPr>
-              <p:cNvPr id="657" name="2:00"/>
+              <p:cNvPr id="656" name="2:00"/>
               <p:cNvSpPr txBox="1"/>
               <p:nvPr/>
             </p:nvSpPr>
             <p:spPr>
               <a:xfrm>
-                <a:off x="1206571" y="38212"/>
+                <a:off x="1206571" y="266812"/>
                 <a:ext cx="322186" cy="216315"/>
               </a:xfrm>
               <a:prstGeom prst="rect">
@@ -34410,13 +34113,13 @@
           </p:sp>
           <p:sp>
             <p:nvSpPr>
-              <p:cNvPr id="658" name="Line"/>
+              <p:cNvPr id="657" name="Line"/>
               <p:cNvSpPr/>
               <p:nvPr/>
             </p:nvSpPr>
             <p:spPr>
               <a:xfrm flipV="1">
-                <a:off x="1970948" y="-228600"/>
+                <a:off x="1970948" y="0"/>
                 <a:ext cx="1" cy="103430"/>
               </a:xfrm>
               <a:prstGeom prst="line">
@@ -34456,13 +34159,13 @@
           </p:sp>
           <p:sp>
             <p:nvSpPr>
-              <p:cNvPr id="659" name="3:00"/>
+              <p:cNvPr id="658" name="3:00"/>
               <p:cNvSpPr txBox="1"/>
               <p:nvPr/>
             </p:nvSpPr>
             <p:spPr>
               <a:xfrm>
-                <a:off x="1809856" y="38212"/>
+                <a:off x="1809856" y="266812"/>
                 <a:ext cx="322186" cy="216315"/>
               </a:xfrm>
               <a:prstGeom prst="rect">
@@ -34506,13 +34209,13 @@
           </p:sp>
           <p:sp>
             <p:nvSpPr>
-              <p:cNvPr id="660" name="Line"/>
+              <p:cNvPr id="659" name="Line"/>
               <p:cNvSpPr/>
               <p:nvPr/>
             </p:nvSpPr>
             <p:spPr>
               <a:xfrm>
-                <a:off x="773601" y="-173711"/>
+                <a:off x="773601" y="54889"/>
                 <a:ext cx="1409686" cy="1"/>
               </a:xfrm>
               <a:prstGeom prst="line">
@@ -34526,6 +34229,52 @@
                 <a:prstDash val="solid"/>
                 <a:miter lim="400000"/>
                 <a:tailEnd type="triangle" w="med" len="med"/>
+              </a:ln>
+              <a:effectLst/>
+            </p:spPr>
+            <p:txBody>
+              <a:bodyPr wrap="square" lIns="54570" tIns="54570" rIns="54570" bIns="54570" numCol="1" anchor="ctr">
+                <a:noAutofit/>
+              </a:bodyPr>
+              <a:lstStyle/>
+              <a:p>
+                <a:pPr>
+                  <a:lnSpc>
+                    <a:spcPct val="80000"/>
+                  </a:lnSpc>
+                  <a:spcBef>
+                    <a:spcPts val="600"/>
+                  </a:spcBef>
+                  <a:defRPr b="0">
+                    <a:solidFill>
+                      <a:srgbClr val="000000"/>
+                    </a:solidFill>
+                  </a:defRPr>
+                </a:pPr>
+              </a:p>
+            </p:txBody>
+          </p:sp>
+          <p:sp>
+            <p:nvSpPr>
+              <p:cNvPr id="660" name="Line"/>
+              <p:cNvSpPr/>
+              <p:nvPr/>
+            </p:nvSpPr>
+            <p:spPr>
+              <a:xfrm>
+                <a:off x="38951" y="280314"/>
+                <a:ext cx="1343388" cy="1"/>
+              </a:xfrm>
+              <a:prstGeom prst="line">
+                <a:avLst/>
+              </a:prstGeom>
+              <a:noFill/>
+              <a:ln w="25400" cap="flat">
+                <a:solidFill>
+                  <a:srgbClr val="53585F"/>
+                </a:solidFill>
+                <a:prstDash val="solid"/>
+                <a:miter lim="400000"/>
               </a:ln>
               <a:effectLst/>
             </p:spPr>
@@ -34558,9 +34307,9 @@
               <p:nvPr/>
             </p:nvSpPr>
             <p:spPr>
-              <a:xfrm>
-                <a:off x="38951" y="51714"/>
-                <a:ext cx="1343388" cy="1"/>
+              <a:xfrm flipV="1">
+                <a:off x="764377" y="3175"/>
+                <a:ext cx="1" cy="103430"/>
               </a:xfrm>
               <a:prstGeom prst="line">
                 <a:avLst/>
@@ -34605,53 +34354,7 @@
             </p:nvSpPr>
             <p:spPr>
               <a:xfrm flipV="1">
-                <a:off x="764377" y="-225425"/>
-                <a:ext cx="1" cy="103430"/>
-              </a:xfrm>
-              <a:prstGeom prst="line">
-                <a:avLst/>
-              </a:prstGeom>
-              <a:noFill/>
-              <a:ln w="25400" cap="flat">
-                <a:solidFill>
-                  <a:srgbClr val="53585F"/>
-                </a:solidFill>
-                <a:prstDash val="solid"/>
-                <a:miter lim="400000"/>
-              </a:ln>
-              <a:effectLst/>
-            </p:spPr>
-            <p:txBody>
-              <a:bodyPr wrap="square" lIns="54570" tIns="54570" rIns="54570" bIns="54570" numCol="1" anchor="ctr">
-                <a:noAutofit/>
-              </a:bodyPr>
-              <a:lstStyle/>
-              <a:p>
-                <a:pPr>
-                  <a:lnSpc>
-                    <a:spcPct val="80000"/>
-                  </a:lnSpc>
-                  <a:spcBef>
-                    <a:spcPts val="600"/>
-                  </a:spcBef>
-                  <a:defRPr b="0">
-                    <a:solidFill>
-                      <a:srgbClr val="000000"/>
-                    </a:solidFill>
-                  </a:defRPr>
-                </a:pPr>
-              </a:p>
-            </p:txBody>
-          </p:sp>
-          <p:sp>
-            <p:nvSpPr>
-              <p:cNvPr id="663" name="Line"/>
-              <p:cNvSpPr/>
-              <p:nvPr/>
-            </p:nvSpPr>
-            <p:spPr>
-              <a:xfrm flipV="1">
-                <a:off x="1367663" y="-225425"/>
+                <a:off x="1367663" y="3175"/>
                 <a:ext cx="1" cy="103430"/>
               </a:xfrm>
               <a:prstGeom prst="line">
@@ -34692,7 +34395,7 @@
         </p:grpSp>
         <p:grpSp>
           <p:nvGrpSpPr>
-            <p:cNvPr id="672" name="Group"/>
+            <p:cNvPr id="671" name="Group"/>
             <p:cNvGrpSpPr/>
             <p:nvPr/>
           </p:nvGrpSpPr>
@@ -34706,7 +34409,7 @@
           </p:grpSpPr>
           <p:sp>
             <p:nvSpPr>
-              <p:cNvPr id="665" name="Line"/>
+              <p:cNvPr id="664" name="Line"/>
               <p:cNvSpPr/>
               <p:nvPr/>
             </p:nvSpPr>
@@ -34752,7 +34455,7 @@
           </p:sp>
           <p:sp>
             <p:nvSpPr>
-              <p:cNvPr id="666" name="2019"/>
+              <p:cNvPr id="665" name="2019"/>
               <p:cNvSpPr txBox="1"/>
               <p:nvPr/>
             </p:nvSpPr>
@@ -34802,7 +34505,7 @@
           </p:sp>
           <p:sp>
             <p:nvSpPr>
-              <p:cNvPr id="667" name="Line"/>
+              <p:cNvPr id="666" name="Line"/>
               <p:cNvSpPr/>
               <p:nvPr/>
             </p:nvSpPr>
@@ -34848,7 +34551,7 @@
           </p:sp>
           <p:sp>
             <p:nvSpPr>
-              <p:cNvPr id="668" name="2020"/>
+              <p:cNvPr id="667" name="2020"/>
               <p:cNvSpPr txBox="1"/>
               <p:nvPr/>
             </p:nvSpPr>
@@ -34898,7 +34601,7 @@
           </p:sp>
           <p:sp>
             <p:nvSpPr>
-              <p:cNvPr id="669" name="Line"/>
+              <p:cNvPr id="668" name="Line"/>
               <p:cNvSpPr/>
               <p:nvPr/>
             </p:nvSpPr>
@@ -34944,7 +34647,7 @@
           </p:sp>
           <p:sp>
             <p:nvSpPr>
-              <p:cNvPr id="670" name="2021"/>
+              <p:cNvPr id="669" name="2021"/>
               <p:cNvSpPr txBox="1"/>
               <p:nvPr/>
             </p:nvSpPr>
@@ -34994,7 +34697,7 @@
           </p:sp>
           <p:sp>
             <p:nvSpPr>
-              <p:cNvPr id="671" name="Line"/>
+              <p:cNvPr id="670" name="Line"/>
               <p:cNvSpPr/>
               <p:nvPr/>
             </p:nvSpPr>
@@ -35082,7 +34785,7 @@
         </p:grpSp>
         <p:grpSp>
           <p:nvGrpSpPr>
-            <p:cNvPr id="682" name="Group"/>
+            <p:cNvPr id="681" name="Group"/>
             <p:cNvGrpSpPr/>
             <p:nvPr/>
           </p:nvGrpSpPr>
@@ -35096,7 +34799,7 @@
           </p:grpSpPr>
           <p:sp>
             <p:nvSpPr>
-              <p:cNvPr id="673" name="Line"/>
+              <p:cNvPr id="672" name="Line"/>
               <p:cNvSpPr/>
               <p:nvPr/>
             </p:nvSpPr>
@@ -35142,7 +34845,7 @@
           </p:sp>
           <p:sp>
             <p:nvSpPr>
-              <p:cNvPr id="674" name="1:00"/>
+              <p:cNvPr id="673" name="1:00"/>
               <p:cNvSpPr txBox="1"/>
               <p:nvPr/>
             </p:nvSpPr>
@@ -35192,7 +34895,7 @@
           </p:sp>
           <p:sp>
             <p:nvSpPr>
-              <p:cNvPr id="675" name="2:00"/>
+              <p:cNvPr id="674" name="2:00"/>
               <p:cNvSpPr txBox="1"/>
               <p:nvPr/>
             </p:nvSpPr>
@@ -35242,7 +34945,7 @@
           </p:sp>
           <p:sp>
             <p:nvSpPr>
-              <p:cNvPr id="676" name="Line"/>
+              <p:cNvPr id="675" name="Line"/>
               <p:cNvSpPr/>
               <p:nvPr/>
             </p:nvSpPr>
@@ -35288,7 +34991,7 @@
           </p:sp>
           <p:sp>
             <p:nvSpPr>
-              <p:cNvPr id="677" name="3:00"/>
+              <p:cNvPr id="676" name="3:00"/>
               <p:cNvSpPr txBox="1"/>
               <p:nvPr/>
             </p:nvSpPr>
@@ -35338,7 +35041,7 @@
           </p:sp>
           <p:sp>
             <p:nvSpPr>
-              <p:cNvPr id="678" name="Line"/>
+              <p:cNvPr id="677" name="Line"/>
               <p:cNvSpPr/>
               <p:nvPr/>
             </p:nvSpPr>
@@ -35384,7 +35087,7 @@
           </p:sp>
           <p:sp>
             <p:nvSpPr>
-              <p:cNvPr id="679" name="4:00"/>
+              <p:cNvPr id="678" name="4:00"/>
               <p:cNvSpPr txBox="1"/>
               <p:nvPr/>
             </p:nvSpPr>
@@ -35434,7 +35137,7 @@
           </p:sp>
           <p:sp>
             <p:nvSpPr>
-              <p:cNvPr id="680" name="Line"/>
+              <p:cNvPr id="679" name="Line"/>
               <p:cNvSpPr/>
               <p:nvPr/>
             </p:nvSpPr>
@@ -35481,7 +35184,7 @@
           </p:sp>
           <p:sp>
             <p:nvSpPr>
-              <p:cNvPr id="681" name="Line"/>
+              <p:cNvPr id="680" name="Line"/>
               <p:cNvSpPr/>
               <p:nvPr/>
             </p:nvSpPr>
@@ -35528,7 +35231,7 @@
         </p:grpSp>
         <p:grpSp>
           <p:nvGrpSpPr>
-            <p:cNvPr id="692" name="Group"/>
+            <p:cNvPr id="691" name="Group"/>
             <p:cNvGrpSpPr/>
             <p:nvPr/>
           </p:nvGrpSpPr>
@@ -35542,7 +35245,7 @@
           </p:grpSpPr>
           <p:sp>
             <p:nvSpPr>
-              <p:cNvPr id="683" name="Line"/>
+              <p:cNvPr id="682" name="Line"/>
               <p:cNvSpPr/>
               <p:nvPr/>
             </p:nvSpPr>
@@ -35588,7 +35291,7 @@
           </p:sp>
           <p:sp>
             <p:nvSpPr>
-              <p:cNvPr id="684" name="1:00"/>
+              <p:cNvPr id="683" name="1:00"/>
               <p:cNvSpPr txBox="1"/>
               <p:nvPr/>
             </p:nvSpPr>
@@ -35638,7 +35341,7 @@
           </p:sp>
           <p:sp>
             <p:nvSpPr>
-              <p:cNvPr id="685" name="Line"/>
+              <p:cNvPr id="684" name="Line"/>
               <p:cNvSpPr/>
               <p:nvPr/>
             </p:nvSpPr>
@@ -35684,7 +35387,7 @@
           </p:sp>
           <p:sp>
             <p:nvSpPr>
-              <p:cNvPr id="686" name="2:00"/>
+              <p:cNvPr id="685" name="2:00"/>
               <p:cNvSpPr txBox="1"/>
               <p:nvPr/>
             </p:nvSpPr>
@@ -35734,7 +35437,7 @@
           </p:sp>
           <p:sp>
             <p:nvSpPr>
-              <p:cNvPr id="687" name="Line"/>
+              <p:cNvPr id="686" name="Line"/>
               <p:cNvSpPr/>
               <p:nvPr/>
             </p:nvSpPr>
@@ -35780,7 +35483,7 @@
           </p:sp>
           <p:sp>
             <p:nvSpPr>
-              <p:cNvPr id="688" name="3:00"/>
+              <p:cNvPr id="687" name="3:00"/>
               <p:cNvSpPr txBox="1"/>
               <p:nvPr/>
             </p:nvSpPr>
@@ -35830,7 +35533,7 @@
           </p:sp>
           <p:sp>
             <p:nvSpPr>
-              <p:cNvPr id="689" name="Line"/>
+              <p:cNvPr id="688" name="Line"/>
               <p:cNvSpPr/>
               <p:nvPr/>
             </p:nvSpPr>
@@ -35876,7 +35579,7 @@
           </p:sp>
           <p:sp>
             <p:nvSpPr>
-              <p:cNvPr id="690" name="4:00"/>
+              <p:cNvPr id="689" name="4:00"/>
               <p:cNvSpPr txBox="1"/>
               <p:nvPr/>
             </p:nvSpPr>
@@ -35926,7 +35629,7 @@
           </p:sp>
           <p:sp>
             <p:nvSpPr>
-              <p:cNvPr id="691" name="Line"/>
+              <p:cNvPr id="690" name="Line"/>
               <p:cNvSpPr/>
               <p:nvPr/>
             </p:nvSpPr>
@@ -35975,7 +35678,7 @@
       </p:grpSp>
       <p:grpSp>
         <p:nvGrpSpPr>
-          <p:cNvPr id="781" name="Group"/>
+          <p:cNvPr id="780" name="Group"/>
           <p:cNvGrpSpPr/>
           <p:nvPr/>
         </p:nvGrpSpPr>
@@ -35989,7 +35692,7 @@
         </p:grpSpPr>
         <p:sp>
           <p:nvSpPr>
-            <p:cNvPr id="694" name="Durations track the passage of physical time, which deviates from clock time when irregularities occur.…"/>
+            <p:cNvPr id="693" name="Durations track the passage of physical time, which deviates from clock time when irregularities occur.…"/>
             <p:cNvSpPr txBox="1"/>
             <p:nvPr/>
           </p:nvSpPr>
@@ -36341,7 +36044,7 @@
         </p:sp>
         <p:grpSp>
           <p:nvGrpSpPr>
-            <p:cNvPr id="717" name="Group"/>
+            <p:cNvPr id="716" name="Group"/>
             <p:cNvGrpSpPr/>
             <p:nvPr/>
           </p:nvGrpSpPr>
@@ -36355,7 +36058,7 @@
           </p:grpSpPr>
           <p:grpSp>
             <p:nvGrpSpPr>
-              <p:cNvPr id="703" name="Group"/>
+              <p:cNvPr id="702" name="Group"/>
               <p:cNvGrpSpPr/>
               <p:nvPr/>
             </p:nvGrpSpPr>
@@ -36369,7 +36072,7 @@
             </p:grpSpPr>
             <p:sp>
               <p:nvSpPr>
-                <p:cNvPr id="695" name="Circle"/>
+                <p:cNvPr id="694" name="Circle"/>
                 <p:cNvSpPr/>
                 <p:nvPr/>
               </p:nvSpPr>
@@ -36377,6 +36080,51 @@
                 <a:xfrm>
                   <a:off x="0" y="228600"/>
                   <a:ext cx="127000" cy="127000"/>
+                </a:xfrm>
+                <a:prstGeom prst="ellipse">
+                  <a:avLst/>
+                </a:prstGeom>
+                <a:solidFill>
+                  <a:schemeClr val="accent4"/>
+                </a:solidFill>
+                <a:ln w="12700" cap="flat">
+                  <a:noFill/>
+                  <a:miter lim="400000"/>
+                </a:ln>
+                <a:effectLst/>
+              </p:spPr>
+              <p:txBody>
+                <a:bodyPr wrap="square" lIns="54570" tIns="54570" rIns="54570" bIns="54570" numCol="1" anchor="ctr">
+                  <a:noAutofit/>
+                </a:bodyPr>
+                <a:lstStyle/>
+                <a:p>
+                  <a:pPr>
+                    <a:lnSpc>
+                      <a:spcPct val="80000"/>
+                    </a:lnSpc>
+                    <a:spcBef>
+                      <a:spcPts val="0"/>
+                    </a:spcBef>
+                    <a:defRPr b="0">
+                      <a:solidFill>
+                        <a:srgbClr val="000000"/>
+                      </a:solidFill>
+                    </a:defRPr>
+                  </a:pPr>
+                </a:p>
+              </p:txBody>
+            </p:sp>
+            <p:sp>
+              <p:nvSpPr>
+                <p:cNvPr id="695" name="Circle"/>
+                <p:cNvSpPr/>
+                <p:nvPr/>
+              </p:nvSpPr>
+              <p:spPr>
+                <a:xfrm>
+                  <a:off x="130628" y="228600"/>
+                  <a:ext cx="127001" cy="127000"/>
                 </a:xfrm>
                 <a:prstGeom prst="ellipse">
                   <a:avLst/>
@@ -36420,7 +36168,7 @@
               </p:nvSpPr>
               <p:spPr>
                 <a:xfrm>
-                  <a:off x="130628" y="228600"/>
+                  <a:off x="261256" y="228600"/>
                   <a:ext cx="127001" cy="127000"/>
                 </a:xfrm>
                 <a:prstGeom prst="ellipse">
@@ -36465,7 +36213,7 @@
               </p:nvSpPr>
               <p:spPr>
                 <a:xfrm>
-                  <a:off x="261256" y="228600"/>
+                  <a:off x="391885" y="228600"/>
                   <a:ext cx="127001" cy="127000"/>
                 </a:xfrm>
                 <a:prstGeom prst="ellipse">
@@ -36510,7 +36258,7 @@
               </p:nvSpPr>
               <p:spPr>
                 <a:xfrm>
-                  <a:off x="391885" y="228600"/>
+                  <a:off x="522513" y="228600"/>
                   <a:ext cx="127001" cy="127000"/>
                 </a:xfrm>
                 <a:prstGeom prst="ellipse">
@@ -36555,7 +36303,7 @@
               </p:nvSpPr>
               <p:spPr>
                 <a:xfrm>
-                  <a:off x="522513" y="228600"/>
+                  <a:off x="653142" y="228600"/>
                   <a:ext cx="127001" cy="127000"/>
                 </a:xfrm>
                 <a:prstGeom prst="ellipse">
@@ -36600,7 +36348,7 @@
               </p:nvSpPr>
               <p:spPr>
                 <a:xfrm>
-                  <a:off x="653142" y="228600"/>
+                  <a:off x="783770" y="228600"/>
                   <a:ext cx="127001" cy="127000"/>
                 </a:xfrm>
                 <a:prstGeom prst="ellipse">
@@ -36645,51 +36393,6 @@
               </p:nvSpPr>
               <p:spPr>
                 <a:xfrm>
-                  <a:off x="783770" y="228600"/>
-                  <a:ext cx="127001" cy="127000"/>
-                </a:xfrm>
-                <a:prstGeom prst="ellipse">
-                  <a:avLst/>
-                </a:prstGeom>
-                <a:solidFill>
-                  <a:schemeClr val="accent4"/>
-                </a:solidFill>
-                <a:ln w="12700" cap="flat">
-                  <a:noFill/>
-                  <a:miter lim="400000"/>
-                </a:ln>
-                <a:effectLst/>
-              </p:spPr>
-              <p:txBody>
-                <a:bodyPr wrap="square" lIns="54570" tIns="54570" rIns="54570" bIns="54570" numCol="1" anchor="ctr">
-                  <a:noAutofit/>
-                </a:bodyPr>
-                <a:lstStyle/>
-                <a:p>
-                  <a:pPr>
-                    <a:lnSpc>
-                      <a:spcPct val="80000"/>
-                    </a:lnSpc>
-                    <a:spcBef>
-                      <a:spcPts val="0"/>
-                    </a:spcBef>
-                    <a:defRPr b="0">
-                      <a:solidFill>
-                        <a:srgbClr val="000000"/>
-                      </a:solidFill>
-                    </a:defRPr>
-                  </a:pPr>
-                </a:p>
-              </p:txBody>
-            </p:sp>
-            <p:sp>
-              <p:nvSpPr>
-                <p:cNvPr id="702" name="Circle"/>
-                <p:cNvSpPr/>
-                <p:nvPr/>
-              </p:nvSpPr>
-              <p:spPr>
-                <a:xfrm>
                   <a:off x="304799" y="0"/>
                   <a:ext cx="127001" cy="127000"/>
                 </a:xfrm>
@@ -36730,28 +36433,28 @@
           </p:grpSp>
           <p:grpSp>
             <p:nvGrpSpPr>
-              <p:cNvPr id="715" name="Group"/>
+              <p:cNvPr id="714" name="Group"/>
               <p:cNvGrpSpPr/>
               <p:nvPr/>
             </p:nvGrpSpPr>
             <p:grpSpPr>
               <a:xfrm>
-                <a:off x="0" y="94802"/>
-                <a:ext cx="2183287" cy="483128"/>
-                <a:chOff x="0" y="-228599"/>
+                <a:off x="-1" y="94802"/>
+                <a:ext cx="2183288" cy="483128"/>
+                <a:chOff x="0" y="0"/>
                 <a:chExt cx="2183286" cy="483126"/>
               </a:xfrm>
             </p:grpSpPr>
             <p:sp>
               <p:nvSpPr>
-                <p:cNvPr id="704" name="Line"/>
+                <p:cNvPr id="703" name="Line"/>
                 <p:cNvSpPr/>
                 <p:nvPr/>
               </p:nvSpPr>
               <p:spPr>
                 <a:xfrm flipV="1">
-                  <a:off x="161091" y="0"/>
-                  <a:ext cx="1" cy="103430"/>
+                  <a:off x="161091" y="228599"/>
+                  <a:ext cx="1" cy="103431"/>
                 </a:xfrm>
                 <a:prstGeom prst="line">
                   <a:avLst/>
@@ -36790,13 +36493,13 @@
             </p:sp>
             <p:sp>
               <p:nvSpPr>
-                <p:cNvPr id="705" name="12:00"/>
+                <p:cNvPr id="704" name="12:00"/>
                 <p:cNvSpPr txBox="1"/>
                 <p:nvPr/>
               </p:nvSpPr>
               <p:spPr>
                 <a:xfrm>
-                  <a:off x="0" y="38212"/>
+                  <a:off x="0" y="266812"/>
                   <a:ext cx="334885" cy="216315"/>
                 </a:xfrm>
                 <a:prstGeom prst="rect">
@@ -36840,14 +36543,14 @@
             </p:sp>
             <p:sp>
               <p:nvSpPr>
-                <p:cNvPr id="706" name="Line"/>
+                <p:cNvPr id="705" name="Line"/>
                 <p:cNvSpPr/>
                 <p:nvPr/>
               </p:nvSpPr>
               <p:spPr>
                 <a:xfrm flipV="1">
-                  <a:off x="764377" y="0"/>
-                  <a:ext cx="1" cy="103430"/>
+                  <a:off x="764377" y="228599"/>
+                  <a:ext cx="1" cy="103431"/>
                 </a:xfrm>
                 <a:prstGeom prst="line">
                   <a:avLst/>
@@ -36886,13 +36589,13 @@
             </p:sp>
             <p:sp>
               <p:nvSpPr>
-                <p:cNvPr id="707" name="1:00"/>
+                <p:cNvPr id="706" name="1:00"/>
                 <p:cNvSpPr txBox="1"/>
                 <p:nvPr/>
               </p:nvSpPr>
               <p:spPr>
                 <a:xfrm>
-                  <a:off x="603285" y="38212"/>
+                  <a:off x="603285" y="266812"/>
                   <a:ext cx="322186" cy="216315"/>
                 </a:xfrm>
                 <a:prstGeom prst="rect">
@@ -36936,13 +36639,13 @@
             </p:sp>
             <p:sp>
               <p:nvSpPr>
-                <p:cNvPr id="708" name="2:00"/>
+                <p:cNvPr id="707" name="2:00"/>
                 <p:cNvSpPr txBox="1"/>
                 <p:nvPr/>
               </p:nvSpPr>
               <p:spPr>
                 <a:xfrm>
-                  <a:off x="1206571" y="38212"/>
+                  <a:off x="1206571" y="266812"/>
                   <a:ext cx="322186" cy="216315"/>
                 </a:xfrm>
                 <a:prstGeom prst="rect">
@@ -36986,13 +36689,13 @@
             </p:sp>
             <p:sp>
               <p:nvSpPr>
-                <p:cNvPr id="709" name="Line"/>
+                <p:cNvPr id="708" name="Line"/>
                 <p:cNvSpPr/>
                 <p:nvPr/>
               </p:nvSpPr>
               <p:spPr>
                 <a:xfrm flipV="1">
-                  <a:off x="1970948" y="-228600"/>
+                  <a:off x="1970948" y="0"/>
                   <a:ext cx="1" cy="103430"/>
                 </a:xfrm>
                 <a:prstGeom prst="line">
@@ -37032,13 +36735,13 @@
             </p:sp>
             <p:sp>
               <p:nvSpPr>
-                <p:cNvPr id="710" name="3:00"/>
+                <p:cNvPr id="709" name="3:00"/>
                 <p:cNvSpPr txBox="1"/>
                 <p:nvPr/>
               </p:nvSpPr>
               <p:spPr>
                 <a:xfrm>
-                  <a:off x="1809856" y="38212"/>
+                  <a:off x="1809856" y="266812"/>
                   <a:ext cx="322186" cy="216315"/>
                 </a:xfrm>
                 <a:prstGeom prst="rect">
@@ -37082,13 +36785,13 @@
             </p:sp>
             <p:sp>
               <p:nvSpPr>
-                <p:cNvPr id="711" name="Line"/>
+                <p:cNvPr id="710" name="Line"/>
                 <p:cNvSpPr/>
                 <p:nvPr/>
               </p:nvSpPr>
               <p:spPr>
                 <a:xfrm>
-                  <a:off x="773601" y="-173711"/>
+                  <a:off x="773601" y="54889"/>
                   <a:ext cx="1409686" cy="1"/>
                 </a:xfrm>
                 <a:prstGeom prst="line">
@@ -37129,14 +36832,60 @@
             </p:sp>
             <p:sp>
               <p:nvSpPr>
+                <p:cNvPr id="711" name="Line"/>
+                <p:cNvSpPr/>
+                <p:nvPr/>
+              </p:nvSpPr>
+              <p:spPr>
+                <a:xfrm>
+                  <a:off x="38951" y="280314"/>
+                  <a:ext cx="1343388" cy="1"/>
+                </a:xfrm>
+                <a:prstGeom prst="line">
+                  <a:avLst/>
+                </a:prstGeom>
+                <a:noFill/>
+                <a:ln w="25400" cap="flat">
+                  <a:solidFill>
+                    <a:srgbClr val="53585F"/>
+                  </a:solidFill>
+                  <a:prstDash val="solid"/>
+                  <a:miter lim="400000"/>
+                </a:ln>
+                <a:effectLst/>
+              </p:spPr>
+              <p:txBody>
+                <a:bodyPr wrap="square" lIns="54570" tIns="54570" rIns="54570" bIns="54570" numCol="1" anchor="ctr">
+                  <a:noAutofit/>
+                </a:bodyPr>
+                <a:lstStyle/>
+                <a:p>
+                  <a:pPr>
+                    <a:lnSpc>
+                      <a:spcPct val="80000"/>
+                    </a:lnSpc>
+                    <a:spcBef>
+                      <a:spcPts val="600"/>
+                    </a:spcBef>
+                    <a:defRPr b="0">
+                      <a:solidFill>
+                        <a:srgbClr val="000000"/>
+                      </a:solidFill>
+                    </a:defRPr>
+                  </a:pPr>
+                </a:p>
+              </p:txBody>
+            </p:sp>
+            <p:sp>
+              <p:nvSpPr>
                 <p:cNvPr id="712" name="Line"/>
                 <p:cNvSpPr/>
                 <p:nvPr/>
               </p:nvSpPr>
               <p:spPr>
-                <a:xfrm>
-                  <a:off x="38951" y="51714"/>
-                  <a:ext cx="1343388" cy="1"/>
+                <a:xfrm flipV="1">
+                  <a:off x="764377" y="3175"/>
+                  <a:ext cx="1" cy="103430"/>
                 </a:xfrm>
                 <a:prstGeom prst="line">
                   <a:avLst/>
@@ -37181,53 +36930,7 @@
               </p:nvSpPr>
               <p:spPr>
                 <a:xfrm flipV="1">
-                  <a:off x="764377" y="-225425"/>
-                  <a:ext cx="1" cy="103430"/>
-                </a:xfrm>
-                <a:prstGeom prst="line">
-                  <a:avLst/>
-                </a:prstGeom>
-                <a:noFill/>
-                <a:ln w="25400" cap="flat">
-                  <a:solidFill>
-                    <a:srgbClr val="53585F"/>
-                  </a:solidFill>
-                  <a:prstDash val="solid"/>
-                  <a:miter lim="400000"/>
-                </a:ln>
-                <a:effectLst/>
-              </p:spPr>
-              <p:txBody>
-                <a:bodyPr wrap="square" lIns="54570" tIns="54570" rIns="54570" bIns="54570" numCol="1" anchor="ctr">
-                  <a:noAutofit/>
-                </a:bodyPr>
-                <a:lstStyle/>
-                <a:p>
-                  <a:pPr>
-                    <a:lnSpc>
-                      <a:spcPct val="80000"/>
-                    </a:lnSpc>
-                    <a:spcBef>
-                      <a:spcPts val="600"/>
-                    </a:spcBef>
-                    <a:defRPr b="0">
-                      <a:solidFill>
-                        <a:srgbClr val="000000"/>
-                      </a:solidFill>
-                    </a:defRPr>
-                  </a:pPr>
-                </a:p>
-              </p:txBody>
-            </p:sp>
-            <p:sp>
-              <p:nvSpPr>
-                <p:cNvPr id="714" name="Line"/>
-                <p:cNvSpPr/>
-                <p:nvPr/>
-              </p:nvSpPr>
-              <p:spPr>
-                <a:xfrm flipV="1">
-                  <a:off x="1367663" y="-225425"/>
+                  <a:off x="1367663" y="3175"/>
                   <a:ext cx="1" cy="103430"/>
                 </a:xfrm>
                 <a:prstGeom prst="line">
@@ -37268,7 +36971,7 @@
           </p:grpSp>
           <p:sp>
             <p:nvSpPr>
-              <p:cNvPr id="716" name="Line"/>
+              <p:cNvPr id="715" name="Line"/>
               <p:cNvSpPr/>
               <p:nvPr/>
             </p:nvSpPr>
@@ -37319,7 +37022,7 @@
         </p:grpSp>
         <p:grpSp>
           <p:nvGrpSpPr>
-            <p:cNvPr id="736" name="Group"/>
+            <p:cNvPr id="735" name="Group"/>
             <p:cNvGrpSpPr/>
             <p:nvPr/>
           </p:nvGrpSpPr>
@@ -37333,7 +37036,7 @@
           </p:grpSpPr>
           <p:grpSp>
             <p:nvGrpSpPr>
-              <p:cNvPr id="726" name="Group"/>
+              <p:cNvPr id="725" name="Group"/>
               <p:cNvGrpSpPr/>
               <p:nvPr/>
             </p:nvGrpSpPr>
@@ -37341,10 +37044,55 @@
               <a:xfrm>
                 <a:off x="393683" y="63519"/>
                 <a:ext cx="999672" cy="266701"/>
-                <a:chOff x="0" y="-12700"/>
+                <a:chOff x="0" y="0"/>
                 <a:chExt cx="999670" cy="266700"/>
               </a:xfrm>
             </p:grpSpPr>
+            <p:sp>
+              <p:nvSpPr>
+                <p:cNvPr id="717" name="Circle"/>
+                <p:cNvSpPr/>
+                <p:nvPr/>
+              </p:nvSpPr>
+              <p:spPr>
+                <a:xfrm>
+                  <a:off x="0" y="139700"/>
+                  <a:ext cx="127000" cy="127000"/>
+                </a:xfrm>
+                <a:prstGeom prst="ellipse">
+                  <a:avLst/>
+                </a:prstGeom>
+                <a:solidFill>
+                  <a:schemeClr val="accent4"/>
+                </a:solidFill>
+                <a:ln w="12700" cap="flat">
+                  <a:noFill/>
+                  <a:miter lim="400000"/>
+                </a:ln>
+                <a:effectLst/>
+              </p:spPr>
+              <p:txBody>
+                <a:bodyPr wrap="square" lIns="54570" tIns="54570" rIns="54570" bIns="54570" numCol="1" anchor="ctr">
+                  <a:noAutofit/>
+                </a:bodyPr>
+                <a:lstStyle/>
+                <a:p>
+                  <a:pPr>
+                    <a:lnSpc>
+                      <a:spcPct val="80000"/>
+                    </a:lnSpc>
+                    <a:spcBef>
+                      <a:spcPts val="0"/>
+                    </a:spcBef>
+                    <a:defRPr b="0">
+                      <a:solidFill>
+                        <a:srgbClr val="000000"/>
+                      </a:solidFill>
+                    </a:defRPr>
+                  </a:pPr>
+                </a:p>
+              </p:txBody>
+            </p:sp>
             <p:sp>
               <p:nvSpPr>
                 <p:cNvPr id="718" name="Circle"/>
@@ -37353,8 +37101,8 @@
               </p:nvSpPr>
               <p:spPr>
                 <a:xfrm>
-                  <a:off x="0" y="127000"/>
-                  <a:ext cx="127000" cy="127000"/>
+                  <a:off x="130628" y="139700"/>
+                  <a:ext cx="127001" cy="127000"/>
                 </a:xfrm>
                 <a:prstGeom prst="ellipse">
                   <a:avLst/>
@@ -37398,7 +37146,7 @@
               </p:nvSpPr>
               <p:spPr>
                 <a:xfrm>
-                  <a:off x="130628" y="127000"/>
+                  <a:off x="261256" y="139700"/>
                   <a:ext cx="127001" cy="127000"/>
                 </a:xfrm>
                 <a:prstGeom prst="ellipse">
@@ -37443,7 +37191,7 @@
               </p:nvSpPr>
               <p:spPr>
                 <a:xfrm>
-                  <a:off x="261256" y="127000"/>
+                  <a:off x="391885" y="139700"/>
                   <a:ext cx="127001" cy="127000"/>
                 </a:xfrm>
                 <a:prstGeom prst="ellipse">
@@ -37488,7 +37236,7 @@
               </p:nvSpPr>
               <p:spPr>
                 <a:xfrm>
-                  <a:off x="391885" y="127000"/>
+                  <a:off x="522513" y="139700"/>
                   <a:ext cx="127001" cy="127000"/>
                 </a:xfrm>
                 <a:prstGeom prst="ellipse">
@@ -37533,7 +37281,7 @@
               </p:nvSpPr>
               <p:spPr>
                 <a:xfrm>
-                  <a:off x="522513" y="127000"/>
+                  <a:off x="627742" y="63500"/>
                   <a:ext cx="127001" cy="127000"/>
                 </a:xfrm>
                 <a:prstGeom prst="ellipse">
@@ -37578,7 +37326,7 @@
               </p:nvSpPr>
               <p:spPr>
                 <a:xfrm>
-                  <a:off x="627742" y="50800"/>
+                  <a:off x="745670" y="0"/>
                   <a:ext cx="127001" cy="127000"/>
                 </a:xfrm>
                 <a:prstGeom prst="ellipse">
@@ -37623,52 +37371,7 @@
               </p:nvSpPr>
               <p:spPr>
                 <a:xfrm>
-                  <a:off x="745670" y="-12700"/>
-                  <a:ext cx="127001" cy="127000"/>
-                </a:xfrm>
-                <a:prstGeom prst="ellipse">
-                  <a:avLst/>
-                </a:prstGeom>
-                <a:solidFill>
-                  <a:schemeClr val="accent4"/>
-                </a:solidFill>
-                <a:ln w="12700" cap="flat">
-                  <a:noFill/>
-                  <a:miter lim="400000"/>
-                </a:ln>
-                <a:effectLst/>
-              </p:spPr>
-              <p:txBody>
-                <a:bodyPr wrap="square" lIns="54570" tIns="54570" rIns="54570" bIns="54570" numCol="1" anchor="ctr">
-                  <a:noAutofit/>
-                </a:bodyPr>
-                <a:lstStyle/>
-                <a:p>
-                  <a:pPr>
-                    <a:lnSpc>
-                      <a:spcPct val="80000"/>
-                    </a:lnSpc>
-                    <a:spcBef>
-                      <a:spcPts val="0"/>
-                    </a:spcBef>
-                    <a:defRPr b="0">
-                      <a:solidFill>
-                        <a:srgbClr val="000000"/>
-                      </a:solidFill>
-                    </a:defRPr>
-                  </a:pPr>
-                </a:p>
-              </p:txBody>
-            </p:sp>
-            <p:sp>
-              <p:nvSpPr>
-                <p:cNvPr id="725" name="Circle"/>
-                <p:cNvSpPr/>
-                <p:nvPr/>
-              </p:nvSpPr>
-              <p:spPr>
-                <a:xfrm>
-                  <a:off x="872670" y="25399"/>
+                  <a:off x="872670" y="38099"/>
                   <a:ext cx="127001" cy="127001"/>
                 </a:xfrm>
                 <a:prstGeom prst="ellipse">
@@ -37708,21 +37411,21 @@
           </p:grpSp>
           <p:grpSp>
             <p:nvGrpSpPr>
-              <p:cNvPr id="734" name="Group"/>
+              <p:cNvPr id="733" name="Group"/>
               <p:cNvGrpSpPr/>
               <p:nvPr/>
             </p:nvGrpSpPr>
             <p:grpSpPr>
               <a:xfrm>
-                <a:off x="0" y="213785"/>
-                <a:ext cx="2188214" cy="333809"/>
+                <a:off x="-1" y="213785"/>
+                <a:ext cx="2188215" cy="333809"/>
                 <a:chOff x="0" y="0"/>
                 <a:chExt cx="2188213" cy="333807"/>
               </a:xfrm>
             </p:grpSpPr>
             <p:sp>
               <p:nvSpPr>
-                <p:cNvPr id="727" name="Line"/>
+                <p:cNvPr id="726" name="Line"/>
                 <p:cNvSpPr/>
                 <p:nvPr/>
               </p:nvSpPr>
@@ -37768,7 +37471,7 @@
             </p:sp>
             <p:sp>
               <p:nvSpPr>
-                <p:cNvPr id="728" name="2019"/>
+                <p:cNvPr id="727" name="2019"/>
                 <p:cNvSpPr txBox="1"/>
                 <p:nvPr/>
               </p:nvSpPr>
@@ -37818,7 +37521,7 @@
             </p:sp>
             <p:sp>
               <p:nvSpPr>
-                <p:cNvPr id="729" name="Line"/>
+                <p:cNvPr id="728" name="Line"/>
                 <p:cNvSpPr/>
                 <p:nvPr/>
               </p:nvSpPr>
@@ -37864,7 +37567,7 @@
             </p:sp>
             <p:sp>
               <p:nvSpPr>
-                <p:cNvPr id="730" name="2020"/>
+                <p:cNvPr id="729" name="2020"/>
                 <p:cNvSpPr txBox="1"/>
                 <p:nvPr/>
               </p:nvSpPr>
@@ -37914,7 +37617,7 @@
             </p:sp>
             <p:sp>
               <p:nvSpPr>
-                <p:cNvPr id="731" name="Line"/>
+                <p:cNvPr id="730" name="Line"/>
                 <p:cNvSpPr/>
                 <p:nvPr/>
               </p:nvSpPr>
@@ -37960,7 +37663,7 @@
             </p:sp>
             <p:sp>
               <p:nvSpPr>
-                <p:cNvPr id="732" name="2021"/>
+                <p:cNvPr id="731" name="2021"/>
                 <p:cNvSpPr txBox="1"/>
                 <p:nvPr/>
               </p:nvSpPr>
@@ -38010,7 +37713,7 @@
             </p:sp>
             <p:sp>
               <p:nvSpPr>
-                <p:cNvPr id="733" name="Line"/>
+                <p:cNvPr id="732" name="Line"/>
                 <p:cNvSpPr/>
                 <p:nvPr/>
               </p:nvSpPr>
@@ -38098,7 +37801,7 @@
           </p:grpSp>
           <p:sp>
             <p:nvSpPr>
-              <p:cNvPr id="735" name="Line"/>
+              <p:cNvPr id="734" name="Line"/>
               <p:cNvSpPr/>
               <p:nvPr/>
             </p:nvSpPr>
@@ -38149,7 +37852,7 @@
         </p:grpSp>
         <p:grpSp>
           <p:nvGrpSpPr>
-            <p:cNvPr id="758" name="Group"/>
+            <p:cNvPr id="757" name="Group"/>
             <p:cNvGrpSpPr/>
             <p:nvPr/>
           </p:nvGrpSpPr>
@@ -38163,7 +37866,7 @@
           </p:grpSpPr>
           <p:grpSp>
             <p:nvGrpSpPr>
-              <p:cNvPr id="756" name="Group"/>
+              <p:cNvPr id="755" name="Group"/>
               <p:cNvGrpSpPr/>
               <p:nvPr/>
             </p:nvGrpSpPr>
@@ -38177,7 +37880,7 @@
             </p:grpSpPr>
             <p:grpSp>
               <p:nvGrpSpPr>
-                <p:cNvPr id="745" name="Group"/>
+                <p:cNvPr id="744" name="Group"/>
                 <p:cNvGrpSpPr/>
                 <p:nvPr/>
               </p:nvGrpSpPr>
@@ -38191,7 +37894,7 @@
               </p:grpSpPr>
               <p:sp>
                 <p:nvSpPr>
-                  <p:cNvPr id="737" name="Circle"/>
+                  <p:cNvPr id="736" name="Circle"/>
                   <p:cNvSpPr/>
                   <p:nvPr/>
                 </p:nvSpPr>
@@ -38236,7 +37939,7 @@
               </p:sp>
               <p:sp>
                 <p:nvSpPr>
-                  <p:cNvPr id="738" name="Circle"/>
+                  <p:cNvPr id="737" name="Circle"/>
                   <p:cNvSpPr/>
                   <p:nvPr/>
                 </p:nvSpPr>
@@ -38281,7 +37984,7 @@
               </p:sp>
               <p:sp>
                 <p:nvSpPr>
-                  <p:cNvPr id="739" name="Circle"/>
+                  <p:cNvPr id="738" name="Circle"/>
                   <p:cNvSpPr/>
                   <p:nvPr/>
                 </p:nvSpPr>
@@ -38326,7 +38029,7 @@
               </p:sp>
               <p:sp>
                 <p:nvSpPr>
-                  <p:cNvPr id="740" name="Circle"/>
+                  <p:cNvPr id="739" name="Circle"/>
                   <p:cNvSpPr/>
                   <p:nvPr/>
                 </p:nvSpPr>
@@ -38371,7 +38074,7 @@
               </p:sp>
               <p:sp>
                 <p:nvSpPr>
-                  <p:cNvPr id="741" name="Circle"/>
+                  <p:cNvPr id="740" name="Circle"/>
                   <p:cNvSpPr/>
                   <p:nvPr/>
                 </p:nvSpPr>
@@ -38416,7 +38119,7 @@
               </p:sp>
               <p:sp>
                 <p:nvSpPr>
-                  <p:cNvPr id="742" name="Circle"/>
+                  <p:cNvPr id="741" name="Circle"/>
                   <p:cNvSpPr/>
                   <p:nvPr/>
                 </p:nvSpPr>
@@ -38461,7 +38164,7 @@
               </p:sp>
               <p:sp>
                 <p:nvSpPr>
-                  <p:cNvPr id="743" name="Circle"/>
+                  <p:cNvPr id="742" name="Circle"/>
                   <p:cNvSpPr/>
                   <p:nvPr/>
                 </p:nvSpPr>
@@ -38506,7 +38209,7 @@
               </p:sp>
               <p:sp>
                 <p:nvSpPr>
-                  <p:cNvPr id="744" name="Circle"/>
+                  <p:cNvPr id="743" name="Circle"/>
                   <p:cNvSpPr/>
                   <p:nvPr/>
                 </p:nvSpPr>
@@ -38552,7 +38255,7 @@
             </p:grpSp>
             <p:grpSp>
               <p:nvGrpSpPr>
-                <p:cNvPr id="755" name="Group"/>
+                <p:cNvPr id="754" name="Group"/>
                 <p:cNvGrpSpPr/>
                 <p:nvPr/>
               </p:nvGrpSpPr>
@@ -38566,7 +38269,7 @@
               </p:grpSpPr>
               <p:sp>
                 <p:nvSpPr>
-                  <p:cNvPr id="746" name="Line"/>
+                  <p:cNvPr id="745" name="Line"/>
                   <p:cNvSpPr/>
                   <p:nvPr/>
                 </p:nvSpPr>
@@ -38612,7 +38315,7 @@
               </p:sp>
               <p:sp>
                 <p:nvSpPr>
-                  <p:cNvPr id="747" name="1:00"/>
+                  <p:cNvPr id="746" name="1:00"/>
                   <p:cNvSpPr txBox="1"/>
                   <p:nvPr/>
                 </p:nvSpPr>
@@ -38662,7 +38365,7 @@
               </p:sp>
               <p:sp>
                 <p:nvSpPr>
-                  <p:cNvPr id="748" name="2:00"/>
+                  <p:cNvPr id="747" name="2:00"/>
                   <p:cNvSpPr txBox="1"/>
                   <p:nvPr/>
                 </p:nvSpPr>
@@ -38712,7 +38415,7 @@
               </p:sp>
               <p:sp>
                 <p:nvSpPr>
-                  <p:cNvPr id="749" name="Line"/>
+                  <p:cNvPr id="748" name="Line"/>
                   <p:cNvSpPr/>
                   <p:nvPr/>
                 </p:nvSpPr>
@@ -38758,7 +38461,7 @@
               </p:sp>
               <p:sp>
                 <p:nvSpPr>
-                  <p:cNvPr id="750" name="3:00"/>
+                  <p:cNvPr id="749" name="3:00"/>
                   <p:cNvSpPr txBox="1"/>
                   <p:nvPr/>
                 </p:nvSpPr>
@@ -38808,7 +38511,7 @@
               </p:sp>
               <p:sp>
                 <p:nvSpPr>
-                  <p:cNvPr id="751" name="Line"/>
+                  <p:cNvPr id="750" name="Line"/>
                   <p:cNvSpPr/>
                   <p:nvPr/>
                 </p:nvSpPr>
@@ -38854,7 +38557,7 @@
               </p:sp>
               <p:sp>
                 <p:nvSpPr>
-                  <p:cNvPr id="752" name="4:00"/>
+                  <p:cNvPr id="751" name="4:00"/>
                   <p:cNvSpPr txBox="1"/>
                   <p:nvPr/>
                 </p:nvSpPr>
@@ -38904,7 +38607,7 @@
               </p:sp>
               <p:sp>
                 <p:nvSpPr>
-                  <p:cNvPr id="753" name="Line"/>
+                  <p:cNvPr id="752" name="Line"/>
                   <p:cNvSpPr/>
                   <p:nvPr/>
                 </p:nvSpPr>
@@ -38951,7 +38654,7 @@
               </p:sp>
               <p:sp>
                 <p:nvSpPr>
-                  <p:cNvPr id="754" name="Line"/>
+                  <p:cNvPr id="753" name="Line"/>
                   <p:cNvSpPr/>
                   <p:nvPr/>
                 </p:nvSpPr>
@@ -38999,7 +38702,7 @@
           </p:grpSp>
           <p:sp>
             <p:nvSpPr>
-              <p:cNvPr id="757" name="Line"/>
+              <p:cNvPr id="756" name="Line"/>
               <p:cNvSpPr/>
               <p:nvPr/>
             </p:nvSpPr>
@@ -39050,7 +38753,7 @@
         </p:grpSp>
         <p:grpSp>
           <p:nvGrpSpPr>
-            <p:cNvPr id="780" name="Group"/>
+            <p:cNvPr id="779" name="Group"/>
             <p:cNvGrpSpPr/>
             <p:nvPr/>
           </p:nvGrpSpPr>
@@ -39064,7 +38767,7 @@
           </p:grpSpPr>
           <p:grpSp>
             <p:nvGrpSpPr>
-              <p:cNvPr id="778" name="Group"/>
+              <p:cNvPr id="777" name="Group"/>
               <p:cNvGrpSpPr/>
               <p:nvPr/>
             </p:nvGrpSpPr>
@@ -39078,7 +38781,7 @@
             </p:grpSpPr>
             <p:grpSp>
               <p:nvGrpSpPr>
-                <p:cNvPr id="767" name="Group"/>
+                <p:cNvPr id="766" name="Group"/>
                 <p:cNvGrpSpPr/>
                 <p:nvPr/>
               </p:nvGrpSpPr>
@@ -39092,7 +38795,7 @@
               </p:grpSpPr>
               <p:sp>
                 <p:nvSpPr>
-                  <p:cNvPr id="759" name="Circle"/>
+                  <p:cNvPr id="758" name="Circle"/>
                   <p:cNvSpPr/>
                   <p:nvPr/>
                 </p:nvSpPr>
@@ -39137,7 +38840,7 @@
               </p:sp>
               <p:sp>
                 <p:nvSpPr>
-                  <p:cNvPr id="760" name="Circle"/>
+                  <p:cNvPr id="759" name="Circle"/>
                   <p:cNvSpPr/>
                   <p:nvPr/>
                 </p:nvSpPr>
@@ -39182,7 +38885,7 @@
               </p:sp>
               <p:sp>
                 <p:nvSpPr>
-                  <p:cNvPr id="761" name="Circle"/>
+                  <p:cNvPr id="760" name="Circle"/>
                   <p:cNvSpPr/>
                   <p:nvPr/>
                 </p:nvSpPr>
@@ -39227,7 +38930,7 @@
               </p:sp>
               <p:sp>
                 <p:nvSpPr>
-                  <p:cNvPr id="762" name="Circle"/>
+                  <p:cNvPr id="761" name="Circle"/>
                   <p:cNvSpPr/>
                   <p:nvPr/>
                 </p:nvSpPr>
@@ -39272,7 +38975,7 @@
               </p:sp>
               <p:sp>
                 <p:nvSpPr>
-                  <p:cNvPr id="763" name="Circle"/>
+                  <p:cNvPr id="762" name="Circle"/>
                   <p:cNvSpPr/>
                   <p:nvPr/>
                 </p:nvSpPr>
@@ -39317,7 +39020,7 @@
               </p:sp>
               <p:sp>
                 <p:nvSpPr>
-                  <p:cNvPr id="764" name="Circle"/>
+                  <p:cNvPr id="763" name="Circle"/>
                   <p:cNvSpPr/>
                   <p:nvPr/>
                 </p:nvSpPr>
@@ -39362,7 +39065,7 @@
               </p:sp>
               <p:sp>
                 <p:nvSpPr>
-                  <p:cNvPr id="765" name="Circle"/>
+                  <p:cNvPr id="764" name="Circle"/>
                   <p:cNvSpPr/>
                   <p:nvPr/>
                 </p:nvSpPr>
@@ -39407,7 +39110,7 @@
               </p:sp>
               <p:sp>
                 <p:nvSpPr>
-                  <p:cNvPr id="766" name="Circle"/>
+                  <p:cNvPr id="765" name="Circle"/>
                   <p:cNvSpPr/>
                   <p:nvPr/>
                 </p:nvSpPr>
@@ -39453,21 +39156,21 @@
             </p:grpSp>
             <p:grpSp>
               <p:nvGrpSpPr>
-                <p:cNvPr id="777" name="Group"/>
+                <p:cNvPr id="776" name="Group"/>
                 <p:cNvGrpSpPr/>
                 <p:nvPr/>
               </p:nvGrpSpPr>
               <p:grpSpPr>
                 <a:xfrm>
-                  <a:off x="0" y="86347"/>
-                  <a:ext cx="2183287" cy="254528"/>
+                  <a:off x="-1" y="86347"/>
+                  <a:ext cx="2183288" cy="254528"/>
                   <a:chOff x="0" y="0"/>
                   <a:chExt cx="2183286" cy="254526"/>
                 </a:xfrm>
               </p:grpSpPr>
               <p:sp>
                 <p:nvSpPr>
-                  <p:cNvPr id="768" name="Line"/>
+                  <p:cNvPr id="767" name="Line"/>
                   <p:cNvSpPr/>
                   <p:nvPr/>
                 </p:nvSpPr>
@@ -39513,7 +39216,7 @@
               </p:sp>
               <p:sp>
                 <p:nvSpPr>
-                  <p:cNvPr id="769" name="1:00"/>
+                  <p:cNvPr id="768" name="1:00"/>
                   <p:cNvSpPr txBox="1"/>
                   <p:nvPr/>
                 </p:nvSpPr>
@@ -39563,7 +39266,7 @@
               </p:sp>
               <p:sp>
                 <p:nvSpPr>
-                  <p:cNvPr id="770" name="Line"/>
+                  <p:cNvPr id="769" name="Line"/>
                   <p:cNvSpPr/>
                   <p:nvPr/>
                 </p:nvSpPr>
@@ -39609,7 +39312,7 @@
               </p:sp>
               <p:sp>
                 <p:nvSpPr>
-                  <p:cNvPr id="771" name="2:00"/>
+                  <p:cNvPr id="770" name="2:00"/>
                   <p:cNvSpPr txBox="1"/>
                   <p:nvPr/>
                 </p:nvSpPr>
@@ -39659,7 +39362,7 @@
               </p:sp>
               <p:sp>
                 <p:nvSpPr>
-                  <p:cNvPr id="772" name="Line"/>
+                  <p:cNvPr id="771" name="Line"/>
                   <p:cNvSpPr/>
                   <p:nvPr/>
                 </p:nvSpPr>
@@ -39705,7 +39408,7 @@
               </p:sp>
               <p:sp>
                 <p:nvSpPr>
-                  <p:cNvPr id="773" name="3:00"/>
+                  <p:cNvPr id="772" name="3:00"/>
                   <p:cNvSpPr txBox="1"/>
                   <p:nvPr/>
                 </p:nvSpPr>
@@ -39755,7 +39458,7 @@
               </p:sp>
               <p:sp>
                 <p:nvSpPr>
-                  <p:cNvPr id="774" name="Line"/>
+                  <p:cNvPr id="773" name="Line"/>
                   <p:cNvSpPr/>
                   <p:nvPr/>
                 </p:nvSpPr>
@@ -39801,7 +39504,7 @@
               </p:sp>
               <p:sp>
                 <p:nvSpPr>
-                  <p:cNvPr id="775" name="4:00"/>
+                  <p:cNvPr id="774" name="4:00"/>
                   <p:cNvSpPr txBox="1"/>
                   <p:nvPr/>
                 </p:nvSpPr>
@@ -39851,7 +39554,7 @@
               </p:sp>
               <p:sp>
                 <p:nvSpPr>
-                  <p:cNvPr id="776" name="Line"/>
+                  <p:cNvPr id="775" name="Line"/>
                   <p:cNvSpPr/>
                   <p:nvPr/>
                 </p:nvSpPr>
@@ -39900,7 +39603,7 @@
           </p:grpSp>
           <p:sp>
             <p:nvSpPr>
-              <p:cNvPr id="779" name="Line"/>
+              <p:cNvPr id="778" name="Line"/>
               <p:cNvSpPr/>
               <p:nvPr/>
             </p:nvSpPr>
@@ -39952,7 +39655,7 @@
       </p:grpSp>
       <p:grpSp>
         <p:nvGrpSpPr>
-          <p:cNvPr id="836" name="Group"/>
+          <p:cNvPr id="835" name="Group"/>
           <p:cNvGrpSpPr/>
           <p:nvPr/>
         </p:nvGrpSpPr>
@@ -39966,7 +39669,7 @@
         </p:grpSpPr>
         <p:sp>
           <p:nvSpPr>
-            <p:cNvPr id="782" name="Periods track changes in clock times, which ignore time line irregularities.…"/>
+            <p:cNvPr id="781" name="Periods track changes in clock times, which ignore time line irregularities.…"/>
             <p:cNvSpPr txBox="1"/>
             <p:nvPr/>
           </p:nvSpPr>
@@ -40333,7 +40036,7 @@
         </p:sp>
         <p:grpSp>
           <p:nvGrpSpPr>
-            <p:cNvPr id="797" name="Group"/>
+            <p:cNvPr id="796" name="Group"/>
             <p:cNvGrpSpPr/>
             <p:nvPr/>
           </p:nvGrpSpPr>
@@ -40347,7 +40050,7 @@
           </p:grpSpPr>
           <p:sp>
             <p:nvSpPr>
-              <p:cNvPr id="783" name="Rectangle"/>
+              <p:cNvPr id="782" name="Rectangle"/>
               <p:cNvSpPr/>
               <p:nvPr/>
             </p:nvSpPr>
@@ -40395,28 +40098,28 @@
           </p:sp>
           <p:grpSp>
             <p:nvGrpSpPr>
-              <p:cNvPr id="795" name="Group"/>
+              <p:cNvPr id="794" name="Group"/>
               <p:cNvGrpSpPr/>
               <p:nvPr/>
             </p:nvGrpSpPr>
             <p:grpSpPr>
               <a:xfrm>
-                <a:off x="0" y="94240"/>
-                <a:ext cx="2183287" cy="483128"/>
-                <a:chOff x="0" y="-228599"/>
+                <a:off x="-1" y="94240"/>
+                <a:ext cx="2183288" cy="483128"/>
+                <a:chOff x="0" y="0"/>
                 <a:chExt cx="2183286" cy="483126"/>
               </a:xfrm>
             </p:grpSpPr>
             <p:sp>
               <p:nvSpPr>
-                <p:cNvPr id="784" name="Line"/>
+                <p:cNvPr id="783" name="Line"/>
                 <p:cNvSpPr/>
                 <p:nvPr/>
               </p:nvSpPr>
               <p:spPr>
                 <a:xfrm flipV="1">
-                  <a:off x="161091" y="0"/>
-                  <a:ext cx="1" cy="103430"/>
+                  <a:off x="161091" y="228599"/>
+                  <a:ext cx="1" cy="103431"/>
                 </a:xfrm>
                 <a:prstGeom prst="line">
                   <a:avLst/>
@@ -40455,13 +40158,13 @@
             </p:sp>
             <p:sp>
               <p:nvSpPr>
-                <p:cNvPr id="785" name="12:00"/>
+                <p:cNvPr id="784" name="12:00"/>
                 <p:cNvSpPr txBox="1"/>
                 <p:nvPr/>
               </p:nvSpPr>
               <p:spPr>
                 <a:xfrm>
-                  <a:off x="0" y="38212"/>
+                  <a:off x="0" y="266812"/>
                   <a:ext cx="334885" cy="216315"/>
                 </a:xfrm>
                 <a:prstGeom prst="rect">
@@ -40505,14 +40208,14 @@
             </p:sp>
             <p:sp>
               <p:nvSpPr>
-                <p:cNvPr id="786" name="Line"/>
+                <p:cNvPr id="785" name="Line"/>
                 <p:cNvSpPr/>
                 <p:nvPr/>
               </p:nvSpPr>
               <p:spPr>
                 <a:xfrm flipV="1">
-                  <a:off x="764377" y="0"/>
-                  <a:ext cx="1" cy="103430"/>
+                  <a:off x="764377" y="228599"/>
+                  <a:ext cx="1" cy="103431"/>
                 </a:xfrm>
                 <a:prstGeom prst="line">
                   <a:avLst/>
@@ -40551,13 +40254,13 @@
             </p:sp>
             <p:sp>
               <p:nvSpPr>
-                <p:cNvPr id="787" name="1:00"/>
+                <p:cNvPr id="786" name="1:00"/>
                 <p:cNvSpPr txBox="1"/>
                 <p:nvPr/>
               </p:nvSpPr>
               <p:spPr>
                 <a:xfrm>
-                  <a:off x="603285" y="38212"/>
+                  <a:off x="603285" y="266812"/>
                   <a:ext cx="322186" cy="216315"/>
                 </a:xfrm>
                 <a:prstGeom prst="rect">
@@ -40601,13 +40304,13 @@
             </p:sp>
             <p:sp>
               <p:nvSpPr>
-                <p:cNvPr id="788" name="2:00"/>
+                <p:cNvPr id="787" name="2:00"/>
                 <p:cNvSpPr txBox="1"/>
                 <p:nvPr/>
               </p:nvSpPr>
               <p:spPr>
                 <a:xfrm>
-                  <a:off x="1206571" y="38212"/>
+                  <a:off x="1206571" y="266812"/>
                   <a:ext cx="322186" cy="216315"/>
                 </a:xfrm>
                 <a:prstGeom prst="rect">
@@ -40651,13 +40354,13 @@
             </p:sp>
             <p:sp>
               <p:nvSpPr>
-                <p:cNvPr id="789" name="Line"/>
+                <p:cNvPr id="788" name="Line"/>
                 <p:cNvSpPr/>
                 <p:nvPr/>
               </p:nvSpPr>
               <p:spPr>
                 <a:xfrm flipV="1">
-                  <a:off x="1970948" y="-228600"/>
+                  <a:off x="1970948" y="0"/>
                   <a:ext cx="1" cy="103430"/>
                 </a:xfrm>
                 <a:prstGeom prst="line">
@@ -40697,13 +40400,13 @@
             </p:sp>
             <p:sp>
               <p:nvSpPr>
-                <p:cNvPr id="790" name="3:00"/>
+                <p:cNvPr id="789" name="3:00"/>
                 <p:cNvSpPr txBox="1"/>
                 <p:nvPr/>
               </p:nvSpPr>
               <p:spPr>
                 <a:xfrm>
-                  <a:off x="1809856" y="38212"/>
+                  <a:off x="1809856" y="266812"/>
                   <a:ext cx="322186" cy="216315"/>
                 </a:xfrm>
                 <a:prstGeom prst="rect">
@@ -40747,13 +40450,13 @@
             </p:sp>
             <p:sp>
               <p:nvSpPr>
-                <p:cNvPr id="791" name="Line"/>
+                <p:cNvPr id="790" name="Line"/>
                 <p:cNvSpPr/>
                 <p:nvPr/>
               </p:nvSpPr>
               <p:spPr>
                 <a:xfrm>
-                  <a:off x="773601" y="-173711"/>
+                  <a:off x="773601" y="54889"/>
                   <a:ext cx="1409686" cy="1"/>
                 </a:xfrm>
                 <a:prstGeom prst="line">
@@ -40794,14 +40497,60 @@
             </p:sp>
             <p:sp>
               <p:nvSpPr>
+                <p:cNvPr id="791" name="Line"/>
+                <p:cNvSpPr/>
+                <p:nvPr/>
+              </p:nvSpPr>
+              <p:spPr>
+                <a:xfrm>
+                  <a:off x="38951" y="280314"/>
+                  <a:ext cx="1343388" cy="1"/>
+                </a:xfrm>
+                <a:prstGeom prst="line">
+                  <a:avLst/>
+                </a:prstGeom>
+                <a:noFill/>
+                <a:ln w="25400" cap="flat">
+                  <a:solidFill>
+                    <a:srgbClr val="53585F"/>
+                  </a:solidFill>
+                  <a:prstDash val="solid"/>
+                  <a:miter lim="400000"/>
+                </a:ln>
+                <a:effectLst/>
+              </p:spPr>
+              <p:txBody>
+                <a:bodyPr wrap="square" lIns="54570" tIns="54570" rIns="54570" bIns="54570" numCol="1" anchor="ctr">
+                  <a:noAutofit/>
+                </a:bodyPr>
+                <a:lstStyle/>
+                <a:p>
+                  <a:pPr>
+                    <a:lnSpc>
+                      <a:spcPct val="80000"/>
+                    </a:lnSpc>
+                    <a:spcBef>
+                      <a:spcPts val="600"/>
+                    </a:spcBef>
+                    <a:defRPr b="0">
+                      <a:solidFill>
+                        <a:srgbClr val="000000"/>
+                      </a:solidFill>
+                    </a:defRPr>
+                  </a:pPr>
+                </a:p>
+              </p:txBody>
+            </p:sp>
+            <p:sp>
+              <p:nvSpPr>
                 <p:cNvPr id="792" name="Line"/>
                 <p:cNvSpPr/>
                 <p:nvPr/>
               </p:nvSpPr>
               <p:spPr>
-                <a:xfrm>
-                  <a:off x="38951" y="51714"/>
-                  <a:ext cx="1343388" cy="1"/>
+                <a:xfrm flipV="1">
+                  <a:off x="764377" y="3175"/>
+                  <a:ext cx="1" cy="103430"/>
                 </a:xfrm>
                 <a:prstGeom prst="line">
                   <a:avLst/>
@@ -40846,53 +40595,7 @@
               </p:nvSpPr>
               <p:spPr>
                 <a:xfrm flipV="1">
-                  <a:off x="764377" y="-225425"/>
-                  <a:ext cx="1" cy="103430"/>
-                </a:xfrm>
-                <a:prstGeom prst="line">
-                  <a:avLst/>
-                </a:prstGeom>
-                <a:noFill/>
-                <a:ln w="25400" cap="flat">
-                  <a:solidFill>
-                    <a:srgbClr val="53585F"/>
-                  </a:solidFill>
-                  <a:prstDash val="solid"/>
-                  <a:miter lim="400000"/>
-                </a:ln>
-                <a:effectLst/>
-              </p:spPr>
-              <p:txBody>
-                <a:bodyPr wrap="square" lIns="54570" tIns="54570" rIns="54570" bIns="54570" numCol="1" anchor="ctr">
-                  <a:noAutofit/>
-                </a:bodyPr>
-                <a:lstStyle/>
-                <a:p>
-                  <a:pPr>
-                    <a:lnSpc>
-                      <a:spcPct val="80000"/>
-                    </a:lnSpc>
-                    <a:spcBef>
-                      <a:spcPts val="600"/>
-                    </a:spcBef>
-                    <a:defRPr b="0">
-                      <a:solidFill>
-                        <a:srgbClr val="000000"/>
-                      </a:solidFill>
-                    </a:defRPr>
-                  </a:pPr>
-                </a:p>
-              </p:txBody>
-            </p:sp>
-            <p:sp>
-              <p:nvSpPr>
-                <p:cNvPr id="794" name="Line"/>
-                <p:cNvSpPr/>
-                <p:nvPr/>
-              </p:nvSpPr>
-              <p:spPr>
-                <a:xfrm flipV="1">
-                  <a:off x="1367663" y="-225425"/>
+                  <a:off x="1367663" y="3175"/>
                   <a:ext cx="1" cy="103430"/>
                 </a:xfrm>
                 <a:prstGeom prst="line">
@@ -40933,7 +40636,7 @@
           </p:grpSp>
           <p:sp>
             <p:nvSpPr>
-              <p:cNvPr id="796" name="Line"/>
+              <p:cNvPr id="795" name="Line"/>
               <p:cNvSpPr/>
               <p:nvPr/>
             </p:nvSpPr>
@@ -40984,7 +40687,7 @@
         </p:grpSp>
         <p:grpSp>
           <p:nvGrpSpPr>
-            <p:cNvPr id="810" name="Group"/>
+            <p:cNvPr id="809" name="Group"/>
             <p:cNvGrpSpPr/>
             <p:nvPr/>
           </p:nvGrpSpPr>
@@ -40998,7 +40701,7 @@
           </p:grpSpPr>
           <p:sp>
             <p:nvSpPr>
-              <p:cNvPr id="798" name="Rectangle"/>
+              <p:cNvPr id="797" name="Rectangle"/>
               <p:cNvSpPr/>
               <p:nvPr/>
             </p:nvSpPr>
@@ -41046,7 +40749,7 @@
           </p:sp>
           <p:grpSp>
             <p:nvGrpSpPr>
-              <p:cNvPr id="808" name="Group"/>
+              <p:cNvPr id="807" name="Group"/>
               <p:cNvGrpSpPr/>
               <p:nvPr/>
             </p:nvGrpSpPr>
@@ -41060,7 +40763,7 @@
             </p:grpSpPr>
             <p:sp>
               <p:nvSpPr>
-                <p:cNvPr id="799" name="Line"/>
+                <p:cNvPr id="798" name="Line"/>
                 <p:cNvSpPr/>
                 <p:nvPr/>
               </p:nvSpPr>
@@ -41106,7 +40809,7 @@
             </p:sp>
             <p:sp>
               <p:nvSpPr>
-                <p:cNvPr id="800" name="1:00"/>
+                <p:cNvPr id="799" name="1:00"/>
                 <p:cNvSpPr txBox="1"/>
                 <p:nvPr/>
               </p:nvSpPr>
@@ -41156,7 +40859,7 @@
             </p:sp>
             <p:sp>
               <p:nvSpPr>
-                <p:cNvPr id="801" name="2:00"/>
+                <p:cNvPr id="800" name="2:00"/>
                 <p:cNvSpPr txBox="1"/>
                 <p:nvPr/>
               </p:nvSpPr>
@@ -41206,7 +40909,7 @@
             </p:sp>
             <p:sp>
               <p:nvSpPr>
-                <p:cNvPr id="802" name="Line"/>
+                <p:cNvPr id="801" name="Line"/>
                 <p:cNvSpPr/>
                 <p:nvPr/>
               </p:nvSpPr>
@@ -41252,7 +40955,7 @@
             </p:sp>
             <p:sp>
               <p:nvSpPr>
-                <p:cNvPr id="803" name="3:00"/>
+                <p:cNvPr id="802" name="3:00"/>
                 <p:cNvSpPr txBox="1"/>
                 <p:nvPr/>
               </p:nvSpPr>
@@ -41302,7 +41005,7 @@
             </p:sp>
             <p:sp>
               <p:nvSpPr>
-                <p:cNvPr id="804" name="Line"/>
+                <p:cNvPr id="803" name="Line"/>
                 <p:cNvSpPr/>
                 <p:nvPr/>
               </p:nvSpPr>
@@ -41348,7 +41051,7 @@
             </p:sp>
             <p:sp>
               <p:nvSpPr>
-                <p:cNvPr id="805" name="4:00"/>
+                <p:cNvPr id="804" name="4:00"/>
                 <p:cNvSpPr txBox="1"/>
                 <p:nvPr/>
               </p:nvSpPr>
@@ -41398,7 +41101,7 @@
             </p:sp>
             <p:sp>
               <p:nvSpPr>
-                <p:cNvPr id="806" name="Line"/>
+                <p:cNvPr id="805" name="Line"/>
                 <p:cNvSpPr/>
                 <p:nvPr/>
               </p:nvSpPr>
@@ -41445,7 +41148,7 @@
             </p:sp>
             <p:sp>
               <p:nvSpPr>
-                <p:cNvPr id="807" name="Line"/>
+                <p:cNvPr id="806" name="Line"/>
                 <p:cNvSpPr/>
                 <p:nvPr/>
               </p:nvSpPr>
@@ -41492,7 +41195,7 @@
           </p:grpSp>
           <p:sp>
             <p:nvSpPr>
-              <p:cNvPr id="809" name="Line"/>
+              <p:cNvPr id="808" name="Line"/>
               <p:cNvSpPr/>
               <p:nvPr/>
             </p:nvSpPr>
@@ -41543,7 +41246,7 @@
         </p:grpSp>
         <p:grpSp>
           <p:nvGrpSpPr>
-            <p:cNvPr id="823" name="Group"/>
+            <p:cNvPr id="822" name="Group"/>
             <p:cNvGrpSpPr/>
             <p:nvPr/>
           </p:nvGrpSpPr>
@@ -41557,7 +41260,7 @@
           </p:grpSpPr>
           <p:sp>
             <p:nvSpPr>
-              <p:cNvPr id="811" name="Rectangle"/>
+              <p:cNvPr id="810" name="Rectangle"/>
               <p:cNvSpPr/>
               <p:nvPr/>
             </p:nvSpPr>
@@ -41605,21 +41308,21 @@
           </p:sp>
           <p:grpSp>
             <p:nvGrpSpPr>
-              <p:cNvPr id="821" name="Group"/>
+              <p:cNvPr id="820" name="Group"/>
               <p:cNvGrpSpPr/>
               <p:nvPr/>
             </p:nvGrpSpPr>
             <p:grpSpPr>
               <a:xfrm>
-                <a:off x="0" y="306843"/>
-                <a:ext cx="2183287" cy="254527"/>
+                <a:off x="-1" y="306843"/>
+                <a:ext cx="2183288" cy="254527"/>
                 <a:chOff x="0" y="0"/>
                 <a:chExt cx="2183286" cy="254526"/>
               </a:xfrm>
             </p:grpSpPr>
             <p:sp>
               <p:nvSpPr>
-                <p:cNvPr id="812" name="Line"/>
+                <p:cNvPr id="811" name="Line"/>
                 <p:cNvSpPr/>
                 <p:nvPr/>
               </p:nvSpPr>
@@ -41665,7 +41368,7 @@
             </p:sp>
             <p:sp>
               <p:nvSpPr>
-                <p:cNvPr id="813" name="1:00"/>
+                <p:cNvPr id="812" name="1:00"/>
                 <p:cNvSpPr txBox="1"/>
                 <p:nvPr/>
               </p:nvSpPr>
@@ -41715,7 +41418,7 @@
             </p:sp>
             <p:sp>
               <p:nvSpPr>
-                <p:cNvPr id="814" name="Line"/>
+                <p:cNvPr id="813" name="Line"/>
                 <p:cNvSpPr/>
                 <p:nvPr/>
               </p:nvSpPr>
@@ -41761,7 +41464,7 @@
             </p:sp>
             <p:sp>
               <p:nvSpPr>
-                <p:cNvPr id="815" name="2:00"/>
+                <p:cNvPr id="814" name="2:00"/>
                 <p:cNvSpPr txBox="1"/>
                 <p:nvPr/>
               </p:nvSpPr>
@@ -41811,7 +41514,7 @@
             </p:sp>
             <p:sp>
               <p:nvSpPr>
-                <p:cNvPr id="816" name="Line"/>
+                <p:cNvPr id="815" name="Line"/>
                 <p:cNvSpPr/>
                 <p:nvPr/>
               </p:nvSpPr>
@@ -41857,7 +41560,7 @@
             </p:sp>
             <p:sp>
               <p:nvSpPr>
-                <p:cNvPr id="817" name="3:00"/>
+                <p:cNvPr id="816" name="3:00"/>
                 <p:cNvSpPr txBox="1"/>
                 <p:nvPr/>
               </p:nvSpPr>
@@ -41907,7 +41610,7 @@
             </p:sp>
             <p:sp>
               <p:nvSpPr>
-                <p:cNvPr id="818" name="Line"/>
+                <p:cNvPr id="817" name="Line"/>
                 <p:cNvSpPr/>
                 <p:nvPr/>
               </p:nvSpPr>
@@ -41953,7 +41656,7 @@
             </p:sp>
             <p:sp>
               <p:nvSpPr>
-                <p:cNvPr id="819" name="4:00"/>
+                <p:cNvPr id="818" name="4:00"/>
                 <p:cNvSpPr txBox="1"/>
                 <p:nvPr/>
               </p:nvSpPr>
@@ -42003,7 +41706,7 @@
             </p:sp>
             <p:sp>
               <p:nvSpPr>
-                <p:cNvPr id="820" name="Line"/>
+                <p:cNvPr id="819" name="Line"/>
                 <p:cNvSpPr/>
                 <p:nvPr/>
               </p:nvSpPr>
@@ -42051,7 +41754,7 @@
           </p:grpSp>
           <p:sp>
             <p:nvSpPr>
-              <p:cNvPr id="822" name="Line"/>
+              <p:cNvPr id="821" name="Line"/>
               <p:cNvSpPr/>
               <p:nvPr/>
             </p:nvSpPr>
@@ -42102,7 +41805,7 @@
         </p:grpSp>
         <p:grpSp>
           <p:nvGrpSpPr>
-            <p:cNvPr id="835" name="Group"/>
+            <p:cNvPr id="834" name="Group"/>
             <p:cNvGrpSpPr/>
             <p:nvPr/>
           </p:nvGrpSpPr>
@@ -42116,7 +41819,7 @@
           </p:grpSpPr>
           <p:grpSp>
             <p:nvGrpSpPr>
-              <p:cNvPr id="826" name="Group"/>
+              <p:cNvPr id="825" name="Group"/>
               <p:cNvGrpSpPr/>
               <p:nvPr/>
             </p:nvGrpSpPr>
@@ -42124,19 +41827,19 @@
               <a:xfrm>
                 <a:off x="426303" y="0"/>
                 <a:ext cx="955922" cy="364430"/>
-                <a:chOff x="426303" y="0"/>
+                <a:chOff x="0" y="0"/>
                 <a:chExt cx="955921" cy="364429"/>
               </a:xfrm>
             </p:grpSpPr>
             <p:sp>
               <p:nvSpPr>
-                <p:cNvPr id="824" name="Rectangle"/>
+                <p:cNvPr id="823" name="Rectangle"/>
                 <p:cNvSpPr/>
                 <p:nvPr/>
               </p:nvSpPr>
               <p:spPr>
                 <a:xfrm>
-                  <a:off x="427675" y="14801"/>
+                  <a:off x="1372" y="14801"/>
                   <a:ext cx="954550" cy="348535"/>
                 </a:xfrm>
                 <a:prstGeom prst="rect">
@@ -42178,14 +41881,14 @@
             </p:sp>
             <p:sp>
               <p:nvSpPr>
-                <p:cNvPr id="825" name="Line"/>
+                <p:cNvPr id="824" name="Line"/>
                 <p:cNvSpPr/>
                 <p:nvPr/>
               </p:nvSpPr>
               <p:spPr>
                 <a:xfrm flipV="1">
-                  <a:off x="426303" y="0"/>
-                  <a:ext cx="1" cy="364430"/>
+                  <a:off x="-1" y="0"/>
+                  <a:ext cx="2" cy="364430"/>
                 </a:xfrm>
                 <a:prstGeom prst="line">
                   <a:avLst/>
@@ -42229,21 +41932,21 @@
           </p:grpSp>
           <p:grpSp>
             <p:nvGrpSpPr>
-              <p:cNvPr id="834" name="Group"/>
+              <p:cNvPr id="833" name="Group"/>
               <p:cNvGrpSpPr/>
               <p:nvPr/>
             </p:nvGrpSpPr>
             <p:grpSpPr>
               <a:xfrm>
-                <a:off x="0" y="217353"/>
-                <a:ext cx="2188214" cy="333808"/>
+                <a:off x="-1" y="217353"/>
+                <a:ext cx="2188215" cy="333808"/>
                 <a:chOff x="0" y="0"/>
                 <a:chExt cx="2188213" cy="333807"/>
               </a:xfrm>
             </p:grpSpPr>
             <p:sp>
               <p:nvSpPr>
-                <p:cNvPr id="827" name="Line"/>
+                <p:cNvPr id="826" name="Line"/>
                 <p:cNvSpPr/>
                 <p:nvPr/>
               </p:nvSpPr>
@@ -42289,7 +41992,7 @@
             </p:sp>
             <p:sp>
               <p:nvSpPr>
-                <p:cNvPr id="828" name="2019"/>
+                <p:cNvPr id="827" name="2019"/>
                 <p:cNvSpPr txBox="1"/>
                 <p:nvPr/>
               </p:nvSpPr>
@@ -42339,7 +42042,7 @@
             </p:sp>
             <p:sp>
               <p:nvSpPr>
-                <p:cNvPr id="829" name="Line"/>
+                <p:cNvPr id="828" name="Line"/>
                 <p:cNvSpPr/>
                 <p:nvPr/>
               </p:nvSpPr>
@@ -42385,7 +42088,7 @@
             </p:sp>
             <p:sp>
               <p:nvSpPr>
-                <p:cNvPr id="830" name="2020"/>
+                <p:cNvPr id="829" name="2020"/>
                 <p:cNvSpPr txBox="1"/>
                 <p:nvPr/>
               </p:nvSpPr>
@@ -42435,7 +42138,7 @@
             </p:sp>
             <p:sp>
               <p:nvSpPr>
-                <p:cNvPr id="831" name="Line"/>
+                <p:cNvPr id="830" name="Line"/>
                 <p:cNvSpPr/>
                 <p:nvPr/>
               </p:nvSpPr>
@@ -42481,7 +42184,7 @@
             </p:sp>
             <p:sp>
               <p:nvSpPr>
-                <p:cNvPr id="832" name="2021"/>
+                <p:cNvPr id="831" name="2021"/>
                 <p:cNvSpPr txBox="1"/>
                 <p:nvPr/>
               </p:nvSpPr>
@@ -42531,7 +42234,7 @@
             </p:sp>
             <p:sp>
               <p:nvSpPr>
-                <p:cNvPr id="833" name="Line"/>
+                <p:cNvPr id="832" name="Line"/>
                 <p:cNvSpPr/>
                 <p:nvPr/>
               </p:nvSpPr>
@@ -42621,7 +42324,7 @@
       </p:grpSp>
       <p:grpSp>
         <p:nvGrpSpPr>
-          <p:cNvPr id="894" name="Group"/>
+          <p:cNvPr id="893" name="Group"/>
           <p:cNvGrpSpPr/>
           <p:nvPr/>
         </p:nvGrpSpPr>
@@ -42635,7 +42338,7 @@
         </p:grpSpPr>
         <p:sp>
           <p:nvSpPr>
-            <p:cNvPr id="837" name="Intervals represent specific intervals of the timeline, bounded by start and end date-times.…"/>
+            <p:cNvPr id="836" name="Intervals represent specific intervals of the timeline, bounded by start and end date-times.…"/>
             <p:cNvSpPr txBox="1"/>
             <p:nvPr/>
           </p:nvSpPr>
@@ -42987,7 +42690,7 @@
         </p:sp>
         <p:grpSp>
           <p:nvGrpSpPr>
-            <p:cNvPr id="853" name="Group"/>
+            <p:cNvPr id="852" name="Group"/>
             <p:cNvGrpSpPr/>
             <p:nvPr/>
           </p:nvGrpSpPr>
@@ -43001,7 +42704,7 @@
           </p:grpSpPr>
           <p:sp>
             <p:nvSpPr>
-              <p:cNvPr id="838" name="Arrow"/>
+              <p:cNvPr id="837" name="Arrow"/>
               <p:cNvSpPr/>
               <p:nvPr/>
             </p:nvSpPr>
@@ -43049,7 +42752,7 @@
           </p:sp>
           <p:grpSp>
             <p:nvGrpSpPr>
-              <p:cNvPr id="850" name="Group"/>
+              <p:cNvPr id="849" name="Group"/>
               <p:cNvGrpSpPr/>
               <p:nvPr/>
             </p:nvGrpSpPr>
@@ -43063,7 +42766,7 @@
             </p:grpSpPr>
             <p:sp>
               <p:nvSpPr>
-                <p:cNvPr id="839" name="Line"/>
+                <p:cNvPr id="838" name="Line"/>
                 <p:cNvSpPr/>
                 <p:nvPr/>
               </p:nvSpPr>
@@ -43109,7 +42812,7 @@
             </p:sp>
             <p:sp>
               <p:nvSpPr>
-                <p:cNvPr id="840" name="Line"/>
+                <p:cNvPr id="839" name="Line"/>
                 <p:cNvSpPr/>
                 <p:nvPr/>
               </p:nvSpPr>
@@ -43155,7 +42858,7 @@
             </p:sp>
             <p:sp>
               <p:nvSpPr>
-                <p:cNvPr id="841" name="12:00"/>
+                <p:cNvPr id="840" name="12:00"/>
                 <p:cNvSpPr txBox="1"/>
                 <p:nvPr/>
               </p:nvSpPr>
@@ -43205,7 +42908,7 @@
             </p:sp>
             <p:sp>
               <p:nvSpPr>
-                <p:cNvPr id="842" name="Line"/>
+                <p:cNvPr id="841" name="Line"/>
                 <p:cNvSpPr/>
                 <p:nvPr/>
               </p:nvSpPr>
@@ -43251,7 +42954,7 @@
             </p:sp>
             <p:sp>
               <p:nvSpPr>
-                <p:cNvPr id="843" name="1:00"/>
+                <p:cNvPr id="842" name="1:00"/>
                 <p:cNvSpPr txBox="1"/>
                 <p:nvPr/>
               </p:nvSpPr>
@@ -43301,7 +43004,7 @@
             </p:sp>
             <p:sp>
               <p:nvSpPr>
-                <p:cNvPr id="844" name="2:00"/>
+                <p:cNvPr id="843" name="2:00"/>
                 <p:cNvSpPr txBox="1"/>
                 <p:nvPr/>
               </p:nvSpPr>
@@ -43351,7 +43054,7 @@
             </p:sp>
             <p:sp>
               <p:nvSpPr>
-                <p:cNvPr id="845" name="Line"/>
+                <p:cNvPr id="844" name="Line"/>
                 <p:cNvSpPr/>
                 <p:nvPr/>
               </p:nvSpPr>
@@ -43397,7 +43100,7 @@
             </p:sp>
             <p:sp>
               <p:nvSpPr>
-                <p:cNvPr id="846" name="3:00"/>
+                <p:cNvPr id="845" name="3:00"/>
                 <p:cNvSpPr txBox="1"/>
                 <p:nvPr/>
               </p:nvSpPr>
@@ -43447,7 +43150,7 @@
             </p:sp>
             <p:sp>
               <p:nvSpPr>
-                <p:cNvPr id="847" name="Line"/>
+                <p:cNvPr id="846" name="Line"/>
                 <p:cNvSpPr/>
                 <p:nvPr/>
               </p:nvSpPr>
@@ -43494,7 +43197,7 @@
             </p:sp>
             <p:sp>
               <p:nvSpPr>
-                <p:cNvPr id="848" name="Line"/>
+                <p:cNvPr id="847" name="Line"/>
                 <p:cNvSpPr/>
                 <p:nvPr/>
               </p:nvSpPr>
@@ -43540,7 +43243,7 @@
             </p:sp>
             <p:sp>
               <p:nvSpPr>
-                <p:cNvPr id="849" name="Line"/>
+                <p:cNvPr id="848" name="Line"/>
                 <p:cNvSpPr/>
                 <p:nvPr/>
               </p:nvSpPr>
@@ -43587,7 +43290,7 @@
           </p:grpSp>
           <p:sp>
             <p:nvSpPr>
-              <p:cNvPr id="851" name="Line"/>
+              <p:cNvPr id="850" name="Line"/>
               <p:cNvSpPr/>
               <p:nvPr/>
             </p:nvSpPr>
@@ -43637,7 +43340,7 @@
           </p:sp>
           <p:sp>
             <p:nvSpPr>
-              <p:cNvPr id="852" name="Line"/>
+              <p:cNvPr id="851" name="Line"/>
               <p:cNvSpPr/>
               <p:nvPr/>
             </p:nvSpPr>
@@ -43688,7 +43391,7 @@
         </p:grpSp>
         <p:grpSp>
           <p:nvGrpSpPr>
-            <p:cNvPr id="867" name="Group"/>
+            <p:cNvPr id="866" name="Group"/>
             <p:cNvGrpSpPr/>
             <p:nvPr/>
           </p:nvGrpSpPr>
@@ -43702,7 +43405,7 @@
           </p:grpSpPr>
           <p:sp>
             <p:nvSpPr>
-              <p:cNvPr id="854" name="Arrow"/>
+              <p:cNvPr id="853" name="Arrow"/>
               <p:cNvSpPr/>
               <p:nvPr/>
             </p:nvSpPr>
@@ -43750,7 +43453,7 @@
           </p:sp>
           <p:sp>
             <p:nvSpPr>
-              <p:cNvPr id="855" name="Line"/>
+              <p:cNvPr id="854" name="Line"/>
               <p:cNvSpPr/>
               <p:nvPr/>
             </p:nvSpPr>
@@ -43800,21 +43503,21 @@
           </p:sp>
           <p:grpSp>
             <p:nvGrpSpPr>
-              <p:cNvPr id="865" name="Group"/>
+              <p:cNvPr id="864" name="Group"/>
               <p:cNvGrpSpPr/>
               <p:nvPr/>
             </p:nvGrpSpPr>
             <p:grpSpPr>
               <a:xfrm>
-                <a:off x="0" y="337412"/>
-                <a:ext cx="2183287" cy="254527"/>
+                <a:off x="-1" y="337412"/>
+                <a:ext cx="2183288" cy="254527"/>
                 <a:chOff x="0" y="0"/>
                 <a:chExt cx="2183286" cy="254526"/>
               </a:xfrm>
             </p:grpSpPr>
             <p:sp>
               <p:nvSpPr>
-                <p:cNvPr id="856" name="Line"/>
+                <p:cNvPr id="855" name="Line"/>
                 <p:cNvSpPr/>
                 <p:nvPr/>
               </p:nvSpPr>
@@ -43860,7 +43563,7 @@
             </p:sp>
             <p:sp>
               <p:nvSpPr>
-                <p:cNvPr id="857" name="1:00"/>
+                <p:cNvPr id="856" name="1:00"/>
                 <p:cNvSpPr txBox="1"/>
                 <p:nvPr/>
               </p:nvSpPr>
@@ -43910,7 +43613,7 @@
             </p:sp>
             <p:sp>
               <p:nvSpPr>
-                <p:cNvPr id="858" name="2:00"/>
+                <p:cNvPr id="857" name="2:00"/>
                 <p:cNvSpPr txBox="1"/>
                 <p:nvPr/>
               </p:nvSpPr>
@@ -43960,7 +43663,7 @@
             </p:sp>
             <p:sp>
               <p:nvSpPr>
-                <p:cNvPr id="859" name="Line"/>
+                <p:cNvPr id="858" name="Line"/>
                 <p:cNvSpPr/>
                 <p:nvPr/>
               </p:nvSpPr>
@@ -44006,7 +43709,7 @@
             </p:sp>
             <p:sp>
               <p:nvSpPr>
-                <p:cNvPr id="860" name="3:00"/>
+                <p:cNvPr id="859" name="3:00"/>
                 <p:cNvSpPr txBox="1"/>
                 <p:nvPr/>
               </p:nvSpPr>
@@ -44056,7 +43759,7 @@
             </p:sp>
             <p:sp>
               <p:nvSpPr>
-                <p:cNvPr id="861" name="Line"/>
+                <p:cNvPr id="860" name="Line"/>
                 <p:cNvSpPr/>
                 <p:nvPr/>
               </p:nvSpPr>
@@ -44102,7 +43805,7 @@
             </p:sp>
             <p:sp>
               <p:nvSpPr>
-                <p:cNvPr id="862" name="4:00"/>
+                <p:cNvPr id="861" name="4:00"/>
                 <p:cNvSpPr txBox="1"/>
                 <p:nvPr/>
               </p:nvSpPr>
@@ -44152,7 +43855,7 @@
             </p:sp>
             <p:sp>
               <p:nvSpPr>
-                <p:cNvPr id="863" name="Line"/>
+                <p:cNvPr id="862" name="Line"/>
                 <p:cNvSpPr/>
                 <p:nvPr/>
               </p:nvSpPr>
@@ -44199,7 +43902,7 @@
             </p:sp>
             <p:sp>
               <p:nvSpPr>
-                <p:cNvPr id="864" name="Line"/>
+                <p:cNvPr id="863" name="Line"/>
                 <p:cNvSpPr/>
                 <p:nvPr/>
               </p:nvSpPr>
@@ -44246,7 +43949,7 @@
           </p:grpSp>
           <p:sp>
             <p:nvSpPr>
-              <p:cNvPr id="866" name="Line"/>
+              <p:cNvPr id="865" name="Line"/>
               <p:cNvSpPr/>
               <p:nvPr/>
             </p:nvSpPr>
@@ -44297,7 +44000,7 @@
         </p:grpSp>
         <p:grpSp>
           <p:nvGrpSpPr>
-            <p:cNvPr id="881" name="Group"/>
+            <p:cNvPr id="880" name="Group"/>
             <p:cNvGrpSpPr/>
             <p:nvPr/>
           </p:nvGrpSpPr>
@@ -44311,7 +44014,7 @@
           </p:grpSpPr>
           <p:sp>
             <p:nvSpPr>
-              <p:cNvPr id="868" name="Arrow"/>
+              <p:cNvPr id="867" name="Arrow"/>
               <p:cNvSpPr/>
               <p:nvPr/>
             </p:nvSpPr>
@@ -44359,7 +44062,7 @@
           </p:sp>
           <p:sp>
             <p:nvSpPr>
-              <p:cNvPr id="869" name="Line"/>
+              <p:cNvPr id="868" name="Line"/>
               <p:cNvSpPr/>
               <p:nvPr/>
             </p:nvSpPr>
@@ -44409,21 +44112,21 @@
           </p:sp>
           <p:grpSp>
             <p:nvGrpSpPr>
-              <p:cNvPr id="879" name="Group"/>
+              <p:cNvPr id="878" name="Group"/>
               <p:cNvGrpSpPr/>
               <p:nvPr/>
             </p:nvGrpSpPr>
             <p:grpSpPr>
               <a:xfrm>
-                <a:off x="0" y="339391"/>
-                <a:ext cx="2183287" cy="254527"/>
+                <a:off x="-1" y="339391"/>
+                <a:ext cx="2183288" cy="254527"/>
                 <a:chOff x="0" y="0"/>
                 <a:chExt cx="2183286" cy="254526"/>
               </a:xfrm>
             </p:grpSpPr>
             <p:sp>
               <p:nvSpPr>
-                <p:cNvPr id="870" name="Line"/>
+                <p:cNvPr id="869" name="Line"/>
                 <p:cNvSpPr/>
                 <p:nvPr/>
               </p:nvSpPr>
@@ -44469,7 +44172,7 @@
             </p:sp>
             <p:sp>
               <p:nvSpPr>
-                <p:cNvPr id="871" name="1:00"/>
+                <p:cNvPr id="870" name="1:00"/>
                 <p:cNvSpPr txBox="1"/>
                 <p:nvPr/>
               </p:nvSpPr>
@@ -44519,7 +44222,7 @@
             </p:sp>
             <p:sp>
               <p:nvSpPr>
-                <p:cNvPr id="872" name="2:00"/>
+                <p:cNvPr id="871" name="2:00"/>
                 <p:cNvSpPr txBox="1"/>
                 <p:nvPr/>
               </p:nvSpPr>
@@ -44569,7 +44272,7 @@
             </p:sp>
             <p:sp>
               <p:nvSpPr>
-                <p:cNvPr id="873" name="Line"/>
+                <p:cNvPr id="872" name="Line"/>
                 <p:cNvSpPr/>
                 <p:nvPr/>
               </p:nvSpPr>
@@ -44615,7 +44318,7 @@
             </p:sp>
             <p:sp>
               <p:nvSpPr>
-                <p:cNvPr id="874" name="3:00"/>
+                <p:cNvPr id="873" name="3:00"/>
                 <p:cNvSpPr txBox="1"/>
                 <p:nvPr/>
               </p:nvSpPr>
@@ -44665,7 +44368,7 @@
             </p:sp>
             <p:sp>
               <p:nvSpPr>
-                <p:cNvPr id="875" name="Line"/>
+                <p:cNvPr id="874" name="Line"/>
                 <p:cNvSpPr/>
                 <p:nvPr/>
               </p:nvSpPr>
@@ -44711,7 +44414,7 @@
             </p:sp>
             <p:sp>
               <p:nvSpPr>
-                <p:cNvPr id="876" name="4:00"/>
+                <p:cNvPr id="875" name="4:00"/>
                 <p:cNvSpPr txBox="1"/>
                 <p:nvPr/>
               </p:nvSpPr>
@@ -44761,7 +44464,7 @@
             </p:sp>
             <p:sp>
               <p:nvSpPr>
-                <p:cNvPr id="877" name="Line"/>
+                <p:cNvPr id="876" name="Line"/>
                 <p:cNvSpPr/>
                 <p:nvPr/>
               </p:nvSpPr>
@@ -44808,7 +44511,7 @@
             </p:sp>
             <p:sp>
               <p:nvSpPr>
-                <p:cNvPr id="878" name="Line"/>
+                <p:cNvPr id="877" name="Line"/>
                 <p:cNvSpPr/>
                 <p:nvPr/>
               </p:nvSpPr>
@@ -44855,7 +44558,7 @@
           </p:grpSp>
           <p:sp>
             <p:nvSpPr>
-              <p:cNvPr id="880" name="Line"/>
+              <p:cNvPr id="879" name="Line"/>
               <p:cNvSpPr/>
               <p:nvPr/>
             </p:nvSpPr>
@@ -44906,7 +44609,7 @@
         </p:grpSp>
         <p:grpSp>
           <p:nvGrpSpPr>
-            <p:cNvPr id="893" name="Group"/>
+            <p:cNvPr id="892" name="Group"/>
             <p:cNvGrpSpPr/>
             <p:nvPr/>
           </p:nvGrpSpPr>
@@ -44920,7 +44623,7 @@
           </p:grpSpPr>
           <p:sp>
             <p:nvSpPr>
-              <p:cNvPr id="882" name="Arrow"/>
+              <p:cNvPr id="881" name="Arrow"/>
               <p:cNvSpPr/>
               <p:nvPr/>
             </p:nvSpPr>
@@ -44968,7 +44671,7 @@
           </p:sp>
           <p:sp>
             <p:nvSpPr>
-              <p:cNvPr id="883" name="Line"/>
+              <p:cNvPr id="882" name="Line"/>
               <p:cNvSpPr/>
               <p:nvPr/>
             </p:nvSpPr>
@@ -45018,7 +44721,7 @@
           </p:sp>
           <p:sp>
             <p:nvSpPr>
-              <p:cNvPr id="884" name="Line"/>
+              <p:cNvPr id="883" name="Line"/>
               <p:cNvSpPr/>
               <p:nvPr/>
             </p:nvSpPr>
@@ -45068,21 +44771,21 @@
           </p:sp>
           <p:grpSp>
             <p:nvGrpSpPr>
-              <p:cNvPr id="892" name="Group"/>
+              <p:cNvPr id="891" name="Group"/>
               <p:cNvGrpSpPr/>
               <p:nvPr/>
             </p:nvGrpSpPr>
             <p:grpSpPr>
               <a:xfrm>
-                <a:off x="0" y="250717"/>
-                <a:ext cx="2188214" cy="333809"/>
+                <a:off x="-1" y="250717"/>
+                <a:ext cx="2188215" cy="333809"/>
                 <a:chOff x="0" y="0"/>
                 <a:chExt cx="2188213" cy="333807"/>
               </a:xfrm>
             </p:grpSpPr>
             <p:sp>
               <p:nvSpPr>
-                <p:cNvPr id="885" name="Line"/>
+                <p:cNvPr id="884" name="Line"/>
                 <p:cNvSpPr/>
                 <p:nvPr/>
               </p:nvSpPr>
@@ -45128,7 +44831,7 @@
             </p:sp>
             <p:sp>
               <p:nvSpPr>
-                <p:cNvPr id="886" name="2019"/>
+                <p:cNvPr id="885" name="2019"/>
                 <p:cNvSpPr txBox="1"/>
                 <p:nvPr/>
               </p:nvSpPr>
@@ -45178,7 +44881,7 @@
             </p:sp>
             <p:sp>
               <p:nvSpPr>
-                <p:cNvPr id="887" name="Line"/>
+                <p:cNvPr id="886" name="Line"/>
                 <p:cNvSpPr/>
                 <p:nvPr/>
               </p:nvSpPr>
@@ -45224,7 +44927,7 @@
             </p:sp>
             <p:sp>
               <p:nvSpPr>
-                <p:cNvPr id="888" name="2020"/>
+                <p:cNvPr id="887" name="2020"/>
                 <p:cNvSpPr txBox="1"/>
                 <p:nvPr/>
               </p:nvSpPr>
@@ -45274,7 +44977,7 @@
             </p:sp>
             <p:sp>
               <p:nvSpPr>
-                <p:cNvPr id="889" name="Line"/>
+                <p:cNvPr id="888" name="Line"/>
                 <p:cNvSpPr/>
                 <p:nvPr/>
               </p:nvSpPr>
@@ -45320,7 +45023,7 @@
             </p:sp>
             <p:sp>
               <p:nvSpPr>
-                <p:cNvPr id="890" name="2021"/>
+                <p:cNvPr id="889" name="2021"/>
                 <p:cNvSpPr txBox="1"/>
                 <p:nvPr/>
               </p:nvSpPr>
@@ -45370,7 +45073,7 @@
             </p:sp>
             <p:sp>
               <p:nvSpPr>
-                <p:cNvPr id="891" name="Line"/>
+                <p:cNvPr id="890" name="Line"/>
                 <p:cNvSpPr/>
                 <p:nvPr/>
               </p:nvSpPr>
@@ -45460,7 +45163,7 @@
       </p:grpSp>
       <p:sp>
         <p:nvSpPr>
-          <p:cNvPr id="895" name="Not all years…"/>
+          <p:cNvPr id="894" name="Not all years…"/>
           <p:cNvSpPr txBox="1"/>
           <p:nvPr/>
         </p:nvSpPr>
@@ -45868,7 +45571,7 @@
       </p:sp>
       <p:pic>
         <p:nvPicPr>
-          <p:cNvPr id="896" name="lubridate.png" descr="lubridate.png"/>
+          <p:cNvPr id="895" name="lubridate.png" descr="lubridate.png"/>
           <p:cNvPicPr>
             <a:picLocks noChangeAspect="1"/>
           </p:cNvPicPr>
@@ -45897,7 +45600,7 @@
       </p:pic>
       <p:pic>
         <p:nvPicPr>
-          <p:cNvPr id="897" name="Image" descr="Image"/>
+          <p:cNvPr id="896" name="Image" descr="Image"/>
           <p:cNvPicPr>
             <a:picLocks noChangeAspect="1"/>
           </p:cNvPicPr>
@@ -45924,6 +45627,479 @@
           </a:ln>
         </p:spPr>
       </p:pic>
+      <p:sp>
+        <p:nvSpPr>
+          <p:cNvPr id="897" name="dyears(x = 1) 31536000x seconds.…"/>
+          <p:cNvSpPr txBox="1"/>
+          <p:nvPr/>
+        </p:nvSpPr>
+        <p:spPr>
+          <a:xfrm>
+            <a:off x="6674881" y="6126496"/>
+            <a:ext cx="2491260" cy="3769065"/>
+          </a:xfrm>
+          <a:prstGeom prst="rect">
+            <a:avLst/>
+          </a:prstGeom>
+          <a:ln w="12700">
+            <a:miter lim="400000"/>
+          </a:ln>
+          <a:extLst>
+            <a:ext uri="{C572A759-6A51-4108-AA02-DFA0A04FC94B}">
+              <ma14:wrappingTextBoxFlag xmlns:ma14="http://schemas.microsoft.com/office/mac/drawingml/2011/main" val="1"/>
+            </a:ext>
+          </a:extLst>
+        </p:spPr>
+        <p:txBody>
+          <a:bodyPr lIns="0" tIns="0" rIns="0" bIns="0">
+            <a:normAutofit fontScale="100000" lnSpcReduction="0"/>
+          </a:bodyPr>
+          <a:lstStyle/>
+          <a:p>
+            <a:pPr>
+              <a:lnSpc>
+                <a:spcPct val="80000"/>
+              </a:lnSpc>
+              <a:defRPr b="0" sz="1100">
+                <a:solidFill>
+                  <a:srgbClr val="000000"/>
+                </a:solidFill>
+              </a:defRPr>
+            </a:pPr>
+            <a:r>
+              <a:rPr b="1"/>
+              <a:t>dyears</a:t>
+            </a:r>
+            <a:r>
+              <a:t>(x = 1) 31536000x seconds.</a:t>
+            </a:r>
+          </a:p>
+          <a:p>
+            <a:pPr>
+              <a:lnSpc>
+                <a:spcPct val="80000"/>
+              </a:lnSpc>
+              <a:defRPr b="0" sz="1100">
+                <a:solidFill>
+                  <a:srgbClr val="000000"/>
+                </a:solidFill>
+              </a:defRPr>
+            </a:pPr>
+            <a:r>
+              <a:rPr b="1"/>
+              <a:t>dmonths</a:t>
+            </a:r>
+            <a:r>
+              <a:t>(x = 1) 2629800x seconds.</a:t>
+            </a:r>
+          </a:p>
+          <a:p>
+            <a:pPr>
+              <a:lnSpc>
+                <a:spcPct val="80000"/>
+              </a:lnSpc>
+              <a:defRPr b="0" sz="1100">
+                <a:solidFill>
+                  <a:srgbClr val="000000"/>
+                </a:solidFill>
+              </a:defRPr>
+            </a:pPr>
+            <a:r>
+              <a:rPr b="1"/>
+              <a:t>dweeks</a:t>
+            </a:r>
+            <a:r>
+              <a:t>(x = 1) 604800x seconds.</a:t>
+            </a:r>
+            <a:endParaRPr i="1"/>
+          </a:p>
+          <a:p>
+            <a:pPr>
+              <a:lnSpc>
+                <a:spcPct val="80000"/>
+              </a:lnSpc>
+              <a:defRPr b="0" sz="1100">
+                <a:solidFill>
+                  <a:srgbClr val="000000"/>
+                </a:solidFill>
+              </a:defRPr>
+            </a:pPr>
+            <a:r>
+              <a:rPr b="1"/>
+              <a:t>ddays</a:t>
+            </a:r>
+            <a:r>
+              <a:t>(x = 1) 86400x seconds.</a:t>
+            </a:r>
+            <a:endParaRPr i="1"/>
+          </a:p>
+          <a:p>
+            <a:pPr>
+              <a:lnSpc>
+                <a:spcPct val="80000"/>
+              </a:lnSpc>
+              <a:defRPr b="0" sz="1100">
+                <a:solidFill>
+                  <a:srgbClr val="000000"/>
+                </a:solidFill>
+              </a:defRPr>
+            </a:pPr>
+            <a:r>
+              <a:rPr b="1"/>
+              <a:t>dhours</a:t>
+            </a:r>
+            <a:r>
+              <a:t>(x = 1) 3600x seconds.</a:t>
+            </a:r>
+            <a:endParaRPr i="1"/>
+          </a:p>
+          <a:p>
+            <a:pPr>
+              <a:lnSpc>
+                <a:spcPct val="80000"/>
+              </a:lnSpc>
+              <a:defRPr b="0" sz="1100">
+                <a:solidFill>
+                  <a:srgbClr val="000000"/>
+                </a:solidFill>
+              </a:defRPr>
+            </a:pPr>
+            <a:r>
+              <a:rPr b="1"/>
+              <a:t>dminutes</a:t>
+            </a:r>
+            <a:r>
+              <a:t>(x = 1) 60x seconds.</a:t>
+            </a:r>
+            <a:endParaRPr i="1"/>
+          </a:p>
+          <a:p>
+            <a:pPr>
+              <a:lnSpc>
+                <a:spcPct val="80000"/>
+              </a:lnSpc>
+              <a:defRPr b="0" sz="1100">
+                <a:solidFill>
+                  <a:srgbClr val="000000"/>
+                </a:solidFill>
+              </a:defRPr>
+            </a:pPr>
+            <a:r>
+              <a:rPr b="1"/>
+              <a:t>dseconds</a:t>
+            </a:r>
+            <a:r>
+              <a:t>(x = 1) x  seconds.</a:t>
+            </a:r>
+            <a:endParaRPr i="1"/>
+          </a:p>
+          <a:p>
+            <a:pPr>
+              <a:lnSpc>
+                <a:spcPct val="80000"/>
+              </a:lnSpc>
+              <a:defRPr b="0" sz="1100">
+                <a:solidFill>
+                  <a:srgbClr val="000000"/>
+                </a:solidFill>
+              </a:defRPr>
+            </a:pPr>
+            <a:r>
+              <a:rPr b="1"/>
+              <a:t>dmilliseconds</a:t>
+            </a:r>
+            <a:r>
+              <a:t>(x = 1) x </a:t>
+            </a:r>
+            <a:r>
+              <a:rPr baseline="9090">
+                <a:latin typeface="Source Sans Pro ExtraLight"/>
+                <a:ea typeface="Source Sans Pro ExtraLight"/>
+                <a:cs typeface="Source Sans Pro ExtraLight"/>
+                <a:sym typeface="Source Sans Pro ExtraLight"/>
+              </a:rPr>
+              <a:t>x</a:t>
+            </a:r>
+            <a:r>
+              <a:t> 10</a:t>
+            </a:r>
+            <a:r>
+              <a:rPr baseline="31999"/>
+              <a:t>-3</a:t>
+            </a:r>
+            <a:r>
+              <a:t> seconds.</a:t>
+            </a:r>
+            <a:endParaRPr i="1"/>
+          </a:p>
+          <a:p>
+            <a:pPr>
+              <a:lnSpc>
+                <a:spcPct val="80000"/>
+              </a:lnSpc>
+              <a:defRPr b="0" sz="1100">
+                <a:solidFill>
+                  <a:srgbClr val="000000"/>
+                </a:solidFill>
+              </a:defRPr>
+            </a:pPr>
+            <a:r>
+              <a:rPr b="1"/>
+              <a:t>dmicroseconds</a:t>
+            </a:r>
+            <a:r>
+              <a:t>(x = 1) x </a:t>
+            </a:r>
+            <a:r>
+              <a:rPr baseline="9090">
+                <a:latin typeface="Source Sans Pro ExtraLight"/>
+                <a:ea typeface="Source Sans Pro ExtraLight"/>
+                <a:cs typeface="Source Sans Pro ExtraLight"/>
+                <a:sym typeface="Source Sans Pro ExtraLight"/>
+              </a:rPr>
+              <a:t>x</a:t>
+            </a:r>
+            <a:r>
+              <a:t> 10</a:t>
+            </a:r>
+            <a:r>
+              <a:rPr baseline="31999"/>
+              <a:t>-6</a:t>
+            </a:r>
+            <a:r>
+              <a:t> seconds.</a:t>
+            </a:r>
+            <a:endParaRPr i="1"/>
+          </a:p>
+          <a:p>
+            <a:pPr>
+              <a:lnSpc>
+                <a:spcPct val="80000"/>
+              </a:lnSpc>
+              <a:defRPr b="0" sz="1100">
+                <a:solidFill>
+                  <a:srgbClr val="000000"/>
+                </a:solidFill>
+              </a:defRPr>
+            </a:pPr>
+            <a:r>
+              <a:rPr b="1"/>
+              <a:t>dnanoseconds</a:t>
+            </a:r>
+            <a:r>
+              <a:t>(x = 1) x </a:t>
+            </a:r>
+            <a:r>
+              <a:rPr baseline="9090">
+                <a:latin typeface="Source Sans Pro ExtraLight"/>
+                <a:ea typeface="Source Sans Pro ExtraLight"/>
+                <a:cs typeface="Source Sans Pro ExtraLight"/>
+                <a:sym typeface="Source Sans Pro ExtraLight"/>
+              </a:rPr>
+              <a:t>x</a:t>
+            </a:r>
+            <a:r>
+              <a:t> 10</a:t>
+            </a:r>
+            <a:r>
+              <a:rPr baseline="31999"/>
+              <a:t>-9</a:t>
+            </a:r>
+            <a:r>
+              <a:t> seconds.</a:t>
+            </a:r>
+            <a:endParaRPr i="1"/>
+          </a:p>
+          <a:p>
+            <a:pPr>
+              <a:lnSpc>
+                <a:spcPct val="80000"/>
+              </a:lnSpc>
+              <a:defRPr b="0" sz="1100">
+                <a:solidFill>
+                  <a:srgbClr val="000000"/>
+                </a:solidFill>
+              </a:defRPr>
+            </a:pPr>
+            <a:r>
+              <a:rPr b="1"/>
+              <a:t>dpicoseconds</a:t>
+            </a:r>
+            <a:r>
+              <a:t>(x = 1) x </a:t>
+            </a:r>
+            <a:r>
+              <a:rPr baseline="9090">
+                <a:latin typeface="Source Sans Pro ExtraLight"/>
+                <a:ea typeface="Source Sans Pro ExtraLight"/>
+                <a:cs typeface="Source Sans Pro ExtraLight"/>
+                <a:sym typeface="Source Sans Pro ExtraLight"/>
+              </a:rPr>
+              <a:t>x</a:t>
+            </a:r>
+            <a:r>
+              <a:t> 10</a:t>
+            </a:r>
+            <a:r>
+              <a:rPr baseline="31999"/>
+              <a:t>-12</a:t>
+            </a:r>
+            <a:r>
+              <a:t> seconds.</a:t>
+            </a:r>
+          </a:p>
+          <a:p>
+            <a:pPr>
+              <a:lnSpc>
+                <a:spcPct val="80000"/>
+              </a:lnSpc>
+              <a:spcBef>
+                <a:spcPts val="100"/>
+              </a:spcBef>
+              <a:defRPr b="0" sz="1100">
+                <a:solidFill>
+                  <a:srgbClr val="000000"/>
+                </a:solidFill>
+              </a:defRPr>
+            </a:pPr>
+            <a:endParaRPr i="1"/>
+          </a:p>
+          <a:p>
+            <a:pPr>
+              <a:lnSpc>
+                <a:spcPct val="80000"/>
+              </a:lnSpc>
+              <a:spcBef>
+                <a:spcPts val="100"/>
+              </a:spcBef>
+              <a:defRPr b="0" sz="1100">
+                <a:solidFill>
+                  <a:srgbClr val="000000"/>
+                </a:solidFill>
+              </a:defRPr>
+            </a:pPr>
+            <a:r>
+              <a:rPr b="1"/>
+              <a:t>duration</a:t>
+            </a:r>
+            <a:r>
+              <a:t>(num = NULL, units = "second", ...) An automation friendly duration constructor. </a:t>
+            </a:r>
+            <a:r>
+              <a:rPr i="1"/>
+              <a:t>duration(5, unit = "years")</a:t>
+            </a:r>
+            <a:endParaRPr i="1"/>
+          </a:p>
+          <a:p>
+            <a:pPr>
+              <a:lnSpc>
+                <a:spcPct val="80000"/>
+              </a:lnSpc>
+              <a:spcBef>
+                <a:spcPts val="100"/>
+              </a:spcBef>
+              <a:defRPr b="0" sz="1100">
+                <a:solidFill>
+                  <a:srgbClr val="000000"/>
+                </a:solidFill>
+              </a:defRPr>
+            </a:pPr>
+            <a:endParaRPr i="1"/>
+          </a:p>
+          <a:p>
+            <a:pPr>
+              <a:lnSpc>
+                <a:spcPct val="80000"/>
+              </a:lnSpc>
+              <a:spcBef>
+                <a:spcPts val="0"/>
+              </a:spcBef>
+              <a:defRPr b="0" sz="1100">
+                <a:solidFill>
+                  <a:srgbClr val="000000"/>
+                </a:solidFill>
+              </a:defRPr>
+            </a:pPr>
+            <a:r>
+              <a:rPr b="1"/>
+              <a:t>as</a:t>
+            </a:r>
+            <a:r>
+              <a:rPr b="1" i="1"/>
+              <a:t>.</a:t>
+            </a:r>
+            <a:r>
+              <a:rPr b="1"/>
+              <a:t>duration</a:t>
+            </a:r>
+            <a:r>
+              <a:t>(x, …) Coerce a timespan to a duration. Also </a:t>
+            </a:r>
+            <a:r>
+              <a:rPr b="1"/>
+              <a:t>is.duration</a:t>
+            </a:r>
+            <a:r>
+              <a:t>(), </a:t>
+            </a:r>
+            <a:r>
+              <a:rPr b="1"/>
+              <a:t>is.difftime</a:t>
+            </a:r>
+            <a:r>
+              <a:t>(). </a:t>
+            </a:r>
+            <a:r>
+              <a:rPr i="1"/>
+              <a:t>as.duration(i)</a:t>
+            </a:r>
+            <a:endParaRPr i="1"/>
+          </a:p>
+          <a:p>
+            <a:pPr>
+              <a:lnSpc>
+                <a:spcPct val="80000"/>
+              </a:lnSpc>
+              <a:spcBef>
+                <a:spcPts val="0"/>
+              </a:spcBef>
+              <a:defRPr sz="1100">
+                <a:solidFill>
+                  <a:srgbClr val="000000"/>
+                </a:solidFill>
+              </a:defRPr>
+            </a:pPr>
+            <a:endParaRPr b="0" i="1"/>
+          </a:p>
+          <a:p>
+            <a:pPr>
+              <a:lnSpc>
+                <a:spcPct val="80000"/>
+              </a:lnSpc>
+              <a:spcBef>
+                <a:spcPts val="0"/>
+              </a:spcBef>
+              <a:defRPr sz="1100">
+                <a:solidFill>
+                  <a:srgbClr val="000000"/>
+                </a:solidFill>
+              </a:defRPr>
+            </a:pPr>
+            <a:r>
+              <a:t>make_difftime</a:t>
+            </a:r>
+            <a:r>
+              <a:rPr b="0"/>
+              <a:t>(x) Make difftime with the specified number of units. </a:t>
+            </a:r>
+            <a:r>
+              <a:rPr b="0" i="1"/>
+              <a:t>make_difftime(99999)</a:t>
+            </a:r>
+          </a:p>
+        </p:txBody>
+      </p:sp>
     </p:spTree>
   </p:cSld>
   <p:clrMapOvr>
